--- a/session4/presentaion/Python_Advanced.pptx
+++ b/session4/presentaion/Python_Advanced.pptx
@@ -24,20 +24,17 @@
     <p:sldId id="342" r:id="rId36"/>
     <p:sldId id="343" r:id="rId37"/>
     <p:sldId id="344" r:id="rId38"/>
-    <p:sldId id="345" r:id="rId39"/>
-    <p:sldId id="346" r:id="rId40"/>
-    <p:sldId id="348" r:id="rId41"/>
-    <p:sldId id="349" r:id="rId42"/>
-    <p:sldId id="372" r:id="rId43"/>
-    <p:sldId id="374" r:id="rId44"/>
-    <p:sldId id="380" r:id="rId45"/>
-    <p:sldId id="379" r:id="rId46"/>
-    <p:sldId id="375" r:id="rId47"/>
-    <p:sldId id="376" r:id="rId48"/>
-    <p:sldId id="382" r:id="rId49"/>
-    <p:sldId id="377" r:id="rId50"/>
-    <p:sldId id="378" r:id="rId51"/>
-    <p:sldId id="267" r:id="rId52"/>
+    <p:sldId id="349" r:id="rId39"/>
+    <p:sldId id="372" r:id="rId40"/>
+    <p:sldId id="374" r:id="rId41"/>
+    <p:sldId id="380" r:id="rId42"/>
+    <p:sldId id="379" r:id="rId43"/>
+    <p:sldId id="375" r:id="rId44"/>
+    <p:sldId id="376" r:id="rId45"/>
+    <p:sldId id="382" r:id="rId46"/>
+    <p:sldId id="377" r:id="rId47"/>
+    <p:sldId id="378" r:id="rId48"/>
+    <p:sldId id="267" r:id="rId49"/>
   </p:sldIdLst>
   <p:sldSz cx="12192000" cy="6858000"/>
   <p:notesSz cx="6858000" cy="9144000"/>
@@ -277,7 +274,7 @@
           <a:p>
             <a:fld id="{1139FA4A-C808-4981-8BA9-64217A6CCEA7}" type="datetimeFigureOut">
               <a:rPr lang="en-US" smtClean="0"/>
-              <a:t>9/19/2017</a:t>
+              <a:t>2/5/2018</a:t>
             </a:fld>
             <a:endParaRPr lang="en-US"/>
           </a:p>
@@ -445,7 +442,7 @@
           <a:p>
             <a:fld id="{1139FA4A-C808-4981-8BA9-64217A6CCEA7}" type="datetimeFigureOut">
               <a:rPr lang="en-US" smtClean="0"/>
-              <a:t>9/19/2017</a:t>
+              <a:t>2/5/2018</a:t>
             </a:fld>
             <a:endParaRPr lang="en-US"/>
           </a:p>
@@ -623,7 +620,7 @@
           <a:p>
             <a:fld id="{1139FA4A-C808-4981-8BA9-64217A6CCEA7}" type="datetimeFigureOut">
               <a:rPr lang="en-US" smtClean="0"/>
-              <a:t>9/19/2017</a:t>
+              <a:t>2/5/2018</a:t>
             </a:fld>
             <a:endParaRPr lang="en-US"/>
           </a:p>
@@ -791,7 +788,7 @@
           <a:p>
             <a:fld id="{1139FA4A-C808-4981-8BA9-64217A6CCEA7}" type="datetimeFigureOut">
               <a:rPr lang="en-US" smtClean="0"/>
-              <a:t>9/19/2017</a:t>
+              <a:t>2/5/2018</a:t>
             </a:fld>
             <a:endParaRPr lang="en-US"/>
           </a:p>
@@ -1036,7 +1033,7 @@
           <a:p>
             <a:fld id="{1139FA4A-C808-4981-8BA9-64217A6CCEA7}" type="datetimeFigureOut">
               <a:rPr lang="en-US" smtClean="0"/>
-              <a:t>9/19/2017</a:t>
+              <a:t>2/5/2018</a:t>
             </a:fld>
             <a:endParaRPr lang="en-US"/>
           </a:p>
@@ -1265,7 +1262,7 @@
           <a:p>
             <a:fld id="{1139FA4A-C808-4981-8BA9-64217A6CCEA7}" type="datetimeFigureOut">
               <a:rPr lang="en-US" smtClean="0"/>
-              <a:t>9/19/2017</a:t>
+              <a:t>2/5/2018</a:t>
             </a:fld>
             <a:endParaRPr lang="en-US"/>
           </a:p>
@@ -1629,7 +1626,7 @@
           <a:p>
             <a:fld id="{1139FA4A-C808-4981-8BA9-64217A6CCEA7}" type="datetimeFigureOut">
               <a:rPr lang="en-US" smtClean="0"/>
-              <a:t>9/19/2017</a:t>
+              <a:t>2/5/2018</a:t>
             </a:fld>
             <a:endParaRPr lang="en-US"/>
           </a:p>
@@ -1746,7 +1743,7 @@
           <a:p>
             <a:fld id="{1139FA4A-C808-4981-8BA9-64217A6CCEA7}" type="datetimeFigureOut">
               <a:rPr lang="en-US" smtClean="0"/>
-              <a:t>9/19/2017</a:t>
+              <a:t>2/5/2018</a:t>
             </a:fld>
             <a:endParaRPr lang="en-US"/>
           </a:p>
@@ -1841,7 +1838,7 @@
           <a:p>
             <a:fld id="{1139FA4A-C808-4981-8BA9-64217A6CCEA7}" type="datetimeFigureOut">
               <a:rPr lang="en-US" smtClean="0"/>
-              <a:t>9/19/2017</a:t>
+              <a:t>2/5/2018</a:t>
             </a:fld>
             <a:endParaRPr lang="en-US"/>
           </a:p>
@@ -2116,7 +2113,7 @@
           <a:p>
             <a:fld id="{1139FA4A-C808-4981-8BA9-64217A6CCEA7}" type="datetimeFigureOut">
               <a:rPr lang="en-US" smtClean="0"/>
-              <a:t>9/19/2017</a:t>
+              <a:t>2/5/2018</a:t>
             </a:fld>
             <a:endParaRPr lang="en-US"/>
           </a:p>
@@ -2368,7 +2365,7 @@
           <a:p>
             <a:fld id="{1139FA4A-C808-4981-8BA9-64217A6CCEA7}" type="datetimeFigureOut">
               <a:rPr lang="en-US" smtClean="0"/>
-              <a:t>9/19/2017</a:t>
+              <a:t>2/5/2018</a:t>
             </a:fld>
             <a:endParaRPr lang="en-US"/>
           </a:p>
@@ -2579,7 +2576,7 @@
           <a:p>
             <a:fld id="{1139FA4A-C808-4981-8BA9-64217A6CCEA7}" type="datetimeFigureOut">
               <a:rPr lang="en-US" smtClean="0"/>
-              <a:t>9/19/2017</a:t>
+              <a:t>2/5/2018</a:t>
             </a:fld>
             <a:endParaRPr lang="en-US"/>
           </a:p>
@@ -3161,6 +3158,13 @@
   <p:clrMapOvr>
     <a:masterClrMapping/>
   </p:clrMapOvr>
+  <p:timing>
+    <p:tnLst>
+      <p:par>
+        <p:cTn id="1" dur="indefinite" restart="never" nodeType="tmRoot"/>
+      </p:par>
+    </p:tnLst>
+  </p:timing>
 </p:sld>
 </file>
 
@@ -3848,6 +3852,13 @@
   <p:clrMapOvr>
     <a:masterClrMapping/>
   </p:clrMapOvr>
+  <p:timing>
+    <p:tnLst>
+      <p:par>
+        <p:cTn id="1" dur="indefinite" restart="never" nodeType="tmRoot"/>
+      </p:par>
+    </p:tnLst>
+  </p:timing>
 </p:sld>
 </file>
 
@@ -4527,6 +4538,13 @@
   <p:clrMapOvr>
     <a:masterClrMapping/>
   </p:clrMapOvr>
+  <p:timing>
+    <p:tnLst>
+      <p:par>
+        <p:cTn id="1" dur="indefinite" restart="never" nodeType="tmRoot"/>
+      </p:par>
+    </p:tnLst>
+  </p:timing>
 </p:sld>
 </file>
 
@@ -5157,6 +5175,13 @@
   <p:clrMapOvr>
     <a:masterClrMapping/>
   </p:clrMapOvr>
+  <p:timing>
+    <p:tnLst>
+      <p:par>
+        <p:cTn id="1" dur="indefinite" restart="never" nodeType="tmRoot"/>
+      </p:par>
+    </p:tnLst>
+  </p:timing>
 </p:sld>
 </file>
 
@@ -5722,6 +5747,13 @@
   <p:clrMapOvr>
     <a:masterClrMapping/>
   </p:clrMapOvr>
+  <p:timing>
+    <p:tnLst>
+      <p:par>
+        <p:cTn id="1" dur="indefinite" restart="never" nodeType="tmRoot"/>
+      </p:par>
+    </p:tnLst>
+  </p:timing>
 </p:sld>
 </file>
 
@@ -6343,6 +6375,13 @@
   <p:clrMapOvr>
     <a:masterClrMapping/>
   </p:clrMapOvr>
+  <p:timing>
+    <p:tnLst>
+      <p:par>
+        <p:cTn id="1" dur="indefinite" restart="never" nodeType="tmRoot"/>
+      </p:par>
+    </p:tnLst>
+  </p:timing>
 </p:sld>
 </file>
 
@@ -7028,6 +7067,13 @@
   <p:clrMapOvr>
     <a:masterClrMapping/>
   </p:clrMapOvr>
+  <p:timing>
+    <p:tnLst>
+      <p:par>
+        <p:cTn id="1" dur="indefinite" restart="never" nodeType="tmRoot"/>
+      </p:par>
+    </p:tnLst>
+  </p:timing>
 </p:sld>
 </file>
 
@@ -7296,6 +7342,13 @@
   <p:clrMapOvr>
     <a:masterClrMapping/>
   </p:clrMapOvr>
+  <p:timing>
+    <p:tnLst>
+      <p:par>
+        <p:cTn id="1" dur="indefinite" restart="never" nodeType="tmRoot"/>
+      </p:par>
+    </p:tnLst>
+  </p:timing>
 </p:sld>
 </file>
 
@@ -7852,6 +7905,13 @@
   <p:clrMapOvr>
     <a:masterClrMapping/>
   </p:clrMapOvr>
+  <p:timing>
+    <p:tnLst>
+      <p:par>
+        <p:cTn id="1" dur="indefinite" restart="never" nodeType="tmRoot"/>
+      </p:par>
+    </p:tnLst>
+  </p:timing>
 </p:sld>
 </file>
 
@@ -8339,6 +8399,13 @@
   <p:clrMapOvr>
     <a:masterClrMapping/>
   </p:clrMapOvr>
+  <p:timing>
+    <p:tnLst>
+      <p:par>
+        <p:cTn id="1" dur="indefinite" restart="never" nodeType="tmRoot"/>
+      </p:par>
+    </p:tnLst>
+  </p:timing>
 </p:sld>
 </file>
 
@@ -8721,6 +8788,13 @@
   <p:clrMapOvr>
     <a:masterClrMapping/>
   </p:clrMapOvr>
+  <p:timing>
+    <p:tnLst>
+      <p:par>
+        <p:cTn id="1" dur="indefinite" restart="never" nodeType="tmRoot"/>
+      </p:par>
+    </p:tnLst>
+  </p:timing>
 </p:sld>
 </file>
 
@@ -9233,6 +9307,13 @@
   <p:clrMapOvr>
     <a:masterClrMapping/>
   </p:clrMapOvr>
+  <p:timing>
+    <p:tnLst>
+      <p:par>
+        <p:cTn id="1" dur="indefinite" restart="never" nodeType="tmRoot"/>
+      </p:par>
+    </p:tnLst>
+  </p:timing>
 </p:sld>
 </file>
 
@@ -9390,8 +9471,15 @@
           <a:p>
             <a:r>
               <a:rPr lang="en-US" dirty="0"/>
-              <a:t>Using Modules </a:t>
-            </a:r>
+              <a:t>Making Web Requests from Python </a:t>
+            </a:r>
+            <a:endParaRPr lang="en-US" b="1" i="1" dirty="0">
+              <a:solidFill>
+                <a:srgbClr val="0070C0"/>
+              </a:solidFill>
+              <a:latin typeface="Consolas" panose="020B0609020204030204" pitchFamily="49" charset="0"/>
+              <a:cs typeface="Consolas" panose="020B0609020204030204" pitchFamily="49" charset="0"/>
+            </a:endParaRPr>
           </a:p>
         </p:txBody>
       </p:sp>
@@ -9404,7 +9492,7 @@
         <p:spPr>
           <a:xfrm>
             <a:off x="417443" y="857743"/>
-            <a:ext cx="11357113" cy="5755422"/>
+            <a:ext cx="11357113" cy="3385542"/>
           </a:xfrm>
           <a:prstGeom prst="rect">
             <a:avLst/>
@@ -9417,27 +9505,33 @@
           </a:bodyPr>
           <a:lstStyle/>
           <a:p>
+            <a:endParaRPr lang="en-US" sz="2000" dirty="0"/>
+          </a:p>
+          <a:p>
             <a:pPr marL="342900" indent="-342900">
               <a:buFont typeface="Arial" panose="020B0604020202020204" pitchFamily="34" charset="0"/>
               <a:buChar char="•"/>
             </a:pPr>
             <a:r>
               <a:rPr lang="en-US" sz="2000" dirty="0"/>
-              <a:t>Use the </a:t>
-            </a:r>
-            <a:r>
-              <a:rPr lang="en-US" sz="2400" b="1" i="1" dirty="0">
-                <a:solidFill>
-                  <a:srgbClr val="0070C0"/>
-                </a:solidFill>
-                <a:latin typeface="Consolas" panose="020B0609020204030204" pitchFamily="49" charset="0"/>
-                <a:cs typeface="Consolas" panose="020B0609020204030204" pitchFamily="49" charset="0"/>
-              </a:rPr>
-              <a:t>import</a:t>
-            </a:r>
+              <a:t>You need to read the contents of a web page into a string using Python 2 </a:t>
+            </a:r>
+          </a:p>
+          <a:p>
+            <a:pPr marL="342900" indent="-342900">
+              <a:buFont typeface="Arial" panose="020B0604020202020204" pitchFamily="34" charset="0"/>
+              <a:buChar char="•"/>
+            </a:pPr>
+            <a:endParaRPr lang="en-US" sz="2000" dirty="0"/>
+          </a:p>
+          <a:p>
+            <a:pPr marL="342900" indent="-342900">
+              <a:buFont typeface="Arial" panose="020B0604020202020204" pitchFamily="34" charset="0"/>
+              <a:buChar char="•"/>
+            </a:pPr>
             <a:r>
               <a:rPr lang="en-US" sz="2000" dirty="0"/>
-              <a:t> command:</a:t>
+              <a:t>Python has an extensive library for making HTTP requests. </a:t>
             </a:r>
           </a:p>
           <a:p>
@@ -9453,101 +9547,22 @@
               <a:buChar char="•"/>
             </a:pPr>
             <a:r>
-              <a:rPr lang="en-US" sz="2000" b="1" i="1" dirty="0">
-                <a:solidFill>
-                  <a:srgbClr val="0070C0"/>
-                </a:solidFill>
-                <a:latin typeface="Consolas" panose="020B0609020204030204" pitchFamily="49" charset="0"/>
-                <a:cs typeface="Consolas" panose="020B0609020204030204" pitchFamily="49" charset="0"/>
-              </a:rPr>
-              <a:t>import random </a:t>
-            </a:r>
-          </a:p>
-          <a:p>
-            <a:pPr marL="342900" indent="-342900">
-              <a:buFont typeface="Arial" panose="020B0604020202020204" pitchFamily="34" charset="0"/>
-              <a:buChar char="•"/>
-            </a:pPr>
-            <a:endParaRPr lang="en-US" sz="2000" b="1" i="1" dirty="0">
-              <a:solidFill>
-                <a:srgbClr val="0070C0"/>
-              </a:solidFill>
-              <a:latin typeface="Consolas" panose="020B0609020204030204" pitchFamily="49" charset="0"/>
-              <a:cs typeface="Consolas" panose="020B0609020204030204" pitchFamily="49" charset="0"/>
-            </a:endParaRPr>
-          </a:p>
-          <a:p>
-            <a:pPr marL="342900" indent="-342900">
-              <a:buFont typeface="Arial" panose="020B0604020202020204" pitchFamily="34" charset="0"/>
-              <a:buChar char="•"/>
-            </a:pPr>
-            <a:r>
               <a:rPr lang="en-US" sz="2000" dirty="0"/>
-              <a:t>Standard Python libraries include modules for </a:t>
-            </a:r>
-            <a:r>
-              <a:rPr lang="en-US" sz="2000" i="1" dirty="0">
-                <a:effectLst>
-                  <a:outerShdw blurRad="38100" dist="38100" dir="2700000" algn="tl">
-                    <a:srgbClr val="000000">
-                      <a:alpha val="43137"/>
-                    </a:srgbClr>
-                  </a:outerShdw>
-                </a:effectLst>
-              </a:rPr>
-              <a:t>random numbers</a:t>
+              <a:t>The following example reads the contents of the Google home page into the string </a:t>
+            </a:r>
+            <a:r>
+              <a:rPr lang="en-US" sz="2000" b="1" i="1" dirty="0">
+                <a:solidFill>
+                  <a:srgbClr val="0070C0"/>
+                </a:solidFill>
+                <a:latin typeface="Consolas" panose="020B0609020204030204" pitchFamily="49" charset="0"/>
+                <a:cs typeface="Consolas" panose="020B0609020204030204" pitchFamily="49" charset="0"/>
+              </a:rPr>
+              <a:t>contents</a:t>
             </a:r>
             <a:r>
               <a:rPr lang="en-US" sz="2000" dirty="0"/>
-              <a:t>, </a:t>
-            </a:r>
-            <a:r>
-              <a:rPr lang="en-US" sz="2000" i="1" dirty="0">
-                <a:effectLst>
-                  <a:outerShdw blurRad="38100" dist="38100" dir="2700000" algn="tl">
-                    <a:srgbClr val="000000">
-                      <a:alpha val="43137"/>
-                    </a:srgbClr>
-                  </a:outerShdw>
-                </a:effectLst>
-              </a:rPr>
-              <a:t>database access</a:t>
-            </a:r>
-            <a:r>
-              <a:rPr lang="en-US" sz="2000" dirty="0"/>
-              <a:t>, </a:t>
-            </a:r>
-            <a:r>
-              <a:rPr lang="en-US" sz="2000" i="1" dirty="0">
-                <a:effectLst>
-                  <a:outerShdw blurRad="38100" dist="38100" dir="2700000" algn="tl">
-                    <a:srgbClr val="000000">
-                      <a:alpha val="43137"/>
-                    </a:srgbClr>
-                  </a:outerShdw>
-                </a:effectLst>
-              </a:rPr>
-              <a:t>various Internet protocols</a:t>
-            </a:r>
-            <a:r>
-              <a:rPr lang="en-US" sz="2000" dirty="0"/>
-              <a:t>, </a:t>
-            </a:r>
-            <a:r>
-              <a:rPr lang="en-US" sz="2000" i="1" dirty="0">
-                <a:effectLst>
-                  <a:outerShdw blurRad="38100" dist="38100" dir="2700000" algn="tl">
-                    <a:srgbClr val="000000">
-                      <a:alpha val="43137"/>
-                    </a:srgbClr>
-                  </a:outerShdw>
-                </a:effectLst>
-              </a:rPr>
-              <a:t>object serialization</a:t>
-            </a:r>
-            <a:r>
-              <a:rPr lang="en-US" sz="2000" dirty="0"/>
-              <a:t>, and many more. </a:t>
+              <a:t>:</a:t>
             </a:r>
           </a:p>
           <a:p>
@@ -9563,79 +9578,56 @@
               <a:buChar char="•"/>
             </a:pPr>
             <a:r>
-              <a:rPr lang="en-US" sz="2000" dirty="0"/>
-              <a:t>One consequence of having so many modules is that there is the potential for conflict —for example, if two modules have a function of the same name. To avoid such conflicts, when importing a module, you can specify how much of the module is accessible.</a:t>
-            </a:r>
-          </a:p>
-          <a:p>
-            <a:pPr marL="342900" indent="-342900">
-              <a:buFont typeface="Arial" panose="020B0604020202020204" pitchFamily="34" charset="0"/>
-              <a:buChar char="•"/>
-            </a:pPr>
-            <a:endParaRPr lang="en-US" sz="2000" dirty="0"/>
-          </a:p>
-          <a:p>
-            <a:pPr marL="342900" indent="-342900">
-              <a:buFont typeface="Arial" panose="020B0604020202020204" pitchFamily="34" charset="0"/>
-              <a:buChar char="•"/>
-            </a:pPr>
-            <a:r>
-              <a:rPr lang="en-US" sz="2000" dirty="0"/>
-              <a:t>For example, if you just use a command like this:</a:t>
-            </a:r>
-          </a:p>
-          <a:p>
-            <a:pPr marL="342900" indent="-342900">
-              <a:buFont typeface="Arial" panose="020B0604020202020204" pitchFamily="34" charset="0"/>
-              <a:buChar char="•"/>
-            </a:pPr>
-            <a:endParaRPr lang="en-US" sz="2000" dirty="0"/>
-          </a:p>
-          <a:p>
-            <a:pPr marL="342900" indent="-342900">
-              <a:buFont typeface="Arial" panose="020B0604020202020204" pitchFamily="34" charset="0"/>
-              <a:buChar char="•"/>
-            </a:pPr>
-            <a:r>
-              <a:rPr lang="en-US" sz="2000" b="1" i="1" dirty="0">
-                <a:solidFill>
-                  <a:srgbClr val="0070C0"/>
-                </a:solidFill>
-                <a:latin typeface="Consolas" panose="020B0609020204030204" pitchFamily="49" charset="0"/>
-                <a:cs typeface="Consolas" panose="020B0609020204030204" pitchFamily="49" charset="0"/>
-              </a:rPr>
-              <a:t>import random </a:t>
-            </a:r>
-          </a:p>
-          <a:p>
-            <a:pPr marL="342900" indent="-342900">
-              <a:buFont typeface="Arial" panose="020B0604020202020204" pitchFamily="34" charset="0"/>
-              <a:buChar char="•"/>
-            </a:pPr>
-            <a:endParaRPr lang="en-US" sz="2000" dirty="0"/>
-          </a:p>
-          <a:p>
-            <a:pPr marL="342900" indent="-342900">
-              <a:buFont typeface="Arial" panose="020B0604020202020204" pitchFamily="34" charset="0"/>
-              <a:buChar char="•"/>
-            </a:pPr>
-            <a:r>
-              <a:rPr lang="en-US" sz="2000" dirty="0"/>
-              <a:t>there is no possibility of any conflicts because you will only be able to access any functions or variables in the module by prefixing them with </a:t>
-            </a:r>
-            <a:r>
-              <a:rPr lang="en-US" sz="2400" b="1" i="1" dirty="0">
-                <a:solidFill>
-                  <a:srgbClr val="0070C0"/>
-                </a:solidFill>
-                <a:latin typeface="Consolas" panose="020B0609020204030204" pitchFamily="49" charset="0"/>
-                <a:cs typeface="Consolas" panose="020B0609020204030204" pitchFamily="49" charset="0"/>
-              </a:rPr>
-              <a:t>random.</a:t>
-            </a:r>
-            <a:r>
-              <a:rPr lang="en-US" sz="2000" dirty="0"/>
-              <a:t>. </a:t>
+              <a:rPr lang="fr-FR" b="1" i="1" dirty="0">
+                <a:solidFill>
+                  <a:srgbClr val="0070C0"/>
+                </a:solidFill>
+                <a:latin typeface="Consolas" panose="020B0609020204030204" pitchFamily="49" charset="0"/>
+                <a:cs typeface="Consolas" panose="020B0609020204030204" pitchFamily="49" charset="0"/>
+              </a:rPr>
+              <a:t>import urllib2 </a:t>
+            </a:r>
+          </a:p>
+          <a:p>
+            <a:pPr marL="342900" indent="-342900">
+              <a:buFont typeface="Arial" panose="020B0604020202020204" pitchFamily="34" charset="0"/>
+              <a:buChar char="•"/>
+            </a:pPr>
+            <a:r>
+              <a:rPr lang="fr-FR" b="1" i="1" dirty="0">
+                <a:solidFill>
+                  <a:srgbClr val="0070C0"/>
+                </a:solidFill>
+                <a:latin typeface="Consolas" panose="020B0609020204030204" pitchFamily="49" charset="0"/>
+                <a:cs typeface="Consolas" panose="020B0609020204030204" pitchFamily="49" charset="0"/>
+              </a:rPr>
+              <a:t>contents = urllib2.urlopen("https://www.google.com/").read() </a:t>
+            </a:r>
+          </a:p>
+          <a:p>
+            <a:pPr marL="342900" indent="-342900">
+              <a:buFont typeface="Arial" panose="020B0604020202020204" pitchFamily="34" charset="0"/>
+              <a:buChar char="•"/>
+            </a:pPr>
+            <a:r>
+              <a:rPr lang="fr-FR" b="1" i="1" dirty="0" err="1">
+                <a:solidFill>
+                  <a:srgbClr val="0070C0"/>
+                </a:solidFill>
+                <a:latin typeface="Consolas" panose="020B0609020204030204" pitchFamily="49" charset="0"/>
+                <a:cs typeface="Consolas" panose="020B0609020204030204" pitchFamily="49" charset="0"/>
+              </a:rPr>
+              <a:t>print</a:t>
+            </a:r>
+            <a:r>
+              <a:rPr lang="fr-FR" b="1" i="1" dirty="0">
+                <a:solidFill>
+                  <a:srgbClr val="0070C0"/>
+                </a:solidFill>
+                <a:latin typeface="Consolas" panose="020B0609020204030204" pitchFamily="49" charset="0"/>
+                <a:cs typeface="Consolas" panose="020B0609020204030204" pitchFamily="49" charset="0"/>
+              </a:rPr>
+              <a:t>(contents) </a:t>
             </a:r>
           </a:p>
           <a:p>
@@ -9689,13 +9681,20 @@
     </p:spTree>
     <p:extLst>
       <p:ext uri="{BB962C8B-B14F-4D97-AF65-F5344CB8AC3E}">
-        <p14:creationId xmlns:p14="http://schemas.microsoft.com/office/powerpoint/2010/main" val="3699302659"/>
+        <p14:creationId xmlns:p14="http://schemas.microsoft.com/office/powerpoint/2010/main" val="195323463"/>
       </p:ext>
     </p:extLst>
   </p:cSld>
   <p:clrMapOvr>
     <a:masterClrMapping/>
   </p:clrMapOvr>
+  <p:timing>
+    <p:tnLst>
+      <p:par>
+        <p:cTn id="1" dur="indefinite" restart="never" nodeType="tmRoot"/>
+      </p:par>
+    </p:tnLst>
+  </p:timing>
 </p:sld>
 </file>
 
@@ -9853,8 +9852,15 @@
           <a:p>
             <a:r>
               <a:rPr lang="en-US" dirty="0"/>
-              <a:t>Using Modules </a:t>
-            </a:r>
+              <a:t>Command-Line Arguments in Python </a:t>
+            </a:r>
+            <a:endParaRPr lang="en-US" b="1" i="1" dirty="0">
+              <a:solidFill>
+                <a:srgbClr val="0070C0"/>
+              </a:solidFill>
+              <a:latin typeface="Consolas" panose="020B0609020204030204" pitchFamily="49" charset="0"/>
+              <a:cs typeface="Consolas" panose="020B0609020204030204" pitchFamily="49" charset="0"/>
+            </a:endParaRPr>
           </a:p>
         </p:txBody>
       </p:sp>
@@ -9867,7 +9873,7 @@
         <p:spPr>
           <a:xfrm>
             <a:off x="417443" y="857743"/>
-            <a:ext cx="11357113" cy="6309420"/>
+            <a:ext cx="11357113" cy="6001643"/>
           </a:xfrm>
           <a:prstGeom prst="rect">
             <a:avLst/>
@@ -9886,7 +9892,192 @@
             </a:pPr>
             <a:r>
               <a:rPr lang="en-US" sz="2000" dirty="0"/>
-              <a:t>If, on the other hand, you use the following command, everything in the module will be accessible without your having to put anything in front of it. </a:t>
+              <a:t>You want to run a Python program from the command line and pass it parameters.  </a:t>
+            </a:r>
+          </a:p>
+          <a:p>
+            <a:pPr marL="342900" indent="-342900">
+              <a:buFont typeface="Arial" panose="020B0604020202020204" pitchFamily="34" charset="0"/>
+              <a:buChar char="•"/>
+            </a:pPr>
+            <a:endParaRPr lang="en-US" sz="2000" dirty="0"/>
+          </a:p>
+          <a:p>
+            <a:pPr marL="342900" indent="-342900">
+              <a:buFont typeface="Arial" panose="020B0604020202020204" pitchFamily="34" charset="0"/>
+              <a:buChar char="•"/>
+            </a:pPr>
+            <a:r>
+              <a:rPr lang="en-US" sz="2000" dirty="0"/>
+              <a:t>Import </a:t>
+            </a:r>
+            <a:r>
+              <a:rPr lang="en-US" sz="2400" b="1" i="1" dirty="0">
+                <a:solidFill>
+                  <a:srgbClr val="0070C0"/>
+                </a:solidFill>
+                <a:latin typeface="Consolas" panose="020B0609020204030204" pitchFamily="49" charset="0"/>
+                <a:cs typeface="Consolas" panose="020B0609020204030204" pitchFamily="49" charset="0"/>
+              </a:rPr>
+              <a:t>sys</a:t>
+            </a:r>
+            <a:r>
+              <a:rPr lang="en-US" sz="2000" dirty="0"/>
+              <a:t> and use its </a:t>
+            </a:r>
+            <a:r>
+              <a:rPr lang="en-US" sz="2400" b="1" i="1" dirty="0" err="1">
+                <a:solidFill>
+                  <a:srgbClr val="0070C0"/>
+                </a:solidFill>
+                <a:latin typeface="Consolas" panose="020B0609020204030204" pitchFamily="49" charset="0"/>
+                <a:cs typeface="Consolas" panose="020B0609020204030204" pitchFamily="49" charset="0"/>
+              </a:rPr>
+              <a:t>argv</a:t>
+            </a:r>
+            <a:r>
+              <a:rPr lang="en-US" sz="2000" dirty="0"/>
+              <a:t> property, as shown in the following example. This returns an array, the first element of which is the name of the program. The other elements are any parameters (separated by spaces) that were typed on the command line after the program name.</a:t>
+            </a:r>
+          </a:p>
+          <a:p>
+            <a:pPr marL="342900" indent="-342900">
+              <a:buFont typeface="Arial" panose="020B0604020202020204" pitchFamily="34" charset="0"/>
+              <a:buChar char="•"/>
+            </a:pPr>
+            <a:r>
+              <a:rPr lang="en-US" sz="2000" b="1" dirty="0">
+                <a:solidFill>
+                  <a:srgbClr val="FF0000"/>
+                </a:solidFill>
+              </a:rPr>
+              <a:t>Example:</a:t>
+            </a:r>
+          </a:p>
+          <a:p>
+            <a:pPr marL="342900" indent="-342900">
+              <a:buFont typeface="Arial" panose="020B0604020202020204" pitchFamily="34" charset="0"/>
+              <a:buChar char="•"/>
+            </a:pPr>
+            <a:endParaRPr lang="en-US" sz="2000" dirty="0"/>
+          </a:p>
+          <a:p>
+            <a:pPr lvl="1"/>
+            <a:r>
+              <a:rPr lang="en-US" sz="2000" b="1" i="1" dirty="0">
+                <a:solidFill>
+                  <a:srgbClr val="0070C0"/>
+                </a:solidFill>
+                <a:latin typeface="Consolas" panose="020B0609020204030204" pitchFamily="49" charset="0"/>
+                <a:cs typeface="Consolas" panose="020B0609020204030204" pitchFamily="49" charset="0"/>
+              </a:rPr>
+              <a:t>import sys</a:t>
+            </a:r>
+          </a:p>
+          <a:p>
+            <a:pPr lvl="1"/>
+            <a:r>
+              <a:rPr lang="en-US" sz="2000" b="1" i="1" dirty="0">
+                <a:solidFill>
+                  <a:srgbClr val="0070C0"/>
+                </a:solidFill>
+                <a:latin typeface="Consolas" panose="020B0609020204030204" pitchFamily="49" charset="0"/>
+                <a:cs typeface="Consolas" panose="020B0609020204030204" pitchFamily="49" charset="0"/>
+              </a:rPr>
+              <a:t>for (</a:t>
+            </a:r>
+            <a:r>
+              <a:rPr lang="en-US" sz="2000" b="1" i="1" dirty="0" err="1">
+                <a:solidFill>
+                  <a:srgbClr val="0070C0"/>
+                </a:solidFill>
+                <a:latin typeface="Consolas" panose="020B0609020204030204" pitchFamily="49" charset="0"/>
+                <a:cs typeface="Consolas" panose="020B0609020204030204" pitchFamily="49" charset="0"/>
+              </a:rPr>
+              <a:t>i</a:t>
+            </a:r>
+            <a:r>
+              <a:rPr lang="en-US" sz="2000" b="1" i="1" dirty="0">
+                <a:solidFill>
+                  <a:srgbClr val="0070C0"/>
+                </a:solidFill>
+                <a:latin typeface="Consolas" panose="020B0609020204030204" pitchFamily="49" charset="0"/>
+                <a:cs typeface="Consolas" panose="020B0609020204030204" pitchFamily="49" charset="0"/>
+              </a:rPr>
+              <a:t>, value) in enumerate(</a:t>
+            </a:r>
+            <a:r>
+              <a:rPr lang="en-US" sz="2000" b="1" i="1" dirty="0" err="1">
+                <a:solidFill>
+                  <a:srgbClr val="0070C0"/>
+                </a:solidFill>
+                <a:latin typeface="Consolas" panose="020B0609020204030204" pitchFamily="49" charset="0"/>
+                <a:cs typeface="Consolas" panose="020B0609020204030204" pitchFamily="49" charset="0"/>
+              </a:rPr>
+              <a:t>sys.argv</a:t>
+            </a:r>
+            <a:r>
+              <a:rPr lang="en-US" sz="2000" b="1" i="1" dirty="0">
+                <a:solidFill>
+                  <a:srgbClr val="0070C0"/>
+                </a:solidFill>
+                <a:latin typeface="Consolas" panose="020B0609020204030204" pitchFamily="49" charset="0"/>
+                <a:cs typeface="Consolas" panose="020B0609020204030204" pitchFamily="49" charset="0"/>
+              </a:rPr>
+              <a:t>):    </a:t>
+            </a:r>
+          </a:p>
+          <a:p>
+            <a:pPr lvl="3"/>
+            <a:r>
+              <a:rPr lang="en-US" sz="2000" b="1" i="1" dirty="0">
+                <a:solidFill>
+                  <a:srgbClr val="0070C0"/>
+                </a:solidFill>
+                <a:latin typeface="Consolas" panose="020B0609020204030204" pitchFamily="49" charset="0"/>
+                <a:cs typeface="Consolas" panose="020B0609020204030204" pitchFamily="49" charset="0"/>
+              </a:rPr>
+              <a:t>print("</a:t>
+            </a:r>
+            <a:r>
+              <a:rPr lang="en-US" sz="2000" b="1" i="1" dirty="0" err="1">
+                <a:solidFill>
+                  <a:srgbClr val="0070C0"/>
+                </a:solidFill>
+                <a:latin typeface="Consolas" panose="020B0609020204030204" pitchFamily="49" charset="0"/>
+                <a:cs typeface="Consolas" panose="020B0609020204030204" pitchFamily="49" charset="0"/>
+              </a:rPr>
+              <a:t>arg</a:t>
+            </a:r>
+            <a:r>
+              <a:rPr lang="en-US" sz="2000" b="1" i="1" dirty="0">
+                <a:solidFill>
+                  <a:srgbClr val="0070C0"/>
+                </a:solidFill>
+                <a:latin typeface="Consolas" panose="020B0609020204030204" pitchFamily="49" charset="0"/>
+                <a:cs typeface="Consolas" panose="020B0609020204030204" pitchFamily="49" charset="0"/>
+              </a:rPr>
+              <a:t>: %d %s " % (</a:t>
+            </a:r>
+            <a:r>
+              <a:rPr lang="en-US" sz="2000" b="1" i="1" dirty="0" err="1">
+                <a:solidFill>
+                  <a:srgbClr val="0070C0"/>
+                </a:solidFill>
+                <a:latin typeface="Consolas" panose="020B0609020204030204" pitchFamily="49" charset="0"/>
+                <a:cs typeface="Consolas" panose="020B0609020204030204" pitchFamily="49" charset="0"/>
+              </a:rPr>
+              <a:t>i</a:t>
+            </a:r>
+            <a:r>
+              <a:rPr lang="en-US" sz="2000" b="1" i="1" dirty="0">
+                <a:solidFill>
+                  <a:srgbClr val="0070C0"/>
+                </a:solidFill>
+                <a:latin typeface="Consolas" panose="020B0609020204030204" pitchFamily="49" charset="0"/>
+                <a:cs typeface="Consolas" panose="020B0609020204030204" pitchFamily="49" charset="0"/>
+              </a:rPr>
+              <a:t>, value)) </a:t>
             </a:r>
           </a:p>
           <a:p>
@@ -9908,51 +10099,8 @@
               <a:buChar char="•"/>
             </a:pPr>
             <a:r>
-              <a:rPr lang="en-US" sz="2000" b="1" i="1" dirty="0">
-                <a:solidFill>
-                  <a:srgbClr val="0070C0"/>
-                </a:solidFill>
-                <a:latin typeface="Consolas" panose="020B0609020204030204" pitchFamily="49" charset="0"/>
-                <a:cs typeface="Consolas" panose="020B0609020204030204" pitchFamily="49" charset="0"/>
-              </a:rPr>
-              <a:t>from random import * </a:t>
-            </a:r>
-          </a:p>
-          <a:p>
-            <a:pPr marL="342900" indent="-342900">
-              <a:buFont typeface="Arial" panose="020B0604020202020204" pitchFamily="34" charset="0"/>
-              <a:buChar char="•"/>
-            </a:pPr>
-            <a:endParaRPr lang="en-US" sz="2000" b="1" i="1" dirty="0">
-              <a:solidFill>
-                <a:srgbClr val="0070C0"/>
-              </a:solidFill>
-              <a:latin typeface="Consolas" panose="020B0609020204030204" pitchFamily="49" charset="0"/>
-              <a:cs typeface="Consolas" panose="020B0609020204030204" pitchFamily="49" charset="0"/>
-            </a:endParaRPr>
-          </a:p>
-          <a:p>
-            <a:pPr marL="342900" indent="-342900">
-              <a:buFont typeface="Arial" panose="020B0604020202020204" pitchFamily="34" charset="0"/>
-              <a:buChar char="•"/>
-            </a:pPr>
-            <a:r>
               <a:rPr lang="en-US" sz="2000" dirty="0"/>
-              <a:t>In between these two extremes, you can explicitly specify those components of a module that you need within a program so that they can be conveniently used without any prefix. </a:t>
-            </a:r>
-          </a:p>
-          <a:p>
-            <a:pPr marL="342900" indent="-342900">
-              <a:buFont typeface="Arial" panose="020B0604020202020204" pitchFamily="34" charset="0"/>
-              <a:buChar char="•"/>
-            </a:pPr>
-            <a:r>
-              <a:rPr lang="en-US" sz="2000" b="1" dirty="0">
-                <a:solidFill>
-                  <a:srgbClr val="FF0000"/>
-                </a:solidFill>
-              </a:rPr>
-              <a:t>Example:</a:t>
+              <a:t>Running the program from the command line, with some parameters after it, results in the following output:</a:t>
             </a:r>
           </a:p>
           <a:p>
@@ -9975,8 +10123,14 @@
                 <a:latin typeface="Consolas" panose="020B0609020204030204" pitchFamily="49" charset="0"/>
                 <a:cs typeface="Consolas" panose="020B0609020204030204" pitchFamily="49" charset="0"/>
               </a:rPr>
-              <a:t>&gt;&gt;&gt; from random import </a:t>
-            </a:r>
+              <a:t>$ python cmd_line.py a b c </a:t>
+            </a:r>
+          </a:p>
+          <a:p>
+            <a:pPr marL="342900" indent="-342900">
+              <a:buFont typeface="Arial" panose="020B0604020202020204" pitchFamily="34" charset="0"/>
+              <a:buChar char="•"/>
+            </a:pPr>
             <a:r>
               <a:rPr lang="en-US" sz="2000" b="1" i="1" dirty="0" err="1">
                 <a:solidFill>
@@ -9985,34 +10139,24 @@
                 <a:latin typeface="Consolas" panose="020B0609020204030204" pitchFamily="49" charset="0"/>
                 <a:cs typeface="Consolas" panose="020B0609020204030204" pitchFamily="49" charset="0"/>
               </a:rPr>
-              <a:t>randint</a:t>
-            </a:r>
-            <a:r>
-              <a:rPr lang="en-US" sz="2000" b="1" i="1" dirty="0">
-                <a:solidFill>
-                  <a:srgbClr val="0070C0"/>
-                </a:solidFill>
-                <a:latin typeface="Consolas" panose="020B0609020204030204" pitchFamily="49" charset="0"/>
-                <a:cs typeface="Consolas" panose="020B0609020204030204" pitchFamily="49" charset="0"/>
-              </a:rPr>
-              <a:t> </a:t>
-            </a:r>
-          </a:p>
-          <a:p>
-            <a:pPr marL="342900" indent="-342900">
-              <a:buFont typeface="Arial" panose="020B0604020202020204" pitchFamily="34" charset="0"/>
-              <a:buChar char="•"/>
-            </a:pPr>
-            <a:r>
-              <a:rPr lang="en-US" sz="2000" b="1" i="1" dirty="0">
-                <a:solidFill>
-                  <a:srgbClr val="0070C0"/>
-                </a:solidFill>
-                <a:latin typeface="Consolas" panose="020B0609020204030204" pitchFamily="49" charset="0"/>
-                <a:cs typeface="Consolas" panose="020B0609020204030204" pitchFamily="49" charset="0"/>
-              </a:rPr>
-              <a:t>&gt;&gt;&gt; print(</a:t>
-            </a:r>
+              <a:t>arg</a:t>
+            </a:r>
+            <a:r>
+              <a:rPr lang="en-US" sz="2000" b="1" i="1" dirty="0">
+                <a:solidFill>
+                  <a:srgbClr val="0070C0"/>
+                </a:solidFill>
+                <a:latin typeface="Consolas" panose="020B0609020204030204" pitchFamily="49" charset="0"/>
+                <a:cs typeface="Consolas" panose="020B0609020204030204" pitchFamily="49" charset="0"/>
+              </a:rPr>
+              <a:t>: 0 cmd_line.py </a:t>
+            </a:r>
+          </a:p>
+          <a:p>
+            <a:pPr marL="342900" indent="-342900">
+              <a:buFont typeface="Arial" panose="020B0604020202020204" pitchFamily="34" charset="0"/>
+              <a:buChar char="•"/>
+            </a:pPr>
             <a:r>
               <a:rPr lang="en-US" sz="2000" b="1" i="1" dirty="0" err="1">
                 <a:solidFill>
@@ -10021,146 +10165,70 @@
                 <a:latin typeface="Consolas" panose="020B0609020204030204" pitchFamily="49" charset="0"/>
                 <a:cs typeface="Consolas" panose="020B0609020204030204" pitchFamily="49" charset="0"/>
               </a:rPr>
-              <a:t>randint</a:t>
-            </a:r>
-            <a:r>
-              <a:rPr lang="en-US" sz="2000" b="1" i="1" dirty="0">
-                <a:solidFill>
-                  <a:srgbClr val="0070C0"/>
-                </a:solidFill>
-                <a:latin typeface="Consolas" panose="020B0609020204030204" pitchFamily="49" charset="0"/>
-                <a:cs typeface="Consolas" panose="020B0609020204030204" pitchFamily="49" charset="0"/>
-              </a:rPr>
-              <a:t>(1,6)) </a:t>
-            </a:r>
-          </a:p>
-          <a:p>
-            <a:pPr marL="342900" indent="-342900">
-              <a:buFont typeface="Arial" panose="020B0604020202020204" pitchFamily="34" charset="0"/>
-              <a:buChar char="•"/>
-            </a:pPr>
-            <a:r>
-              <a:rPr lang="en-US" sz="2000" b="1" i="1" dirty="0">
-                <a:solidFill>
-                  <a:srgbClr val="0070C0"/>
-                </a:solidFill>
-                <a:latin typeface="Consolas" panose="020B0609020204030204" pitchFamily="49" charset="0"/>
-                <a:cs typeface="Consolas" panose="020B0609020204030204" pitchFamily="49" charset="0"/>
-              </a:rPr>
-              <a:t>2 </a:t>
-            </a:r>
-          </a:p>
-          <a:p>
-            <a:pPr marL="342900" indent="-342900">
-              <a:buFont typeface="Arial" panose="020B0604020202020204" pitchFamily="34" charset="0"/>
-              <a:buChar char="•"/>
-            </a:pPr>
-            <a:r>
-              <a:rPr lang="en-US" sz="2000" b="1" i="1" dirty="0">
-                <a:solidFill>
-                  <a:srgbClr val="0070C0"/>
-                </a:solidFill>
-                <a:latin typeface="Consolas" panose="020B0609020204030204" pitchFamily="49" charset="0"/>
-                <a:cs typeface="Consolas" panose="020B0609020204030204" pitchFamily="49" charset="0"/>
-              </a:rPr>
-              <a:t>&gt;&gt;&gt;</a:t>
-            </a:r>
-          </a:p>
-          <a:p>
-            <a:pPr marL="342900" indent="-342900">
-              <a:buFont typeface="Arial" panose="020B0604020202020204" pitchFamily="34" charset="0"/>
-              <a:buChar char="•"/>
-            </a:pPr>
-            <a:endParaRPr lang="en-US" sz="2000" b="1" i="1" dirty="0">
-              <a:solidFill>
-                <a:srgbClr val="0070C0"/>
-              </a:solidFill>
-              <a:latin typeface="Consolas" panose="020B0609020204030204" pitchFamily="49" charset="0"/>
-              <a:cs typeface="Consolas" panose="020B0609020204030204" pitchFamily="49" charset="0"/>
-            </a:endParaRPr>
-          </a:p>
-          <a:p>
-            <a:pPr marL="342900" indent="-342900">
-              <a:buFont typeface="Arial" panose="020B0604020202020204" pitchFamily="34" charset="0"/>
-              <a:buChar char="•"/>
-            </a:pPr>
-            <a:r>
-              <a:rPr lang="en-US" sz="2000" dirty="0"/>
-              <a:t>A third option is to use the </a:t>
-            </a:r>
-            <a:r>
-              <a:rPr lang="en-US" sz="2400" b="1" i="1" dirty="0">
-                <a:solidFill>
-                  <a:srgbClr val="0070C0"/>
-                </a:solidFill>
-                <a:latin typeface="Consolas" panose="020B0609020204030204" pitchFamily="49" charset="0"/>
-                <a:cs typeface="Consolas" panose="020B0609020204030204" pitchFamily="49" charset="0"/>
-              </a:rPr>
-              <a:t>as</a:t>
-            </a:r>
-            <a:r>
-              <a:rPr lang="en-US" sz="2000" dirty="0"/>
-              <a:t> keyword to provide a more convenient or meaningful name for the module when referencing it.</a:t>
-            </a:r>
-          </a:p>
-          <a:p>
-            <a:pPr marL="342900" indent="-342900">
-              <a:buFont typeface="Arial" panose="020B0604020202020204" pitchFamily="34" charset="0"/>
-              <a:buChar char="•"/>
-            </a:pPr>
-            <a:endParaRPr lang="en-US" sz="2000" b="1" i="1" dirty="0">
-              <a:solidFill>
-                <a:srgbClr val="0070C0"/>
-              </a:solidFill>
-              <a:latin typeface="Consolas" panose="020B0609020204030204" pitchFamily="49" charset="0"/>
-              <a:cs typeface="Consolas" panose="020B0609020204030204" pitchFamily="49" charset="0"/>
-            </a:endParaRPr>
-          </a:p>
-          <a:p>
-            <a:pPr marL="342900" indent="-342900">
-              <a:buFont typeface="Arial" panose="020B0604020202020204" pitchFamily="34" charset="0"/>
-              <a:buChar char="•"/>
-            </a:pPr>
-            <a:r>
-              <a:rPr lang="pt-BR" sz="2000" b="1" i="1" dirty="0">
-                <a:solidFill>
-                  <a:srgbClr val="0070C0"/>
-                </a:solidFill>
-                <a:latin typeface="Consolas" panose="020B0609020204030204" pitchFamily="49" charset="0"/>
-                <a:cs typeface="Consolas" panose="020B0609020204030204" pitchFamily="49" charset="0"/>
-              </a:rPr>
-              <a:t>&gt;&gt;&gt; import random as R </a:t>
-            </a:r>
-          </a:p>
-          <a:p>
-            <a:pPr marL="342900" indent="-342900">
-              <a:buFont typeface="Arial" panose="020B0604020202020204" pitchFamily="34" charset="0"/>
-              <a:buChar char="•"/>
-            </a:pPr>
-            <a:r>
-              <a:rPr lang="pt-BR" sz="2000" b="1" i="1" dirty="0">
-                <a:solidFill>
-                  <a:srgbClr val="0070C0"/>
-                </a:solidFill>
-                <a:latin typeface="Consolas" panose="020B0609020204030204" pitchFamily="49" charset="0"/>
-                <a:cs typeface="Consolas" panose="020B0609020204030204" pitchFamily="49" charset="0"/>
-              </a:rPr>
-              <a:t>&gt;&gt;&gt; R.randint(1, 6) </a:t>
-            </a:r>
-            <a:endParaRPr lang="en-US" sz="2000" b="1" i="1" dirty="0">
-              <a:solidFill>
-                <a:srgbClr val="0070C0"/>
-              </a:solidFill>
-              <a:latin typeface="Consolas" panose="020B0609020204030204" pitchFamily="49" charset="0"/>
-              <a:cs typeface="Consolas" panose="020B0609020204030204" pitchFamily="49" charset="0"/>
-            </a:endParaRPr>
-          </a:p>
-          <a:p>
-            <a:pPr marL="342900" indent="-342900">
-              <a:buFont typeface="Arial" panose="020B0604020202020204" pitchFamily="34" charset="0"/>
-              <a:buChar char="•"/>
-            </a:pPr>
-            <a:endParaRPr lang="en-US" sz="2000" dirty="0"/>
+              <a:t>arg</a:t>
+            </a:r>
+            <a:r>
+              <a:rPr lang="en-US" sz="2000" b="1" i="1" dirty="0">
+                <a:solidFill>
+                  <a:srgbClr val="0070C0"/>
+                </a:solidFill>
+                <a:latin typeface="Consolas" panose="020B0609020204030204" pitchFamily="49" charset="0"/>
+                <a:cs typeface="Consolas" panose="020B0609020204030204" pitchFamily="49" charset="0"/>
+              </a:rPr>
+              <a:t>: 1 a </a:t>
+            </a:r>
+          </a:p>
+          <a:p>
+            <a:pPr marL="342900" indent="-342900">
+              <a:buFont typeface="Arial" panose="020B0604020202020204" pitchFamily="34" charset="0"/>
+              <a:buChar char="•"/>
+            </a:pPr>
+            <a:r>
+              <a:rPr lang="en-US" sz="2000" b="1" i="1" dirty="0" err="1">
+                <a:solidFill>
+                  <a:srgbClr val="0070C0"/>
+                </a:solidFill>
+                <a:latin typeface="Consolas" panose="020B0609020204030204" pitchFamily="49" charset="0"/>
+                <a:cs typeface="Consolas" panose="020B0609020204030204" pitchFamily="49" charset="0"/>
+              </a:rPr>
+              <a:t>arg</a:t>
+            </a:r>
+            <a:r>
+              <a:rPr lang="en-US" sz="2000" b="1" i="1" dirty="0">
+                <a:solidFill>
+                  <a:srgbClr val="0070C0"/>
+                </a:solidFill>
+                <a:latin typeface="Consolas" panose="020B0609020204030204" pitchFamily="49" charset="0"/>
+                <a:cs typeface="Consolas" panose="020B0609020204030204" pitchFamily="49" charset="0"/>
+              </a:rPr>
+              <a:t>: 2 b </a:t>
+            </a:r>
+          </a:p>
+          <a:p>
+            <a:pPr marL="342900" indent="-342900">
+              <a:buFont typeface="Arial" panose="020B0604020202020204" pitchFamily="34" charset="0"/>
+              <a:buChar char="•"/>
+            </a:pPr>
+            <a:r>
+              <a:rPr lang="en-US" sz="2000" b="1" i="1" dirty="0" err="1">
+                <a:solidFill>
+                  <a:srgbClr val="0070C0"/>
+                </a:solidFill>
+                <a:latin typeface="Consolas" panose="020B0609020204030204" pitchFamily="49" charset="0"/>
+                <a:cs typeface="Consolas" panose="020B0609020204030204" pitchFamily="49" charset="0"/>
+              </a:rPr>
+              <a:t>arg</a:t>
+            </a:r>
+            <a:r>
+              <a:rPr lang="en-US" sz="2000" b="1" i="1" dirty="0">
+                <a:solidFill>
+                  <a:srgbClr val="0070C0"/>
+                </a:solidFill>
+                <a:latin typeface="Consolas" panose="020B0609020204030204" pitchFamily="49" charset="0"/>
+                <a:cs typeface="Consolas" panose="020B0609020204030204" pitchFamily="49" charset="0"/>
+              </a:rPr>
+              <a:t>: 3 c </a:t>
+            </a:r>
           </a:p>
         </p:txBody>
       </p:sp>
@@ -10206,7 +10274,7 @@
     </p:spTree>
     <p:extLst>
       <p:ext uri="{BB962C8B-B14F-4D97-AF65-F5344CB8AC3E}">
-        <p14:creationId xmlns:p14="http://schemas.microsoft.com/office/powerpoint/2010/main" val="1543390659"/>
+        <p14:creationId xmlns:p14="http://schemas.microsoft.com/office/powerpoint/2010/main" val="1226257525"/>
       </p:ext>
     </p:extLst>
   </p:cSld>
@@ -10370,7 +10438,7 @@
           <a:p>
             <a:r>
               <a:rPr lang="en-US" dirty="0"/>
-              <a:t>Random Numbers</a:t>
+              <a:t>Sending Email from Python </a:t>
             </a:r>
             <a:endParaRPr lang="en-US" b="1" i="1" dirty="0">
               <a:solidFill>
@@ -10390,8 +10458,8 @@
         </p:nvSpPr>
         <p:spPr>
           <a:xfrm>
-            <a:off x="417443" y="857743"/>
-            <a:ext cx="11357113" cy="6001643"/>
+            <a:off x="417443" y="702995"/>
+            <a:ext cx="11357113" cy="6247864"/>
           </a:xfrm>
           <a:prstGeom prst="rect">
             <a:avLst/>
@@ -10410,7 +10478,17 @@
             </a:pPr>
             <a:r>
               <a:rPr lang="en-US" sz="2000" dirty="0"/>
-              <a:t>You need to generate a random number between a range of numbers. </a:t>
+              <a:t>You want to send an email message from a Python program.</a:t>
+            </a:r>
+          </a:p>
+          <a:p>
+            <a:pPr marL="342900" indent="-342900">
+              <a:buFont typeface="Arial" panose="020B0604020202020204" pitchFamily="34" charset="0"/>
+              <a:buChar char="•"/>
+            </a:pPr>
+            <a:r>
+              <a:rPr lang="en-US" sz="2000" dirty="0"/>
+              <a:t>Python has a library for the Simple Mail Transfer Protocol (SMTP) that you can use to send emails:</a:t>
             </a:r>
           </a:p>
           <a:p>
@@ -10421,177 +10499,64 @@
             <a:endParaRPr lang="en-US" sz="2000" dirty="0"/>
           </a:p>
           <a:p>
-            <a:pPr marL="342900" indent="-342900">
-              <a:buFont typeface="Arial" panose="020B0604020202020204" pitchFamily="34" charset="0"/>
-              <a:buChar char="•"/>
+            <a:pPr marL="457200" indent="-457200">
+              <a:buFont typeface="+mj-lt"/>
+              <a:buAutoNum type="arabicPeriod"/>
             </a:pPr>
             <a:r>
               <a:rPr lang="en-US" sz="2000" dirty="0"/>
-              <a:t>Use the random library:</a:t>
-            </a:r>
-          </a:p>
-          <a:p>
-            <a:pPr marL="342900" indent="-342900">
-              <a:buFont typeface="Arial" panose="020B0604020202020204" pitchFamily="34" charset="0"/>
-              <a:buChar char="•"/>
+              <a:t>Attach library to your code:</a:t>
+            </a:r>
+            <a:br>
+              <a:rPr lang="en-US" sz="2000" dirty="0"/>
+            </a:br>
+            <a:r>
+              <a:rPr lang="en-US" sz="2000" b="1" i="1" dirty="0">
+                <a:solidFill>
+                  <a:srgbClr val="0070C0"/>
+                </a:solidFill>
+                <a:latin typeface="Consolas" panose="020B0609020204030204" pitchFamily="49" charset="0"/>
+                <a:cs typeface="Consolas" panose="020B0609020204030204" pitchFamily="49" charset="0"/>
+              </a:rPr>
+              <a:t>import </a:t>
+            </a:r>
+            <a:r>
+              <a:rPr lang="en-US" sz="2000" b="1" i="1" dirty="0" err="1">
+                <a:solidFill>
+                  <a:srgbClr val="0070C0"/>
+                </a:solidFill>
+                <a:latin typeface="Consolas" panose="020B0609020204030204" pitchFamily="49" charset="0"/>
+                <a:cs typeface="Consolas" panose="020B0609020204030204" pitchFamily="49" charset="0"/>
+              </a:rPr>
+              <a:t>smtplib</a:t>
+            </a:r>
+            <a:endParaRPr lang="en-US" sz="2000" b="1" i="1" dirty="0">
+              <a:solidFill>
+                <a:srgbClr val="0070C0"/>
+              </a:solidFill>
+              <a:latin typeface="Consolas" panose="020B0609020204030204" pitchFamily="49" charset="0"/>
+              <a:cs typeface="Consolas" panose="020B0609020204030204" pitchFamily="49" charset="0"/>
+            </a:endParaRPr>
+          </a:p>
+          <a:p>
+            <a:pPr marL="457200" indent="-457200">
+              <a:buFont typeface="+mj-lt"/>
+              <a:buAutoNum type="arabicPeriod"/>
             </a:pPr>
             <a:endParaRPr lang="en-US" sz="2000" dirty="0"/>
           </a:p>
           <a:p>
-            <a:pPr marL="342900" indent="-342900">
-              <a:buFont typeface="Arial" panose="020B0604020202020204" pitchFamily="34" charset="0"/>
-              <a:buChar char="•"/>
-            </a:pPr>
-            <a:r>
-              <a:rPr lang="fr-FR" sz="2000" b="1" i="1" dirty="0">
-                <a:solidFill>
-                  <a:srgbClr val="0070C0"/>
-                </a:solidFill>
-                <a:latin typeface="Consolas" panose="020B0609020204030204" pitchFamily="49" charset="0"/>
-                <a:cs typeface="Consolas" panose="020B0609020204030204" pitchFamily="49" charset="0"/>
-              </a:rPr>
-              <a:t>&gt;&gt;&gt; import </a:t>
-            </a:r>
-            <a:r>
-              <a:rPr lang="fr-FR" sz="2000" b="1" i="1" dirty="0" err="1">
-                <a:solidFill>
-                  <a:srgbClr val="0070C0"/>
-                </a:solidFill>
-                <a:latin typeface="Consolas" panose="020B0609020204030204" pitchFamily="49" charset="0"/>
-                <a:cs typeface="Consolas" panose="020B0609020204030204" pitchFamily="49" charset="0"/>
-              </a:rPr>
-              <a:t>random</a:t>
-            </a:r>
-            <a:r>
-              <a:rPr lang="fr-FR" sz="2000" b="1" i="1" dirty="0">
-                <a:solidFill>
-                  <a:srgbClr val="0070C0"/>
-                </a:solidFill>
-                <a:latin typeface="Consolas" panose="020B0609020204030204" pitchFamily="49" charset="0"/>
-                <a:cs typeface="Consolas" panose="020B0609020204030204" pitchFamily="49" charset="0"/>
-              </a:rPr>
-              <a:t> </a:t>
-            </a:r>
-          </a:p>
-          <a:p>
-            <a:pPr marL="342900" indent="-342900">
-              <a:buFont typeface="Arial" panose="020B0604020202020204" pitchFamily="34" charset="0"/>
-              <a:buChar char="•"/>
-            </a:pPr>
-            <a:r>
-              <a:rPr lang="fr-FR" sz="2000" b="1" i="1" dirty="0">
-                <a:solidFill>
-                  <a:srgbClr val="0070C0"/>
-                </a:solidFill>
-                <a:latin typeface="Consolas" panose="020B0609020204030204" pitchFamily="49" charset="0"/>
-                <a:cs typeface="Consolas" panose="020B0609020204030204" pitchFamily="49" charset="0"/>
-              </a:rPr>
-              <a:t>&gt;&gt;&gt; </a:t>
-            </a:r>
-            <a:r>
-              <a:rPr lang="fr-FR" sz="2000" b="1" i="1" dirty="0" err="1">
-                <a:solidFill>
-                  <a:srgbClr val="0070C0"/>
-                </a:solidFill>
-                <a:latin typeface="Consolas" panose="020B0609020204030204" pitchFamily="49" charset="0"/>
-                <a:cs typeface="Consolas" panose="020B0609020204030204" pitchFamily="49" charset="0"/>
-              </a:rPr>
-              <a:t>random.randint</a:t>
-            </a:r>
-            <a:r>
-              <a:rPr lang="fr-FR" sz="2000" b="1" i="1" dirty="0">
-                <a:solidFill>
-                  <a:srgbClr val="0070C0"/>
-                </a:solidFill>
-                <a:latin typeface="Consolas" panose="020B0609020204030204" pitchFamily="49" charset="0"/>
-                <a:cs typeface="Consolas" panose="020B0609020204030204" pitchFamily="49" charset="0"/>
-              </a:rPr>
-              <a:t>(1, 6) </a:t>
-            </a:r>
-          </a:p>
-          <a:p>
-            <a:pPr marL="342900" indent="-342900">
-              <a:buFont typeface="Arial" panose="020B0604020202020204" pitchFamily="34" charset="0"/>
-              <a:buChar char="•"/>
-            </a:pPr>
-            <a:r>
-              <a:rPr lang="fr-FR" sz="2000" b="1" i="1" dirty="0">
-                <a:solidFill>
-                  <a:srgbClr val="0070C0"/>
-                </a:solidFill>
-                <a:latin typeface="Consolas" panose="020B0609020204030204" pitchFamily="49" charset="0"/>
-                <a:cs typeface="Consolas" panose="020B0609020204030204" pitchFamily="49" charset="0"/>
-              </a:rPr>
-              <a:t>2 </a:t>
-            </a:r>
-          </a:p>
-          <a:p>
-            <a:pPr marL="342900" indent="-342900">
-              <a:buFont typeface="Arial" panose="020B0604020202020204" pitchFamily="34" charset="0"/>
-              <a:buChar char="•"/>
-            </a:pPr>
-            <a:r>
-              <a:rPr lang="fr-FR" sz="2000" b="1" i="1" dirty="0">
-                <a:solidFill>
-                  <a:srgbClr val="0070C0"/>
-                </a:solidFill>
-                <a:latin typeface="Consolas" panose="020B0609020204030204" pitchFamily="49" charset="0"/>
-                <a:cs typeface="Consolas" panose="020B0609020204030204" pitchFamily="49" charset="0"/>
-              </a:rPr>
-              <a:t>&gt;&gt;&gt; </a:t>
-            </a:r>
-            <a:r>
-              <a:rPr lang="fr-FR" sz="2000" b="1" i="1" dirty="0" err="1">
-                <a:solidFill>
-                  <a:srgbClr val="0070C0"/>
-                </a:solidFill>
-                <a:latin typeface="Consolas" panose="020B0609020204030204" pitchFamily="49" charset="0"/>
-                <a:cs typeface="Consolas" panose="020B0609020204030204" pitchFamily="49" charset="0"/>
-              </a:rPr>
-              <a:t>random.randint</a:t>
-            </a:r>
-            <a:r>
-              <a:rPr lang="fr-FR" sz="2000" b="1" i="1" dirty="0">
-                <a:solidFill>
-                  <a:srgbClr val="0070C0"/>
-                </a:solidFill>
-                <a:latin typeface="Consolas" panose="020B0609020204030204" pitchFamily="49" charset="0"/>
-                <a:cs typeface="Consolas" panose="020B0609020204030204" pitchFamily="49" charset="0"/>
-              </a:rPr>
-              <a:t>(1, 6)</a:t>
-            </a:r>
-          </a:p>
-          <a:p>
-            <a:pPr marL="342900" indent="-342900">
-              <a:buFont typeface="Arial" panose="020B0604020202020204" pitchFamily="34" charset="0"/>
-              <a:buChar char="•"/>
-            </a:pPr>
-            <a:r>
-              <a:rPr lang="en-US" sz="2000" b="1" i="1" dirty="0">
-                <a:solidFill>
-                  <a:srgbClr val="0070C0"/>
-                </a:solidFill>
-                <a:latin typeface="Consolas" panose="020B0609020204030204" pitchFamily="49" charset="0"/>
-                <a:cs typeface="Consolas" panose="020B0609020204030204" pitchFamily="49" charset="0"/>
-              </a:rPr>
-              <a:t>6 </a:t>
-            </a:r>
-          </a:p>
-          <a:p>
-            <a:pPr marL="342900" indent="-342900">
-              <a:buFont typeface="Arial" panose="020B0604020202020204" pitchFamily="34" charset="0"/>
-              <a:buChar char="•"/>
-            </a:pPr>
-            <a:r>
-              <a:rPr lang="en-US" sz="2000" b="1" i="1" dirty="0">
-                <a:solidFill>
-                  <a:srgbClr val="0070C0"/>
-                </a:solidFill>
-                <a:latin typeface="Consolas" panose="020B0609020204030204" pitchFamily="49" charset="0"/>
-                <a:cs typeface="Consolas" panose="020B0609020204030204" pitchFamily="49" charset="0"/>
-              </a:rPr>
-              <a:t>&gt;&gt;&gt; </a:t>
-            </a:r>
+            <a:pPr marL="457200" indent="-457200">
+              <a:buFont typeface="+mj-lt"/>
+              <a:buAutoNum type="arabicPeriod"/>
+            </a:pPr>
+            <a:r>
+              <a:rPr lang="en-US" sz="2000" dirty="0"/>
+              <a:t>Create SMTP Session Client Object:</a:t>
+            </a:r>
+            <a:br>
+              <a:rPr lang="en-US" sz="2000" dirty="0"/>
+            </a:br>
             <a:r>
               <a:rPr lang="en-US" sz="2000" b="1" i="1" dirty="0" err="1">
                 <a:solidFill>
@@ -10600,104 +10565,64 @@
                 <a:latin typeface="Consolas" panose="020B0609020204030204" pitchFamily="49" charset="0"/>
                 <a:cs typeface="Consolas" panose="020B0609020204030204" pitchFamily="49" charset="0"/>
               </a:rPr>
-              <a:t>random.randint</a:t>
-            </a:r>
-            <a:r>
-              <a:rPr lang="en-US" sz="2000" b="1" i="1" dirty="0">
-                <a:solidFill>
-                  <a:srgbClr val="0070C0"/>
-                </a:solidFill>
-                <a:latin typeface="Consolas" panose="020B0609020204030204" pitchFamily="49" charset="0"/>
-                <a:cs typeface="Consolas" panose="020B0609020204030204" pitchFamily="49" charset="0"/>
-              </a:rPr>
-              <a:t>(1, 6) </a:t>
-            </a:r>
-          </a:p>
-          <a:p>
-            <a:pPr marL="342900" indent="-342900">
-              <a:buFont typeface="Arial" panose="020B0604020202020204" pitchFamily="34" charset="0"/>
-              <a:buChar char="•"/>
-            </a:pPr>
-            <a:r>
-              <a:rPr lang="en-US" sz="2000" b="1" i="1" dirty="0">
-                <a:solidFill>
-                  <a:srgbClr val="0070C0"/>
-                </a:solidFill>
-                <a:latin typeface="Consolas" panose="020B0609020204030204" pitchFamily="49" charset="0"/>
-                <a:cs typeface="Consolas" panose="020B0609020204030204" pitchFamily="49" charset="0"/>
-              </a:rPr>
-              <a:t>5 </a:t>
-            </a:r>
-          </a:p>
-          <a:p>
-            <a:pPr marL="342900" indent="-342900">
-              <a:buFont typeface="Arial" panose="020B0604020202020204" pitchFamily="34" charset="0"/>
-              <a:buChar char="•"/>
-            </a:pPr>
-            <a:endParaRPr lang="en-US" sz="2000" dirty="0"/>
-          </a:p>
-          <a:p>
-            <a:pPr marL="342900" indent="-342900">
-              <a:buFont typeface="Arial" panose="020B0604020202020204" pitchFamily="34" charset="0"/>
-              <a:buChar char="•"/>
+              <a:t>smtpserver</a:t>
+            </a:r>
+            <a:r>
+              <a:rPr lang="en-US" sz="2000" b="1" i="1" dirty="0">
+                <a:solidFill>
+                  <a:srgbClr val="0070C0"/>
+                </a:solidFill>
+                <a:latin typeface="Consolas" panose="020B0609020204030204" pitchFamily="49" charset="0"/>
+                <a:cs typeface="Consolas" panose="020B0609020204030204" pitchFamily="49" charset="0"/>
+              </a:rPr>
+              <a:t> = </a:t>
+            </a:r>
+            <a:r>
+              <a:rPr lang="en-US" sz="2000" b="1" i="1" dirty="0" err="1">
+                <a:solidFill>
+                  <a:srgbClr val="0070C0"/>
+                </a:solidFill>
+                <a:latin typeface="Consolas" panose="020B0609020204030204" pitchFamily="49" charset="0"/>
+                <a:cs typeface="Consolas" panose="020B0609020204030204" pitchFamily="49" charset="0"/>
+              </a:rPr>
+              <a:t>smtplib.SMTP</a:t>
+            </a:r>
+            <a:r>
+              <a:rPr lang="en-US" sz="2000" b="1" i="1" dirty="0">
+                <a:solidFill>
+                  <a:srgbClr val="0070C0"/>
+                </a:solidFill>
+                <a:latin typeface="Consolas" panose="020B0609020204030204" pitchFamily="49" charset="0"/>
+                <a:cs typeface="Consolas" panose="020B0609020204030204" pitchFamily="49" charset="0"/>
+              </a:rPr>
+              <a:t>(SMTP_SERVER, SMTP_PORT)</a:t>
+            </a:r>
+          </a:p>
+          <a:p>
+            <a:pPr marL="457200" indent="-457200">
+              <a:buFont typeface="+mj-lt"/>
+              <a:buAutoNum type="arabicPeriod"/>
+            </a:pPr>
+            <a:endParaRPr lang="en-US" sz="2000" b="1" i="1" dirty="0">
+              <a:solidFill>
+                <a:srgbClr val="0070C0"/>
+              </a:solidFill>
+              <a:latin typeface="Consolas" panose="020B0609020204030204" pitchFamily="49" charset="0"/>
+              <a:cs typeface="Consolas" panose="020B0609020204030204" pitchFamily="49" charset="0"/>
+            </a:endParaRPr>
+          </a:p>
+          <a:p>
+            <a:pPr marL="457200" indent="-457200">
+              <a:buFont typeface="+mj-lt"/>
+              <a:buAutoNum type="arabicPeriod"/>
             </a:pPr>
             <a:r>
               <a:rPr lang="en-US" sz="2000" dirty="0"/>
-              <a:t>A common use of random numbers is to select something at random from a list. You can do this by generating an index position and using that, but there is also a command in the </a:t>
-            </a:r>
-            <a:r>
-              <a:rPr lang="en-US" sz="2400" b="1" i="1" dirty="0">
-                <a:solidFill>
-                  <a:srgbClr val="0070C0"/>
-                </a:solidFill>
-                <a:latin typeface="Consolas" panose="020B0609020204030204" pitchFamily="49" charset="0"/>
-                <a:cs typeface="Consolas" panose="020B0609020204030204" pitchFamily="49" charset="0"/>
-              </a:rPr>
-              <a:t>random</a:t>
-            </a:r>
-            <a:r>
+              <a:t>Start Security connection: SSL or TLS:</a:t>
+            </a:r>
+            <a:br>
               <a:rPr lang="en-US" sz="2000" dirty="0"/>
-              <a:t> module specifically for this. Try out the following example:</a:t>
-            </a:r>
-          </a:p>
-          <a:p>
-            <a:pPr marL="342900" indent="-342900">
-              <a:buFont typeface="Arial" panose="020B0604020202020204" pitchFamily="34" charset="0"/>
-              <a:buChar char="•"/>
-            </a:pPr>
-            <a:endParaRPr lang="en-US" sz="2000" dirty="0"/>
-          </a:p>
-          <a:p>
-            <a:pPr marL="342900" indent="-342900">
-              <a:buFont typeface="Arial" panose="020B0604020202020204" pitchFamily="34" charset="0"/>
-              <a:buChar char="•"/>
-            </a:pPr>
-            <a:r>
-              <a:rPr lang="en-US" sz="2000" b="1" i="1" dirty="0">
-                <a:solidFill>
-                  <a:srgbClr val="0070C0"/>
-                </a:solidFill>
-                <a:latin typeface="Consolas" panose="020B0609020204030204" pitchFamily="49" charset="0"/>
-                <a:cs typeface="Consolas" panose="020B0609020204030204" pitchFamily="49" charset="0"/>
-              </a:rPr>
-              <a:t>&gt;&gt;&gt; import random </a:t>
-            </a:r>
-          </a:p>
-          <a:p>
-            <a:pPr marL="342900" indent="-342900">
-              <a:buFont typeface="Arial" panose="020B0604020202020204" pitchFamily="34" charset="0"/>
-              <a:buChar char="•"/>
-            </a:pPr>
-            <a:r>
-              <a:rPr lang="en-US" sz="2000" b="1" i="1" dirty="0">
-                <a:solidFill>
-                  <a:srgbClr val="0070C0"/>
-                </a:solidFill>
-                <a:latin typeface="Consolas" panose="020B0609020204030204" pitchFamily="49" charset="0"/>
-                <a:cs typeface="Consolas" panose="020B0609020204030204" pitchFamily="49" charset="0"/>
-              </a:rPr>
-              <a:t>&gt;&gt;&gt; </a:t>
-            </a:r>
+            </a:br>
             <a:r>
               <a:rPr lang="en-US" sz="2000" b="1" i="1" dirty="0" err="1">
                 <a:solidFill>
@@ -10706,33 +10631,183 @@
                 <a:latin typeface="Consolas" panose="020B0609020204030204" pitchFamily="49" charset="0"/>
                 <a:cs typeface="Consolas" panose="020B0609020204030204" pitchFamily="49" charset="0"/>
               </a:rPr>
-              <a:t>random.choice</a:t>
-            </a:r>
-            <a:r>
-              <a:rPr lang="en-US" sz="2000" b="1" i="1" dirty="0">
-                <a:solidFill>
-                  <a:srgbClr val="0070C0"/>
-                </a:solidFill>
-                <a:latin typeface="Consolas" panose="020B0609020204030204" pitchFamily="49" charset="0"/>
-                <a:cs typeface="Consolas" panose="020B0609020204030204" pitchFamily="49" charset="0"/>
-              </a:rPr>
-              <a:t>(['a', 'b', 'c']) </a:t>
-            </a:r>
-          </a:p>
-          <a:p>
-            <a:pPr marL="342900" indent="-342900">
-              <a:buFont typeface="Arial" panose="020B0604020202020204" pitchFamily="34" charset="0"/>
-              <a:buChar char="•"/>
-            </a:pPr>
-            <a:r>
-              <a:rPr lang="en-US" sz="2000" b="1" i="1" dirty="0">
-                <a:solidFill>
-                  <a:srgbClr val="0070C0"/>
-                </a:solidFill>
-                <a:latin typeface="Consolas" panose="020B0609020204030204" pitchFamily="49" charset="0"/>
-                <a:cs typeface="Consolas" panose="020B0609020204030204" pitchFamily="49" charset="0"/>
-              </a:rPr>
-              <a:t>'a'</a:t>
+              <a:t>smtpserver.starttls</a:t>
+            </a:r>
+            <a:r>
+              <a:rPr lang="en-US" sz="2000" b="1" i="1" dirty="0">
+                <a:solidFill>
+                  <a:srgbClr val="0070C0"/>
+                </a:solidFill>
+                <a:latin typeface="Consolas" panose="020B0609020204030204" pitchFamily="49" charset="0"/>
+                <a:cs typeface="Consolas" panose="020B0609020204030204" pitchFamily="49" charset="0"/>
+              </a:rPr>
+              <a:t>()</a:t>
+            </a:r>
+          </a:p>
+          <a:p>
+            <a:pPr marL="457200" indent="-457200">
+              <a:buFont typeface="+mj-lt"/>
+              <a:buAutoNum type="arabicPeriod"/>
+            </a:pPr>
+            <a:endParaRPr lang="en-US" sz="2000" b="1" i="1" dirty="0">
+              <a:solidFill>
+                <a:srgbClr val="0070C0"/>
+              </a:solidFill>
+              <a:latin typeface="Consolas" panose="020B0609020204030204" pitchFamily="49" charset="0"/>
+              <a:cs typeface="Consolas" panose="020B0609020204030204" pitchFamily="49" charset="0"/>
+            </a:endParaRPr>
+          </a:p>
+          <a:p>
+            <a:pPr marL="457200" indent="-457200">
+              <a:buFont typeface="+mj-lt"/>
+              <a:buAutoNum type="arabicPeriod"/>
+            </a:pPr>
+            <a:r>
+              <a:rPr lang="en-US" sz="2000" dirty="0"/>
+              <a:t>Login to </a:t>
+            </a:r>
+            <a:r>
+              <a:rPr lang="en-US" sz="2000" dirty="0" err="1"/>
+              <a:t>smtp</a:t>
+            </a:r>
+            <a:r>
+              <a:rPr lang="en-US" sz="2000" dirty="0"/>
+              <a:t> server:</a:t>
+            </a:r>
+            <a:br>
+              <a:rPr lang="en-US" sz="2000" dirty="0"/>
+            </a:br>
+            <a:r>
+              <a:rPr lang="en-US" sz="2000" b="1" i="1" dirty="0" err="1">
+                <a:solidFill>
+                  <a:srgbClr val="0070C0"/>
+                </a:solidFill>
+                <a:latin typeface="Consolas" panose="020B0609020204030204" pitchFamily="49" charset="0"/>
+                <a:cs typeface="Consolas" panose="020B0609020204030204" pitchFamily="49" charset="0"/>
+              </a:rPr>
+              <a:t>smtpserver.login</a:t>
+            </a:r>
+            <a:r>
+              <a:rPr lang="en-US" sz="2000" b="1" i="1" dirty="0">
+                <a:solidFill>
+                  <a:srgbClr val="0070C0"/>
+                </a:solidFill>
+                <a:latin typeface="Consolas" panose="020B0609020204030204" pitchFamily="49" charset="0"/>
+                <a:cs typeface="Consolas" panose="020B0609020204030204" pitchFamily="49" charset="0"/>
+              </a:rPr>
+              <a:t>(GMAIL_USER, GMAIL_PASS)</a:t>
+            </a:r>
+          </a:p>
+          <a:p>
+            <a:pPr marL="457200" indent="-457200">
+              <a:buFont typeface="+mj-lt"/>
+              <a:buAutoNum type="arabicPeriod"/>
+            </a:pPr>
+            <a:endParaRPr lang="en-US" sz="2000" b="1" i="1" dirty="0">
+              <a:solidFill>
+                <a:srgbClr val="0070C0"/>
+              </a:solidFill>
+              <a:latin typeface="Consolas" panose="020B0609020204030204" pitchFamily="49" charset="0"/>
+              <a:cs typeface="Consolas" panose="020B0609020204030204" pitchFamily="49" charset="0"/>
+            </a:endParaRPr>
+          </a:p>
+          <a:p>
+            <a:pPr marL="457200" indent="-457200">
+              <a:buFont typeface="+mj-lt"/>
+              <a:buAutoNum type="arabicPeriod"/>
+            </a:pPr>
+            <a:r>
+              <a:rPr lang="en-US" sz="2000" dirty="0"/>
+              <a:t>Send email to your recipient:</a:t>
+            </a:r>
+            <a:br>
+              <a:rPr lang="en-US" sz="2000" dirty="0"/>
+            </a:br>
+            <a:r>
+              <a:rPr lang="en-US" sz="2000" b="1" i="1" dirty="0" err="1">
+                <a:solidFill>
+                  <a:srgbClr val="0070C0"/>
+                </a:solidFill>
+                <a:latin typeface="Consolas" panose="020B0609020204030204" pitchFamily="49" charset="0"/>
+                <a:cs typeface="Consolas" panose="020B0609020204030204" pitchFamily="49" charset="0"/>
+              </a:rPr>
+              <a:t>smtpserver.sendmail</a:t>
+            </a:r>
+            <a:r>
+              <a:rPr lang="en-US" sz="2000" b="1" i="1" dirty="0">
+                <a:solidFill>
+                  <a:srgbClr val="0070C0"/>
+                </a:solidFill>
+                <a:latin typeface="Consolas" panose="020B0609020204030204" pitchFamily="49" charset="0"/>
+                <a:cs typeface="Consolas" panose="020B0609020204030204" pitchFamily="49" charset="0"/>
+              </a:rPr>
+              <a:t>(GMAIL_USER, recipient, </a:t>
+            </a:r>
+            <a:r>
+              <a:rPr lang="en-US" sz="2000" b="1" i="1" dirty="0" err="1">
+                <a:solidFill>
+                  <a:srgbClr val="0070C0"/>
+                </a:solidFill>
+                <a:latin typeface="Consolas" panose="020B0609020204030204" pitchFamily="49" charset="0"/>
+                <a:cs typeface="Consolas" panose="020B0609020204030204" pitchFamily="49" charset="0"/>
+              </a:rPr>
+              <a:t>msg</a:t>
+            </a:r>
+            <a:r>
+              <a:rPr lang="en-US" sz="2000" b="1" i="1" dirty="0">
+                <a:solidFill>
+                  <a:srgbClr val="0070C0"/>
+                </a:solidFill>
+                <a:latin typeface="Consolas" panose="020B0609020204030204" pitchFamily="49" charset="0"/>
+                <a:cs typeface="Consolas" panose="020B0609020204030204" pitchFamily="49" charset="0"/>
+              </a:rPr>
+              <a:t>)</a:t>
+            </a:r>
+          </a:p>
+          <a:p>
+            <a:pPr marL="457200" indent="-457200">
+              <a:buFont typeface="+mj-lt"/>
+              <a:buAutoNum type="arabicPeriod"/>
+            </a:pPr>
+            <a:endParaRPr lang="en-US" sz="2000" b="1" i="1" dirty="0">
+              <a:solidFill>
+                <a:srgbClr val="0070C0"/>
+              </a:solidFill>
+              <a:latin typeface="Consolas" panose="020B0609020204030204" pitchFamily="49" charset="0"/>
+              <a:cs typeface="Consolas" panose="020B0609020204030204" pitchFamily="49" charset="0"/>
+            </a:endParaRPr>
+          </a:p>
+          <a:p>
+            <a:pPr marL="457200" indent="-457200">
+              <a:buFont typeface="+mj-lt"/>
+              <a:buAutoNum type="arabicPeriod"/>
+            </a:pPr>
+            <a:r>
+              <a:rPr lang="en-US" sz="2000" dirty="0"/>
+              <a:t>Close Connection:</a:t>
+            </a:r>
+            <a:br>
+              <a:rPr lang="en-US" sz="2000" dirty="0"/>
+            </a:br>
+            <a:r>
+              <a:rPr lang="en-US" sz="2000" b="1" i="1" dirty="0" err="1">
+                <a:solidFill>
+                  <a:srgbClr val="0070C0"/>
+                </a:solidFill>
+                <a:latin typeface="Consolas" panose="020B0609020204030204" pitchFamily="49" charset="0"/>
+                <a:cs typeface="Consolas" panose="020B0609020204030204" pitchFamily="49" charset="0"/>
+              </a:rPr>
+              <a:t>smtpserver.quit</a:t>
+            </a:r>
+            <a:r>
+              <a:rPr lang="en-US" sz="2000" b="1" i="1" dirty="0">
+                <a:solidFill>
+                  <a:srgbClr val="0070C0"/>
+                </a:solidFill>
+                <a:latin typeface="Consolas" panose="020B0609020204030204" pitchFamily="49" charset="0"/>
+                <a:cs typeface="Consolas" panose="020B0609020204030204" pitchFamily="49" charset="0"/>
+              </a:rPr>
+              <a:t>()</a:t>
             </a:r>
           </a:p>
         </p:txBody>
@@ -10779,7 +10854,7 @@
     </p:spTree>
     <p:extLst>
       <p:ext uri="{BB962C8B-B14F-4D97-AF65-F5344CB8AC3E}">
-        <p14:creationId xmlns:p14="http://schemas.microsoft.com/office/powerpoint/2010/main" val="3809858658"/>
+        <p14:creationId xmlns:p14="http://schemas.microsoft.com/office/powerpoint/2010/main" val="900894849"/>
       </p:ext>
     </p:extLst>
   </p:cSld>
@@ -10942,16 +11017,13 @@
           </a:lstStyle>
           <a:p>
             <a:r>
+              <a:rPr lang="en-US" dirty="0" err="1"/>
+              <a:t>Send_Email</a:t>
+            </a:r>
+            <a:r>
               <a:rPr lang="en-US" dirty="0"/>
-              <a:t>Making Web Requests from Python </a:t>
-            </a:r>
-            <a:endParaRPr lang="en-US" b="1" i="1" dirty="0">
-              <a:solidFill>
-                <a:srgbClr val="0070C0"/>
-              </a:solidFill>
-              <a:latin typeface="Consolas" panose="020B0609020204030204" pitchFamily="49" charset="0"/>
-              <a:cs typeface="Consolas" panose="020B0609020204030204" pitchFamily="49" charset="0"/>
-            </a:endParaRPr>
+              <a:t> project</a:t>
+            </a:r>
           </a:p>
         </p:txBody>
       </p:sp>
@@ -10964,7 +11036,7 @@
         <p:spPr>
           <a:xfrm>
             <a:off x="417443" y="857743"/>
-            <a:ext cx="11357113" cy="3385542"/>
+            <a:ext cx="11357113" cy="3785652"/>
           </a:xfrm>
           <a:prstGeom prst="rect">
             <a:avLst/>
@@ -10977,137 +11049,206 @@
           </a:bodyPr>
           <a:lstStyle/>
           <a:p>
+            <a:pPr marL="342900" indent="-342900">
+              <a:buFont typeface="Arial" panose="020B0604020202020204" pitchFamily="34" charset="0"/>
+              <a:buChar char="•"/>
+            </a:pPr>
+            <a:r>
+              <a:rPr lang="en-US" sz="2000" b="1" dirty="0">
+                <a:solidFill>
+                  <a:srgbClr val="FF0000"/>
+                </a:solidFill>
+              </a:rPr>
+              <a:t>Example:</a:t>
+            </a:r>
+          </a:p>
+          <a:p>
+            <a:pPr marL="342900" indent="-342900">
+              <a:buFont typeface="Arial" panose="020B0604020202020204" pitchFamily="34" charset="0"/>
+              <a:buChar char="•"/>
+            </a:pPr>
             <a:endParaRPr lang="en-US" sz="2000" dirty="0"/>
           </a:p>
           <a:p>
-            <a:pPr marL="342900" indent="-342900">
-              <a:buFont typeface="Arial" panose="020B0604020202020204" pitchFamily="34" charset="0"/>
-              <a:buChar char="•"/>
-            </a:pPr>
-            <a:r>
-              <a:rPr lang="en-US" sz="2000" dirty="0"/>
-              <a:t>You need to read the contents of a web page into a string using Python 2 </a:t>
-            </a:r>
-          </a:p>
-          <a:p>
-            <a:pPr marL="342900" indent="-342900">
-              <a:buFont typeface="Arial" panose="020B0604020202020204" pitchFamily="34" charset="0"/>
-              <a:buChar char="•"/>
-            </a:pPr>
-            <a:endParaRPr lang="en-US" sz="2000" dirty="0"/>
-          </a:p>
-          <a:p>
-            <a:pPr marL="342900" indent="-342900">
-              <a:buFont typeface="Arial" panose="020B0604020202020204" pitchFamily="34" charset="0"/>
-              <a:buChar char="•"/>
-            </a:pPr>
-            <a:r>
-              <a:rPr lang="en-US" sz="2000" dirty="0"/>
-              <a:t>Python has an extensive library for making HTTP requests. </a:t>
-            </a:r>
-          </a:p>
-          <a:p>
-            <a:pPr marL="342900" indent="-342900">
-              <a:buFont typeface="Arial" panose="020B0604020202020204" pitchFamily="34" charset="0"/>
-              <a:buChar char="•"/>
-            </a:pPr>
-            <a:endParaRPr lang="en-US" sz="2000" dirty="0"/>
-          </a:p>
-          <a:p>
-            <a:pPr marL="342900" indent="-342900">
-              <a:buFont typeface="Arial" panose="020B0604020202020204" pitchFamily="34" charset="0"/>
-              <a:buChar char="•"/>
-            </a:pPr>
-            <a:r>
-              <a:rPr lang="en-US" sz="2000" dirty="0"/>
-              <a:t>The following example reads the contents of the Google home page into the string </a:t>
-            </a:r>
-            <a:r>
-              <a:rPr lang="en-US" sz="2000" b="1" i="1" dirty="0">
-                <a:solidFill>
-                  <a:srgbClr val="0070C0"/>
-                </a:solidFill>
-                <a:latin typeface="Consolas" panose="020B0609020204030204" pitchFamily="49" charset="0"/>
-                <a:cs typeface="Consolas" panose="020B0609020204030204" pitchFamily="49" charset="0"/>
-              </a:rPr>
-              <a:t>contents</a:t>
-            </a:r>
-            <a:r>
-              <a:rPr lang="en-US" sz="2000" dirty="0"/>
-              <a:t>:</a:t>
-            </a:r>
-          </a:p>
-          <a:p>
-            <a:pPr marL="342900" indent="-342900">
-              <a:buFont typeface="Arial" panose="020B0604020202020204" pitchFamily="34" charset="0"/>
-              <a:buChar char="•"/>
-            </a:pPr>
-            <a:endParaRPr lang="en-US" sz="2000" dirty="0"/>
-          </a:p>
-          <a:p>
-            <a:pPr marL="342900" indent="-342900">
-              <a:buFont typeface="Arial" panose="020B0604020202020204" pitchFamily="34" charset="0"/>
-              <a:buChar char="•"/>
-            </a:pPr>
-            <a:r>
-              <a:rPr lang="fr-FR" b="1" i="1" dirty="0">
-                <a:solidFill>
-                  <a:srgbClr val="0070C0"/>
-                </a:solidFill>
-                <a:latin typeface="Consolas" panose="020B0609020204030204" pitchFamily="49" charset="0"/>
-                <a:cs typeface="Consolas" panose="020B0609020204030204" pitchFamily="49" charset="0"/>
-              </a:rPr>
-              <a:t>import urllib2 </a:t>
-            </a:r>
-          </a:p>
-          <a:p>
-            <a:pPr marL="342900" indent="-342900">
-              <a:buFont typeface="Arial" panose="020B0604020202020204" pitchFamily="34" charset="0"/>
-              <a:buChar char="•"/>
-            </a:pPr>
-            <a:r>
-              <a:rPr lang="fr-FR" b="1" i="1" dirty="0">
-                <a:solidFill>
-                  <a:srgbClr val="0070C0"/>
-                </a:solidFill>
-                <a:latin typeface="Consolas" panose="020B0609020204030204" pitchFamily="49" charset="0"/>
-                <a:cs typeface="Consolas" panose="020B0609020204030204" pitchFamily="49" charset="0"/>
-              </a:rPr>
-              <a:t>contents = urllib2.urlopen("https://www.google.com/").read() </a:t>
-            </a:r>
-          </a:p>
-          <a:p>
-            <a:pPr marL="342900" indent="-342900">
-              <a:buFont typeface="Arial" panose="020B0604020202020204" pitchFamily="34" charset="0"/>
-              <a:buChar char="•"/>
-            </a:pPr>
-            <a:r>
-              <a:rPr lang="fr-FR" b="1" i="1" dirty="0" err="1">
-                <a:solidFill>
-                  <a:srgbClr val="0070C0"/>
-                </a:solidFill>
-                <a:latin typeface="Consolas" panose="020B0609020204030204" pitchFamily="49" charset="0"/>
-                <a:cs typeface="Consolas" panose="020B0609020204030204" pitchFamily="49" charset="0"/>
-              </a:rPr>
-              <a:t>print</a:t>
-            </a:r>
-            <a:r>
-              <a:rPr lang="fr-FR" b="1" i="1" dirty="0">
-                <a:solidFill>
-                  <a:srgbClr val="0070C0"/>
-                </a:solidFill>
-                <a:latin typeface="Consolas" panose="020B0609020204030204" pitchFamily="49" charset="0"/>
-                <a:cs typeface="Consolas" panose="020B0609020204030204" pitchFamily="49" charset="0"/>
-              </a:rPr>
-              <a:t>(contents) </a:t>
-            </a:r>
-          </a:p>
-          <a:p>
-            <a:pPr marL="342900" indent="-342900">
-              <a:buFont typeface="Arial" panose="020B0604020202020204" pitchFamily="34" charset="0"/>
-              <a:buChar char="•"/>
-            </a:pPr>
-            <a:endParaRPr lang="en-US" sz="2000" dirty="0"/>
+            <a:pPr lvl="1"/>
+            <a:r>
+              <a:rPr lang="en-US" sz="2000" b="1" i="1" dirty="0">
+                <a:solidFill>
+                  <a:srgbClr val="0070C0"/>
+                </a:solidFill>
+                <a:latin typeface="Consolas" panose="020B0609020204030204" pitchFamily="49" charset="0"/>
+                <a:cs typeface="Consolas" panose="020B0609020204030204" pitchFamily="49" charset="0"/>
+              </a:rPr>
+              <a:t>import </a:t>
+            </a:r>
+            <a:r>
+              <a:rPr lang="en-US" sz="2000" b="1" i="1" dirty="0" err="1">
+                <a:solidFill>
+                  <a:srgbClr val="0070C0"/>
+                </a:solidFill>
+                <a:latin typeface="Consolas" panose="020B0609020204030204" pitchFamily="49" charset="0"/>
+                <a:cs typeface="Consolas" panose="020B0609020204030204" pitchFamily="49" charset="0"/>
+              </a:rPr>
+              <a:t>smtplib</a:t>
+            </a:r>
+            <a:endParaRPr lang="en-US" sz="2000" b="1" i="1" dirty="0">
+              <a:solidFill>
+                <a:srgbClr val="0070C0"/>
+              </a:solidFill>
+              <a:latin typeface="Consolas" panose="020B0609020204030204" pitchFamily="49" charset="0"/>
+              <a:cs typeface="Consolas" panose="020B0609020204030204" pitchFamily="49" charset="0"/>
+            </a:endParaRPr>
+          </a:p>
+          <a:p>
+            <a:pPr lvl="1"/>
+            <a:r>
+              <a:rPr lang="en-US" sz="2000" b="1" i="1" dirty="0">
+                <a:solidFill>
+                  <a:srgbClr val="0070C0"/>
+                </a:solidFill>
+                <a:latin typeface="Consolas" panose="020B0609020204030204" pitchFamily="49" charset="0"/>
+                <a:cs typeface="Consolas" panose="020B0609020204030204" pitchFamily="49" charset="0"/>
+              </a:rPr>
+              <a:t>import </a:t>
+            </a:r>
+            <a:r>
+              <a:rPr lang="en-US" sz="2000" b="1" i="1" dirty="0" err="1">
+                <a:solidFill>
+                  <a:srgbClr val="0070C0"/>
+                </a:solidFill>
+                <a:latin typeface="Consolas" panose="020B0609020204030204" pitchFamily="49" charset="0"/>
+                <a:cs typeface="Consolas" panose="020B0609020204030204" pitchFamily="49" charset="0"/>
+              </a:rPr>
+              <a:t>RPi.GPIO</a:t>
+            </a:r>
+            <a:r>
+              <a:rPr lang="en-US" sz="2000" b="1" i="1" dirty="0">
+                <a:solidFill>
+                  <a:srgbClr val="0070C0"/>
+                </a:solidFill>
+                <a:latin typeface="Consolas" panose="020B0609020204030204" pitchFamily="49" charset="0"/>
+                <a:cs typeface="Consolas" panose="020B0609020204030204" pitchFamily="49" charset="0"/>
+              </a:rPr>
+              <a:t> as GPIO</a:t>
+            </a:r>
+          </a:p>
+          <a:p>
+            <a:pPr lvl="1"/>
+            <a:endParaRPr lang="en-US" sz="2000" b="1" i="1" dirty="0">
+              <a:solidFill>
+                <a:srgbClr val="0070C0"/>
+              </a:solidFill>
+              <a:latin typeface="Consolas" panose="020B0609020204030204" pitchFamily="49" charset="0"/>
+              <a:cs typeface="Consolas" panose="020B0609020204030204" pitchFamily="49" charset="0"/>
+            </a:endParaRPr>
+          </a:p>
+          <a:p>
+            <a:pPr lvl="1"/>
+            <a:r>
+              <a:rPr lang="en-US" sz="2000" b="1" i="1" dirty="0">
+                <a:solidFill>
+                  <a:srgbClr val="0070C0"/>
+                </a:solidFill>
+                <a:latin typeface="Consolas" panose="020B0609020204030204" pitchFamily="49" charset="0"/>
+                <a:cs typeface="Consolas" panose="020B0609020204030204" pitchFamily="49" charset="0"/>
+              </a:rPr>
+              <a:t>GMAIL_USER = ‘YOUR_RASPBERY_PI_GMAIL' </a:t>
+            </a:r>
+          </a:p>
+          <a:p>
+            <a:pPr lvl="1"/>
+            <a:r>
+              <a:rPr lang="en-US" sz="2000" b="1" i="1" dirty="0">
+                <a:solidFill>
+                  <a:srgbClr val="0070C0"/>
+                </a:solidFill>
+                <a:latin typeface="Consolas" panose="020B0609020204030204" pitchFamily="49" charset="0"/>
+                <a:cs typeface="Consolas" panose="020B0609020204030204" pitchFamily="49" charset="0"/>
+              </a:rPr>
+              <a:t>GMAIL_PASS = ‘YOUR_GMAIL_PASSWORD' </a:t>
+            </a:r>
+          </a:p>
+          <a:p>
+            <a:pPr lvl="1"/>
+            <a:r>
+              <a:rPr lang="en-US" sz="2000" b="1" i="1" dirty="0">
+                <a:solidFill>
+                  <a:srgbClr val="0070C0"/>
+                </a:solidFill>
+                <a:latin typeface="Consolas" panose="020B0609020204030204" pitchFamily="49" charset="0"/>
+                <a:cs typeface="Consolas" panose="020B0609020204030204" pitchFamily="49" charset="0"/>
+              </a:rPr>
+              <a:t>SMTP_SERVER = 'smtp.gmail.com' </a:t>
+            </a:r>
+          </a:p>
+          <a:p>
+            <a:pPr lvl="1"/>
+            <a:r>
+              <a:rPr lang="en-US" sz="2000" b="1" i="1" dirty="0">
+                <a:solidFill>
+                  <a:srgbClr val="0070C0"/>
+                </a:solidFill>
+                <a:latin typeface="Consolas" panose="020B0609020204030204" pitchFamily="49" charset="0"/>
+                <a:cs typeface="Consolas" panose="020B0609020204030204" pitchFamily="49" charset="0"/>
+              </a:rPr>
+              <a:t>SMTP_PORT = 587</a:t>
+            </a:r>
+          </a:p>
+          <a:p>
+            <a:pPr lvl="1"/>
+            <a:endParaRPr lang="en-US" sz="2000" b="1" i="1" dirty="0">
+              <a:solidFill>
+                <a:srgbClr val="0070C0"/>
+              </a:solidFill>
+              <a:latin typeface="Consolas" panose="020B0609020204030204" pitchFamily="49" charset="0"/>
+              <a:cs typeface="Consolas" panose="020B0609020204030204" pitchFamily="49" charset="0"/>
+            </a:endParaRPr>
+          </a:p>
+          <a:p>
+            <a:pPr lvl="1"/>
+            <a:r>
+              <a:rPr lang="en-US" sz="2000" b="1" i="1" dirty="0" err="1">
+                <a:solidFill>
+                  <a:srgbClr val="0070C0"/>
+                </a:solidFill>
+                <a:latin typeface="Consolas" panose="020B0609020204030204" pitchFamily="49" charset="0"/>
+                <a:cs typeface="Consolas" panose="020B0609020204030204" pitchFamily="49" charset="0"/>
+              </a:rPr>
+              <a:t>GPIO.setmode</a:t>
+            </a:r>
+            <a:r>
+              <a:rPr lang="en-US" sz="2000" b="1" i="1" dirty="0">
+                <a:solidFill>
+                  <a:srgbClr val="0070C0"/>
+                </a:solidFill>
+                <a:latin typeface="Consolas" panose="020B0609020204030204" pitchFamily="49" charset="0"/>
+                <a:cs typeface="Consolas" panose="020B0609020204030204" pitchFamily="49" charset="0"/>
+              </a:rPr>
+              <a:t>(GPIO.BCM)</a:t>
+            </a:r>
+          </a:p>
+          <a:p>
+            <a:pPr lvl="1"/>
+            <a:r>
+              <a:rPr lang="en-US" sz="2000" b="1" i="1" dirty="0" err="1">
+                <a:solidFill>
+                  <a:srgbClr val="0070C0"/>
+                </a:solidFill>
+                <a:latin typeface="Consolas" panose="020B0609020204030204" pitchFamily="49" charset="0"/>
+                <a:cs typeface="Consolas" panose="020B0609020204030204" pitchFamily="49" charset="0"/>
+              </a:rPr>
+              <a:t>GPIO.setup</a:t>
+            </a:r>
+            <a:r>
+              <a:rPr lang="en-US" sz="2000" b="1" i="1" dirty="0">
+                <a:solidFill>
+                  <a:srgbClr val="0070C0"/>
+                </a:solidFill>
+                <a:latin typeface="Consolas" panose="020B0609020204030204" pitchFamily="49" charset="0"/>
+                <a:cs typeface="Consolas" panose="020B0609020204030204" pitchFamily="49" charset="0"/>
+              </a:rPr>
+              <a:t>(18,GPIO.IN,pull_up_down=GPIO.PUD_UP)</a:t>
+            </a:r>
           </a:p>
         </p:txBody>
       </p:sp>
@@ -11153,7 +11294,7 @@
     </p:spTree>
     <p:extLst>
       <p:ext uri="{BB962C8B-B14F-4D97-AF65-F5344CB8AC3E}">
-        <p14:creationId xmlns:p14="http://schemas.microsoft.com/office/powerpoint/2010/main" val="195323463"/>
+        <p14:creationId xmlns:p14="http://schemas.microsoft.com/office/powerpoint/2010/main" val="1193686946"/>
       </p:ext>
     </p:extLst>
   </p:cSld>
@@ -11316,8 +11457,12 @@
           </a:lstStyle>
           <a:p>
             <a:r>
+              <a:rPr lang="en-US" dirty="0" err="1"/>
+              <a:t>Send_Email</a:t>
+            </a:r>
+            <a:r>
               <a:rPr lang="en-US" dirty="0"/>
-              <a:t>Command-Line Arguments in Python </a:t>
+              <a:t> project</a:t>
             </a:r>
             <a:endParaRPr lang="en-US" b="1" i="1" dirty="0">
               <a:solidFill>
@@ -11337,8 +11482,8 @@
         </p:nvSpPr>
         <p:spPr>
           <a:xfrm>
-            <a:off x="417443" y="857743"/>
-            <a:ext cx="11357113" cy="6001643"/>
+            <a:off x="-1" y="857743"/>
+            <a:ext cx="13047261" cy="5355312"/>
           </a:xfrm>
           <a:prstGeom prst="rect">
             <a:avLst/>
@@ -11351,206 +11496,305 @@
           </a:bodyPr>
           <a:lstStyle/>
           <a:p>
-            <a:pPr marL="342900" indent="-342900">
-              <a:buFont typeface="Arial" panose="020B0604020202020204" pitchFamily="34" charset="0"/>
-              <a:buChar char="•"/>
-            </a:pPr>
-            <a:r>
-              <a:rPr lang="en-US" sz="2000" dirty="0"/>
-              <a:t>You want to run a Python program from the command line and pass it parameters.  </a:t>
-            </a:r>
-          </a:p>
-          <a:p>
-            <a:pPr marL="342900" indent="-342900">
-              <a:buFont typeface="Arial" panose="020B0604020202020204" pitchFamily="34" charset="0"/>
-              <a:buChar char="•"/>
-            </a:pPr>
-            <a:endParaRPr lang="en-US" sz="2000" dirty="0"/>
-          </a:p>
-          <a:p>
-            <a:pPr marL="342900" indent="-342900">
-              <a:buFont typeface="Arial" panose="020B0604020202020204" pitchFamily="34" charset="0"/>
-              <a:buChar char="•"/>
-            </a:pPr>
-            <a:r>
-              <a:rPr lang="en-US" sz="2000" dirty="0"/>
-              <a:t>Import </a:t>
-            </a:r>
-            <a:r>
-              <a:rPr lang="en-US" sz="2400" b="1" i="1" dirty="0">
-                <a:solidFill>
-                  <a:srgbClr val="0070C0"/>
-                </a:solidFill>
-                <a:latin typeface="Consolas" panose="020B0609020204030204" pitchFamily="49" charset="0"/>
-                <a:cs typeface="Consolas" panose="020B0609020204030204" pitchFamily="49" charset="0"/>
-              </a:rPr>
-              <a:t>sys</a:t>
-            </a:r>
-            <a:r>
-              <a:rPr lang="en-US" sz="2000" dirty="0"/>
-              <a:t> and use its </a:t>
-            </a:r>
-            <a:r>
-              <a:rPr lang="en-US" sz="2400" b="1" i="1" dirty="0" err="1">
-                <a:solidFill>
-                  <a:srgbClr val="0070C0"/>
-                </a:solidFill>
-                <a:latin typeface="Consolas" panose="020B0609020204030204" pitchFamily="49" charset="0"/>
-                <a:cs typeface="Consolas" panose="020B0609020204030204" pitchFamily="49" charset="0"/>
-              </a:rPr>
-              <a:t>argv</a:t>
-            </a:r>
-            <a:r>
-              <a:rPr lang="en-US" sz="2000" dirty="0"/>
-              <a:t> property, as shown in the following example. This returns an array, the first element of which is the name of the program. The other elements are any parameters (separated by spaces) that were typed on the command line after the program name.</a:t>
-            </a:r>
-          </a:p>
-          <a:p>
-            <a:pPr marL="342900" indent="-342900">
-              <a:buFont typeface="Arial" panose="020B0604020202020204" pitchFamily="34" charset="0"/>
-              <a:buChar char="•"/>
-            </a:pPr>
-            <a:r>
-              <a:rPr lang="en-US" sz="2000" b="1" dirty="0">
-                <a:solidFill>
-                  <a:srgbClr val="FF0000"/>
-                </a:solidFill>
-              </a:rPr>
-              <a:t>Example:</a:t>
-            </a:r>
-          </a:p>
-          <a:p>
-            <a:pPr marL="342900" indent="-342900">
-              <a:buFont typeface="Arial" panose="020B0604020202020204" pitchFamily="34" charset="0"/>
-              <a:buChar char="•"/>
-            </a:pPr>
-            <a:endParaRPr lang="en-US" sz="2000" dirty="0"/>
-          </a:p>
-          <a:p>
-            <a:pPr lvl="1"/>
-            <a:r>
-              <a:rPr lang="en-US" sz="2000" b="1" i="1" dirty="0">
-                <a:solidFill>
-                  <a:srgbClr val="0070C0"/>
-                </a:solidFill>
-                <a:latin typeface="Consolas" panose="020B0609020204030204" pitchFamily="49" charset="0"/>
-                <a:cs typeface="Consolas" panose="020B0609020204030204" pitchFamily="49" charset="0"/>
-              </a:rPr>
-              <a:t>import sys</a:t>
-            </a:r>
-          </a:p>
-          <a:p>
-            <a:pPr lvl="1"/>
-            <a:r>
-              <a:rPr lang="en-US" sz="2000" b="1" i="1" dirty="0">
-                <a:solidFill>
-                  <a:srgbClr val="0070C0"/>
-                </a:solidFill>
-                <a:latin typeface="Consolas" panose="020B0609020204030204" pitchFamily="49" charset="0"/>
-                <a:cs typeface="Consolas" panose="020B0609020204030204" pitchFamily="49" charset="0"/>
-              </a:rPr>
-              <a:t>for (</a:t>
-            </a:r>
-            <a:r>
-              <a:rPr lang="en-US" sz="2000" b="1" i="1" dirty="0" err="1">
-                <a:solidFill>
-                  <a:srgbClr val="0070C0"/>
-                </a:solidFill>
-                <a:latin typeface="Consolas" panose="020B0609020204030204" pitchFamily="49" charset="0"/>
-                <a:cs typeface="Consolas" panose="020B0609020204030204" pitchFamily="49" charset="0"/>
-              </a:rPr>
-              <a:t>i</a:t>
-            </a:r>
-            <a:r>
-              <a:rPr lang="en-US" sz="2000" b="1" i="1" dirty="0">
-                <a:solidFill>
-                  <a:srgbClr val="0070C0"/>
-                </a:solidFill>
-                <a:latin typeface="Consolas" panose="020B0609020204030204" pitchFamily="49" charset="0"/>
-                <a:cs typeface="Consolas" panose="020B0609020204030204" pitchFamily="49" charset="0"/>
-              </a:rPr>
-              <a:t>, value) in enumerate(</a:t>
-            </a:r>
-            <a:r>
-              <a:rPr lang="en-US" sz="2000" b="1" i="1" dirty="0" err="1">
-                <a:solidFill>
-                  <a:srgbClr val="0070C0"/>
-                </a:solidFill>
-                <a:latin typeface="Consolas" panose="020B0609020204030204" pitchFamily="49" charset="0"/>
-                <a:cs typeface="Consolas" panose="020B0609020204030204" pitchFamily="49" charset="0"/>
-              </a:rPr>
-              <a:t>sys.argv</a:t>
-            </a:r>
-            <a:r>
-              <a:rPr lang="en-US" sz="2000" b="1" i="1" dirty="0">
-                <a:solidFill>
-                  <a:srgbClr val="0070C0"/>
-                </a:solidFill>
-                <a:latin typeface="Consolas" panose="020B0609020204030204" pitchFamily="49" charset="0"/>
-                <a:cs typeface="Consolas" panose="020B0609020204030204" pitchFamily="49" charset="0"/>
-              </a:rPr>
-              <a:t>):    </a:t>
-            </a:r>
-          </a:p>
-          <a:p>
-            <a:pPr lvl="3"/>
-            <a:r>
-              <a:rPr lang="en-US" sz="2000" b="1" i="1" dirty="0">
-                <a:solidFill>
-                  <a:srgbClr val="0070C0"/>
-                </a:solidFill>
-                <a:latin typeface="Consolas" panose="020B0609020204030204" pitchFamily="49" charset="0"/>
-                <a:cs typeface="Consolas" panose="020B0609020204030204" pitchFamily="49" charset="0"/>
-              </a:rPr>
-              <a:t>print("</a:t>
-            </a:r>
-            <a:r>
-              <a:rPr lang="en-US" sz="2000" b="1" i="1" dirty="0" err="1">
-                <a:solidFill>
-                  <a:srgbClr val="0070C0"/>
-                </a:solidFill>
-                <a:latin typeface="Consolas" panose="020B0609020204030204" pitchFamily="49" charset="0"/>
-                <a:cs typeface="Consolas" panose="020B0609020204030204" pitchFamily="49" charset="0"/>
-              </a:rPr>
-              <a:t>arg</a:t>
-            </a:r>
-            <a:r>
-              <a:rPr lang="en-US" sz="2000" b="1" i="1" dirty="0">
-                <a:solidFill>
-                  <a:srgbClr val="0070C0"/>
-                </a:solidFill>
-                <a:latin typeface="Consolas" panose="020B0609020204030204" pitchFamily="49" charset="0"/>
-                <a:cs typeface="Consolas" panose="020B0609020204030204" pitchFamily="49" charset="0"/>
-              </a:rPr>
-              <a:t>: %d %s " % (</a:t>
-            </a:r>
-            <a:r>
-              <a:rPr lang="en-US" sz="2000" b="1" i="1" dirty="0" err="1">
-                <a:solidFill>
-                  <a:srgbClr val="0070C0"/>
-                </a:solidFill>
-                <a:latin typeface="Consolas" panose="020B0609020204030204" pitchFamily="49" charset="0"/>
-                <a:cs typeface="Consolas" panose="020B0609020204030204" pitchFamily="49" charset="0"/>
-              </a:rPr>
-              <a:t>i</a:t>
-            </a:r>
-            <a:r>
-              <a:rPr lang="en-US" sz="2000" b="1" i="1" dirty="0">
-                <a:solidFill>
-                  <a:srgbClr val="0070C0"/>
-                </a:solidFill>
-                <a:latin typeface="Consolas" panose="020B0609020204030204" pitchFamily="49" charset="0"/>
-                <a:cs typeface="Consolas" panose="020B0609020204030204" pitchFamily="49" charset="0"/>
-              </a:rPr>
-              <a:t>, value)) </a:t>
-            </a:r>
-          </a:p>
-          <a:p>
-            <a:pPr marL="342900" indent="-342900">
-              <a:buFont typeface="Arial" panose="020B0604020202020204" pitchFamily="34" charset="0"/>
-              <a:buChar char="•"/>
-            </a:pPr>
-            <a:endParaRPr lang="en-US" sz="2000" b="1" i="1" dirty="0">
+            <a:r>
+              <a:rPr lang="en-US" sz="1900" b="1" i="1" dirty="0" err="1">
+                <a:solidFill>
+                  <a:srgbClr val="0070C0"/>
+                </a:solidFill>
+                <a:latin typeface="Consolas" panose="020B0609020204030204" pitchFamily="49" charset="0"/>
+                <a:cs typeface="Consolas" panose="020B0609020204030204" pitchFamily="49" charset="0"/>
+              </a:rPr>
+              <a:t>def</a:t>
+            </a:r>
+            <a:r>
+              <a:rPr lang="en-US" sz="1900" b="1" i="1" dirty="0">
+                <a:solidFill>
+                  <a:srgbClr val="0070C0"/>
+                </a:solidFill>
+                <a:latin typeface="Consolas" panose="020B0609020204030204" pitchFamily="49" charset="0"/>
+                <a:cs typeface="Consolas" panose="020B0609020204030204" pitchFamily="49" charset="0"/>
+              </a:rPr>
+              <a:t> </a:t>
+            </a:r>
+            <a:r>
+              <a:rPr lang="en-US" sz="1900" b="1" i="1" dirty="0" err="1">
+                <a:solidFill>
+                  <a:srgbClr val="0070C0"/>
+                </a:solidFill>
+                <a:latin typeface="Consolas" panose="020B0609020204030204" pitchFamily="49" charset="0"/>
+                <a:cs typeface="Consolas" panose="020B0609020204030204" pitchFamily="49" charset="0"/>
+              </a:rPr>
+              <a:t>send_email</a:t>
+            </a:r>
+            <a:r>
+              <a:rPr lang="en-US" sz="1900" b="1" i="1" dirty="0">
+                <a:solidFill>
+                  <a:srgbClr val="0070C0"/>
+                </a:solidFill>
+                <a:latin typeface="Consolas" panose="020B0609020204030204" pitchFamily="49" charset="0"/>
+                <a:cs typeface="Consolas" panose="020B0609020204030204" pitchFamily="49" charset="0"/>
+              </a:rPr>
+              <a:t>(recipient, subject, text):    </a:t>
+            </a:r>
+          </a:p>
+          <a:p>
+            <a:r>
+              <a:rPr lang="en-US" sz="1900" b="1" i="1" dirty="0">
+                <a:solidFill>
+                  <a:srgbClr val="0070C0"/>
+                </a:solidFill>
+                <a:latin typeface="Consolas" panose="020B0609020204030204" pitchFamily="49" charset="0"/>
+                <a:cs typeface="Consolas" panose="020B0609020204030204" pitchFamily="49" charset="0"/>
+              </a:rPr>
+              <a:t>    </a:t>
+            </a:r>
+            <a:r>
+              <a:rPr lang="en-US" sz="1900" b="1" i="1" dirty="0" err="1">
+                <a:solidFill>
+                  <a:srgbClr val="0070C0"/>
+                </a:solidFill>
+                <a:latin typeface="Consolas" panose="020B0609020204030204" pitchFamily="49" charset="0"/>
+                <a:cs typeface="Consolas" panose="020B0609020204030204" pitchFamily="49" charset="0"/>
+              </a:rPr>
+              <a:t>smtpserver</a:t>
+            </a:r>
+            <a:r>
+              <a:rPr lang="en-US" sz="1900" b="1" i="1" dirty="0">
+                <a:solidFill>
+                  <a:srgbClr val="0070C0"/>
+                </a:solidFill>
+                <a:latin typeface="Consolas" panose="020B0609020204030204" pitchFamily="49" charset="0"/>
+                <a:cs typeface="Consolas" panose="020B0609020204030204" pitchFamily="49" charset="0"/>
+              </a:rPr>
+              <a:t> = </a:t>
+            </a:r>
+            <a:r>
+              <a:rPr lang="en-US" sz="1900" b="1" i="1" dirty="0" err="1">
+                <a:solidFill>
+                  <a:srgbClr val="0070C0"/>
+                </a:solidFill>
+                <a:latin typeface="Consolas" panose="020B0609020204030204" pitchFamily="49" charset="0"/>
+                <a:cs typeface="Consolas" panose="020B0609020204030204" pitchFamily="49" charset="0"/>
+              </a:rPr>
+              <a:t>smtplib.SMTP</a:t>
+            </a:r>
+            <a:r>
+              <a:rPr lang="en-US" sz="1900" b="1" i="1" dirty="0">
+                <a:solidFill>
+                  <a:srgbClr val="0070C0"/>
+                </a:solidFill>
+                <a:latin typeface="Consolas" panose="020B0609020204030204" pitchFamily="49" charset="0"/>
+                <a:cs typeface="Consolas" panose="020B0609020204030204" pitchFamily="49" charset="0"/>
+              </a:rPr>
+              <a:t>(SMTP_SERVER, SMTP_PORT)    </a:t>
+            </a:r>
+          </a:p>
+          <a:p>
+            <a:r>
+              <a:rPr lang="en-US" sz="1900" b="1" i="1" dirty="0">
+                <a:solidFill>
+                  <a:srgbClr val="0070C0"/>
+                </a:solidFill>
+                <a:latin typeface="Consolas" panose="020B0609020204030204" pitchFamily="49" charset="0"/>
+                <a:cs typeface="Consolas" panose="020B0609020204030204" pitchFamily="49" charset="0"/>
+              </a:rPr>
+              <a:t>    </a:t>
+            </a:r>
+            <a:r>
+              <a:rPr lang="en-US" sz="1900" b="1" i="1" dirty="0" err="1">
+                <a:solidFill>
+                  <a:srgbClr val="0070C0"/>
+                </a:solidFill>
+                <a:latin typeface="Consolas" panose="020B0609020204030204" pitchFamily="49" charset="0"/>
+                <a:cs typeface="Consolas" panose="020B0609020204030204" pitchFamily="49" charset="0"/>
+              </a:rPr>
+              <a:t>smtpserver.starttls</a:t>
+            </a:r>
+            <a:r>
+              <a:rPr lang="en-US" sz="1900" b="1" i="1" dirty="0">
+                <a:solidFill>
+                  <a:srgbClr val="0070C0"/>
+                </a:solidFill>
+                <a:latin typeface="Consolas" panose="020B0609020204030204" pitchFamily="49" charset="0"/>
+                <a:cs typeface="Consolas" panose="020B0609020204030204" pitchFamily="49" charset="0"/>
+              </a:rPr>
+              <a:t>()      </a:t>
+            </a:r>
+          </a:p>
+          <a:p>
+            <a:r>
+              <a:rPr lang="en-US" sz="1900" b="1" i="1" dirty="0">
+                <a:solidFill>
+                  <a:srgbClr val="0070C0"/>
+                </a:solidFill>
+                <a:latin typeface="Consolas" panose="020B0609020204030204" pitchFamily="49" charset="0"/>
+                <a:cs typeface="Consolas" panose="020B0609020204030204" pitchFamily="49" charset="0"/>
+              </a:rPr>
+              <a:t>    </a:t>
+            </a:r>
+            <a:r>
+              <a:rPr lang="en-US" sz="1900" b="1" i="1" dirty="0" err="1">
+                <a:solidFill>
+                  <a:srgbClr val="0070C0"/>
+                </a:solidFill>
+                <a:latin typeface="Consolas" panose="020B0609020204030204" pitchFamily="49" charset="0"/>
+                <a:cs typeface="Consolas" panose="020B0609020204030204" pitchFamily="49" charset="0"/>
+              </a:rPr>
+              <a:t>smtpserver.login</a:t>
+            </a:r>
+            <a:r>
+              <a:rPr lang="en-US" sz="1900" b="1" i="1" dirty="0">
+                <a:solidFill>
+                  <a:srgbClr val="0070C0"/>
+                </a:solidFill>
+                <a:latin typeface="Consolas" panose="020B0609020204030204" pitchFamily="49" charset="0"/>
+                <a:cs typeface="Consolas" panose="020B0609020204030204" pitchFamily="49" charset="0"/>
+              </a:rPr>
+              <a:t>(GMAIL_USER, GMAIL_PASS)    </a:t>
+            </a:r>
+          </a:p>
+          <a:p>
+            <a:r>
+              <a:rPr lang="en-US" sz="1900" b="1" i="1" dirty="0">
+                <a:solidFill>
+                  <a:srgbClr val="0070C0"/>
+                </a:solidFill>
+                <a:latin typeface="Consolas" panose="020B0609020204030204" pitchFamily="49" charset="0"/>
+                <a:cs typeface="Consolas" panose="020B0609020204030204" pitchFamily="49" charset="0"/>
+              </a:rPr>
+              <a:t>    header = 'To:' + recipient + '\n' + 'From: ' + GMAIL_USER    </a:t>
+            </a:r>
+          </a:p>
+          <a:p>
+            <a:r>
+              <a:rPr lang="en-US" sz="1900" b="1" i="1" dirty="0">
+                <a:solidFill>
+                  <a:srgbClr val="0070C0"/>
+                </a:solidFill>
+                <a:latin typeface="Consolas" panose="020B0609020204030204" pitchFamily="49" charset="0"/>
+                <a:cs typeface="Consolas" panose="020B0609020204030204" pitchFamily="49" charset="0"/>
+              </a:rPr>
+              <a:t>    header = header + '\n' + 'Subject:' + subject + '\n'    </a:t>
+            </a:r>
+          </a:p>
+          <a:p>
+            <a:r>
+              <a:rPr lang="en-US" sz="1900" b="1" i="1" dirty="0">
+                <a:solidFill>
+                  <a:srgbClr val="0070C0"/>
+                </a:solidFill>
+                <a:latin typeface="Consolas" panose="020B0609020204030204" pitchFamily="49" charset="0"/>
+                <a:cs typeface="Consolas" panose="020B0609020204030204" pitchFamily="49" charset="0"/>
+              </a:rPr>
+              <a:t>    </a:t>
+            </a:r>
+            <a:r>
+              <a:rPr lang="en-US" sz="1900" b="1" i="1" dirty="0" err="1">
+                <a:solidFill>
+                  <a:srgbClr val="0070C0"/>
+                </a:solidFill>
+                <a:latin typeface="Consolas" panose="020B0609020204030204" pitchFamily="49" charset="0"/>
+                <a:cs typeface="Consolas" panose="020B0609020204030204" pitchFamily="49" charset="0"/>
+              </a:rPr>
+              <a:t>msg</a:t>
+            </a:r>
+            <a:r>
+              <a:rPr lang="en-US" sz="1900" b="1" i="1" dirty="0">
+                <a:solidFill>
+                  <a:srgbClr val="0070C0"/>
+                </a:solidFill>
+                <a:latin typeface="Consolas" panose="020B0609020204030204" pitchFamily="49" charset="0"/>
+                <a:cs typeface="Consolas" panose="020B0609020204030204" pitchFamily="49" charset="0"/>
+              </a:rPr>
+              <a:t> = header + '\n' + text + ' \n\n'    </a:t>
+            </a:r>
+          </a:p>
+          <a:p>
+            <a:r>
+              <a:rPr lang="en-US" sz="1900" b="1" i="1" dirty="0">
+                <a:solidFill>
+                  <a:srgbClr val="0070C0"/>
+                </a:solidFill>
+                <a:latin typeface="Consolas" panose="020B0609020204030204" pitchFamily="49" charset="0"/>
+                <a:cs typeface="Consolas" panose="020B0609020204030204" pitchFamily="49" charset="0"/>
+              </a:rPr>
+              <a:t>    </a:t>
+            </a:r>
+            <a:r>
+              <a:rPr lang="en-US" sz="1900" b="1" i="1" dirty="0" err="1">
+                <a:solidFill>
+                  <a:srgbClr val="0070C0"/>
+                </a:solidFill>
+                <a:latin typeface="Consolas" panose="020B0609020204030204" pitchFamily="49" charset="0"/>
+                <a:cs typeface="Consolas" panose="020B0609020204030204" pitchFamily="49" charset="0"/>
+              </a:rPr>
+              <a:t>smtpserver.sendmail</a:t>
+            </a:r>
+            <a:r>
+              <a:rPr lang="en-US" sz="1900" b="1" i="1" dirty="0">
+                <a:solidFill>
+                  <a:srgbClr val="0070C0"/>
+                </a:solidFill>
+                <a:latin typeface="Consolas" panose="020B0609020204030204" pitchFamily="49" charset="0"/>
+                <a:cs typeface="Consolas" panose="020B0609020204030204" pitchFamily="49" charset="0"/>
+              </a:rPr>
+              <a:t>(GMAIL_USER, recipient, </a:t>
+            </a:r>
+            <a:r>
+              <a:rPr lang="en-US" sz="1900" b="1" i="1" dirty="0" err="1">
+                <a:solidFill>
+                  <a:srgbClr val="0070C0"/>
+                </a:solidFill>
+                <a:latin typeface="Consolas" panose="020B0609020204030204" pitchFamily="49" charset="0"/>
+                <a:cs typeface="Consolas" panose="020B0609020204030204" pitchFamily="49" charset="0"/>
+              </a:rPr>
+              <a:t>msg</a:t>
+            </a:r>
+            <a:r>
+              <a:rPr lang="en-US" sz="1900" b="1" i="1" dirty="0">
+                <a:solidFill>
+                  <a:srgbClr val="0070C0"/>
+                </a:solidFill>
+                <a:latin typeface="Consolas" panose="020B0609020204030204" pitchFamily="49" charset="0"/>
+                <a:cs typeface="Consolas" panose="020B0609020204030204" pitchFamily="49" charset="0"/>
+              </a:rPr>
+              <a:t>)    </a:t>
+            </a:r>
+          </a:p>
+          <a:p>
+            <a:r>
+              <a:rPr lang="en-US" sz="1900" b="1" i="1" dirty="0">
+                <a:solidFill>
+                  <a:srgbClr val="0070C0"/>
+                </a:solidFill>
+                <a:latin typeface="Consolas" panose="020B0609020204030204" pitchFamily="49" charset="0"/>
+                <a:cs typeface="Consolas" panose="020B0609020204030204" pitchFamily="49" charset="0"/>
+              </a:rPr>
+              <a:t>    </a:t>
+            </a:r>
+            <a:r>
+              <a:rPr lang="en-US" sz="1900" b="1" i="1" dirty="0" err="1">
+                <a:solidFill>
+                  <a:srgbClr val="0070C0"/>
+                </a:solidFill>
+                <a:latin typeface="Consolas" panose="020B0609020204030204" pitchFamily="49" charset="0"/>
+                <a:cs typeface="Consolas" panose="020B0609020204030204" pitchFamily="49" charset="0"/>
+              </a:rPr>
+              <a:t>smtpserver.quit</a:t>
+            </a:r>
+            <a:r>
+              <a:rPr lang="en-US" sz="1900" b="1" i="1" dirty="0">
+                <a:solidFill>
+                  <a:srgbClr val="0070C0"/>
+                </a:solidFill>
+                <a:latin typeface="Consolas" panose="020B0609020204030204" pitchFamily="49" charset="0"/>
+                <a:cs typeface="Consolas" panose="020B0609020204030204" pitchFamily="49" charset="0"/>
+              </a:rPr>
+              <a:t>()</a:t>
+            </a:r>
+          </a:p>
+          <a:p>
+            <a:endParaRPr lang="en-US" sz="1900" b="1" i="1" dirty="0">
               <a:solidFill>
                 <a:srgbClr val="0070C0"/>
               </a:solidFill>
@@ -11559,140 +11803,159 @@
             </a:endParaRPr>
           </a:p>
           <a:p>
-            <a:pPr marL="342900" indent="-342900">
-              <a:buFont typeface="Arial" panose="020B0604020202020204" pitchFamily="34" charset="0"/>
-              <a:buChar char="•"/>
-            </a:pPr>
-            <a:r>
-              <a:rPr lang="en-US" sz="2000" dirty="0"/>
-              <a:t>Running the program from the command line, with some parameters after it, results in the following output:</a:t>
-            </a:r>
-          </a:p>
-          <a:p>
-            <a:pPr marL="342900" indent="-342900">
-              <a:buFont typeface="Arial" panose="020B0604020202020204" pitchFamily="34" charset="0"/>
-              <a:buChar char="•"/>
-            </a:pPr>
-            <a:endParaRPr lang="en-US" sz="2000" dirty="0"/>
-          </a:p>
-          <a:p>
-            <a:pPr marL="342900" indent="-342900">
-              <a:buFont typeface="Arial" panose="020B0604020202020204" pitchFamily="34" charset="0"/>
-              <a:buChar char="•"/>
-            </a:pPr>
-            <a:r>
-              <a:rPr lang="en-US" sz="2000" b="1" i="1" dirty="0">
-                <a:solidFill>
-                  <a:srgbClr val="0070C0"/>
-                </a:solidFill>
-                <a:latin typeface="Consolas" panose="020B0609020204030204" pitchFamily="49" charset="0"/>
-                <a:cs typeface="Consolas" panose="020B0609020204030204" pitchFamily="49" charset="0"/>
-              </a:rPr>
-              <a:t>$ python cmd_line.py a b c </a:t>
-            </a:r>
-          </a:p>
-          <a:p>
-            <a:pPr marL="342900" indent="-342900">
-              <a:buFont typeface="Arial" panose="020B0604020202020204" pitchFamily="34" charset="0"/>
-              <a:buChar char="•"/>
-            </a:pPr>
-            <a:r>
-              <a:rPr lang="en-US" sz="2000" b="1" i="1" dirty="0" err="1">
-                <a:solidFill>
-                  <a:srgbClr val="0070C0"/>
-                </a:solidFill>
-                <a:latin typeface="Consolas" panose="020B0609020204030204" pitchFamily="49" charset="0"/>
-                <a:cs typeface="Consolas" panose="020B0609020204030204" pitchFamily="49" charset="0"/>
-              </a:rPr>
-              <a:t>arg</a:t>
-            </a:r>
-            <a:r>
-              <a:rPr lang="en-US" sz="2000" b="1" i="1" dirty="0">
-                <a:solidFill>
-                  <a:srgbClr val="0070C0"/>
-                </a:solidFill>
-                <a:latin typeface="Consolas" panose="020B0609020204030204" pitchFamily="49" charset="0"/>
-                <a:cs typeface="Consolas" panose="020B0609020204030204" pitchFamily="49" charset="0"/>
-              </a:rPr>
-              <a:t>: 0 cmd_line.py </a:t>
-            </a:r>
-          </a:p>
-          <a:p>
-            <a:pPr marL="342900" indent="-342900">
-              <a:buFont typeface="Arial" panose="020B0604020202020204" pitchFamily="34" charset="0"/>
-              <a:buChar char="•"/>
-            </a:pPr>
-            <a:r>
-              <a:rPr lang="en-US" sz="2000" b="1" i="1" dirty="0" err="1">
-                <a:solidFill>
-                  <a:srgbClr val="0070C0"/>
-                </a:solidFill>
-                <a:latin typeface="Consolas" panose="020B0609020204030204" pitchFamily="49" charset="0"/>
-                <a:cs typeface="Consolas" panose="020B0609020204030204" pitchFamily="49" charset="0"/>
-              </a:rPr>
-              <a:t>arg</a:t>
-            </a:r>
-            <a:r>
-              <a:rPr lang="en-US" sz="2000" b="1" i="1" dirty="0">
-                <a:solidFill>
-                  <a:srgbClr val="0070C0"/>
-                </a:solidFill>
-                <a:latin typeface="Consolas" panose="020B0609020204030204" pitchFamily="49" charset="0"/>
-                <a:cs typeface="Consolas" panose="020B0609020204030204" pitchFamily="49" charset="0"/>
-              </a:rPr>
-              <a:t>: 1 a </a:t>
-            </a:r>
-          </a:p>
-          <a:p>
-            <a:pPr marL="342900" indent="-342900">
-              <a:buFont typeface="Arial" panose="020B0604020202020204" pitchFamily="34" charset="0"/>
-              <a:buChar char="•"/>
-            </a:pPr>
-            <a:r>
-              <a:rPr lang="en-US" sz="2000" b="1" i="1" dirty="0" err="1">
-                <a:solidFill>
-                  <a:srgbClr val="0070C0"/>
-                </a:solidFill>
-                <a:latin typeface="Consolas" panose="020B0609020204030204" pitchFamily="49" charset="0"/>
-                <a:cs typeface="Consolas" panose="020B0609020204030204" pitchFamily="49" charset="0"/>
-              </a:rPr>
-              <a:t>arg</a:t>
-            </a:r>
-            <a:r>
-              <a:rPr lang="en-US" sz="2000" b="1" i="1" dirty="0">
-                <a:solidFill>
-                  <a:srgbClr val="0070C0"/>
-                </a:solidFill>
-                <a:latin typeface="Consolas" panose="020B0609020204030204" pitchFamily="49" charset="0"/>
-                <a:cs typeface="Consolas" panose="020B0609020204030204" pitchFamily="49" charset="0"/>
-              </a:rPr>
-              <a:t>: 2 b </a:t>
-            </a:r>
-          </a:p>
-          <a:p>
-            <a:pPr marL="342900" indent="-342900">
-              <a:buFont typeface="Arial" panose="020B0604020202020204" pitchFamily="34" charset="0"/>
-              <a:buChar char="•"/>
-            </a:pPr>
-            <a:r>
-              <a:rPr lang="en-US" sz="2000" b="1" i="1" dirty="0" err="1">
-                <a:solidFill>
-                  <a:srgbClr val="0070C0"/>
-                </a:solidFill>
-                <a:latin typeface="Consolas" panose="020B0609020204030204" pitchFamily="49" charset="0"/>
-                <a:cs typeface="Consolas" panose="020B0609020204030204" pitchFamily="49" charset="0"/>
-              </a:rPr>
-              <a:t>arg</a:t>
-            </a:r>
-            <a:r>
-              <a:rPr lang="en-US" sz="2000" b="1" i="1" dirty="0">
-                <a:solidFill>
-                  <a:srgbClr val="0070C0"/>
-                </a:solidFill>
-                <a:latin typeface="Consolas" panose="020B0609020204030204" pitchFamily="49" charset="0"/>
-                <a:cs typeface="Consolas" panose="020B0609020204030204" pitchFamily="49" charset="0"/>
-              </a:rPr>
-              <a:t>: 3 c </a:t>
+            <a:r>
+              <a:rPr lang="en-US" sz="1900" b="1" i="1" dirty="0">
+                <a:solidFill>
+                  <a:srgbClr val="0070C0"/>
+                </a:solidFill>
+                <a:latin typeface="Consolas" panose="020B0609020204030204" pitchFamily="49" charset="0"/>
+                <a:cs typeface="Consolas" panose="020B0609020204030204" pitchFamily="49" charset="0"/>
+              </a:rPr>
+              <a:t>counter=0</a:t>
+            </a:r>
+          </a:p>
+          <a:p>
+            <a:r>
+              <a:rPr lang="en-US" sz="1900" b="1" i="1" dirty="0">
+                <a:solidFill>
+                  <a:srgbClr val="0070C0"/>
+                </a:solidFill>
+                <a:latin typeface="Consolas" panose="020B0609020204030204" pitchFamily="49" charset="0"/>
+                <a:cs typeface="Consolas" panose="020B0609020204030204" pitchFamily="49" charset="0"/>
+              </a:rPr>
+              <a:t>while(1):</a:t>
+            </a:r>
+          </a:p>
+          <a:p>
+            <a:r>
+              <a:rPr lang="en-US" sz="1900" b="1" i="1" dirty="0">
+                <a:solidFill>
+                  <a:srgbClr val="0070C0"/>
+                </a:solidFill>
+                <a:latin typeface="Consolas" panose="020B0609020204030204" pitchFamily="49" charset="0"/>
+                <a:cs typeface="Consolas" panose="020B0609020204030204" pitchFamily="49" charset="0"/>
+              </a:rPr>
+              <a:t>    if(</a:t>
+            </a:r>
+            <a:r>
+              <a:rPr lang="en-US" sz="1900" b="1" i="1" dirty="0" err="1">
+                <a:solidFill>
+                  <a:srgbClr val="0070C0"/>
+                </a:solidFill>
+                <a:latin typeface="Consolas" panose="020B0609020204030204" pitchFamily="49" charset="0"/>
+                <a:cs typeface="Consolas" panose="020B0609020204030204" pitchFamily="49" charset="0"/>
+              </a:rPr>
+              <a:t>GPIO.input</a:t>
+            </a:r>
+            <a:r>
+              <a:rPr lang="en-US" sz="1900" b="1" i="1" dirty="0">
+                <a:solidFill>
+                  <a:srgbClr val="0070C0"/>
+                </a:solidFill>
+                <a:latin typeface="Consolas" panose="020B0609020204030204" pitchFamily="49" charset="0"/>
+                <a:cs typeface="Consolas" panose="020B0609020204030204" pitchFamily="49" charset="0"/>
+              </a:rPr>
+              <a:t>(18)==0):</a:t>
+            </a:r>
+          </a:p>
+          <a:p>
+            <a:r>
+              <a:rPr lang="en-US" sz="1900" b="1" i="1" dirty="0">
+                <a:solidFill>
+                  <a:srgbClr val="0070C0"/>
+                </a:solidFill>
+                <a:latin typeface="Consolas" panose="020B0609020204030204" pitchFamily="49" charset="0"/>
+                <a:cs typeface="Consolas" panose="020B0609020204030204" pitchFamily="49" charset="0"/>
+              </a:rPr>
+              <a:t>        print("Danger!!!!!!")</a:t>
+            </a:r>
+          </a:p>
+          <a:p>
+            <a:r>
+              <a:rPr lang="en-US" sz="1900" b="1" i="1" dirty="0">
+                <a:solidFill>
+                  <a:srgbClr val="0070C0"/>
+                </a:solidFill>
+                <a:latin typeface="Consolas" panose="020B0609020204030204" pitchFamily="49" charset="0"/>
+                <a:cs typeface="Consolas" panose="020B0609020204030204" pitchFamily="49" charset="0"/>
+              </a:rPr>
+              <a:t>        print("sending email...")</a:t>
+            </a:r>
+          </a:p>
+          <a:p>
+            <a:r>
+              <a:rPr lang="en-US" sz="1900" b="1" i="1" dirty="0">
+                <a:solidFill>
+                  <a:srgbClr val="0070C0"/>
+                </a:solidFill>
+                <a:latin typeface="Consolas" panose="020B0609020204030204" pitchFamily="49" charset="0"/>
+                <a:cs typeface="Consolas" panose="020B0609020204030204" pitchFamily="49" charset="0"/>
+              </a:rPr>
+              <a:t>        </a:t>
+            </a:r>
+            <a:r>
+              <a:rPr lang="en-US" sz="1500" b="1" i="1" dirty="0" err="1">
+                <a:solidFill>
+                  <a:srgbClr val="0070C0"/>
+                </a:solidFill>
+                <a:latin typeface="Consolas" panose="020B0609020204030204" pitchFamily="49" charset="0"/>
+                <a:cs typeface="Consolas" panose="020B0609020204030204" pitchFamily="49" charset="0"/>
+              </a:rPr>
+              <a:t>send_email</a:t>
+            </a:r>
+            <a:r>
+              <a:rPr lang="en-US" sz="1500" b="1" i="1" dirty="0">
+                <a:solidFill>
+                  <a:srgbClr val="0070C0"/>
+                </a:solidFill>
+                <a:latin typeface="Consolas" panose="020B0609020204030204" pitchFamily="49" charset="0"/>
+                <a:cs typeface="Consolas" panose="020B0609020204030204" pitchFamily="49" charset="0"/>
+              </a:rPr>
+              <a:t>('arjmandi.re@gmail.com', 'Danger: home security!', 'Button Pressed-number: ' + </a:t>
+            </a:r>
+            <a:r>
+              <a:rPr lang="en-US" sz="1500" b="1" i="1" dirty="0" err="1">
+                <a:solidFill>
+                  <a:srgbClr val="0070C0"/>
+                </a:solidFill>
+                <a:latin typeface="Consolas" panose="020B0609020204030204" pitchFamily="49" charset="0"/>
+                <a:cs typeface="Consolas" panose="020B0609020204030204" pitchFamily="49" charset="0"/>
+              </a:rPr>
+              <a:t>str</a:t>
+            </a:r>
+            <a:r>
+              <a:rPr lang="en-US" sz="1500" b="1" i="1" dirty="0">
+                <a:solidFill>
+                  <a:srgbClr val="0070C0"/>
+                </a:solidFill>
+                <a:latin typeface="Consolas" panose="020B0609020204030204" pitchFamily="49" charset="0"/>
+                <a:cs typeface="Consolas" panose="020B0609020204030204" pitchFamily="49" charset="0"/>
+              </a:rPr>
+              <a:t>(counter))</a:t>
+            </a:r>
+          </a:p>
+          <a:p>
+            <a:r>
+              <a:rPr lang="en-US" sz="1900" b="1" i="1" dirty="0">
+                <a:solidFill>
+                  <a:srgbClr val="0070C0"/>
+                </a:solidFill>
+                <a:latin typeface="Consolas" panose="020B0609020204030204" pitchFamily="49" charset="0"/>
+                <a:cs typeface="Consolas" panose="020B0609020204030204" pitchFamily="49" charset="0"/>
+              </a:rPr>
+              <a:t>        print("send complete")</a:t>
+            </a:r>
+          </a:p>
+          <a:p>
+            <a:r>
+              <a:rPr lang="en-US" sz="1900" b="1" i="1" dirty="0">
+                <a:solidFill>
+                  <a:srgbClr val="0070C0"/>
+                </a:solidFill>
+                <a:latin typeface="Consolas" panose="020B0609020204030204" pitchFamily="49" charset="0"/>
+                <a:cs typeface="Consolas" panose="020B0609020204030204" pitchFamily="49" charset="0"/>
+              </a:rPr>
+              <a:t>        counter = counter + 1</a:t>
             </a:r>
           </a:p>
         </p:txBody>
@@ -11739,7 +12002,7 @@
     </p:spTree>
     <p:extLst>
       <p:ext uri="{BB962C8B-B14F-4D97-AF65-F5344CB8AC3E}">
-        <p14:creationId xmlns:p14="http://schemas.microsoft.com/office/powerpoint/2010/main" val="1226257525"/>
+        <p14:creationId xmlns:p14="http://schemas.microsoft.com/office/powerpoint/2010/main" val="3911531129"/>
       </p:ext>
     </p:extLst>
   </p:cSld>
@@ -11902,8 +12165,12 @@
           </a:lstStyle>
           <a:p>
             <a:r>
+              <a:rPr lang="en-US" dirty="0" err="1"/>
+              <a:t>Send_Email</a:t>
+            </a:r>
+            <a:r>
               <a:rPr lang="en-US" dirty="0"/>
-              <a:t>Sending Email from Python </a:t>
+              <a:t> project</a:t>
             </a:r>
             <a:endParaRPr lang="en-US" b="1" i="1" dirty="0">
               <a:solidFill>
@@ -11923,8 +12190,8 @@
         </p:nvSpPr>
         <p:spPr>
           <a:xfrm>
-            <a:off x="417443" y="702995"/>
-            <a:ext cx="11357113" cy="6247864"/>
+            <a:off x="417443" y="857743"/>
+            <a:ext cx="11357113" cy="2431435"/>
           </a:xfrm>
           <a:prstGeom prst="rect">
             <a:avLst/>
@@ -11943,17 +12210,35 @@
             </a:pPr>
             <a:r>
               <a:rPr lang="en-US" sz="2000" dirty="0"/>
-              <a:t>You want to send an email message from a Python program.</a:t>
-            </a:r>
-          </a:p>
-          <a:p>
-            <a:pPr marL="342900" indent="-342900">
-              <a:buFont typeface="Arial" panose="020B0604020202020204" pitchFamily="34" charset="0"/>
-              <a:buChar char="•"/>
-            </a:pPr>
+              <a:t> If you are not using Gmail, then you will also need to change the values of the </a:t>
+            </a:r>
+            <a:r>
+              <a:rPr lang="en-US" sz="2400" b="1" i="1" dirty="0">
+                <a:solidFill>
+                  <a:srgbClr val="0070C0"/>
+                </a:solidFill>
+                <a:latin typeface="Consolas" panose="020B0609020204030204" pitchFamily="49" charset="0"/>
+                <a:cs typeface="Consolas" panose="020B0609020204030204" pitchFamily="49" charset="0"/>
+              </a:rPr>
+              <a:t>SMTP_SERVER</a:t>
+            </a:r>
             <a:r>
               <a:rPr lang="en-US" sz="2000" dirty="0"/>
-              <a:t>Python has a library for the Simple Mail Transfer Protocol (SMTP) that you can use to send emails:</a:t>
+              <a:t> and possibly </a:t>
+            </a:r>
+            <a:r>
+              <a:rPr lang="en-US" sz="2400" b="1" i="1" dirty="0">
+                <a:solidFill>
+                  <a:srgbClr val="0070C0"/>
+                </a:solidFill>
+                <a:latin typeface="Consolas" panose="020B0609020204030204" pitchFamily="49" charset="0"/>
+                <a:cs typeface="Consolas" panose="020B0609020204030204" pitchFamily="49" charset="0"/>
+              </a:rPr>
+              <a:t>SMTP_PORT</a:t>
+            </a:r>
+            <a:r>
+              <a:rPr lang="en-US" sz="2000" dirty="0"/>
+              <a:t>.</a:t>
             </a:r>
           </a:p>
           <a:p>
@@ -11964,29 +12249,30 @@
             <a:endParaRPr lang="en-US" sz="2000" dirty="0"/>
           </a:p>
           <a:p>
-            <a:pPr marL="457200" indent="-457200">
-              <a:buFont typeface="+mj-lt"/>
-              <a:buAutoNum type="arabicPeriod"/>
+            <a:pPr marL="342900" indent="-342900">
+              <a:buFont typeface="Arial" panose="020B0604020202020204" pitchFamily="34" charset="0"/>
+              <a:buChar char="•"/>
             </a:pPr>
             <a:r>
               <a:rPr lang="en-US" sz="2000" dirty="0"/>
-              <a:t>Attach library to your code:</a:t>
-            </a:r>
-            <a:br>
+              <a:t>The </a:t>
+            </a:r>
+            <a:r>
+              <a:rPr lang="en-US" sz="2400" b="1" i="1" dirty="0" err="1">
+                <a:solidFill>
+                  <a:srgbClr val="0070C0"/>
+                </a:solidFill>
+                <a:latin typeface="Consolas" panose="020B0609020204030204" pitchFamily="49" charset="0"/>
+                <a:cs typeface="Consolas" panose="020B0609020204030204" pitchFamily="49" charset="0"/>
+              </a:rPr>
+              <a:t>send_email</a:t>
+            </a:r>
+            <a:r>
               <a:rPr lang="en-US" sz="2000" dirty="0"/>
-            </a:br>
-            <a:r>
-              <a:rPr lang="en-US" sz="2000" b="1" i="1" dirty="0">
-                <a:solidFill>
-                  <a:srgbClr val="0070C0"/>
-                </a:solidFill>
-                <a:latin typeface="Consolas" panose="020B0609020204030204" pitchFamily="49" charset="0"/>
-                <a:cs typeface="Consolas" panose="020B0609020204030204" pitchFamily="49" charset="0"/>
-              </a:rPr>
-              <a:t>import </a:t>
-            </a:r>
-            <a:r>
-              <a:rPr lang="en-US" sz="2000" b="1" i="1" dirty="0" err="1">
+              <a:t> message simplifies the use of the </a:t>
+            </a:r>
+            <a:r>
+              <a:rPr lang="en-US" sz="2400" b="1" i="1" dirty="0" err="1">
                 <a:solidFill>
                   <a:srgbClr val="0070C0"/>
                 </a:solidFill>
@@ -11995,285 +12281,24 @@
               </a:rPr>
               <a:t>smtplib</a:t>
             </a:r>
-            <a:endParaRPr lang="en-US" sz="2000" b="1" i="1" dirty="0">
-              <a:solidFill>
-                <a:srgbClr val="0070C0"/>
-              </a:solidFill>
-              <a:latin typeface="Consolas" panose="020B0609020204030204" pitchFamily="49" charset="0"/>
-              <a:cs typeface="Consolas" panose="020B0609020204030204" pitchFamily="49" charset="0"/>
-            </a:endParaRPr>
-          </a:p>
-          <a:p>
-            <a:pPr marL="457200" indent="-457200">
-              <a:buFont typeface="+mj-lt"/>
-              <a:buAutoNum type="arabicPeriod"/>
+            <a:r>
+              <a:rPr lang="en-US" sz="2000" dirty="0"/>
+              <a:t> library into a single function that you can reuse in your projects.</a:t>
+            </a:r>
+          </a:p>
+          <a:p>
+            <a:pPr marL="342900" indent="-342900">
+              <a:buFont typeface="Arial" panose="020B0604020202020204" pitchFamily="34" charset="0"/>
+              <a:buChar char="•"/>
             </a:pPr>
             <a:endParaRPr lang="en-US" sz="2000" dirty="0"/>
           </a:p>
           <a:p>
-            <a:pPr marL="457200" indent="-457200">
-              <a:buFont typeface="+mj-lt"/>
-              <a:buAutoNum type="arabicPeriod"/>
-            </a:pPr>
-            <a:r>
-              <a:rPr lang="en-US" sz="2000" dirty="0"/>
-              <a:t>Create SMTP Session Client Object:</a:t>
-            </a:r>
-            <a:br>
-              <a:rPr lang="en-US" sz="2000" dirty="0"/>
-            </a:br>
-            <a:r>
-              <a:rPr lang="en-US" sz="2000" b="1" i="1" dirty="0" err="1">
-                <a:solidFill>
-                  <a:srgbClr val="0070C0"/>
-                </a:solidFill>
-                <a:latin typeface="Consolas" panose="020B0609020204030204" pitchFamily="49" charset="0"/>
-                <a:cs typeface="Consolas" panose="020B0609020204030204" pitchFamily="49" charset="0"/>
-              </a:rPr>
-              <a:t>smtpserver</a:t>
-            </a:r>
-            <a:r>
-              <a:rPr lang="en-US" sz="2000" b="1" i="1" dirty="0">
-                <a:solidFill>
-                  <a:srgbClr val="0070C0"/>
-                </a:solidFill>
-                <a:latin typeface="Consolas" panose="020B0609020204030204" pitchFamily="49" charset="0"/>
-                <a:cs typeface="Consolas" panose="020B0609020204030204" pitchFamily="49" charset="0"/>
-              </a:rPr>
-              <a:t> = </a:t>
-            </a:r>
-            <a:r>
-              <a:rPr lang="en-US" sz="2000" b="1" i="1" dirty="0" err="1">
-                <a:solidFill>
-                  <a:srgbClr val="0070C0"/>
-                </a:solidFill>
-                <a:latin typeface="Consolas" panose="020B0609020204030204" pitchFamily="49" charset="0"/>
-                <a:cs typeface="Consolas" panose="020B0609020204030204" pitchFamily="49" charset="0"/>
-              </a:rPr>
-              <a:t>smtplib.SMTP</a:t>
-            </a:r>
-            <a:r>
-              <a:rPr lang="en-US" sz="2000" b="1" i="1" dirty="0">
-                <a:solidFill>
-                  <a:srgbClr val="0070C0"/>
-                </a:solidFill>
-                <a:latin typeface="Consolas" panose="020B0609020204030204" pitchFamily="49" charset="0"/>
-                <a:cs typeface="Consolas" panose="020B0609020204030204" pitchFamily="49" charset="0"/>
-              </a:rPr>
-              <a:t>(SMTP_SERVER, SMTP_PORT)</a:t>
-            </a:r>
-          </a:p>
-          <a:p>
-            <a:pPr marL="457200" indent="-457200">
-              <a:buFont typeface="+mj-lt"/>
-              <a:buAutoNum type="arabicPeriod"/>
-            </a:pPr>
-            <a:endParaRPr lang="en-US" sz="2000" b="1" i="1" dirty="0">
-              <a:solidFill>
-                <a:srgbClr val="0070C0"/>
-              </a:solidFill>
-              <a:latin typeface="Consolas" panose="020B0609020204030204" pitchFamily="49" charset="0"/>
-              <a:cs typeface="Consolas" panose="020B0609020204030204" pitchFamily="49" charset="0"/>
-            </a:endParaRPr>
-          </a:p>
-          <a:p>
-            <a:pPr marL="457200" indent="-457200">
-              <a:buFont typeface="+mj-lt"/>
-              <a:buAutoNum type="arabicPeriod"/>
-            </a:pPr>
-            <a:r>
-              <a:rPr lang="en-US" sz="2000" dirty="0"/>
-              <a:t>Start Security connection: SSL or TLS:</a:t>
-            </a:r>
-            <a:br>
-              <a:rPr lang="en-US" sz="2000" dirty="0"/>
-            </a:br>
-            <a:r>
-              <a:rPr lang="en-US" sz="2000" b="1" i="1" dirty="0" err="1">
-                <a:solidFill>
-                  <a:srgbClr val="0070C0"/>
-                </a:solidFill>
-                <a:latin typeface="Consolas" panose="020B0609020204030204" pitchFamily="49" charset="0"/>
-                <a:cs typeface="Consolas" panose="020B0609020204030204" pitchFamily="49" charset="0"/>
-              </a:rPr>
-              <a:t>smtpserver.starttls</a:t>
-            </a:r>
-            <a:r>
-              <a:rPr lang="en-US" sz="2000" b="1" i="1" dirty="0">
-                <a:solidFill>
-                  <a:srgbClr val="0070C0"/>
-                </a:solidFill>
-                <a:latin typeface="Consolas" panose="020B0609020204030204" pitchFamily="49" charset="0"/>
-                <a:cs typeface="Consolas" panose="020B0609020204030204" pitchFamily="49" charset="0"/>
-              </a:rPr>
-              <a:t>()</a:t>
-            </a:r>
-          </a:p>
-          <a:p>
-            <a:pPr marL="457200" indent="-457200">
-              <a:buFont typeface="+mj-lt"/>
-              <a:buAutoNum type="arabicPeriod"/>
-            </a:pPr>
-            <a:endParaRPr lang="en-US" sz="2000" b="1" i="1" dirty="0">
-              <a:solidFill>
-                <a:srgbClr val="0070C0"/>
-              </a:solidFill>
-              <a:latin typeface="Consolas" panose="020B0609020204030204" pitchFamily="49" charset="0"/>
-              <a:cs typeface="Consolas" panose="020B0609020204030204" pitchFamily="49" charset="0"/>
-            </a:endParaRPr>
-          </a:p>
-          <a:p>
-            <a:pPr marL="457200" indent="-457200">
-              <a:buFont typeface="+mj-lt"/>
-              <a:buAutoNum type="arabicPeriod"/>
-            </a:pPr>
-            <a:r>
-              <a:rPr lang="en-US" sz="2000" dirty="0"/>
-              <a:t>Login to </a:t>
-            </a:r>
-            <a:r>
-              <a:rPr lang="en-US" sz="2000" dirty="0" err="1"/>
-              <a:t>smtp</a:t>
-            </a:r>
-            <a:r>
-              <a:rPr lang="en-US" sz="2000" dirty="0"/>
-              <a:t> server:</a:t>
-            </a:r>
-            <a:br>
-              <a:rPr lang="en-US" sz="2000" dirty="0"/>
-            </a:br>
-            <a:r>
-              <a:rPr lang="en-US" sz="2000" b="1" i="1" dirty="0" err="1">
-                <a:solidFill>
-                  <a:srgbClr val="0070C0"/>
-                </a:solidFill>
-                <a:latin typeface="Consolas" panose="020B0609020204030204" pitchFamily="49" charset="0"/>
-                <a:cs typeface="Consolas" panose="020B0609020204030204" pitchFamily="49" charset="0"/>
-              </a:rPr>
-              <a:t>smtpserver.login</a:t>
-            </a:r>
-            <a:r>
-              <a:rPr lang="en-US" sz="2000" b="1" i="1" dirty="0">
-                <a:solidFill>
-                  <a:srgbClr val="0070C0"/>
-                </a:solidFill>
-                <a:latin typeface="Consolas" panose="020B0609020204030204" pitchFamily="49" charset="0"/>
-                <a:cs typeface="Consolas" panose="020B0609020204030204" pitchFamily="49" charset="0"/>
-              </a:rPr>
-              <a:t>(GMAIL_USER, GMAIL_PASS)</a:t>
-            </a:r>
-          </a:p>
-          <a:p>
-            <a:pPr marL="457200" indent="-457200">
-              <a:buFont typeface="+mj-lt"/>
-              <a:buAutoNum type="arabicPeriod"/>
-            </a:pPr>
-            <a:endParaRPr lang="en-US" sz="2000" b="1" i="1" dirty="0">
-              <a:solidFill>
-                <a:srgbClr val="0070C0"/>
-              </a:solidFill>
-              <a:latin typeface="Consolas" panose="020B0609020204030204" pitchFamily="49" charset="0"/>
-              <a:cs typeface="Consolas" panose="020B0609020204030204" pitchFamily="49" charset="0"/>
-            </a:endParaRPr>
-          </a:p>
-          <a:p>
-            <a:pPr marL="457200" indent="-457200">
-              <a:buFont typeface="+mj-lt"/>
-              <a:buAutoNum type="arabicPeriod"/>
-            </a:pPr>
-            <a:r>
-              <a:rPr lang="en-US" sz="2000" dirty="0"/>
-              <a:t>Send email to your recipient:</a:t>
-            </a:r>
-            <a:br>
-              <a:rPr lang="en-US" sz="2000" dirty="0"/>
-            </a:br>
-            <a:r>
-              <a:rPr lang="en-US" sz="2000" b="1" i="1" dirty="0" err="1">
-                <a:solidFill>
-                  <a:srgbClr val="0070C0"/>
-                </a:solidFill>
-                <a:latin typeface="Consolas" panose="020B0609020204030204" pitchFamily="49" charset="0"/>
-                <a:cs typeface="Consolas" panose="020B0609020204030204" pitchFamily="49" charset="0"/>
-              </a:rPr>
-              <a:t>smtpserver.sendmail</a:t>
-            </a:r>
-            <a:r>
-              <a:rPr lang="en-US" sz="2000" b="1" i="1" dirty="0">
-                <a:solidFill>
-                  <a:srgbClr val="0070C0"/>
-                </a:solidFill>
-                <a:latin typeface="Consolas" panose="020B0609020204030204" pitchFamily="49" charset="0"/>
-                <a:cs typeface="Consolas" panose="020B0609020204030204" pitchFamily="49" charset="0"/>
-              </a:rPr>
-              <a:t>(GMAIL_USER, recipient, </a:t>
-            </a:r>
-            <a:r>
-              <a:rPr lang="en-US" sz="2000" b="1" i="1" dirty="0" err="1">
-                <a:solidFill>
-                  <a:srgbClr val="0070C0"/>
-                </a:solidFill>
-                <a:latin typeface="Consolas" panose="020B0609020204030204" pitchFamily="49" charset="0"/>
-                <a:cs typeface="Consolas" panose="020B0609020204030204" pitchFamily="49" charset="0"/>
-              </a:rPr>
-              <a:t>msg</a:t>
-            </a:r>
-            <a:r>
-              <a:rPr lang="en-US" sz="2000" b="1" i="1" dirty="0">
-                <a:solidFill>
-                  <a:srgbClr val="0070C0"/>
-                </a:solidFill>
-                <a:latin typeface="Consolas" panose="020B0609020204030204" pitchFamily="49" charset="0"/>
-                <a:cs typeface="Consolas" panose="020B0609020204030204" pitchFamily="49" charset="0"/>
-              </a:rPr>
-              <a:t>)</a:t>
-            </a:r>
-          </a:p>
-          <a:p>
-            <a:pPr marL="457200" indent="-457200">
-              <a:buFont typeface="+mj-lt"/>
-              <a:buAutoNum type="arabicPeriod"/>
-            </a:pPr>
-            <a:endParaRPr lang="en-US" sz="2000" b="1" i="1" dirty="0">
-              <a:solidFill>
-                <a:srgbClr val="0070C0"/>
-              </a:solidFill>
-              <a:latin typeface="Consolas" panose="020B0609020204030204" pitchFamily="49" charset="0"/>
-              <a:cs typeface="Consolas" panose="020B0609020204030204" pitchFamily="49" charset="0"/>
-            </a:endParaRPr>
-          </a:p>
-          <a:p>
-            <a:pPr marL="457200" indent="-457200">
-              <a:buFont typeface="+mj-lt"/>
-              <a:buAutoNum type="arabicPeriod"/>
-            </a:pPr>
-            <a:r>
-              <a:rPr lang="en-US" sz="2000" dirty="0"/>
-              <a:t>Close Connection:</a:t>
-            </a:r>
-            <a:br>
-              <a:rPr lang="en-US" sz="2000" dirty="0"/>
-            </a:br>
-            <a:r>
-              <a:rPr lang="en-US" sz="2000" b="1" i="1" dirty="0" err="1">
-                <a:solidFill>
-                  <a:srgbClr val="0070C0"/>
-                </a:solidFill>
-                <a:latin typeface="Consolas" panose="020B0609020204030204" pitchFamily="49" charset="0"/>
-                <a:cs typeface="Consolas" panose="020B0609020204030204" pitchFamily="49" charset="0"/>
-              </a:rPr>
-              <a:t>smtpserver.quit</a:t>
-            </a:r>
-            <a:r>
-              <a:rPr lang="en-US" sz="2000" b="1" i="1" dirty="0">
-                <a:solidFill>
-                  <a:srgbClr val="0070C0"/>
-                </a:solidFill>
-                <a:latin typeface="Consolas" panose="020B0609020204030204" pitchFamily="49" charset="0"/>
-                <a:cs typeface="Consolas" panose="020B0609020204030204" pitchFamily="49" charset="0"/>
-              </a:rPr>
-              <a:t>()</a:t>
-            </a:r>
+            <a:pPr marL="342900" indent="-342900">
+              <a:buFont typeface="Arial" panose="020B0604020202020204" pitchFamily="34" charset="0"/>
+              <a:buChar char="•"/>
+            </a:pPr>
+            <a:endParaRPr lang="en-US" sz="2000" dirty="0"/>
           </a:p>
         </p:txBody>
       </p:sp>
@@ -12319,7 +12344,7 @@
     </p:spTree>
     <p:extLst>
       <p:ext uri="{BB962C8B-B14F-4D97-AF65-F5344CB8AC3E}">
-        <p14:creationId xmlns:p14="http://schemas.microsoft.com/office/powerpoint/2010/main" val="900894849"/>
+        <p14:creationId xmlns:p14="http://schemas.microsoft.com/office/powerpoint/2010/main" val="2530605664"/>
       </p:ext>
     </p:extLst>
   </p:cSld>
@@ -12482,238 +12507,16 @@
           </a:lstStyle>
           <a:p>
             <a:r>
-              <a:rPr lang="en-US" dirty="0" err="1"/>
-              <a:t>Send_Email</a:t>
-            </a:r>
-            <a:r>
               <a:rPr lang="en-US" dirty="0"/>
-              <a:t> project</a:t>
-            </a:r>
-          </a:p>
-        </p:txBody>
-      </p:sp>
-      <p:sp>
-        <p:nvSpPr>
-          <p:cNvPr id="2" name="TextBox 1"/>
-          <p:cNvSpPr txBox="1"/>
-          <p:nvPr/>
-        </p:nvSpPr>
-        <p:spPr>
-          <a:xfrm>
-            <a:off x="417443" y="857743"/>
-            <a:ext cx="11357113" cy="3785652"/>
-          </a:xfrm>
-          <a:prstGeom prst="rect">
-            <a:avLst/>
-          </a:prstGeom>
-          <a:noFill/>
-        </p:spPr>
-        <p:txBody>
-          <a:bodyPr wrap="square" rtlCol="0">
-            <a:spAutoFit/>
-          </a:bodyPr>
-          <a:lstStyle/>
-          <a:p>
-            <a:pPr marL="342900" indent="-342900">
-              <a:buFont typeface="Arial" panose="020B0604020202020204" pitchFamily="34" charset="0"/>
-              <a:buChar char="•"/>
-            </a:pPr>
-            <a:r>
-              <a:rPr lang="en-US" sz="2000" b="1" dirty="0">
-                <a:solidFill>
-                  <a:srgbClr val="FF0000"/>
-                </a:solidFill>
-              </a:rPr>
-              <a:t>Example:</a:t>
-            </a:r>
-          </a:p>
-          <a:p>
-            <a:pPr marL="342900" indent="-342900">
-              <a:buFont typeface="Arial" panose="020B0604020202020204" pitchFamily="34" charset="0"/>
-              <a:buChar char="•"/>
-            </a:pPr>
-            <a:endParaRPr lang="en-US" sz="2000" dirty="0"/>
-          </a:p>
-          <a:p>
-            <a:pPr lvl="1"/>
-            <a:r>
-              <a:rPr lang="en-US" sz="2000" b="1" i="1" dirty="0">
-                <a:solidFill>
-                  <a:srgbClr val="0070C0"/>
-                </a:solidFill>
-                <a:latin typeface="Consolas" panose="020B0609020204030204" pitchFamily="49" charset="0"/>
-                <a:cs typeface="Consolas" panose="020B0609020204030204" pitchFamily="49" charset="0"/>
-              </a:rPr>
-              <a:t>import </a:t>
-            </a:r>
-            <a:r>
-              <a:rPr lang="en-US" sz="2000" b="1" i="1" dirty="0" err="1">
-                <a:solidFill>
-                  <a:srgbClr val="0070C0"/>
-                </a:solidFill>
-                <a:latin typeface="Consolas" panose="020B0609020204030204" pitchFamily="49" charset="0"/>
-                <a:cs typeface="Consolas" panose="020B0609020204030204" pitchFamily="49" charset="0"/>
-              </a:rPr>
-              <a:t>smtplib</a:t>
-            </a:r>
-            <a:endParaRPr lang="en-US" sz="2000" b="1" i="1" dirty="0">
+              <a:t>Web Service</a:t>
+            </a:r>
+            <a:endParaRPr lang="en-US" b="1" i="1" dirty="0">
               <a:solidFill>
                 <a:srgbClr val="0070C0"/>
               </a:solidFill>
               <a:latin typeface="Consolas" panose="020B0609020204030204" pitchFamily="49" charset="0"/>
               <a:cs typeface="Consolas" panose="020B0609020204030204" pitchFamily="49" charset="0"/>
             </a:endParaRPr>
-          </a:p>
-          <a:p>
-            <a:pPr lvl="1"/>
-            <a:r>
-              <a:rPr lang="en-US" sz="2000" b="1" i="1" dirty="0">
-                <a:solidFill>
-                  <a:srgbClr val="0070C0"/>
-                </a:solidFill>
-                <a:latin typeface="Consolas" panose="020B0609020204030204" pitchFamily="49" charset="0"/>
-                <a:cs typeface="Consolas" panose="020B0609020204030204" pitchFamily="49" charset="0"/>
-              </a:rPr>
-              <a:t>import </a:t>
-            </a:r>
-            <a:r>
-              <a:rPr lang="en-US" sz="2000" b="1" i="1" dirty="0" err="1">
-                <a:solidFill>
-                  <a:srgbClr val="0070C0"/>
-                </a:solidFill>
-                <a:latin typeface="Consolas" panose="020B0609020204030204" pitchFamily="49" charset="0"/>
-                <a:cs typeface="Consolas" panose="020B0609020204030204" pitchFamily="49" charset="0"/>
-              </a:rPr>
-              <a:t>RPi.GPIO</a:t>
-            </a:r>
-            <a:r>
-              <a:rPr lang="en-US" sz="2000" b="1" i="1" dirty="0">
-                <a:solidFill>
-                  <a:srgbClr val="0070C0"/>
-                </a:solidFill>
-                <a:latin typeface="Consolas" panose="020B0609020204030204" pitchFamily="49" charset="0"/>
-                <a:cs typeface="Consolas" panose="020B0609020204030204" pitchFamily="49" charset="0"/>
-              </a:rPr>
-              <a:t> as GPIO</a:t>
-            </a:r>
-          </a:p>
-          <a:p>
-            <a:pPr lvl="1"/>
-            <a:endParaRPr lang="en-US" sz="2000" b="1" i="1" dirty="0">
-              <a:solidFill>
-                <a:srgbClr val="0070C0"/>
-              </a:solidFill>
-              <a:latin typeface="Consolas" panose="020B0609020204030204" pitchFamily="49" charset="0"/>
-              <a:cs typeface="Consolas" panose="020B0609020204030204" pitchFamily="49" charset="0"/>
-            </a:endParaRPr>
-          </a:p>
-          <a:p>
-            <a:pPr lvl="1"/>
-            <a:r>
-              <a:rPr lang="en-US" sz="2000" b="1" i="1" dirty="0">
-                <a:solidFill>
-                  <a:srgbClr val="0070C0"/>
-                </a:solidFill>
-                <a:latin typeface="Consolas" panose="020B0609020204030204" pitchFamily="49" charset="0"/>
-                <a:cs typeface="Consolas" panose="020B0609020204030204" pitchFamily="49" charset="0"/>
-              </a:rPr>
-              <a:t>GMAIL_USER = ‘YOUR_RASPBERY_PI_GMAIL' </a:t>
-            </a:r>
-          </a:p>
-          <a:p>
-            <a:pPr lvl="1"/>
-            <a:r>
-              <a:rPr lang="en-US" sz="2000" b="1" i="1" dirty="0">
-                <a:solidFill>
-                  <a:srgbClr val="0070C0"/>
-                </a:solidFill>
-                <a:latin typeface="Consolas" panose="020B0609020204030204" pitchFamily="49" charset="0"/>
-                <a:cs typeface="Consolas" panose="020B0609020204030204" pitchFamily="49" charset="0"/>
-              </a:rPr>
-              <a:t>GMAIL_PASS = ‘YOUR_GMAIL_PASSWORD' </a:t>
-            </a:r>
-          </a:p>
-          <a:p>
-            <a:pPr lvl="1"/>
-            <a:r>
-              <a:rPr lang="en-US" sz="2000" b="1" i="1" dirty="0">
-                <a:solidFill>
-                  <a:srgbClr val="0070C0"/>
-                </a:solidFill>
-                <a:latin typeface="Consolas" panose="020B0609020204030204" pitchFamily="49" charset="0"/>
-                <a:cs typeface="Consolas" panose="020B0609020204030204" pitchFamily="49" charset="0"/>
-              </a:rPr>
-              <a:t>SMTP_SERVER = 'smtp.gmail.com' </a:t>
-            </a:r>
-          </a:p>
-          <a:p>
-            <a:pPr lvl="1"/>
-            <a:r>
-              <a:rPr lang="en-US" sz="2000" b="1" i="1" dirty="0">
-                <a:solidFill>
-                  <a:srgbClr val="0070C0"/>
-                </a:solidFill>
-                <a:latin typeface="Consolas" panose="020B0609020204030204" pitchFamily="49" charset="0"/>
-                <a:cs typeface="Consolas" panose="020B0609020204030204" pitchFamily="49" charset="0"/>
-              </a:rPr>
-              <a:t>SMTP_PORT = 587</a:t>
-            </a:r>
-          </a:p>
-          <a:p>
-            <a:pPr lvl="1"/>
-            <a:endParaRPr lang="en-US" sz="2000" b="1" i="1" dirty="0">
-              <a:solidFill>
-                <a:srgbClr val="0070C0"/>
-              </a:solidFill>
-              <a:latin typeface="Consolas" panose="020B0609020204030204" pitchFamily="49" charset="0"/>
-              <a:cs typeface="Consolas" panose="020B0609020204030204" pitchFamily="49" charset="0"/>
-            </a:endParaRPr>
-          </a:p>
-          <a:p>
-            <a:pPr lvl="1"/>
-            <a:r>
-              <a:rPr lang="en-US" sz="2000" b="1" i="1" dirty="0" err="1">
-                <a:solidFill>
-                  <a:srgbClr val="0070C0"/>
-                </a:solidFill>
-                <a:latin typeface="Consolas" panose="020B0609020204030204" pitchFamily="49" charset="0"/>
-                <a:cs typeface="Consolas" panose="020B0609020204030204" pitchFamily="49" charset="0"/>
-              </a:rPr>
-              <a:t>GPIO.setmode</a:t>
-            </a:r>
-            <a:r>
-              <a:rPr lang="en-US" sz="2000" b="1" i="1" dirty="0">
-                <a:solidFill>
-                  <a:srgbClr val="0070C0"/>
-                </a:solidFill>
-                <a:latin typeface="Consolas" panose="020B0609020204030204" pitchFamily="49" charset="0"/>
-                <a:cs typeface="Consolas" panose="020B0609020204030204" pitchFamily="49" charset="0"/>
-              </a:rPr>
-              <a:t>(GPIO.BCM)</a:t>
-            </a:r>
-          </a:p>
-          <a:p>
-            <a:pPr lvl="1"/>
-            <a:r>
-              <a:rPr lang="en-US" sz="2000" b="1" i="1" dirty="0" err="1">
-                <a:solidFill>
-                  <a:srgbClr val="0070C0"/>
-                </a:solidFill>
-                <a:latin typeface="Consolas" panose="020B0609020204030204" pitchFamily="49" charset="0"/>
-                <a:cs typeface="Consolas" panose="020B0609020204030204" pitchFamily="49" charset="0"/>
-              </a:rPr>
-              <a:t>GPIO.setup</a:t>
-            </a:r>
-            <a:r>
-              <a:rPr lang="en-US" sz="2000" b="1" i="1" dirty="0">
-                <a:solidFill>
-                  <a:srgbClr val="0070C0"/>
-                </a:solidFill>
-                <a:latin typeface="Consolas" panose="020B0609020204030204" pitchFamily="49" charset="0"/>
-                <a:cs typeface="Consolas" panose="020B0609020204030204" pitchFamily="49" charset="0"/>
-              </a:rPr>
-              <a:t>(18,GPIO.IN,pull_up_down=GPIO.PUD_UP)</a:t>
-            </a:r>
           </a:p>
         </p:txBody>
       </p:sp>
@@ -12756,10 +12559,40 @@
           </a:p>
         </p:txBody>
       </p:sp>
+      <p:pic>
+        <p:nvPicPr>
+          <p:cNvPr id="7" name="Picture 6"/>
+          <p:cNvPicPr>
+            <a:picLocks noChangeAspect="1"/>
+          </p:cNvPicPr>
+          <p:nvPr/>
+        </p:nvPicPr>
+        <p:blipFill>
+          <a:blip r:embed="rId2">
+            <a:extLst>
+              <a:ext uri="{28A0092B-C50C-407E-A947-70E740481C1C}">
+                <a14:useLocalDpi xmlns:a14="http://schemas.microsoft.com/office/drawing/2010/main" val="0"/>
+              </a:ext>
+            </a:extLst>
+          </a:blip>
+          <a:stretch>
+            <a:fillRect/>
+          </a:stretch>
+        </p:blipFill>
+        <p:spPr>
+          <a:xfrm>
+            <a:off x="661571" y="810870"/>
+            <a:ext cx="10859868" cy="6047130"/>
+          </a:xfrm>
+          <a:prstGeom prst="rect">
+            <a:avLst/>
+          </a:prstGeom>
+        </p:spPr>
+      </p:pic>
     </p:spTree>
     <p:extLst>
       <p:ext uri="{BB962C8B-B14F-4D97-AF65-F5344CB8AC3E}">
-        <p14:creationId xmlns:p14="http://schemas.microsoft.com/office/powerpoint/2010/main" val="1193686946"/>
+        <p14:creationId xmlns:p14="http://schemas.microsoft.com/office/powerpoint/2010/main" val="88117235"/>
       </p:ext>
     </p:extLst>
   </p:cSld>
@@ -12922,12 +12755,8 @@
           </a:lstStyle>
           <a:p>
             <a:r>
-              <a:rPr lang="en-US" dirty="0" err="1"/>
-              <a:t>Send_Email</a:t>
-            </a:r>
-            <a:r>
               <a:rPr lang="en-US" dirty="0"/>
-              <a:t> project</a:t>
+              <a:t>Writing a Simple Web Server in Python </a:t>
             </a:r>
             <a:endParaRPr lang="en-US" b="1" i="1" dirty="0">
               <a:solidFill>
@@ -12947,8 +12776,8 @@
         </p:nvSpPr>
         <p:spPr>
           <a:xfrm>
-            <a:off x="-1" y="857743"/>
-            <a:ext cx="13047261" cy="5355312"/>
+            <a:off x="417443" y="857743"/>
+            <a:ext cx="11357113" cy="3970318"/>
           </a:xfrm>
           <a:prstGeom prst="rect">
             <a:avLst/>
@@ -12961,467 +12790,140 @@
           </a:bodyPr>
           <a:lstStyle/>
           <a:p>
-            <a:r>
-              <a:rPr lang="en-US" sz="1900" b="1" i="1" dirty="0" err="1">
-                <a:solidFill>
-                  <a:srgbClr val="0070C0"/>
-                </a:solidFill>
-                <a:latin typeface="Consolas" panose="020B0609020204030204" pitchFamily="49" charset="0"/>
-                <a:cs typeface="Consolas" panose="020B0609020204030204" pitchFamily="49" charset="0"/>
-              </a:rPr>
-              <a:t>def</a:t>
-            </a:r>
-            <a:r>
-              <a:rPr lang="en-US" sz="1900" b="1" i="1" dirty="0">
-                <a:solidFill>
-                  <a:srgbClr val="0070C0"/>
-                </a:solidFill>
-                <a:latin typeface="Consolas" panose="020B0609020204030204" pitchFamily="49" charset="0"/>
-                <a:cs typeface="Consolas" panose="020B0609020204030204" pitchFamily="49" charset="0"/>
-              </a:rPr>
-              <a:t> </a:t>
-            </a:r>
-            <a:r>
-              <a:rPr lang="en-US" sz="1900" b="1" i="1" dirty="0" err="1">
-                <a:solidFill>
-                  <a:srgbClr val="0070C0"/>
-                </a:solidFill>
-                <a:latin typeface="Consolas" panose="020B0609020204030204" pitchFamily="49" charset="0"/>
-                <a:cs typeface="Consolas" panose="020B0609020204030204" pitchFamily="49" charset="0"/>
-              </a:rPr>
-              <a:t>send_email</a:t>
-            </a:r>
-            <a:r>
-              <a:rPr lang="en-US" sz="1900" b="1" i="1" dirty="0">
-                <a:solidFill>
-                  <a:srgbClr val="0070C0"/>
-                </a:solidFill>
-                <a:latin typeface="Consolas" panose="020B0609020204030204" pitchFamily="49" charset="0"/>
-                <a:cs typeface="Consolas" panose="020B0609020204030204" pitchFamily="49" charset="0"/>
-              </a:rPr>
-              <a:t>(recipient, subject, text):    </a:t>
-            </a:r>
-          </a:p>
-          <a:p>
-            <a:r>
-              <a:rPr lang="en-US" sz="1900" b="1" i="1" dirty="0">
-                <a:solidFill>
-                  <a:srgbClr val="0070C0"/>
-                </a:solidFill>
-                <a:latin typeface="Consolas" panose="020B0609020204030204" pitchFamily="49" charset="0"/>
-                <a:cs typeface="Consolas" panose="020B0609020204030204" pitchFamily="49" charset="0"/>
-              </a:rPr>
-              <a:t>    </a:t>
-            </a:r>
-            <a:r>
-              <a:rPr lang="en-US" sz="1900" b="1" i="1" dirty="0" err="1">
-                <a:solidFill>
-                  <a:srgbClr val="0070C0"/>
-                </a:solidFill>
-                <a:latin typeface="Consolas" panose="020B0609020204030204" pitchFamily="49" charset="0"/>
-                <a:cs typeface="Consolas" panose="020B0609020204030204" pitchFamily="49" charset="0"/>
-              </a:rPr>
-              <a:t>smtpserver</a:t>
-            </a:r>
-            <a:r>
-              <a:rPr lang="en-US" sz="1900" b="1" i="1" dirty="0">
-                <a:solidFill>
-                  <a:srgbClr val="0070C0"/>
-                </a:solidFill>
-                <a:latin typeface="Consolas" panose="020B0609020204030204" pitchFamily="49" charset="0"/>
-                <a:cs typeface="Consolas" panose="020B0609020204030204" pitchFamily="49" charset="0"/>
-              </a:rPr>
-              <a:t> = </a:t>
-            </a:r>
-            <a:r>
-              <a:rPr lang="en-US" sz="1900" b="1" i="1" dirty="0" err="1">
-                <a:solidFill>
-                  <a:srgbClr val="0070C0"/>
-                </a:solidFill>
-                <a:latin typeface="Consolas" panose="020B0609020204030204" pitchFamily="49" charset="0"/>
-                <a:cs typeface="Consolas" panose="020B0609020204030204" pitchFamily="49" charset="0"/>
-              </a:rPr>
-              <a:t>smtplib.SMTP</a:t>
-            </a:r>
-            <a:r>
-              <a:rPr lang="en-US" sz="1900" b="1" i="1" dirty="0">
-                <a:solidFill>
-                  <a:srgbClr val="0070C0"/>
-                </a:solidFill>
-                <a:latin typeface="Consolas" panose="020B0609020204030204" pitchFamily="49" charset="0"/>
-                <a:cs typeface="Consolas" panose="020B0609020204030204" pitchFamily="49" charset="0"/>
-              </a:rPr>
-              <a:t>(SMTP_SERVER, SMTP_PORT)    </a:t>
-            </a:r>
-          </a:p>
-          <a:p>
-            <a:r>
-              <a:rPr lang="en-US" sz="1900" b="1" i="1" dirty="0">
-                <a:solidFill>
-                  <a:srgbClr val="0070C0"/>
-                </a:solidFill>
-                <a:latin typeface="Consolas" panose="020B0609020204030204" pitchFamily="49" charset="0"/>
-                <a:cs typeface="Consolas" panose="020B0609020204030204" pitchFamily="49" charset="0"/>
-              </a:rPr>
-              <a:t>    </a:t>
-            </a:r>
-            <a:r>
-              <a:rPr lang="en-US" sz="1900" b="1" i="1" dirty="0" err="1">
-                <a:solidFill>
-                  <a:srgbClr val="0070C0"/>
-                </a:solidFill>
-                <a:latin typeface="Consolas" panose="020B0609020204030204" pitchFamily="49" charset="0"/>
-                <a:cs typeface="Consolas" panose="020B0609020204030204" pitchFamily="49" charset="0"/>
-              </a:rPr>
-              <a:t>smtpserver.starttls</a:t>
-            </a:r>
-            <a:r>
-              <a:rPr lang="en-US" sz="1900" b="1" i="1" dirty="0">
-                <a:solidFill>
-                  <a:srgbClr val="0070C0"/>
-                </a:solidFill>
-                <a:latin typeface="Consolas" panose="020B0609020204030204" pitchFamily="49" charset="0"/>
-                <a:cs typeface="Consolas" panose="020B0609020204030204" pitchFamily="49" charset="0"/>
-              </a:rPr>
-              <a:t>()      </a:t>
-            </a:r>
-          </a:p>
-          <a:p>
-            <a:r>
-              <a:rPr lang="en-US" sz="1900" b="1" i="1" dirty="0">
-                <a:solidFill>
-                  <a:srgbClr val="0070C0"/>
-                </a:solidFill>
-                <a:latin typeface="Consolas" panose="020B0609020204030204" pitchFamily="49" charset="0"/>
-                <a:cs typeface="Consolas" panose="020B0609020204030204" pitchFamily="49" charset="0"/>
-              </a:rPr>
-              <a:t>    </a:t>
-            </a:r>
-            <a:r>
-              <a:rPr lang="en-US" sz="1900" b="1" i="1" dirty="0" err="1">
-                <a:solidFill>
-                  <a:srgbClr val="0070C0"/>
-                </a:solidFill>
-                <a:latin typeface="Consolas" panose="020B0609020204030204" pitchFamily="49" charset="0"/>
-                <a:cs typeface="Consolas" panose="020B0609020204030204" pitchFamily="49" charset="0"/>
-              </a:rPr>
-              <a:t>smtpserver.login</a:t>
-            </a:r>
-            <a:r>
-              <a:rPr lang="en-US" sz="1900" b="1" i="1" dirty="0">
-                <a:solidFill>
-                  <a:srgbClr val="0070C0"/>
-                </a:solidFill>
-                <a:latin typeface="Consolas" panose="020B0609020204030204" pitchFamily="49" charset="0"/>
-                <a:cs typeface="Consolas" panose="020B0609020204030204" pitchFamily="49" charset="0"/>
-              </a:rPr>
-              <a:t>(GMAIL_USER, GMAIL_PASS)    </a:t>
-            </a:r>
-          </a:p>
-          <a:p>
-            <a:r>
-              <a:rPr lang="en-US" sz="1900" b="1" i="1" dirty="0">
-                <a:solidFill>
-                  <a:srgbClr val="0070C0"/>
-                </a:solidFill>
-                <a:latin typeface="Consolas" panose="020B0609020204030204" pitchFamily="49" charset="0"/>
-                <a:cs typeface="Consolas" panose="020B0609020204030204" pitchFamily="49" charset="0"/>
-              </a:rPr>
-              <a:t>    header = 'To:' + recipient + '\n' + 'From: ' + GMAIL_USER    </a:t>
-            </a:r>
-          </a:p>
-          <a:p>
-            <a:r>
-              <a:rPr lang="en-US" sz="1900" b="1" i="1" dirty="0">
-                <a:solidFill>
-                  <a:srgbClr val="0070C0"/>
-                </a:solidFill>
-                <a:latin typeface="Consolas" panose="020B0609020204030204" pitchFamily="49" charset="0"/>
-                <a:cs typeface="Consolas" panose="020B0609020204030204" pitchFamily="49" charset="0"/>
-              </a:rPr>
-              <a:t>    header = header + '\n' + 'Subject:' + subject + '\n'    </a:t>
-            </a:r>
-          </a:p>
-          <a:p>
-            <a:r>
-              <a:rPr lang="en-US" sz="1900" b="1" i="1" dirty="0">
-                <a:solidFill>
-                  <a:srgbClr val="0070C0"/>
-                </a:solidFill>
-                <a:latin typeface="Consolas" panose="020B0609020204030204" pitchFamily="49" charset="0"/>
-                <a:cs typeface="Consolas" panose="020B0609020204030204" pitchFamily="49" charset="0"/>
-              </a:rPr>
-              <a:t>    </a:t>
-            </a:r>
-            <a:r>
-              <a:rPr lang="en-US" sz="1900" b="1" i="1" dirty="0" err="1">
-                <a:solidFill>
-                  <a:srgbClr val="0070C0"/>
-                </a:solidFill>
-                <a:latin typeface="Consolas" panose="020B0609020204030204" pitchFamily="49" charset="0"/>
-                <a:cs typeface="Consolas" panose="020B0609020204030204" pitchFamily="49" charset="0"/>
-              </a:rPr>
-              <a:t>msg</a:t>
-            </a:r>
-            <a:r>
-              <a:rPr lang="en-US" sz="1900" b="1" i="1" dirty="0">
-                <a:solidFill>
-                  <a:srgbClr val="0070C0"/>
-                </a:solidFill>
-                <a:latin typeface="Consolas" panose="020B0609020204030204" pitchFamily="49" charset="0"/>
-                <a:cs typeface="Consolas" panose="020B0609020204030204" pitchFamily="49" charset="0"/>
-              </a:rPr>
-              <a:t> = header + '\n' + text + ' \n\n'    </a:t>
-            </a:r>
-          </a:p>
-          <a:p>
-            <a:r>
-              <a:rPr lang="en-US" sz="1900" b="1" i="1" dirty="0">
-                <a:solidFill>
-                  <a:srgbClr val="0070C0"/>
-                </a:solidFill>
-                <a:latin typeface="Consolas" panose="020B0609020204030204" pitchFamily="49" charset="0"/>
-                <a:cs typeface="Consolas" panose="020B0609020204030204" pitchFamily="49" charset="0"/>
-              </a:rPr>
-              <a:t>    </a:t>
-            </a:r>
-            <a:r>
-              <a:rPr lang="en-US" sz="1900" b="1" i="1" dirty="0" err="1">
-                <a:solidFill>
-                  <a:srgbClr val="0070C0"/>
-                </a:solidFill>
-                <a:latin typeface="Consolas" panose="020B0609020204030204" pitchFamily="49" charset="0"/>
-                <a:cs typeface="Consolas" panose="020B0609020204030204" pitchFamily="49" charset="0"/>
-              </a:rPr>
-              <a:t>smtpserver.sendmail</a:t>
-            </a:r>
-            <a:r>
-              <a:rPr lang="en-US" sz="1900" b="1" i="1" dirty="0">
-                <a:solidFill>
-                  <a:srgbClr val="0070C0"/>
-                </a:solidFill>
-                <a:latin typeface="Consolas" panose="020B0609020204030204" pitchFamily="49" charset="0"/>
-                <a:cs typeface="Consolas" panose="020B0609020204030204" pitchFamily="49" charset="0"/>
-              </a:rPr>
-              <a:t>(GMAIL_USER, recipient, </a:t>
-            </a:r>
-            <a:r>
-              <a:rPr lang="en-US" sz="1900" b="1" i="1" dirty="0" err="1">
-                <a:solidFill>
-                  <a:srgbClr val="0070C0"/>
-                </a:solidFill>
-                <a:latin typeface="Consolas" panose="020B0609020204030204" pitchFamily="49" charset="0"/>
-                <a:cs typeface="Consolas" panose="020B0609020204030204" pitchFamily="49" charset="0"/>
-              </a:rPr>
-              <a:t>msg</a:t>
-            </a:r>
-            <a:r>
-              <a:rPr lang="en-US" sz="1900" b="1" i="1" dirty="0">
-                <a:solidFill>
-                  <a:srgbClr val="0070C0"/>
-                </a:solidFill>
-                <a:latin typeface="Consolas" panose="020B0609020204030204" pitchFamily="49" charset="0"/>
-                <a:cs typeface="Consolas" panose="020B0609020204030204" pitchFamily="49" charset="0"/>
-              </a:rPr>
-              <a:t>)    </a:t>
-            </a:r>
-          </a:p>
-          <a:p>
-            <a:r>
-              <a:rPr lang="en-US" sz="1900" b="1" i="1" dirty="0">
-                <a:solidFill>
-                  <a:srgbClr val="0070C0"/>
-                </a:solidFill>
-                <a:latin typeface="Consolas" panose="020B0609020204030204" pitchFamily="49" charset="0"/>
-                <a:cs typeface="Consolas" panose="020B0609020204030204" pitchFamily="49" charset="0"/>
-              </a:rPr>
-              <a:t>    </a:t>
-            </a:r>
-            <a:r>
-              <a:rPr lang="en-US" sz="1900" b="1" i="1" dirty="0" err="1">
-                <a:solidFill>
-                  <a:srgbClr val="0070C0"/>
-                </a:solidFill>
-                <a:latin typeface="Consolas" panose="020B0609020204030204" pitchFamily="49" charset="0"/>
-                <a:cs typeface="Consolas" panose="020B0609020204030204" pitchFamily="49" charset="0"/>
-              </a:rPr>
-              <a:t>smtpserver.quit</a:t>
-            </a:r>
-            <a:r>
-              <a:rPr lang="en-US" sz="1900" b="1" i="1" dirty="0">
-                <a:solidFill>
-                  <a:srgbClr val="0070C0"/>
-                </a:solidFill>
-                <a:latin typeface="Consolas" panose="020B0609020204030204" pitchFamily="49" charset="0"/>
-                <a:cs typeface="Consolas" panose="020B0609020204030204" pitchFamily="49" charset="0"/>
-              </a:rPr>
-              <a:t>()</a:t>
-            </a:r>
-          </a:p>
-          <a:p>
-            <a:endParaRPr lang="en-US" sz="1900" b="1" i="1" dirty="0">
-              <a:solidFill>
-                <a:srgbClr val="0070C0"/>
-              </a:solidFill>
-              <a:latin typeface="Consolas" panose="020B0609020204030204" pitchFamily="49" charset="0"/>
-              <a:cs typeface="Consolas" panose="020B0609020204030204" pitchFamily="49" charset="0"/>
-            </a:endParaRPr>
-          </a:p>
-          <a:p>
-            <a:r>
-              <a:rPr lang="en-US" sz="1900" b="1" i="1" dirty="0">
-                <a:solidFill>
-                  <a:srgbClr val="0070C0"/>
-                </a:solidFill>
-                <a:latin typeface="Consolas" panose="020B0609020204030204" pitchFamily="49" charset="0"/>
-                <a:cs typeface="Consolas" panose="020B0609020204030204" pitchFamily="49" charset="0"/>
-              </a:rPr>
-              <a:t>counter=0</a:t>
-            </a:r>
-          </a:p>
-          <a:p>
-            <a:r>
-              <a:rPr lang="en-US" sz="1900" b="1" i="1" dirty="0">
-                <a:solidFill>
-                  <a:srgbClr val="0070C0"/>
-                </a:solidFill>
-                <a:latin typeface="Consolas" panose="020B0609020204030204" pitchFamily="49" charset="0"/>
-                <a:cs typeface="Consolas" panose="020B0609020204030204" pitchFamily="49" charset="0"/>
-              </a:rPr>
-              <a:t>while(1):</a:t>
-            </a:r>
-          </a:p>
-          <a:p>
-            <a:r>
-              <a:rPr lang="en-US" sz="1900" b="1" i="1" dirty="0">
-                <a:solidFill>
-                  <a:srgbClr val="0070C0"/>
-                </a:solidFill>
-                <a:latin typeface="Consolas" panose="020B0609020204030204" pitchFamily="49" charset="0"/>
-                <a:cs typeface="Consolas" panose="020B0609020204030204" pitchFamily="49" charset="0"/>
-              </a:rPr>
-              <a:t>    if(</a:t>
-            </a:r>
-            <a:r>
-              <a:rPr lang="en-US" sz="1900" b="1" i="1" dirty="0" err="1">
-                <a:solidFill>
-                  <a:srgbClr val="0070C0"/>
-                </a:solidFill>
-                <a:latin typeface="Consolas" panose="020B0609020204030204" pitchFamily="49" charset="0"/>
-                <a:cs typeface="Consolas" panose="020B0609020204030204" pitchFamily="49" charset="0"/>
-              </a:rPr>
-              <a:t>GPIO.input</a:t>
-            </a:r>
-            <a:r>
-              <a:rPr lang="en-US" sz="1900" b="1" i="1" dirty="0">
-                <a:solidFill>
-                  <a:srgbClr val="0070C0"/>
-                </a:solidFill>
-                <a:latin typeface="Consolas" panose="020B0609020204030204" pitchFamily="49" charset="0"/>
-                <a:cs typeface="Consolas" panose="020B0609020204030204" pitchFamily="49" charset="0"/>
-              </a:rPr>
-              <a:t>(18)==0):</a:t>
-            </a:r>
-          </a:p>
-          <a:p>
-            <a:r>
-              <a:rPr lang="en-US" sz="1900" b="1" i="1" dirty="0">
-                <a:solidFill>
-                  <a:srgbClr val="0070C0"/>
-                </a:solidFill>
-                <a:latin typeface="Consolas" panose="020B0609020204030204" pitchFamily="49" charset="0"/>
-                <a:cs typeface="Consolas" panose="020B0609020204030204" pitchFamily="49" charset="0"/>
-              </a:rPr>
-              <a:t>        print("Danger!!!!!!")</a:t>
-            </a:r>
-          </a:p>
-          <a:p>
-            <a:r>
-              <a:rPr lang="en-US" sz="1900" b="1" i="1" dirty="0">
-                <a:solidFill>
-                  <a:srgbClr val="0070C0"/>
-                </a:solidFill>
-                <a:latin typeface="Consolas" panose="020B0609020204030204" pitchFamily="49" charset="0"/>
-                <a:cs typeface="Consolas" panose="020B0609020204030204" pitchFamily="49" charset="0"/>
-              </a:rPr>
-              <a:t>        print("sending email...")</a:t>
-            </a:r>
-          </a:p>
-          <a:p>
-            <a:r>
-              <a:rPr lang="en-US" sz="1900" b="1" i="1" dirty="0">
-                <a:solidFill>
-                  <a:srgbClr val="0070C0"/>
-                </a:solidFill>
-                <a:latin typeface="Consolas" panose="020B0609020204030204" pitchFamily="49" charset="0"/>
-                <a:cs typeface="Consolas" panose="020B0609020204030204" pitchFamily="49" charset="0"/>
-              </a:rPr>
-              <a:t>        </a:t>
-            </a:r>
-            <a:r>
-              <a:rPr lang="en-US" sz="1500" b="1" i="1" dirty="0" err="1">
-                <a:solidFill>
-                  <a:srgbClr val="0070C0"/>
-                </a:solidFill>
-                <a:latin typeface="Consolas" panose="020B0609020204030204" pitchFamily="49" charset="0"/>
-                <a:cs typeface="Consolas" panose="020B0609020204030204" pitchFamily="49" charset="0"/>
-              </a:rPr>
-              <a:t>send_email</a:t>
-            </a:r>
-            <a:r>
-              <a:rPr lang="en-US" sz="1500" b="1" i="1" dirty="0">
-                <a:solidFill>
-                  <a:srgbClr val="0070C0"/>
-                </a:solidFill>
-                <a:latin typeface="Consolas" panose="020B0609020204030204" pitchFamily="49" charset="0"/>
-                <a:cs typeface="Consolas" panose="020B0609020204030204" pitchFamily="49" charset="0"/>
-              </a:rPr>
-              <a:t>('arjmandi.re@gmail.com', 'Danger: home security!', 'Button Pressed-number: ' + </a:t>
-            </a:r>
-            <a:r>
-              <a:rPr lang="en-US" sz="1500" b="1" i="1" dirty="0" err="1">
-                <a:solidFill>
-                  <a:srgbClr val="0070C0"/>
-                </a:solidFill>
-                <a:latin typeface="Consolas" panose="020B0609020204030204" pitchFamily="49" charset="0"/>
-                <a:cs typeface="Consolas" panose="020B0609020204030204" pitchFamily="49" charset="0"/>
-              </a:rPr>
-              <a:t>str</a:t>
-            </a:r>
-            <a:r>
-              <a:rPr lang="en-US" sz="1500" b="1" i="1" dirty="0">
-                <a:solidFill>
-                  <a:srgbClr val="0070C0"/>
-                </a:solidFill>
-                <a:latin typeface="Consolas" panose="020B0609020204030204" pitchFamily="49" charset="0"/>
-                <a:cs typeface="Consolas" panose="020B0609020204030204" pitchFamily="49" charset="0"/>
-              </a:rPr>
-              <a:t>(counter))</a:t>
-            </a:r>
-          </a:p>
-          <a:p>
-            <a:r>
-              <a:rPr lang="en-US" sz="1900" b="1" i="1" dirty="0">
-                <a:solidFill>
-                  <a:srgbClr val="0070C0"/>
-                </a:solidFill>
-                <a:latin typeface="Consolas" panose="020B0609020204030204" pitchFamily="49" charset="0"/>
-                <a:cs typeface="Consolas" panose="020B0609020204030204" pitchFamily="49" charset="0"/>
-              </a:rPr>
-              <a:t>        print("send complete")</a:t>
-            </a:r>
-          </a:p>
-          <a:p>
-            <a:r>
-              <a:rPr lang="en-US" sz="1900" b="1" i="1" dirty="0">
-                <a:solidFill>
-                  <a:srgbClr val="0070C0"/>
-                </a:solidFill>
-                <a:latin typeface="Consolas" panose="020B0609020204030204" pitchFamily="49" charset="0"/>
-                <a:cs typeface="Consolas" panose="020B0609020204030204" pitchFamily="49" charset="0"/>
-              </a:rPr>
-              <a:t>        counter = counter + 1</a:t>
-            </a:r>
+            <a:pPr marL="342900" indent="-342900">
+              <a:buFont typeface="Arial" panose="020B0604020202020204" pitchFamily="34" charset="0"/>
+              <a:buChar char="•"/>
+            </a:pPr>
+            <a:r>
+              <a:rPr lang="en-US" sz="2000" dirty="0"/>
+              <a:t>You need to create a simple Python web server, but don’t want to have to run a full web server stack. </a:t>
+            </a:r>
+          </a:p>
+          <a:p>
+            <a:pPr marL="342900" indent="-342900">
+              <a:buFont typeface="Arial" panose="020B0604020202020204" pitchFamily="34" charset="0"/>
+              <a:buChar char="•"/>
+            </a:pPr>
+            <a:endParaRPr lang="en-US" sz="2000" dirty="0"/>
+          </a:p>
+          <a:p>
+            <a:pPr marL="342900" indent="-342900">
+              <a:buFont typeface="Arial" panose="020B0604020202020204" pitchFamily="34" charset="0"/>
+              <a:buChar char="•"/>
+            </a:pPr>
+            <a:r>
+              <a:rPr lang="en-US" sz="2000" dirty="0"/>
+              <a:t>Use the </a:t>
+            </a:r>
+            <a:r>
+              <a:rPr lang="en-US" sz="2400" b="1" i="1" dirty="0">
+                <a:solidFill>
+                  <a:srgbClr val="0070C0"/>
+                </a:solidFill>
+                <a:latin typeface="Consolas" panose="020B0609020204030204" pitchFamily="49" charset="0"/>
+                <a:cs typeface="Consolas" panose="020B0609020204030204" pitchFamily="49" charset="0"/>
+              </a:rPr>
+              <a:t>bottle</a:t>
+            </a:r>
+            <a:r>
+              <a:rPr lang="en-US" sz="2000" dirty="0"/>
+              <a:t> Python library to run a pure Python web server that will respond to HTTP requests.</a:t>
+            </a:r>
+          </a:p>
+          <a:p>
+            <a:pPr marL="342900" indent="-342900">
+              <a:buFont typeface="Arial" panose="020B0604020202020204" pitchFamily="34" charset="0"/>
+              <a:buChar char="•"/>
+            </a:pPr>
+            <a:endParaRPr lang="en-US" sz="2000" dirty="0"/>
+          </a:p>
+          <a:p>
+            <a:pPr marL="342900" indent="-342900">
+              <a:buFont typeface="Arial" panose="020B0604020202020204" pitchFamily="34" charset="0"/>
+              <a:buChar char="•"/>
+            </a:pPr>
+            <a:r>
+              <a:rPr lang="en-US" sz="2000" dirty="0"/>
+              <a:t>To install </a:t>
+            </a:r>
+            <a:r>
+              <a:rPr lang="en-US" sz="2400" b="1" i="1" dirty="0">
+                <a:solidFill>
+                  <a:srgbClr val="0070C0"/>
+                </a:solidFill>
+                <a:latin typeface="Consolas" panose="020B0609020204030204" pitchFamily="49" charset="0"/>
+                <a:cs typeface="Consolas" panose="020B0609020204030204" pitchFamily="49" charset="0"/>
+              </a:rPr>
+              <a:t>bottle</a:t>
+            </a:r>
+            <a:r>
+              <a:rPr lang="en-US" sz="2000" dirty="0"/>
+              <a:t>, use the following command:</a:t>
+            </a:r>
+          </a:p>
+          <a:p>
+            <a:pPr marL="342900" indent="-342900">
+              <a:buFont typeface="Arial" panose="020B0604020202020204" pitchFamily="34" charset="0"/>
+              <a:buChar char="•"/>
+            </a:pPr>
+            <a:endParaRPr lang="en-US" sz="2000" dirty="0"/>
+          </a:p>
+          <a:p>
+            <a:pPr marL="342900" indent="-342900">
+              <a:buFont typeface="Arial" panose="020B0604020202020204" pitchFamily="34" charset="0"/>
+              <a:buChar char="•"/>
+            </a:pPr>
+            <a:r>
+              <a:rPr lang="en-US" sz="2400" b="1" i="1" dirty="0" err="1">
+                <a:solidFill>
+                  <a:srgbClr val="0070C0"/>
+                </a:solidFill>
+                <a:latin typeface="Consolas" panose="020B0609020204030204" pitchFamily="49" charset="0"/>
+                <a:cs typeface="Consolas" panose="020B0609020204030204" pitchFamily="49" charset="0"/>
+              </a:rPr>
+              <a:t>sudo</a:t>
+            </a:r>
+            <a:r>
+              <a:rPr lang="en-US" sz="2400" b="1" i="1" dirty="0">
+                <a:solidFill>
+                  <a:srgbClr val="0070C0"/>
+                </a:solidFill>
+                <a:latin typeface="Consolas" panose="020B0609020204030204" pitchFamily="49" charset="0"/>
+                <a:cs typeface="Consolas" panose="020B0609020204030204" pitchFamily="49" charset="0"/>
+              </a:rPr>
+              <a:t> apt-get install python-bottle </a:t>
+            </a:r>
+          </a:p>
+          <a:p>
+            <a:pPr marL="342900" indent="-342900">
+              <a:buFont typeface="Arial" panose="020B0604020202020204" pitchFamily="34" charset="0"/>
+              <a:buChar char="•"/>
+            </a:pPr>
+            <a:endParaRPr lang="en-US" sz="2000" dirty="0"/>
+          </a:p>
+          <a:p>
+            <a:pPr marL="342900" indent="-342900">
+              <a:buFont typeface="Arial" panose="020B0604020202020204" pitchFamily="34" charset="0"/>
+              <a:buChar char="•"/>
+            </a:pPr>
+            <a:r>
+              <a:rPr lang="en-US" sz="2000" dirty="0"/>
+              <a:t>Following Figure shows the page you see if you connect to the Raspberry Pi from a browser anywhere on your network:</a:t>
+            </a:r>
+          </a:p>
+          <a:p>
+            <a:pPr marL="342900" indent="-342900">
+              <a:buFont typeface="Arial" panose="020B0604020202020204" pitchFamily="34" charset="0"/>
+              <a:buChar char="•"/>
+            </a:pPr>
+            <a:endParaRPr lang="en-US" sz="2000" dirty="0"/>
+          </a:p>
+          <a:p>
+            <a:pPr marL="342900" indent="-342900">
+              <a:buFont typeface="Arial" panose="020B0604020202020204" pitchFamily="34" charset="0"/>
+              <a:buChar char="•"/>
+            </a:pPr>
+            <a:endParaRPr lang="en-US" sz="2000" dirty="0"/>
           </a:p>
         </p:txBody>
       </p:sp>
@@ -13464,10 +12966,34 @@
           </a:p>
         </p:txBody>
       </p:sp>
+      <p:pic>
+        <p:nvPicPr>
+          <p:cNvPr id="3" name="Picture 2"/>
+          <p:cNvPicPr>
+            <a:picLocks noChangeAspect="1"/>
+          </p:cNvPicPr>
+          <p:nvPr/>
+        </p:nvPicPr>
+        <p:blipFill>
+          <a:blip r:embed="rId2"/>
+          <a:stretch>
+            <a:fillRect/>
+          </a:stretch>
+        </p:blipFill>
+        <p:spPr>
+          <a:xfrm>
+            <a:off x="417443" y="4270744"/>
+            <a:ext cx="11376726" cy="2493699"/>
+          </a:xfrm>
+          <a:prstGeom prst="rect">
+            <a:avLst/>
+          </a:prstGeom>
+        </p:spPr>
+      </p:pic>
     </p:spTree>
     <p:extLst>
       <p:ext uri="{BB962C8B-B14F-4D97-AF65-F5344CB8AC3E}">
-        <p14:creationId xmlns:p14="http://schemas.microsoft.com/office/powerpoint/2010/main" val="3911531129"/>
+        <p14:creationId xmlns:p14="http://schemas.microsoft.com/office/powerpoint/2010/main" val="1260239124"/>
       </p:ext>
     </p:extLst>
   </p:cSld>
@@ -13631,7 +13157,7 @@
           <a:p>
             <a:r>
               <a:rPr lang="en-US" dirty="0" err="1"/>
-              <a:t>Send_Email</a:t>
+              <a:t>Simple_Webserver</a:t>
             </a:r>
             <a:r>
               <a:rPr lang="en-US" dirty="0"/>
@@ -13656,7 +13182,7 @@
         <p:spPr>
           <a:xfrm>
             <a:off x="417443" y="857743"/>
-            <a:ext cx="11357113" cy="2431435"/>
+            <a:ext cx="11357113" cy="5324535"/>
           </a:xfrm>
           <a:prstGeom prst="rect">
             <a:avLst/>
@@ -13669,94 +13195,271 @@
           </a:bodyPr>
           <a:lstStyle/>
           <a:p>
-            <a:pPr marL="342900" indent="-342900">
-              <a:buFont typeface="Arial" panose="020B0604020202020204" pitchFamily="34" charset="0"/>
-              <a:buChar char="•"/>
-            </a:pPr>
+            <a:r>
+              <a:rPr lang="en-US" sz="2000" b="1" i="1" dirty="0">
+                <a:solidFill>
+                  <a:srgbClr val="0070C0"/>
+                </a:solidFill>
+                <a:latin typeface="Consolas" panose="020B0609020204030204" pitchFamily="49" charset="0"/>
+                <a:cs typeface="Consolas" panose="020B0609020204030204" pitchFamily="49" charset="0"/>
+              </a:rPr>
+              <a:t>from bottle import </a:t>
+            </a:r>
+            <a:r>
+              <a:rPr lang="en-US" sz="2000" b="1" i="1" dirty="0" err="1">
+                <a:solidFill>
+                  <a:srgbClr val="0070C0"/>
+                </a:solidFill>
+                <a:latin typeface="Consolas" panose="020B0609020204030204" pitchFamily="49" charset="0"/>
+                <a:cs typeface="Consolas" panose="020B0609020204030204" pitchFamily="49" charset="0"/>
+              </a:rPr>
+              <a:t>route,run,template</a:t>
+            </a:r>
+            <a:endParaRPr lang="en-US" sz="2000" b="1" i="1" dirty="0">
+              <a:solidFill>
+                <a:srgbClr val="0070C0"/>
+              </a:solidFill>
+              <a:latin typeface="Consolas" panose="020B0609020204030204" pitchFamily="49" charset="0"/>
+              <a:cs typeface="Consolas" panose="020B0609020204030204" pitchFamily="49" charset="0"/>
+            </a:endParaRPr>
+          </a:p>
+          <a:p>
+            <a:r>
+              <a:rPr lang="en-US" sz="2000" b="1" i="1" dirty="0">
+                <a:solidFill>
+                  <a:srgbClr val="0070C0"/>
+                </a:solidFill>
+                <a:latin typeface="Consolas" panose="020B0609020204030204" pitchFamily="49" charset="0"/>
+                <a:cs typeface="Consolas" panose="020B0609020204030204" pitchFamily="49" charset="0"/>
+              </a:rPr>
+              <a:t>from datetime import datetime</a:t>
+            </a:r>
+          </a:p>
+          <a:p>
+            <a:endParaRPr lang="en-US" sz="2000" b="1" i="1" dirty="0">
+              <a:solidFill>
+                <a:srgbClr val="0070C0"/>
+              </a:solidFill>
+              <a:latin typeface="Consolas" panose="020B0609020204030204" pitchFamily="49" charset="0"/>
+              <a:cs typeface="Consolas" panose="020B0609020204030204" pitchFamily="49" charset="0"/>
+            </a:endParaRPr>
+          </a:p>
+          <a:p>
+            <a:r>
+              <a:rPr lang="en-US" sz="2000" b="1" i="1" dirty="0">
+                <a:solidFill>
+                  <a:srgbClr val="0070C0"/>
+                </a:solidFill>
+                <a:latin typeface="Consolas" panose="020B0609020204030204" pitchFamily="49" charset="0"/>
+                <a:cs typeface="Consolas" panose="020B0609020204030204" pitchFamily="49" charset="0"/>
+              </a:rPr>
+              <a:t>@route('/') </a:t>
+            </a:r>
+          </a:p>
+          <a:p>
+            <a:r>
+              <a:rPr lang="en-US" sz="2000" b="1" i="1" dirty="0">
+                <a:solidFill>
+                  <a:srgbClr val="0070C0"/>
+                </a:solidFill>
+                <a:latin typeface="Consolas" panose="020B0609020204030204" pitchFamily="49" charset="0"/>
+                <a:cs typeface="Consolas" panose="020B0609020204030204" pitchFamily="49" charset="0"/>
+              </a:rPr>
+              <a:t>def index():    </a:t>
+            </a:r>
+          </a:p>
+          <a:p>
+            <a:r>
+              <a:rPr lang="en-US" sz="2000" b="1" i="1" dirty="0">
+                <a:solidFill>
+                  <a:srgbClr val="0070C0"/>
+                </a:solidFill>
+                <a:latin typeface="Consolas" panose="020B0609020204030204" pitchFamily="49" charset="0"/>
+                <a:cs typeface="Consolas" panose="020B0609020204030204" pitchFamily="49" charset="0"/>
+              </a:rPr>
+              <a:t>    </a:t>
+            </a:r>
+            <a:r>
+              <a:rPr lang="en-US" sz="2000" b="1" i="1" dirty="0" err="1">
+                <a:solidFill>
+                  <a:srgbClr val="0070C0"/>
+                </a:solidFill>
+                <a:latin typeface="Consolas" panose="020B0609020204030204" pitchFamily="49" charset="0"/>
+                <a:cs typeface="Consolas" panose="020B0609020204030204" pitchFamily="49" charset="0"/>
+              </a:rPr>
+              <a:t>dt</a:t>
+            </a:r>
+            <a:r>
+              <a:rPr lang="en-US" sz="2000" b="1" i="1" dirty="0">
+                <a:solidFill>
+                  <a:srgbClr val="0070C0"/>
+                </a:solidFill>
+                <a:latin typeface="Consolas" panose="020B0609020204030204" pitchFamily="49" charset="0"/>
+                <a:cs typeface="Consolas" panose="020B0609020204030204" pitchFamily="49" charset="0"/>
+              </a:rPr>
+              <a:t> = </a:t>
+            </a:r>
+            <a:r>
+              <a:rPr lang="en-US" sz="2000" b="1" i="1" dirty="0" err="1">
+                <a:solidFill>
+                  <a:srgbClr val="0070C0"/>
+                </a:solidFill>
+                <a:latin typeface="Consolas" panose="020B0609020204030204" pitchFamily="49" charset="0"/>
+                <a:cs typeface="Consolas" panose="020B0609020204030204" pitchFamily="49" charset="0"/>
+              </a:rPr>
+              <a:t>datetime.now</a:t>
+            </a:r>
+            <a:r>
+              <a:rPr lang="en-US" sz="2000" b="1" i="1" dirty="0">
+                <a:solidFill>
+                  <a:srgbClr val="0070C0"/>
+                </a:solidFill>
+                <a:latin typeface="Consolas" panose="020B0609020204030204" pitchFamily="49" charset="0"/>
+                <a:cs typeface="Consolas" panose="020B0609020204030204" pitchFamily="49" charset="0"/>
+              </a:rPr>
+              <a:t>()    </a:t>
+            </a:r>
+          </a:p>
+          <a:p>
+            <a:r>
+              <a:rPr lang="en-US" sz="2000" b="1" i="1" dirty="0">
+                <a:solidFill>
+                  <a:srgbClr val="0070C0"/>
+                </a:solidFill>
+                <a:latin typeface="Consolas" panose="020B0609020204030204" pitchFamily="49" charset="0"/>
+                <a:cs typeface="Consolas" panose="020B0609020204030204" pitchFamily="49" charset="0"/>
+              </a:rPr>
+              <a:t>    time = "{:%Y-%m-%d %H:%M:%S}".format(</a:t>
+            </a:r>
+            <a:r>
+              <a:rPr lang="en-US" sz="2000" b="1" i="1" dirty="0" err="1">
+                <a:solidFill>
+                  <a:srgbClr val="0070C0"/>
+                </a:solidFill>
+                <a:latin typeface="Consolas" panose="020B0609020204030204" pitchFamily="49" charset="0"/>
+                <a:cs typeface="Consolas" panose="020B0609020204030204" pitchFamily="49" charset="0"/>
+              </a:rPr>
+              <a:t>dt</a:t>
+            </a:r>
+            <a:r>
+              <a:rPr lang="en-US" sz="2000" b="1" i="1" dirty="0">
+                <a:solidFill>
+                  <a:srgbClr val="0070C0"/>
+                </a:solidFill>
+                <a:latin typeface="Consolas" panose="020B0609020204030204" pitchFamily="49" charset="0"/>
+                <a:cs typeface="Consolas" panose="020B0609020204030204" pitchFamily="49" charset="0"/>
+              </a:rPr>
+              <a:t>)    </a:t>
+            </a:r>
+          </a:p>
+          <a:p>
+            <a:r>
+              <a:rPr lang="en-US" sz="2000" b="1" i="1" dirty="0">
+                <a:solidFill>
+                  <a:srgbClr val="0070C0"/>
+                </a:solidFill>
+                <a:latin typeface="Consolas" panose="020B0609020204030204" pitchFamily="49" charset="0"/>
+                <a:cs typeface="Consolas" panose="020B0609020204030204" pitchFamily="49" charset="0"/>
+              </a:rPr>
+              <a:t>    return template('&lt;b&gt;Pi thinks the date/time is: {{t}}&lt;/b&gt;',t=time)</a:t>
+            </a:r>
+          </a:p>
+          <a:p>
+            <a:endParaRPr lang="en-US" sz="2000" b="1" i="1" dirty="0">
+              <a:solidFill>
+                <a:srgbClr val="0070C0"/>
+              </a:solidFill>
+              <a:latin typeface="Consolas" panose="020B0609020204030204" pitchFamily="49" charset="0"/>
+              <a:cs typeface="Consolas" panose="020B0609020204030204" pitchFamily="49" charset="0"/>
+            </a:endParaRPr>
+          </a:p>
+          <a:p>
+            <a:r>
+              <a:rPr lang="en-US" sz="2000" b="1" i="1" dirty="0">
+                <a:solidFill>
+                  <a:srgbClr val="0070C0"/>
+                </a:solidFill>
+                <a:latin typeface="Consolas" panose="020B0609020204030204" pitchFamily="49" charset="0"/>
+                <a:cs typeface="Consolas" panose="020B0609020204030204" pitchFamily="49" charset="0"/>
+              </a:rPr>
+              <a:t>run(host='192.168.43.189', port=90)</a:t>
+            </a:r>
+          </a:p>
+          <a:p>
+            <a:endParaRPr lang="en-US" sz="2000" b="1" i="1" dirty="0">
+              <a:solidFill>
+                <a:srgbClr val="0070C0"/>
+              </a:solidFill>
+              <a:latin typeface="Consolas" panose="020B0609020204030204" pitchFamily="49" charset="0"/>
+              <a:cs typeface="Consolas" panose="020B0609020204030204" pitchFamily="49" charset="0"/>
+            </a:endParaRPr>
+          </a:p>
+          <a:p>
+            <a:endParaRPr lang="en-US" sz="2000" b="1" i="1" dirty="0">
+              <a:solidFill>
+                <a:srgbClr val="0070C0"/>
+              </a:solidFill>
+              <a:latin typeface="Consolas" panose="020B0609020204030204" pitchFamily="49" charset="0"/>
+              <a:cs typeface="Consolas" panose="020B0609020204030204" pitchFamily="49" charset="0"/>
+            </a:endParaRPr>
+          </a:p>
+          <a:p>
+            <a:endParaRPr lang="en-US" sz="2000" b="1" i="1" dirty="0">
+              <a:solidFill>
+                <a:srgbClr val="0070C0"/>
+              </a:solidFill>
+              <a:latin typeface="Consolas" panose="020B0609020204030204" pitchFamily="49" charset="0"/>
+              <a:cs typeface="Consolas" panose="020B0609020204030204" pitchFamily="49" charset="0"/>
+            </a:endParaRPr>
+          </a:p>
+          <a:p>
             <a:r>
               <a:rPr lang="en-US" sz="2000" dirty="0"/>
-              <a:t> If you are not using Gmail, then you will also need to change the values of the </a:t>
-            </a:r>
-            <a:r>
-              <a:rPr lang="en-US" sz="2400" b="1" i="1" dirty="0">
-                <a:solidFill>
-                  <a:srgbClr val="0070C0"/>
-                </a:solidFill>
-                <a:latin typeface="Consolas" panose="020B0609020204030204" pitchFamily="49" charset="0"/>
-                <a:cs typeface="Consolas" panose="020B0609020204030204" pitchFamily="49" charset="0"/>
-              </a:rPr>
-              <a:t>SMTP_SERVER</a:t>
+              <a:t>To start the program, you need to run it with </a:t>
+            </a:r>
+            <a:r>
+              <a:rPr lang="en-US" sz="2000" dirty="0" err="1"/>
+              <a:t>superuser</a:t>
             </a:r>
             <a:r>
               <a:rPr lang="en-US" sz="2000" dirty="0"/>
-              <a:t> and possibly </a:t>
-            </a:r>
-            <a:r>
-              <a:rPr lang="en-US" sz="2400" b="1" i="1" dirty="0">
-                <a:solidFill>
-                  <a:srgbClr val="0070C0"/>
-                </a:solidFill>
-                <a:latin typeface="Consolas" panose="020B0609020204030204" pitchFamily="49" charset="0"/>
-                <a:cs typeface="Consolas" panose="020B0609020204030204" pitchFamily="49" charset="0"/>
-              </a:rPr>
-              <a:t>SMTP_PORT</a:t>
-            </a:r>
-            <a:r>
-              <a:rPr lang="en-US" sz="2000" dirty="0"/>
-              <a:t>.</a:t>
-            </a:r>
-          </a:p>
-          <a:p>
-            <a:pPr marL="342900" indent="-342900">
-              <a:buFont typeface="Arial" panose="020B0604020202020204" pitchFamily="34" charset="0"/>
-              <a:buChar char="•"/>
-            </a:pPr>
+              <a:t> privileges:</a:t>
+            </a:r>
+          </a:p>
+          <a:p>
             <a:endParaRPr lang="en-US" sz="2000" dirty="0"/>
           </a:p>
           <a:p>
-            <a:pPr marL="342900" indent="-342900">
-              <a:buFont typeface="Arial" panose="020B0604020202020204" pitchFamily="34" charset="0"/>
-              <a:buChar char="•"/>
-            </a:pPr>
-            <a:r>
-              <a:rPr lang="en-US" sz="2000" dirty="0"/>
-              <a:t>The </a:t>
-            </a:r>
-            <a:r>
-              <a:rPr lang="en-US" sz="2400" b="1" i="1" dirty="0" err="1">
-                <a:solidFill>
-                  <a:srgbClr val="0070C0"/>
-                </a:solidFill>
-                <a:latin typeface="Consolas" panose="020B0609020204030204" pitchFamily="49" charset="0"/>
-                <a:cs typeface="Consolas" panose="020B0609020204030204" pitchFamily="49" charset="0"/>
-              </a:rPr>
-              <a:t>send_email</a:t>
-            </a:r>
-            <a:r>
-              <a:rPr lang="en-US" sz="2000" dirty="0"/>
-              <a:t> message simplifies the use of the </a:t>
-            </a:r>
-            <a:r>
-              <a:rPr lang="en-US" sz="2400" b="1" i="1" dirty="0" err="1">
-                <a:solidFill>
-                  <a:srgbClr val="0070C0"/>
-                </a:solidFill>
-                <a:latin typeface="Consolas" panose="020B0609020204030204" pitchFamily="49" charset="0"/>
-                <a:cs typeface="Consolas" panose="020B0609020204030204" pitchFamily="49" charset="0"/>
-              </a:rPr>
-              <a:t>smtplib</a:t>
-            </a:r>
-            <a:r>
-              <a:rPr lang="en-US" sz="2000" dirty="0"/>
-              <a:t> library into a single function that you can reuse in your projects.</a:t>
-            </a:r>
-          </a:p>
-          <a:p>
-            <a:pPr marL="342900" indent="-342900">
-              <a:buFont typeface="Arial" panose="020B0604020202020204" pitchFamily="34" charset="0"/>
-              <a:buChar char="•"/>
-            </a:pPr>
-            <a:endParaRPr lang="en-US" sz="2000" dirty="0"/>
+            <a:r>
+              <a:rPr lang="en-US" sz="2000" b="1" i="1" dirty="0">
+                <a:solidFill>
+                  <a:srgbClr val="0070C0"/>
+                </a:solidFill>
+                <a:latin typeface="Consolas" panose="020B0609020204030204" pitchFamily="49" charset="0"/>
+                <a:cs typeface="Consolas" panose="020B0609020204030204" pitchFamily="49" charset="0"/>
+              </a:rPr>
+              <a:t>$ </a:t>
+            </a:r>
+            <a:r>
+              <a:rPr lang="en-US" sz="2000" b="1" i="1" dirty="0" err="1">
+                <a:solidFill>
+                  <a:srgbClr val="0070C0"/>
+                </a:solidFill>
+                <a:latin typeface="Consolas" panose="020B0609020204030204" pitchFamily="49" charset="0"/>
+                <a:cs typeface="Consolas" panose="020B0609020204030204" pitchFamily="49" charset="0"/>
+              </a:rPr>
+              <a:t>sudo</a:t>
+            </a:r>
+            <a:r>
+              <a:rPr lang="en-US" sz="2000" b="1" i="1" dirty="0">
+                <a:solidFill>
+                  <a:srgbClr val="0070C0"/>
+                </a:solidFill>
+                <a:latin typeface="Consolas" panose="020B0609020204030204" pitchFamily="49" charset="0"/>
+                <a:cs typeface="Consolas" panose="020B0609020204030204" pitchFamily="49" charset="0"/>
+              </a:rPr>
+              <a:t> python bottle_test.py </a:t>
+            </a:r>
           </a:p>
           <a:p>
             <a:pPr marL="342900" indent="-342900">
@@ -13809,7 +13512,7 @@
     </p:spTree>
     <p:extLst>
       <p:ext uri="{BB962C8B-B14F-4D97-AF65-F5344CB8AC3E}">
-        <p14:creationId xmlns:p14="http://schemas.microsoft.com/office/powerpoint/2010/main" val="2530605664"/>
+        <p14:creationId xmlns:p14="http://schemas.microsoft.com/office/powerpoint/2010/main" val="1485092108"/>
       </p:ext>
     </p:extLst>
   </p:cSld>
@@ -13973,7 +13676,7 @@
           <a:p>
             <a:r>
               <a:rPr lang="en-US" dirty="0"/>
-              <a:t>Web Service</a:t>
+              <a:t>Writing a Simple Web Server in Python </a:t>
             </a:r>
             <a:endParaRPr lang="en-US" b="1" i="1" dirty="0">
               <a:solidFill>
@@ -13982,6 +13685,174 @@
               <a:latin typeface="Consolas" panose="020B0609020204030204" pitchFamily="49" charset="0"/>
               <a:cs typeface="Consolas" panose="020B0609020204030204" pitchFamily="49" charset="0"/>
             </a:endParaRPr>
+          </a:p>
+        </p:txBody>
+      </p:sp>
+      <p:sp>
+        <p:nvSpPr>
+          <p:cNvPr id="2" name="TextBox 1"/>
+          <p:cNvSpPr txBox="1"/>
+          <p:nvPr/>
+        </p:nvSpPr>
+        <p:spPr>
+          <a:xfrm>
+            <a:off x="417443" y="857743"/>
+            <a:ext cx="11357113" cy="4278094"/>
+          </a:xfrm>
+          <a:prstGeom prst="rect">
+            <a:avLst/>
+          </a:prstGeom>
+          <a:noFill/>
+        </p:spPr>
+        <p:txBody>
+          <a:bodyPr wrap="square" rtlCol="0">
+            <a:spAutoFit/>
+          </a:bodyPr>
+          <a:lstStyle/>
+          <a:p>
+            <a:pPr marL="342900" indent="-342900">
+              <a:buFont typeface="Arial" panose="020B0604020202020204" pitchFamily="34" charset="0"/>
+              <a:buChar char="•"/>
+            </a:pPr>
+            <a:r>
+              <a:rPr lang="en-US" sz="2000" dirty="0"/>
+              <a:t>After the </a:t>
+            </a:r>
+            <a:r>
+              <a:rPr lang="en-US" sz="2400" b="1" i="1" dirty="0">
+                <a:solidFill>
+                  <a:srgbClr val="0070C0"/>
+                </a:solidFill>
+                <a:latin typeface="Consolas" panose="020B0609020204030204" pitchFamily="49" charset="0"/>
+                <a:cs typeface="Consolas" panose="020B0609020204030204" pitchFamily="49" charset="0"/>
+              </a:rPr>
+              <a:t>import</a:t>
+            </a:r>
+            <a:r>
+              <a:rPr lang="en-US" sz="2400" dirty="0"/>
+              <a:t> </a:t>
+            </a:r>
+            <a:r>
+              <a:rPr lang="en-US" sz="2000" dirty="0"/>
+              <a:t>commands, the </a:t>
+            </a:r>
+            <a:r>
+              <a:rPr lang="en-US" sz="2400" b="1" i="1" dirty="0">
+                <a:solidFill>
+                  <a:srgbClr val="0070C0"/>
+                </a:solidFill>
+                <a:latin typeface="Consolas" panose="020B0609020204030204" pitchFamily="49" charset="0"/>
+                <a:cs typeface="Consolas" panose="020B0609020204030204" pitchFamily="49" charset="0"/>
+              </a:rPr>
+              <a:t>@route </a:t>
+            </a:r>
+            <a:r>
+              <a:rPr lang="en-US" sz="2000" dirty="0"/>
+              <a:t>command links the URL path </a:t>
+            </a:r>
+            <a:r>
+              <a:rPr lang="en-US" sz="2400" b="1" i="1" dirty="0">
+                <a:solidFill>
+                  <a:srgbClr val="0070C0"/>
+                </a:solidFill>
+                <a:latin typeface="Consolas" panose="020B0609020204030204" pitchFamily="49" charset="0"/>
+                <a:cs typeface="Consolas" panose="020B0609020204030204" pitchFamily="49" charset="0"/>
+              </a:rPr>
+              <a:t>/</a:t>
+            </a:r>
+            <a:r>
+              <a:rPr lang="en-US" sz="2000" dirty="0"/>
+              <a:t> with the handler function that follows it.</a:t>
+            </a:r>
+          </a:p>
+          <a:p>
+            <a:endParaRPr lang="en-US" sz="2000" dirty="0"/>
+          </a:p>
+          <a:p>
+            <a:pPr marL="342900" indent="-342900">
+              <a:buFont typeface="Arial" panose="020B0604020202020204" pitchFamily="34" charset="0"/>
+              <a:buChar char="•"/>
+            </a:pPr>
+            <a:r>
+              <a:rPr lang="en-US" sz="2000" dirty="0"/>
+              <a:t>That handler function formats the date and time and then returns a string of the HTML to be rendered by the browser. In this case, it uses a template into which values can be substituted.</a:t>
+            </a:r>
+          </a:p>
+          <a:p>
+            <a:pPr marL="342900" indent="-342900">
+              <a:buFont typeface="Arial" panose="020B0604020202020204" pitchFamily="34" charset="0"/>
+              <a:buChar char="•"/>
+            </a:pPr>
+            <a:endParaRPr lang="en-US" sz="2000" dirty="0"/>
+          </a:p>
+          <a:p>
+            <a:pPr marL="342900" indent="-342900">
+              <a:buFont typeface="Arial" panose="020B0604020202020204" pitchFamily="34" charset="0"/>
+              <a:buChar char="•"/>
+            </a:pPr>
+            <a:r>
+              <a:rPr lang="en-US" sz="2000" dirty="0"/>
+              <a:t>The final </a:t>
+            </a:r>
+            <a:r>
+              <a:rPr lang="en-US" sz="2400" b="1" i="1" dirty="0">
+                <a:solidFill>
+                  <a:srgbClr val="0070C0"/>
+                </a:solidFill>
+                <a:latin typeface="Consolas" panose="020B0609020204030204" pitchFamily="49" charset="0"/>
+                <a:cs typeface="Consolas" panose="020B0609020204030204" pitchFamily="49" charset="0"/>
+              </a:rPr>
+              <a:t>run</a:t>
+            </a:r>
+            <a:r>
+              <a:rPr lang="en-US" sz="2000" dirty="0"/>
+              <a:t> line actually starts the web serving process. Note that you need to specify the hostname and port. Port 80 is the default port for web serving, so if you wish to use a different port, then you need to add the port number with a </a:t>
+            </a:r>
+            <a:r>
+              <a:rPr lang="en-US" sz="2400" b="1" i="1" dirty="0">
+                <a:solidFill>
+                  <a:srgbClr val="0070C0"/>
+                </a:solidFill>
+                <a:latin typeface="Consolas" panose="020B0609020204030204" pitchFamily="49" charset="0"/>
+                <a:cs typeface="Consolas" panose="020B0609020204030204" pitchFamily="49" charset="0"/>
+              </a:rPr>
+              <a:t>:</a:t>
+            </a:r>
+            <a:r>
+              <a:rPr lang="en-US" sz="2000" dirty="0"/>
+              <a:t> after the server address.  </a:t>
+            </a:r>
+          </a:p>
+          <a:p>
+            <a:pPr marL="342900" indent="-342900">
+              <a:buFont typeface="Arial" panose="020B0604020202020204" pitchFamily="34" charset="0"/>
+              <a:buChar char="•"/>
+            </a:pPr>
+            <a:endParaRPr lang="en-US" sz="2000" dirty="0"/>
+          </a:p>
+          <a:p>
+            <a:pPr marL="342900" indent="-342900">
+              <a:buFont typeface="Arial" panose="020B0604020202020204" pitchFamily="34" charset="0"/>
+              <a:buChar char="•"/>
+            </a:pPr>
+            <a:r>
+              <a:rPr lang="en-US" sz="2000" dirty="0"/>
+              <a:t>You can define as many routes and handlers as you like within the program. </a:t>
+            </a:r>
+          </a:p>
+          <a:p>
+            <a:pPr marL="342900" indent="-342900">
+              <a:buFont typeface="Arial" panose="020B0604020202020204" pitchFamily="34" charset="0"/>
+              <a:buChar char="•"/>
+            </a:pPr>
+            <a:endParaRPr lang="en-US" sz="2000" dirty="0"/>
+          </a:p>
+          <a:p>
+            <a:pPr marL="342900" indent="-342900">
+              <a:buFont typeface="Arial" panose="020B0604020202020204" pitchFamily="34" charset="0"/>
+              <a:buChar char="•"/>
+            </a:pPr>
+            <a:endParaRPr lang="en-US" sz="2000" dirty="0"/>
           </a:p>
         </p:txBody>
       </p:sp>
@@ -14024,40 +13895,10 @@
           </a:p>
         </p:txBody>
       </p:sp>
-      <p:pic>
-        <p:nvPicPr>
-          <p:cNvPr id="7" name="Picture 6"/>
-          <p:cNvPicPr>
-            <a:picLocks noChangeAspect="1"/>
-          </p:cNvPicPr>
-          <p:nvPr/>
-        </p:nvPicPr>
-        <p:blipFill>
-          <a:blip r:embed="rId2">
-            <a:extLst>
-              <a:ext uri="{28A0092B-C50C-407E-A947-70E740481C1C}">
-                <a14:useLocalDpi xmlns:a14="http://schemas.microsoft.com/office/drawing/2010/main" val="0"/>
-              </a:ext>
-            </a:extLst>
-          </a:blip>
-          <a:stretch>
-            <a:fillRect/>
-          </a:stretch>
-        </p:blipFill>
-        <p:spPr>
-          <a:xfrm>
-            <a:off x="661571" y="810870"/>
-            <a:ext cx="10859868" cy="6047130"/>
-          </a:xfrm>
-          <a:prstGeom prst="rect">
-            <a:avLst/>
-          </a:prstGeom>
-        </p:spPr>
-      </p:pic>
     </p:spTree>
     <p:extLst>
       <p:ext uri="{BB962C8B-B14F-4D97-AF65-F5344CB8AC3E}">
-        <p14:creationId xmlns:p14="http://schemas.microsoft.com/office/powerpoint/2010/main" val="88117235"/>
+        <p14:creationId xmlns:p14="http://schemas.microsoft.com/office/powerpoint/2010/main" val="4242032006"/>
       </p:ext>
     </p:extLst>
   </p:cSld>
@@ -14444,1316 +14285,17 @@
   <p:clrMapOvr>
     <a:masterClrMapping/>
   </p:clrMapOvr>
+  <p:timing>
+    <p:tnLst>
+      <p:par>
+        <p:cTn id="1" dur="indefinite" restart="never" nodeType="tmRoot"/>
+      </p:par>
+    </p:tnLst>
+  </p:timing>
 </p:sld>
 </file>
 
 <file path=ppt/slides/slide30.xml><?xml version="1.0" encoding="utf-8"?>
-<p:sld xmlns:a="http://schemas.openxmlformats.org/drawingml/2006/main" xmlns:r="http://schemas.openxmlformats.org/officeDocument/2006/relationships" xmlns:p="http://schemas.openxmlformats.org/presentationml/2006/main">
-  <p:cSld>
-    <p:spTree>
-      <p:nvGrpSpPr>
-        <p:cNvPr id="1" name=""/>
-        <p:cNvGrpSpPr/>
-        <p:nvPr/>
-      </p:nvGrpSpPr>
-      <p:grpSpPr>
-        <a:xfrm>
-          <a:off x="0" y="0"/>
-          <a:ext cx="0" cy="0"/>
-          <a:chOff x="0" y="0"/>
-          <a:chExt cx="0" cy="0"/>
-        </a:xfrm>
-      </p:grpSpPr>
-      <p:sp>
-        <p:nvSpPr>
-          <p:cNvPr id="4" name="Title 1"/>
-          <p:cNvSpPr txBox="1">
-            <a:spLocks/>
-          </p:cNvSpPr>
-          <p:nvPr/>
-        </p:nvSpPr>
-        <p:spPr>
-          <a:xfrm>
-            <a:off x="0" y="1"/>
-            <a:ext cx="12192000" cy="721216"/>
-          </a:xfrm>
-          <a:prstGeom prst="rect">
-            <a:avLst/>
-          </a:prstGeom>
-        </p:spPr>
-        <p:style>
-          <a:lnRef idx="0">
-            <a:schemeClr val="accent1"/>
-          </a:lnRef>
-          <a:fillRef idx="3">
-            <a:schemeClr val="accent1"/>
-          </a:fillRef>
-          <a:effectRef idx="3">
-            <a:schemeClr val="accent1"/>
-          </a:effectRef>
-          <a:fontRef idx="minor">
-            <a:schemeClr val="lt1"/>
-          </a:fontRef>
-        </p:style>
-        <p:txBody>
-          <a:bodyPr vert="horz" lIns="91440" tIns="45720" rIns="91440" bIns="45720" rtlCol="0" anchor="ctr">
-            <a:normAutofit/>
-          </a:bodyPr>
-          <a:lstStyle>
-            <a:lvl1pPr algn="l" defTabSz="914400" rtl="0" eaLnBrk="1" latinLnBrk="0" hangingPunct="1">
-              <a:lnSpc>
-                <a:spcPct val="90000"/>
-              </a:lnSpc>
-              <a:spcBef>
-                <a:spcPct val="0"/>
-              </a:spcBef>
-              <a:buNone/>
-              <a:defRPr sz="4400" kern="1200">
-                <a:solidFill>
-                  <a:schemeClr val="lt1"/>
-                </a:solidFill>
-                <a:latin typeface="+mn-lt"/>
-                <a:ea typeface="+mn-ea"/>
-                <a:cs typeface="+mn-cs"/>
-              </a:defRPr>
-            </a:lvl1pPr>
-            <a:lvl2pPr>
-              <a:defRPr>
-                <a:solidFill>
-                  <a:schemeClr val="lt1"/>
-                </a:solidFill>
-                <a:latin typeface="+mn-lt"/>
-                <a:ea typeface="+mn-ea"/>
-                <a:cs typeface="+mn-cs"/>
-              </a:defRPr>
-            </a:lvl2pPr>
-            <a:lvl3pPr>
-              <a:defRPr>
-                <a:solidFill>
-                  <a:schemeClr val="lt1"/>
-                </a:solidFill>
-                <a:latin typeface="+mn-lt"/>
-                <a:ea typeface="+mn-ea"/>
-                <a:cs typeface="+mn-cs"/>
-              </a:defRPr>
-            </a:lvl3pPr>
-            <a:lvl4pPr>
-              <a:defRPr>
-                <a:solidFill>
-                  <a:schemeClr val="lt1"/>
-                </a:solidFill>
-                <a:latin typeface="+mn-lt"/>
-                <a:ea typeface="+mn-ea"/>
-                <a:cs typeface="+mn-cs"/>
-              </a:defRPr>
-            </a:lvl4pPr>
-            <a:lvl5pPr>
-              <a:defRPr>
-                <a:solidFill>
-                  <a:schemeClr val="lt1"/>
-                </a:solidFill>
-                <a:latin typeface="+mn-lt"/>
-                <a:ea typeface="+mn-ea"/>
-                <a:cs typeface="+mn-cs"/>
-              </a:defRPr>
-            </a:lvl5pPr>
-            <a:lvl6pPr>
-              <a:defRPr>
-                <a:solidFill>
-                  <a:schemeClr val="lt1"/>
-                </a:solidFill>
-                <a:latin typeface="+mn-lt"/>
-                <a:ea typeface="+mn-ea"/>
-                <a:cs typeface="+mn-cs"/>
-              </a:defRPr>
-            </a:lvl6pPr>
-            <a:lvl7pPr>
-              <a:defRPr>
-                <a:solidFill>
-                  <a:schemeClr val="lt1"/>
-                </a:solidFill>
-                <a:latin typeface="+mn-lt"/>
-                <a:ea typeface="+mn-ea"/>
-                <a:cs typeface="+mn-cs"/>
-              </a:defRPr>
-            </a:lvl7pPr>
-            <a:lvl8pPr>
-              <a:defRPr>
-                <a:solidFill>
-                  <a:schemeClr val="lt1"/>
-                </a:solidFill>
-                <a:latin typeface="+mn-lt"/>
-                <a:ea typeface="+mn-ea"/>
-                <a:cs typeface="+mn-cs"/>
-              </a:defRPr>
-            </a:lvl8pPr>
-            <a:lvl9pPr>
-              <a:defRPr>
-                <a:solidFill>
-                  <a:schemeClr val="lt1"/>
-                </a:solidFill>
-                <a:latin typeface="+mn-lt"/>
-                <a:ea typeface="+mn-ea"/>
-                <a:cs typeface="+mn-cs"/>
-              </a:defRPr>
-            </a:lvl9pPr>
-          </a:lstStyle>
-          <a:p>
-            <a:r>
-              <a:rPr lang="en-US" dirty="0"/>
-              <a:t>Writing a Simple Web Server in Python </a:t>
-            </a:r>
-            <a:endParaRPr lang="en-US" b="1" i="1" dirty="0">
-              <a:solidFill>
-                <a:srgbClr val="0070C0"/>
-              </a:solidFill>
-              <a:latin typeface="Consolas" panose="020B0609020204030204" pitchFamily="49" charset="0"/>
-              <a:cs typeface="Consolas" panose="020B0609020204030204" pitchFamily="49" charset="0"/>
-            </a:endParaRPr>
-          </a:p>
-        </p:txBody>
-      </p:sp>
-      <p:sp>
-        <p:nvSpPr>
-          <p:cNvPr id="2" name="TextBox 1"/>
-          <p:cNvSpPr txBox="1"/>
-          <p:nvPr/>
-        </p:nvSpPr>
-        <p:spPr>
-          <a:xfrm>
-            <a:off x="417443" y="857743"/>
-            <a:ext cx="11357113" cy="3970318"/>
-          </a:xfrm>
-          <a:prstGeom prst="rect">
-            <a:avLst/>
-          </a:prstGeom>
-          <a:noFill/>
-        </p:spPr>
-        <p:txBody>
-          <a:bodyPr wrap="square" rtlCol="0">
-            <a:spAutoFit/>
-          </a:bodyPr>
-          <a:lstStyle/>
-          <a:p>
-            <a:pPr marL="342900" indent="-342900">
-              <a:buFont typeface="Arial" panose="020B0604020202020204" pitchFamily="34" charset="0"/>
-              <a:buChar char="•"/>
-            </a:pPr>
-            <a:r>
-              <a:rPr lang="en-US" sz="2000" dirty="0"/>
-              <a:t>You need to create a simple Python web server, but don’t want to have to run a full web server stack. </a:t>
-            </a:r>
-          </a:p>
-          <a:p>
-            <a:pPr marL="342900" indent="-342900">
-              <a:buFont typeface="Arial" panose="020B0604020202020204" pitchFamily="34" charset="0"/>
-              <a:buChar char="•"/>
-            </a:pPr>
-            <a:endParaRPr lang="en-US" sz="2000" dirty="0"/>
-          </a:p>
-          <a:p>
-            <a:pPr marL="342900" indent="-342900">
-              <a:buFont typeface="Arial" panose="020B0604020202020204" pitchFamily="34" charset="0"/>
-              <a:buChar char="•"/>
-            </a:pPr>
-            <a:r>
-              <a:rPr lang="en-US" sz="2000" dirty="0"/>
-              <a:t>Use the </a:t>
-            </a:r>
-            <a:r>
-              <a:rPr lang="en-US" sz="2400" b="1" i="1" dirty="0">
-                <a:solidFill>
-                  <a:srgbClr val="0070C0"/>
-                </a:solidFill>
-                <a:latin typeface="Consolas" panose="020B0609020204030204" pitchFamily="49" charset="0"/>
-                <a:cs typeface="Consolas" panose="020B0609020204030204" pitchFamily="49" charset="0"/>
-              </a:rPr>
-              <a:t>bottle</a:t>
-            </a:r>
-            <a:r>
-              <a:rPr lang="en-US" sz="2000" dirty="0"/>
-              <a:t> Python library to run a pure Python web server that will respond to HTTP requests.</a:t>
-            </a:r>
-          </a:p>
-          <a:p>
-            <a:pPr marL="342900" indent="-342900">
-              <a:buFont typeface="Arial" panose="020B0604020202020204" pitchFamily="34" charset="0"/>
-              <a:buChar char="•"/>
-            </a:pPr>
-            <a:endParaRPr lang="en-US" sz="2000" dirty="0"/>
-          </a:p>
-          <a:p>
-            <a:pPr marL="342900" indent="-342900">
-              <a:buFont typeface="Arial" panose="020B0604020202020204" pitchFamily="34" charset="0"/>
-              <a:buChar char="•"/>
-            </a:pPr>
-            <a:r>
-              <a:rPr lang="en-US" sz="2000" dirty="0"/>
-              <a:t>To install </a:t>
-            </a:r>
-            <a:r>
-              <a:rPr lang="en-US" sz="2400" b="1" i="1" dirty="0">
-                <a:solidFill>
-                  <a:srgbClr val="0070C0"/>
-                </a:solidFill>
-                <a:latin typeface="Consolas" panose="020B0609020204030204" pitchFamily="49" charset="0"/>
-                <a:cs typeface="Consolas" panose="020B0609020204030204" pitchFamily="49" charset="0"/>
-              </a:rPr>
-              <a:t>bottle</a:t>
-            </a:r>
-            <a:r>
-              <a:rPr lang="en-US" sz="2000" dirty="0"/>
-              <a:t>, use the following command:</a:t>
-            </a:r>
-          </a:p>
-          <a:p>
-            <a:pPr marL="342900" indent="-342900">
-              <a:buFont typeface="Arial" panose="020B0604020202020204" pitchFamily="34" charset="0"/>
-              <a:buChar char="•"/>
-            </a:pPr>
-            <a:endParaRPr lang="en-US" sz="2000" dirty="0"/>
-          </a:p>
-          <a:p>
-            <a:pPr marL="342900" indent="-342900">
-              <a:buFont typeface="Arial" panose="020B0604020202020204" pitchFamily="34" charset="0"/>
-              <a:buChar char="•"/>
-            </a:pPr>
-            <a:r>
-              <a:rPr lang="en-US" sz="2400" b="1" i="1" dirty="0" err="1">
-                <a:solidFill>
-                  <a:srgbClr val="0070C0"/>
-                </a:solidFill>
-                <a:latin typeface="Consolas" panose="020B0609020204030204" pitchFamily="49" charset="0"/>
-                <a:cs typeface="Consolas" panose="020B0609020204030204" pitchFamily="49" charset="0"/>
-              </a:rPr>
-              <a:t>sudo</a:t>
-            </a:r>
-            <a:r>
-              <a:rPr lang="en-US" sz="2400" b="1" i="1" dirty="0">
-                <a:solidFill>
-                  <a:srgbClr val="0070C0"/>
-                </a:solidFill>
-                <a:latin typeface="Consolas" panose="020B0609020204030204" pitchFamily="49" charset="0"/>
-                <a:cs typeface="Consolas" panose="020B0609020204030204" pitchFamily="49" charset="0"/>
-              </a:rPr>
-              <a:t> apt-get install python-bottle </a:t>
-            </a:r>
-          </a:p>
-          <a:p>
-            <a:pPr marL="342900" indent="-342900">
-              <a:buFont typeface="Arial" panose="020B0604020202020204" pitchFamily="34" charset="0"/>
-              <a:buChar char="•"/>
-            </a:pPr>
-            <a:endParaRPr lang="en-US" sz="2000" dirty="0"/>
-          </a:p>
-          <a:p>
-            <a:pPr marL="342900" indent="-342900">
-              <a:buFont typeface="Arial" panose="020B0604020202020204" pitchFamily="34" charset="0"/>
-              <a:buChar char="•"/>
-            </a:pPr>
-            <a:r>
-              <a:rPr lang="en-US" sz="2000" dirty="0"/>
-              <a:t>Following Figure shows the page you see if you connect to the Raspberry Pi from a browser anywhere on your network:</a:t>
-            </a:r>
-          </a:p>
-          <a:p>
-            <a:pPr marL="342900" indent="-342900">
-              <a:buFont typeface="Arial" panose="020B0604020202020204" pitchFamily="34" charset="0"/>
-              <a:buChar char="•"/>
-            </a:pPr>
-            <a:endParaRPr lang="en-US" sz="2000" dirty="0"/>
-          </a:p>
-          <a:p>
-            <a:pPr marL="342900" indent="-342900">
-              <a:buFont typeface="Arial" panose="020B0604020202020204" pitchFamily="34" charset="0"/>
-              <a:buChar char="•"/>
-            </a:pPr>
-            <a:endParaRPr lang="en-US" sz="2000" dirty="0"/>
-          </a:p>
-        </p:txBody>
-      </p:sp>
-      <p:sp>
-        <p:nvSpPr>
-          <p:cNvPr id="5" name="AutoShape 2" descr="http://raspberry.piaustralia.com.au/product-images/piwithbox.jpg"/>
-          <p:cNvSpPr>
-            <a:spLocks noChangeAspect="1" noChangeArrowheads="1"/>
-          </p:cNvSpPr>
-          <p:nvPr/>
-        </p:nvSpPr>
-        <p:spPr bwMode="auto">
-          <a:xfrm>
-            <a:off x="63500" y="-136525"/>
-            <a:ext cx="9772650" cy="6343650"/>
-          </a:xfrm>
-          <a:prstGeom prst="rect">
-            <a:avLst/>
-          </a:prstGeom>
-          <a:noFill/>
-          <a:extLst>
-            <a:ext uri="{909E8E84-426E-40DD-AFC4-6F175D3DCCD1}">
-              <a14:hiddenFill xmlns:a14="http://schemas.microsoft.com/office/drawing/2010/main">
-                <a:solidFill>
-                  <a:srgbClr val="FFFFFF"/>
-                </a:solidFill>
-              </a14:hiddenFill>
-            </a:ext>
-          </a:extLst>
-        </p:spPr>
-        <p:txBody>
-          <a:bodyPr vert="horz" wrap="square" lIns="91440" tIns="45720" rIns="91440" bIns="45720" numCol="1" anchor="t" anchorCtr="0" compatLnSpc="1">
-            <a:prstTxWarp prst="textNoShape">
-              <a:avLst/>
-            </a:prstTxWarp>
-          </a:bodyPr>
-          <a:lstStyle/>
-          <a:p>
-            <a:endParaRPr lang="en-US"/>
-          </a:p>
-        </p:txBody>
-      </p:sp>
-      <p:pic>
-        <p:nvPicPr>
-          <p:cNvPr id="3" name="Picture 2"/>
-          <p:cNvPicPr>
-            <a:picLocks noChangeAspect="1"/>
-          </p:cNvPicPr>
-          <p:nvPr/>
-        </p:nvPicPr>
-        <p:blipFill>
-          <a:blip r:embed="rId2"/>
-          <a:stretch>
-            <a:fillRect/>
-          </a:stretch>
-        </p:blipFill>
-        <p:spPr>
-          <a:xfrm>
-            <a:off x="417443" y="4270744"/>
-            <a:ext cx="11376726" cy="2493699"/>
-          </a:xfrm>
-          <a:prstGeom prst="rect">
-            <a:avLst/>
-          </a:prstGeom>
-        </p:spPr>
-      </p:pic>
-    </p:spTree>
-    <p:extLst>
-      <p:ext uri="{BB962C8B-B14F-4D97-AF65-F5344CB8AC3E}">
-        <p14:creationId xmlns:p14="http://schemas.microsoft.com/office/powerpoint/2010/main" val="1260239124"/>
-      </p:ext>
-    </p:extLst>
-  </p:cSld>
-  <p:clrMapOvr>
-    <a:masterClrMapping/>
-  </p:clrMapOvr>
-</p:sld>
-</file>
-
-<file path=ppt/slides/slide31.xml><?xml version="1.0" encoding="utf-8"?>
-<p:sld xmlns:a="http://schemas.openxmlformats.org/drawingml/2006/main" xmlns:r="http://schemas.openxmlformats.org/officeDocument/2006/relationships" xmlns:p="http://schemas.openxmlformats.org/presentationml/2006/main">
-  <p:cSld>
-    <p:spTree>
-      <p:nvGrpSpPr>
-        <p:cNvPr id="1" name=""/>
-        <p:cNvGrpSpPr/>
-        <p:nvPr/>
-      </p:nvGrpSpPr>
-      <p:grpSpPr>
-        <a:xfrm>
-          <a:off x="0" y="0"/>
-          <a:ext cx="0" cy="0"/>
-          <a:chOff x="0" y="0"/>
-          <a:chExt cx="0" cy="0"/>
-        </a:xfrm>
-      </p:grpSpPr>
-      <p:sp>
-        <p:nvSpPr>
-          <p:cNvPr id="4" name="Title 1"/>
-          <p:cNvSpPr txBox="1">
-            <a:spLocks/>
-          </p:cNvSpPr>
-          <p:nvPr/>
-        </p:nvSpPr>
-        <p:spPr>
-          <a:xfrm>
-            <a:off x="0" y="1"/>
-            <a:ext cx="12192000" cy="721216"/>
-          </a:xfrm>
-          <a:prstGeom prst="rect">
-            <a:avLst/>
-          </a:prstGeom>
-        </p:spPr>
-        <p:style>
-          <a:lnRef idx="0">
-            <a:schemeClr val="accent1"/>
-          </a:lnRef>
-          <a:fillRef idx="3">
-            <a:schemeClr val="accent1"/>
-          </a:fillRef>
-          <a:effectRef idx="3">
-            <a:schemeClr val="accent1"/>
-          </a:effectRef>
-          <a:fontRef idx="minor">
-            <a:schemeClr val="lt1"/>
-          </a:fontRef>
-        </p:style>
-        <p:txBody>
-          <a:bodyPr vert="horz" lIns="91440" tIns="45720" rIns="91440" bIns="45720" rtlCol="0" anchor="ctr">
-            <a:normAutofit/>
-          </a:bodyPr>
-          <a:lstStyle>
-            <a:lvl1pPr algn="l" defTabSz="914400" rtl="0" eaLnBrk="1" latinLnBrk="0" hangingPunct="1">
-              <a:lnSpc>
-                <a:spcPct val="90000"/>
-              </a:lnSpc>
-              <a:spcBef>
-                <a:spcPct val="0"/>
-              </a:spcBef>
-              <a:buNone/>
-              <a:defRPr sz="4400" kern="1200">
-                <a:solidFill>
-                  <a:schemeClr val="lt1"/>
-                </a:solidFill>
-                <a:latin typeface="+mn-lt"/>
-                <a:ea typeface="+mn-ea"/>
-                <a:cs typeface="+mn-cs"/>
-              </a:defRPr>
-            </a:lvl1pPr>
-            <a:lvl2pPr>
-              <a:defRPr>
-                <a:solidFill>
-                  <a:schemeClr val="lt1"/>
-                </a:solidFill>
-                <a:latin typeface="+mn-lt"/>
-                <a:ea typeface="+mn-ea"/>
-                <a:cs typeface="+mn-cs"/>
-              </a:defRPr>
-            </a:lvl2pPr>
-            <a:lvl3pPr>
-              <a:defRPr>
-                <a:solidFill>
-                  <a:schemeClr val="lt1"/>
-                </a:solidFill>
-                <a:latin typeface="+mn-lt"/>
-                <a:ea typeface="+mn-ea"/>
-                <a:cs typeface="+mn-cs"/>
-              </a:defRPr>
-            </a:lvl3pPr>
-            <a:lvl4pPr>
-              <a:defRPr>
-                <a:solidFill>
-                  <a:schemeClr val="lt1"/>
-                </a:solidFill>
-                <a:latin typeface="+mn-lt"/>
-                <a:ea typeface="+mn-ea"/>
-                <a:cs typeface="+mn-cs"/>
-              </a:defRPr>
-            </a:lvl4pPr>
-            <a:lvl5pPr>
-              <a:defRPr>
-                <a:solidFill>
-                  <a:schemeClr val="lt1"/>
-                </a:solidFill>
-                <a:latin typeface="+mn-lt"/>
-                <a:ea typeface="+mn-ea"/>
-                <a:cs typeface="+mn-cs"/>
-              </a:defRPr>
-            </a:lvl5pPr>
-            <a:lvl6pPr>
-              <a:defRPr>
-                <a:solidFill>
-                  <a:schemeClr val="lt1"/>
-                </a:solidFill>
-                <a:latin typeface="+mn-lt"/>
-                <a:ea typeface="+mn-ea"/>
-                <a:cs typeface="+mn-cs"/>
-              </a:defRPr>
-            </a:lvl6pPr>
-            <a:lvl7pPr>
-              <a:defRPr>
-                <a:solidFill>
-                  <a:schemeClr val="lt1"/>
-                </a:solidFill>
-                <a:latin typeface="+mn-lt"/>
-                <a:ea typeface="+mn-ea"/>
-                <a:cs typeface="+mn-cs"/>
-              </a:defRPr>
-            </a:lvl7pPr>
-            <a:lvl8pPr>
-              <a:defRPr>
-                <a:solidFill>
-                  <a:schemeClr val="lt1"/>
-                </a:solidFill>
-                <a:latin typeface="+mn-lt"/>
-                <a:ea typeface="+mn-ea"/>
-                <a:cs typeface="+mn-cs"/>
-              </a:defRPr>
-            </a:lvl8pPr>
-            <a:lvl9pPr>
-              <a:defRPr>
-                <a:solidFill>
-                  <a:schemeClr val="lt1"/>
-                </a:solidFill>
-                <a:latin typeface="+mn-lt"/>
-                <a:ea typeface="+mn-ea"/>
-                <a:cs typeface="+mn-cs"/>
-              </a:defRPr>
-            </a:lvl9pPr>
-          </a:lstStyle>
-          <a:p>
-            <a:r>
-              <a:rPr lang="en-US" dirty="0" err="1"/>
-              <a:t>Simple_Webserver</a:t>
-            </a:r>
-            <a:r>
-              <a:rPr lang="en-US" dirty="0"/>
-              <a:t> project</a:t>
-            </a:r>
-            <a:endParaRPr lang="en-US" b="1" i="1" dirty="0">
-              <a:solidFill>
-                <a:srgbClr val="0070C0"/>
-              </a:solidFill>
-              <a:latin typeface="Consolas" panose="020B0609020204030204" pitchFamily="49" charset="0"/>
-              <a:cs typeface="Consolas" panose="020B0609020204030204" pitchFamily="49" charset="0"/>
-            </a:endParaRPr>
-          </a:p>
-        </p:txBody>
-      </p:sp>
-      <p:sp>
-        <p:nvSpPr>
-          <p:cNvPr id="2" name="TextBox 1"/>
-          <p:cNvSpPr txBox="1"/>
-          <p:nvPr/>
-        </p:nvSpPr>
-        <p:spPr>
-          <a:xfrm>
-            <a:off x="417443" y="857743"/>
-            <a:ext cx="11357113" cy="5324535"/>
-          </a:xfrm>
-          <a:prstGeom prst="rect">
-            <a:avLst/>
-          </a:prstGeom>
-          <a:noFill/>
-        </p:spPr>
-        <p:txBody>
-          <a:bodyPr wrap="square" rtlCol="0">
-            <a:spAutoFit/>
-          </a:bodyPr>
-          <a:lstStyle/>
-          <a:p>
-            <a:r>
-              <a:rPr lang="en-US" sz="2000" b="1" i="1" dirty="0">
-                <a:solidFill>
-                  <a:srgbClr val="0070C0"/>
-                </a:solidFill>
-                <a:latin typeface="Consolas" panose="020B0609020204030204" pitchFamily="49" charset="0"/>
-                <a:cs typeface="Consolas" panose="020B0609020204030204" pitchFamily="49" charset="0"/>
-              </a:rPr>
-              <a:t>from bottle import </a:t>
-            </a:r>
-            <a:r>
-              <a:rPr lang="en-US" sz="2000" b="1" i="1" dirty="0" err="1">
-                <a:solidFill>
-                  <a:srgbClr val="0070C0"/>
-                </a:solidFill>
-                <a:latin typeface="Consolas" panose="020B0609020204030204" pitchFamily="49" charset="0"/>
-                <a:cs typeface="Consolas" panose="020B0609020204030204" pitchFamily="49" charset="0"/>
-              </a:rPr>
-              <a:t>route,run,template</a:t>
-            </a:r>
-            <a:endParaRPr lang="en-US" sz="2000" b="1" i="1" dirty="0">
-              <a:solidFill>
-                <a:srgbClr val="0070C0"/>
-              </a:solidFill>
-              <a:latin typeface="Consolas" panose="020B0609020204030204" pitchFamily="49" charset="0"/>
-              <a:cs typeface="Consolas" panose="020B0609020204030204" pitchFamily="49" charset="0"/>
-            </a:endParaRPr>
-          </a:p>
-          <a:p>
-            <a:r>
-              <a:rPr lang="en-US" sz="2000" b="1" i="1" dirty="0">
-                <a:solidFill>
-                  <a:srgbClr val="0070C0"/>
-                </a:solidFill>
-                <a:latin typeface="Consolas" panose="020B0609020204030204" pitchFamily="49" charset="0"/>
-                <a:cs typeface="Consolas" panose="020B0609020204030204" pitchFamily="49" charset="0"/>
-              </a:rPr>
-              <a:t>from datetime import datetime</a:t>
-            </a:r>
-          </a:p>
-          <a:p>
-            <a:endParaRPr lang="en-US" sz="2000" b="1" i="1" dirty="0">
-              <a:solidFill>
-                <a:srgbClr val="0070C0"/>
-              </a:solidFill>
-              <a:latin typeface="Consolas" panose="020B0609020204030204" pitchFamily="49" charset="0"/>
-              <a:cs typeface="Consolas" panose="020B0609020204030204" pitchFamily="49" charset="0"/>
-            </a:endParaRPr>
-          </a:p>
-          <a:p>
-            <a:r>
-              <a:rPr lang="en-US" sz="2000" b="1" i="1" dirty="0">
-                <a:solidFill>
-                  <a:srgbClr val="0070C0"/>
-                </a:solidFill>
-                <a:latin typeface="Consolas" panose="020B0609020204030204" pitchFamily="49" charset="0"/>
-                <a:cs typeface="Consolas" panose="020B0609020204030204" pitchFamily="49" charset="0"/>
-              </a:rPr>
-              <a:t>@route('/') </a:t>
-            </a:r>
-          </a:p>
-          <a:p>
-            <a:r>
-              <a:rPr lang="en-US" sz="2000" b="1" i="1" dirty="0">
-                <a:solidFill>
-                  <a:srgbClr val="0070C0"/>
-                </a:solidFill>
-                <a:latin typeface="Consolas" panose="020B0609020204030204" pitchFamily="49" charset="0"/>
-                <a:cs typeface="Consolas" panose="020B0609020204030204" pitchFamily="49" charset="0"/>
-              </a:rPr>
-              <a:t>def index():    </a:t>
-            </a:r>
-          </a:p>
-          <a:p>
-            <a:r>
-              <a:rPr lang="en-US" sz="2000" b="1" i="1" dirty="0">
-                <a:solidFill>
-                  <a:srgbClr val="0070C0"/>
-                </a:solidFill>
-                <a:latin typeface="Consolas" panose="020B0609020204030204" pitchFamily="49" charset="0"/>
-                <a:cs typeface="Consolas" panose="020B0609020204030204" pitchFamily="49" charset="0"/>
-              </a:rPr>
-              <a:t>    </a:t>
-            </a:r>
-            <a:r>
-              <a:rPr lang="en-US" sz="2000" b="1" i="1" dirty="0" err="1">
-                <a:solidFill>
-                  <a:srgbClr val="0070C0"/>
-                </a:solidFill>
-                <a:latin typeface="Consolas" panose="020B0609020204030204" pitchFamily="49" charset="0"/>
-                <a:cs typeface="Consolas" panose="020B0609020204030204" pitchFamily="49" charset="0"/>
-              </a:rPr>
-              <a:t>dt</a:t>
-            </a:r>
-            <a:r>
-              <a:rPr lang="en-US" sz="2000" b="1" i="1" dirty="0">
-                <a:solidFill>
-                  <a:srgbClr val="0070C0"/>
-                </a:solidFill>
-                <a:latin typeface="Consolas" panose="020B0609020204030204" pitchFamily="49" charset="0"/>
-                <a:cs typeface="Consolas" panose="020B0609020204030204" pitchFamily="49" charset="0"/>
-              </a:rPr>
-              <a:t> = </a:t>
-            </a:r>
-            <a:r>
-              <a:rPr lang="en-US" sz="2000" b="1" i="1" dirty="0" err="1">
-                <a:solidFill>
-                  <a:srgbClr val="0070C0"/>
-                </a:solidFill>
-                <a:latin typeface="Consolas" panose="020B0609020204030204" pitchFamily="49" charset="0"/>
-                <a:cs typeface="Consolas" panose="020B0609020204030204" pitchFamily="49" charset="0"/>
-              </a:rPr>
-              <a:t>datetime.now</a:t>
-            </a:r>
-            <a:r>
-              <a:rPr lang="en-US" sz="2000" b="1" i="1" dirty="0">
-                <a:solidFill>
-                  <a:srgbClr val="0070C0"/>
-                </a:solidFill>
-                <a:latin typeface="Consolas" panose="020B0609020204030204" pitchFamily="49" charset="0"/>
-                <a:cs typeface="Consolas" panose="020B0609020204030204" pitchFamily="49" charset="0"/>
-              </a:rPr>
-              <a:t>()    </a:t>
-            </a:r>
-          </a:p>
-          <a:p>
-            <a:r>
-              <a:rPr lang="en-US" sz="2000" b="1" i="1" dirty="0">
-                <a:solidFill>
-                  <a:srgbClr val="0070C0"/>
-                </a:solidFill>
-                <a:latin typeface="Consolas" panose="020B0609020204030204" pitchFamily="49" charset="0"/>
-                <a:cs typeface="Consolas" panose="020B0609020204030204" pitchFamily="49" charset="0"/>
-              </a:rPr>
-              <a:t>    time = "{:%Y-%m-%d %H:%M:%S}".format(</a:t>
-            </a:r>
-            <a:r>
-              <a:rPr lang="en-US" sz="2000" b="1" i="1" dirty="0" err="1">
-                <a:solidFill>
-                  <a:srgbClr val="0070C0"/>
-                </a:solidFill>
-                <a:latin typeface="Consolas" panose="020B0609020204030204" pitchFamily="49" charset="0"/>
-                <a:cs typeface="Consolas" panose="020B0609020204030204" pitchFamily="49" charset="0"/>
-              </a:rPr>
-              <a:t>dt</a:t>
-            </a:r>
-            <a:r>
-              <a:rPr lang="en-US" sz="2000" b="1" i="1" dirty="0">
-                <a:solidFill>
-                  <a:srgbClr val="0070C0"/>
-                </a:solidFill>
-                <a:latin typeface="Consolas" panose="020B0609020204030204" pitchFamily="49" charset="0"/>
-                <a:cs typeface="Consolas" panose="020B0609020204030204" pitchFamily="49" charset="0"/>
-              </a:rPr>
-              <a:t>)    </a:t>
-            </a:r>
-          </a:p>
-          <a:p>
-            <a:r>
-              <a:rPr lang="en-US" sz="2000" b="1" i="1" dirty="0">
-                <a:solidFill>
-                  <a:srgbClr val="0070C0"/>
-                </a:solidFill>
-                <a:latin typeface="Consolas" panose="020B0609020204030204" pitchFamily="49" charset="0"/>
-                <a:cs typeface="Consolas" panose="020B0609020204030204" pitchFamily="49" charset="0"/>
-              </a:rPr>
-              <a:t>    return template('&lt;b&gt;Pi thinks the date/time is: {{t}}&lt;/b&gt;',t=time)</a:t>
-            </a:r>
-          </a:p>
-          <a:p>
-            <a:endParaRPr lang="en-US" sz="2000" b="1" i="1" dirty="0">
-              <a:solidFill>
-                <a:srgbClr val="0070C0"/>
-              </a:solidFill>
-              <a:latin typeface="Consolas" panose="020B0609020204030204" pitchFamily="49" charset="0"/>
-              <a:cs typeface="Consolas" panose="020B0609020204030204" pitchFamily="49" charset="0"/>
-            </a:endParaRPr>
-          </a:p>
-          <a:p>
-            <a:r>
-              <a:rPr lang="en-US" sz="2000" b="1" i="1" dirty="0">
-                <a:solidFill>
-                  <a:srgbClr val="0070C0"/>
-                </a:solidFill>
-                <a:latin typeface="Consolas" panose="020B0609020204030204" pitchFamily="49" charset="0"/>
-                <a:cs typeface="Consolas" panose="020B0609020204030204" pitchFamily="49" charset="0"/>
-              </a:rPr>
-              <a:t>run(host='192.168.43.189', port=90)</a:t>
-            </a:r>
-          </a:p>
-          <a:p>
-            <a:endParaRPr lang="en-US" sz="2000" b="1" i="1" dirty="0">
-              <a:solidFill>
-                <a:srgbClr val="0070C0"/>
-              </a:solidFill>
-              <a:latin typeface="Consolas" panose="020B0609020204030204" pitchFamily="49" charset="0"/>
-              <a:cs typeface="Consolas" panose="020B0609020204030204" pitchFamily="49" charset="0"/>
-            </a:endParaRPr>
-          </a:p>
-          <a:p>
-            <a:endParaRPr lang="en-US" sz="2000" b="1" i="1" dirty="0">
-              <a:solidFill>
-                <a:srgbClr val="0070C0"/>
-              </a:solidFill>
-              <a:latin typeface="Consolas" panose="020B0609020204030204" pitchFamily="49" charset="0"/>
-              <a:cs typeface="Consolas" panose="020B0609020204030204" pitchFamily="49" charset="0"/>
-            </a:endParaRPr>
-          </a:p>
-          <a:p>
-            <a:endParaRPr lang="en-US" sz="2000" b="1" i="1" dirty="0">
-              <a:solidFill>
-                <a:srgbClr val="0070C0"/>
-              </a:solidFill>
-              <a:latin typeface="Consolas" panose="020B0609020204030204" pitchFamily="49" charset="0"/>
-              <a:cs typeface="Consolas" panose="020B0609020204030204" pitchFamily="49" charset="0"/>
-            </a:endParaRPr>
-          </a:p>
-          <a:p>
-            <a:r>
-              <a:rPr lang="en-US" sz="2000" dirty="0"/>
-              <a:t>To start the program, you need to run it with </a:t>
-            </a:r>
-            <a:r>
-              <a:rPr lang="en-US" sz="2000" dirty="0" err="1"/>
-              <a:t>superuser</a:t>
-            </a:r>
-            <a:r>
-              <a:rPr lang="en-US" sz="2000" dirty="0"/>
-              <a:t> privileges:</a:t>
-            </a:r>
-          </a:p>
-          <a:p>
-            <a:endParaRPr lang="en-US" sz="2000" dirty="0"/>
-          </a:p>
-          <a:p>
-            <a:r>
-              <a:rPr lang="en-US" sz="2000" b="1" i="1" dirty="0">
-                <a:solidFill>
-                  <a:srgbClr val="0070C0"/>
-                </a:solidFill>
-                <a:latin typeface="Consolas" panose="020B0609020204030204" pitchFamily="49" charset="0"/>
-                <a:cs typeface="Consolas" panose="020B0609020204030204" pitchFamily="49" charset="0"/>
-              </a:rPr>
-              <a:t>$ </a:t>
-            </a:r>
-            <a:r>
-              <a:rPr lang="en-US" sz="2000" b="1" i="1" dirty="0" err="1">
-                <a:solidFill>
-                  <a:srgbClr val="0070C0"/>
-                </a:solidFill>
-                <a:latin typeface="Consolas" panose="020B0609020204030204" pitchFamily="49" charset="0"/>
-                <a:cs typeface="Consolas" panose="020B0609020204030204" pitchFamily="49" charset="0"/>
-              </a:rPr>
-              <a:t>sudo</a:t>
-            </a:r>
-            <a:r>
-              <a:rPr lang="en-US" sz="2000" b="1" i="1" dirty="0">
-                <a:solidFill>
-                  <a:srgbClr val="0070C0"/>
-                </a:solidFill>
-                <a:latin typeface="Consolas" panose="020B0609020204030204" pitchFamily="49" charset="0"/>
-                <a:cs typeface="Consolas" panose="020B0609020204030204" pitchFamily="49" charset="0"/>
-              </a:rPr>
-              <a:t> python bottle_test.py </a:t>
-            </a:r>
-          </a:p>
-          <a:p>
-            <a:pPr marL="342900" indent="-342900">
-              <a:buFont typeface="Arial" panose="020B0604020202020204" pitchFamily="34" charset="0"/>
-              <a:buChar char="•"/>
-            </a:pPr>
-            <a:endParaRPr lang="en-US" sz="2000" dirty="0"/>
-          </a:p>
-        </p:txBody>
-      </p:sp>
-      <p:sp>
-        <p:nvSpPr>
-          <p:cNvPr id="5" name="AutoShape 2" descr="http://raspberry.piaustralia.com.au/product-images/piwithbox.jpg"/>
-          <p:cNvSpPr>
-            <a:spLocks noChangeAspect="1" noChangeArrowheads="1"/>
-          </p:cNvSpPr>
-          <p:nvPr/>
-        </p:nvSpPr>
-        <p:spPr bwMode="auto">
-          <a:xfrm>
-            <a:off x="63500" y="-136525"/>
-            <a:ext cx="9772650" cy="6343650"/>
-          </a:xfrm>
-          <a:prstGeom prst="rect">
-            <a:avLst/>
-          </a:prstGeom>
-          <a:noFill/>
-          <a:extLst>
-            <a:ext uri="{909E8E84-426E-40DD-AFC4-6F175D3DCCD1}">
-              <a14:hiddenFill xmlns:a14="http://schemas.microsoft.com/office/drawing/2010/main">
-                <a:solidFill>
-                  <a:srgbClr val="FFFFFF"/>
-                </a:solidFill>
-              </a14:hiddenFill>
-            </a:ext>
-          </a:extLst>
-        </p:spPr>
-        <p:txBody>
-          <a:bodyPr vert="horz" wrap="square" lIns="91440" tIns="45720" rIns="91440" bIns="45720" numCol="1" anchor="t" anchorCtr="0" compatLnSpc="1">
-            <a:prstTxWarp prst="textNoShape">
-              <a:avLst/>
-            </a:prstTxWarp>
-          </a:bodyPr>
-          <a:lstStyle/>
-          <a:p>
-            <a:endParaRPr lang="en-US"/>
-          </a:p>
-        </p:txBody>
-      </p:sp>
-    </p:spTree>
-    <p:extLst>
-      <p:ext uri="{BB962C8B-B14F-4D97-AF65-F5344CB8AC3E}">
-        <p14:creationId xmlns:p14="http://schemas.microsoft.com/office/powerpoint/2010/main" val="1485092108"/>
-      </p:ext>
-    </p:extLst>
-  </p:cSld>
-  <p:clrMapOvr>
-    <a:masterClrMapping/>
-  </p:clrMapOvr>
-</p:sld>
-</file>
-
-<file path=ppt/slides/slide32.xml><?xml version="1.0" encoding="utf-8"?>
-<p:sld xmlns:a="http://schemas.openxmlformats.org/drawingml/2006/main" xmlns:r="http://schemas.openxmlformats.org/officeDocument/2006/relationships" xmlns:p="http://schemas.openxmlformats.org/presentationml/2006/main">
-  <p:cSld>
-    <p:spTree>
-      <p:nvGrpSpPr>
-        <p:cNvPr id="1" name=""/>
-        <p:cNvGrpSpPr/>
-        <p:nvPr/>
-      </p:nvGrpSpPr>
-      <p:grpSpPr>
-        <a:xfrm>
-          <a:off x="0" y="0"/>
-          <a:ext cx="0" cy="0"/>
-          <a:chOff x="0" y="0"/>
-          <a:chExt cx="0" cy="0"/>
-        </a:xfrm>
-      </p:grpSpPr>
-      <p:sp>
-        <p:nvSpPr>
-          <p:cNvPr id="4" name="Title 1"/>
-          <p:cNvSpPr txBox="1">
-            <a:spLocks/>
-          </p:cNvSpPr>
-          <p:nvPr/>
-        </p:nvSpPr>
-        <p:spPr>
-          <a:xfrm>
-            <a:off x="0" y="1"/>
-            <a:ext cx="12192000" cy="721216"/>
-          </a:xfrm>
-          <a:prstGeom prst="rect">
-            <a:avLst/>
-          </a:prstGeom>
-        </p:spPr>
-        <p:style>
-          <a:lnRef idx="0">
-            <a:schemeClr val="accent1"/>
-          </a:lnRef>
-          <a:fillRef idx="3">
-            <a:schemeClr val="accent1"/>
-          </a:fillRef>
-          <a:effectRef idx="3">
-            <a:schemeClr val="accent1"/>
-          </a:effectRef>
-          <a:fontRef idx="minor">
-            <a:schemeClr val="lt1"/>
-          </a:fontRef>
-        </p:style>
-        <p:txBody>
-          <a:bodyPr vert="horz" lIns="91440" tIns="45720" rIns="91440" bIns="45720" rtlCol="0" anchor="ctr">
-            <a:normAutofit/>
-          </a:bodyPr>
-          <a:lstStyle>
-            <a:lvl1pPr algn="l" defTabSz="914400" rtl="0" eaLnBrk="1" latinLnBrk="0" hangingPunct="1">
-              <a:lnSpc>
-                <a:spcPct val="90000"/>
-              </a:lnSpc>
-              <a:spcBef>
-                <a:spcPct val="0"/>
-              </a:spcBef>
-              <a:buNone/>
-              <a:defRPr sz="4400" kern="1200">
-                <a:solidFill>
-                  <a:schemeClr val="lt1"/>
-                </a:solidFill>
-                <a:latin typeface="+mn-lt"/>
-                <a:ea typeface="+mn-ea"/>
-                <a:cs typeface="+mn-cs"/>
-              </a:defRPr>
-            </a:lvl1pPr>
-            <a:lvl2pPr>
-              <a:defRPr>
-                <a:solidFill>
-                  <a:schemeClr val="lt1"/>
-                </a:solidFill>
-                <a:latin typeface="+mn-lt"/>
-                <a:ea typeface="+mn-ea"/>
-                <a:cs typeface="+mn-cs"/>
-              </a:defRPr>
-            </a:lvl2pPr>
-            <a:lvl3pPr>
-              <a:defRPr>
-                <a:solidFill>
-                  <a:schemeClr val="lt1"/>
-                </a:solidFill>
-                <a:latin typeface="+mn-lt"/>
-                <a:ea typeface="+mn-ea"/>
-                <a:cs typeface="+mn-cs"/>
-              </a:defRPr>
-            </a:lvl3pPr>
-            <a:lvl4pPr>
-              <a:defRPr>
-                <a:solidFill>
-                  <a:schemeClr val="lt1"/>
-                </a:solidFill>
-                <a:latin typeface="+mn-lt"/>
-                <a:ea typeface="+mn-ea"/>
-                <a:cs typeface="+mn-cs"/>
-              </a:defRPr>
-            </a:lvl4pPr>
-            <a:lvl5pPr>
-              <a:defRPr>
-                <a:solidFill>
-                  <a:schemeClr val="lt1"/>
-                </a:solidFill>
-                <a:latin typeface="+mn-lt"/>
-                <a:ea typeface="+mn-ea"/>
-                <a:cs typeface="+mn-cs"/>
-              </a:defRPr>
-            </a:lvl5pPr>
-            <a:lvl6pPr>
-              <a:defRPr>
-                <a:solidFill>
-                  <a:schemeClr val="lt1"/>
-                </a:solidFill>
-                <a:latin typeface="+mn-lt"/>
-                <a:ea typeface="+mn-ea"/>
-                <a:cs typeface="+mn-cs"/>
-              </a:defRPr>
-            </a:lvl6pPr>
-            <a:lvl7pPr>
-              <a:defRPr>
-                <a:solidFill>
-                  <a:schemeClr val="lt1"/>
-                </a:solidFill>
-                <a:latin typeface="+mn-lt"/>
-                <a:ea typeface="+mn-ea"/>
-                <a:cs typeface="+mn-cs"/>
-              </a:defRPr>
-            </a:lvl7pPr>
-            <a:lvl8pPr>
-              <a:defRPr>
-                <a:solidFill>
-                  <a:schemeClr val="lt1"/>
-                </a:solidFill>
-                <a:latin typeface="+mn-lt"/>
-                <a:ea typeface="+mn-ea"/>
-                <a:cs typeface="+mn-cs"/>
-              </a:defRPr>
-            </a:lvl8pPr>
-            <a:lvl9pPr>
-              <a:defRPr>
-                <a:solidFill>
-                  <a:schemeClr val="lt1"/>
-                </a:solidFill>
-                <a:latin typeface="+mn-lt"/>
-                <a:ea typeface="+mn-ea"/>
-                <a:cs typeface="+mn-cs"/>
-              </a:defRPr>
-            </a:lvl9pPr>
-          </a:lstStyle>
-          <a:p>
-            <a:r>
-              <a:rPr lang="en-US" dirty="0"/>
-              <a:t>Writing a Simple Web Server in Python </a:t>
-            </a:r>
-            <a:endParaRPr lang="en-US" b="1" i="1" dirty="0">
-              <a:solidFill>
-                <a:srgbClr val="0070C0"/>
-              </a:solidFill>
-              <a:latin typeface="Consolas" panose="020B0609020204030204" pitchFamily="49" charset="0"/>
-              <a:cs typeface="Consolas" panose="020B0609020204030204" pitchFamily="49" charset="0"/>
-            </a:endParaRPr>
-          </a:p>
-        </p:txBody>
-      </p:sp>
-      <p:sp>
-        <p:nvSpPr>
-          <p:cNvPr id="2" name="TextBox 1"/>
-          <p:cNvSpPr txBox="1"/>
-          <p:nvPr/>
-        </p:nvSpPr>
-        <p:spPr>
-          <a:xfrm>
-            <a:off x="417443" y="857743"/>
-            <a:ext cx="11357113" cy="4278094"/>
-          </a:xfrm>
-          <a:prstGeom prst="rect">
-            <a:avLst/>
-          </a:prstGeom>
-          <a:noFill/>
-        </p:spPr>
-        <p:txBody>
-          <a:bodyPr wrap="square" rtlCol="0">
-            <a:spAutoFit/>
-          </a:bodyPr>
-          <a:lstStyle/>
-          <a:p>
-            <a:pPr marL="342900" indent="-342900">
-              <a:buFont typeface="Arial" panose="020B0604020202020204" pitchFamily="34" charset="0"/>
-              <a:buChar char="•"/>
-            </a:pPr>
-            <a:r>
-              <a:rPr lang="en-US" sz="2000" dirty="0"/>
-              <a:t>After the </a:t>
-            </a:r>
-            <a:r>
-              <a:rPr lang="en-US" sz="2400" b="1" i="1" dirty="0">
-                <a:solidFill>
-                  <a:srgbClr val="0070C0"/>
-                </a:solidFill>
-                <a:latin typeface="Consolas" panose="020B0609020204030204" pitchFamily="49" charset="0"/>
-                <a:cs typeface="Consolas" panose="020B0609020204030204" pitchFamily="49" charset="0"/>
-              </a:rPr>
-              <a:t>import</a:t>
-            </a:r>
-            <a:r>
-              <a:rPr lang="en-US" sz="2400" dirty="0"/>
-              <a:t> </a:t>
-            </a:r>
-            <a:r>
-              <a:rPr lang="en-US" sz="2000" dirty="0"/>
-              <a:t>commands, the </a:t>
-            </a:r>
-            <a:r>
-              <a:rPr lang="en-US" sz="2400" b="1" i="1" dirty="0">
-                <a:solidFill>
-                  <a:srgbClr val="0070C0"/>
-                </a:solidFill>
-                <a:latin typeface="Consolas" panose="020B0609020204030204" pitchFamily="49" charset="0"/>
-                <a:cs typeface="Consolas" panose="020B0609020204030204" pitchFamily="49" charset="0"/>
-              </a:rPr>
-              <a:t>@route </a:t>
-            </a:r>
-            <a:r>
-              <a:rPr lang="en-US" sz="2000" dirty="0"/>
-              <a:t>command links the URL path </a:t>
-            </a:r>
-            <a:r>
-              <a:rPr lang="en-US" sz="2400" b="1" i="1" dirty="0">
-                <a:solidFill>
-                  <a:srgbClr val="0070C0"/>
-                </a:solidFill>
-                <a:latin typeface="Consolas" panose="020B0609020204030204" pitchFamily="49" charset="0"/>
-                <a:cs typeface="Consolas" panose="020B0609020204030204" pitchFamily="49" charset="0"/>
-              </a:rPr>
-              <a:t>/</a:t>
-            </a:r>
-            <a:r>
-              <a:rPr lang="en-US" sz="2000" dirty="0"/>
-              <a:t> with the handler function that follows it.</a:t>
-            </a:r>
-          </a:p>
-          <a:p>
-            <a:endParaRPr lang="en-US" sz="2000" dirty="0"/>
-          </a:p>
-          <a:p>
-            <a:pPr marL="342900" indent="-342900">
-              <a:buFont typeface="Arial" panose="020B0604020202020204" pitchFamily="34" charset="0"/>
-              <a:buChar char="•"/>
-            </a:pPr>
-            <a:r>
-              <a:rPr lang="en-US" sz="2000" dirty="0"/>
-              <a:t>That handler function formats the date and time and then returns a string of the HTML to be rendered by the browser. In this case, it uses a template into which values can be substituted.</a:t>
-            </a:r>
-          </a:p>
-          <a:p>
-            <a:pPr marL="342900" indent="-342900">
-              <a:buFont typeface="Arial" panose="020B0604020202020204" pitchFamily="34" charset="0"/>
-              <a:buChar char="•"/>
-            </a:pPr>
-            <a:endParaRPr lang="en-US" sz="2000" dirty="0"/>
-          </a:p>
-          <a:p>
-            <a:pPr marL="342900" indent="-342900">
-              <a:buFont typeface="Arial" panose="020B0604020202020204" pitchFamily="34" charset="0"/>
-              <a:buChar char="•"/>
-            </a:pPr>
-            <a:r>
-              <a:rPr lang="en-US" sz="2000" dirty="0"/>
-              <a:t>The final </a:t>
-            </a:r>
-            <a:r>
-              <a:rPr lang="en-US" sz="2400" b="1" i="1" dirty="0">
-                <a:solidFill>
-                  <a:srgbClr val="0070C0"/>
-                </a:solidFill>
-                <a:latin typeface="Consolas" panose="020B0609020204030204" pitchFamily="49" charset="0"/>
-                <a:cs typeface="Consolas" panose="020B0609020204030204" pitchFamily="49" charset="0"/>
-              </a:rPr>
-              <a:t>run</a:t>
-            </a:r>
-            <a:r>
-              <a:rPr lang="en-US" sz="2000" dirty="0"/>
-              <a:t> line actually starts the web serving process. Note that you need to specify the hostname and port. Port 80 is the default port for web serving, so if you wish to use a different port, then you need to add the port number with a </a:t>
-            </a:r>
-            <a:r>
-              <a:rPr lang="en-US" sz="2400" b="1" i="1" dirty="0">
-                <a:solidFill>
-                  <a:srgbClr val="0070C0"/>
-                </a:solidFill>
-                <a:latin typeface="Consolas" panose="020B0609020204030204" pitchFamily="49" charset="0"/>
-                <a:cs typeface="Consolas" panose="020B0609020204030204" pitchFamily="49" charset="0"/>
-              </a:rPr>
-              <a:t>:</a:t>
-            </a:r>
-            <a:r>
-              <a:rPr lang="en-US" sz="2000" dirty="0"/>
-              <a:t> after the server address.  </a:t>
-            </a:r>
-          </a:p>
-          <a:p>
-            <a:pPr marL="342900" indent="-342900">
-              <a:buFont typeface="Arial" panose="020B0604020202020204" pitchFamily="34" charset="0"/>
-              <a:buChar char="•"/>
-            </a:pPr>
-            <a:endParaRPr lang="en-US" sz="2000" dirty="0"/>
-          </a:p>
-          <a:p>
-            <a:pPr marL="342900" indent="-342900">
-              <a:buFont typeface="Arial" panose="020B0604020202020204" pitchFamily="34" charset="0"/>
-              <a:buChar char="•"/>
-            </a:pPr>
-            <a:r>
-              <a:rPr lang="en-US" sz="2000" dirty="0"/>
-              <a:t>You can define as many routes and handlers as you like within the program. </a:t>
-            </a:r>
-          </a:p>
-          <a:p>
-            <a:pPr marL="342900" indent="-342900">
-              <a:buFont typeface="Arial" panose="020B0604020202020204" pitchFamily="34" charset="0"/>
-              <a:buChar char="•"/>
-            </a:pPr>
-            <a:endParaRPr lang="en-US" sz="2000" dirty="0"/>
-          </a:p>
-          <a:p>
-            <a:pPr marL="342900" indent="-342900">
-              <a:buFont typeface="Arial" panose="020B0604020202020204" pitchFamily="34" charset="0"/>
-              <a:buChar char="•"/>
-            </a:pPr>
-            <a:endParaRPr lang="en-US" sz="2000" dirty="0"/>
-          </a:p>
-        </p:txBody>
-      </p:sp>
-      <p:sp>
-        <p:nvSpPr>
-          <p:cNvPr id="5" name="AutoShape 2" descr="http://raspberry.piaustralia.com.au/product-images/piwithbox.jpg"/>
-          <p:cNvSpPr>
-            <a:spLocks noChangeAspect="1" noChangeArrowheads="1"/>
-          </p:cNvSpPr>
-          <p:nvPr/>
-        </p:nvSpPr>
-        <p:spPr bwMode="auto">
-          <a:xfrm>
-            <a:off x="63500" y="-136525"/>
-            <a:ext cx="9772650" cy="6343650"/>
-          </a:xfrm>
-          <a:prstGeom prst="rect">
-            <a:avLst/>
-          </a:prstGeom>
-          <a:noFill/>
-          <a:extLst>
-            <a:ext uri="{909E8E84-426E-40DD-AFC4-6F175D3DCCD1}">
-              <a14:hiddenFill xmlns:a14="http://schemas.microsoft.com/office/drawing/2010/main">
-                <a:solidFill>
-                  <a:srgbClr val="FFFFFF"/>
-                </a:solidFill>
-              </a14:hiddenFill>
-            </a:ext>
-          </a:extLst>
-        </p:spPr>
-        <p:txBody>
-          <a:bodyPr vert="horz" wrap="square" lIns="91440" tIns="45720" rIns="91440" bIns="45720" numCol="1" anchor="t" anchorCtr="0" compatLnSpc="1">
-            <a:prstTxWarp prst="textNoShape">
-              <a:avLst/>
-            </a:prstTxWarp>
-          </a:bodyPr>
-          <a:lstStyle/>
-          <a:p>
-            <a:endParaRPr lang="en-US"/>
-          </a:p>
-        </p:txBody>
-      </p:sp>
-    </p:spTree>
-    <p:extLst>
-      <p:ext uri="{BB962C8B-B14F-4D97-AF65-F5344CB8AC3E}">
-        <p14:creationId xmlns:p14="http://schemas.microsoft.com/office/powerpoint/2010/main" val="4242032006"/>
-      </p:ext>
-    </p:extLst>
-  </p:cSld>
-  <p:clrMapOvr>
-    <a:masterClrMapping/>
-  </p:clrMapOvr>
-</p:sld>
-</file>
-
-<file path=ppt/slides/slide33.xml><?xml version="1.0" encoding="utf-8"?>
 <p:sld xmlns:a="http://schemas.openxmlformats.org/drawingml/2006/main" xmlns:r="http://schemas.openxmlformats.org/officeDocument/2006/relationships" xmlns:p="http://schemas.openxmlformats.org/presentationml/2006/main">
   <p:cSld>
     <p:spTree>
@@ -16685,6 +15227,13 @@
   <p:clrMapOvr>
     <a:masterClrMapping/>
   </p:clrMapOvr>
+  <p:timing>
+    <p:tnLst>
+      <p:par>
+        <p:cTn id="1" dur="indefinite" restart="never" nodeType="tmRoot"/>
+      </p:par>
+    </p:tnLst>
+  </p:timing>
 </p:sld>
 </file>
 
@@ -17275,6 +15824,13 @@
   <p:clrMapOvr>
     <a:masterClrMapping/>
   </p:clrMapOvr>
+  <p:timing>
+    <p:tnLst>
+      <p:par>
+        <p:cTn id="1" dur="indefinite" restart="never" nodeType="tmRoot"/>
+      </p:par>
+    </p:tnLst>
+  </p:timing>
 </p:sld>
 </file>
 
@@ -17970,6 +16526,13 @@
   <p:clrMapOvr>
     <a:masterClrMapping/>
   </p:clrMapOvr>
+  <p:timing>
+    <p:tnLst>
+      <p:par>
+        <p:cTn id="1" dur="indefinite" restart="never" nodeType="tmRoot"/>
+      </p:par>
+    </p:tnLst>
+  </p:timing>
 </p:sld>
 </file>
 
@@ -18464,6 +17027,13 @@
   <p:clrMapOvr>
     <a:masterClrMapping/>
   </p:clrMapOvr>
+  <p:timing>
+    <p:tnLst>
+      <p:par>
+        <p:cTn id="1" dur="indefinite" restart="never" nodeType="tmRoot"/>
+      </p:par>
+    </p:tnLst>
+  </p:timing>
 </p:sld>
 </file>
 
@@ -18979,6 +17549,13 @@
   <p:clrMapOvr>
     <a:masterClrMapping/>
   </p:clrMapOvr>
+  <p:timing>
+    <p:tnLst>
+      <p:par>
+        <p:cTn id="1" dur="indefinite" restart="never" nodeType="tmRoot"/>
+      </p:par>
+    </p:tnLst>
+  </p:timing>
 </p:sld>
 </file>
 
@@ -19444,6 +18021,13 @@
   <p:clrMapOvr>
     <a:masterClrMapping/>
   </p:clrMapOvr>
+  <p:timing>
+    <p:tnLst>
+      <p:par>
+        <p:cTn id="1" dur="indefinite" restart="never" nodeType="tmRoot"/>
+      </p:par>
+    </p:tnLst>
+  </p:timing>
 </p:sld>
 </file>
 
@@ -19710,19 +18294,19 @@
 
 <file path=customXml/item1.xml><?xml version="1.0" encoding="utf-8"?>
 <Control xmlns="http://schemas.microsoft.com/VisualStudio/2011/storyboarding/control/v1.0">
-  <Id Name="System.Storyboarding.Common.Text" RevisionId="68ea164d-c1de-47a5-804f-d4d1290fa524" Stencil="System.Storyboarding.Common" StencilRevisionId="68ea164d-c1de-47a5-804f-d4d1290fa524" StencilVersion="0.1"/>
+  <Id Name="System.Storyboarding.Common.SearchBox" RevisionId="68ea164d-c1de-47a5-804f-d4d1290fa524" Stencil="System.Storyboarding.Common" StencilRevisionId="68ea164d-c1de-47a5-804f-d4d1290fa524" StencilVersion="0.1"/>
 </Control>
 </file>
 
 <file path=customXml/item10.xml><?xml version="1.0" encoding="utf-8"?>
-<Control xmlns="http://schemas.microsoft.com/VisualStudio/2011/storyboarding/control/v1.0">
-  <Id Name="System.Storyboarding.Common.DropdownBox" RevisionId="68ea164d-c1de-47a5-804f-d4d1290fa524" Stencil="System.Storyboarding.Common" StencilRevisionId="68ea164d-c1de-47a5-804f-d4d1290fa524" StencilVersion="0.1"/>
+<Control xmlns="http://schemas.microsoft.com/VisualStudio/2011/storyboarding/control">
+  <Id Name="System.Storyboarding.WindowsDesktop.Group" Revision="1" Stencil="System.Storyboarding.WindowsDesktop" StencilVersion="0.1"/>
 </Control>
 </file>
 
 <file path=customXml/item11.xml><?xml version="1.0" encoding="utf-8"?>
 <Control xmlns="http://schemas.microsoft.com/VisualStudio/2011/storyboarding/control">
-  <Id Name="System.Storyboarding.WindowsDesktop.Keyboard" Revision="1" Stencil="System.Storyboarding.WindowsDesktop" StencilVersion="0.1"/>
+  <Id Name="System.Storyboarding.Common.Button" Revision="1" Stencil="System.Storyboarding.Common" StencilVersion="0.1"/>
 </Control>
 </file>
 
@@ -19733,8 +18317,8 @@
 </file>
 
 <file path=customXml/item13.xml><?xml version="1.0" encoding="utf-8"?>
-<Control xmlns="http://schemas.microsoft.com/VisualStudio/2011/storyboarding/control/v1.0">
-  <Id Name="System.Storyboarding.Media.Image" RevisionId="658c0869-8ded-44f2-a68a-f8e8fcb7d3bd" Stencil="System.Storyboarding.Media" StencilRevisionId="658c0869-8ded-44f2-a68a-f8e8fcb7d3bd" StencilVersion="0.1"/>
+<Control xmlns="http://schemas.microsoft.com/VisualStudio/2011/storyboarding/control">
+  <Id Name="System.Storyboarding.Media.MapMarker" Revision="1" Stencil="System.Storyboarding.Media" StencilVersion="0.1"/>
 </Control>
 </file>
 
@@ -19752,61 +18336,61 @@
 
 <file path=customXml/item16.xml><?xml version="1.0" encoding="utf-8"?>
 <Control xmlns="http://schemas.microsoft.com/VisualStudio/2011/storyboarding/control/v1.0">
-  <Id Name="System.Storyboarding.Icons.FolderOpen" RevisionId="05cd6d03-c0b2-488e-98a7-d68de69a2cfc" Stencil="System.Storyboarding.Icons" StencilRevisionId="05cd6d03-c0b2-488e-98a7-d68de69a2cfc" StencilVersion="0.1"/>
+  <Id Name="System.Storyboarding.Common.Text" RevisionId="68ea164d-c1de-47a5-804f-d4d1290fa524" Stencil="System.Storyboarding.Common" StencilRevisionId="68ea164d-c1de-47a5-804f-d4d1290fa524" StencilVersion="0.1"/>
 </Control>
 </file>
 
 <file path=customXml/item17.xml><?xml version="1.0" encoding="utf-8"?>
-<Control xmlns="http://schemas.microsoft.com/VisualStudio/2011/storyboarding/control">
-  <Id Name="System.Storyboarding.Media.MapMarker" Revision="1" Stencil="System.Storyboarding.Media" StencilVersion="0.1"/>
+<Control xmlns="http://schemas.microsoft.com/VisualStudio/2011/storyboarding/control/v1.0">
+  <Id Name="System.Storyboarding.Common.DropdownBox" RevisionId="68ea164d-c1de-47a5-804f-d4d1290fa524" Stencil="System.Storyboarding.Common" StencilRevisionId="68ea164d-c1de-47a5-804f-d4d1290fa524" StencilVersion="0.1"/>
 </Control>
 </file>
 
 <file path=customXml/item18.xml><?xml version="1.0" encoding="utf-8"?>
 <Control xmlns="http://schemas.microsoft.com/VisualStudio/2011/storyboarding/control/v1.0">
-  <Id Name="System.Storyboarding.Common.SearchBox" RevisionId="68ea164d-c1de-47a5-804f-d4d1290fa524" Stencil="System.Storyboarding.Common" StencilRevisionId="68ea164d-c1de-47a5-804f-d4d1290fa524" StencilVersion="0.1"/>
+  <Id Name="System.Storyboarding.Media.Image" RevisionId="658c0869-8ded-44f2-a68a-f8e8fcb7d3bd" Stencil="System.Storyboarding.Media" StencilRevisionId="658c0869-8ded-44f2-a68a-f8e8fcb7d3bd" StencilVersion="0.1"/>
 </Control>
 </file>
 
 <file path=customXml/item2.xml><?xml version="1.0" encoding="utf-8"?>
+<Control xmlns="http://schemas.microsoft.com/VisualStudio/2011/storyboarding/control/v1.0">
+  <Id Name="System.Storyboarding.Common.Breadcrumb" RevisionId="68ea164d-c1de-47a5-804f-d4d1290fa524" Stencil="System.Storyboarding.Common" StencilRevisionId="68ea164d-c1de-47a5-804f-d4d1290fa524" StencilVersion="0.1"/>
+</Control>
+</file>
+
+<file path=customXml/item3.xml><?xml version="1.0" encoding="utf-8"?>
 <Control xmlns="http://schemas.microsoft.com/VisualStudio/2011/storyboarding/control">
   <Id Name="System.Storyboarding.Backgrounds.DesktopTaskbar" Revision="1" Stencil="System.Storyboarding.Backgrounds" StencilVersion="0.1"/>
 </Control>
 </file>
 
-<file path=customXml/item3.xml><?xml version="1.0" encoding="utf-8"?>
-<Control xmlns="http://schemas.microsoft.com/VisualStudio/2011/storyboarding/control">
-  <Id Name="System.Storyboarding.Common.Button" Revision="1" Stencil="System.Storyboarding.Common" StencilVersion="0.1"/>
+<file path=customXml/item4.xml><?xml version="1.0" encoding="utf-8"?>
+<Control xmlns="http://schemas.microsoft.com/VisualStudio/2011/storyboarding/control/v1.0">
+  <Id Name="System.Storyboarding.Icons.FolderOpen" RevisionId="05cd6d03-c0b2-488e-98a7-d68de69a2cfc" Stencil="System.Storyboarding.Icons" StencilRevisionId="05cd6d03-c0b2-488e-98a7-d68de69a2cfc" StencilVersion="0.1"/>
 </Control>
 </file>
 
-<file path=customXml/item4.xml><?xml version="1.0" encoding="utf-8"?>
+<file path=customXml/item5.xml><?xml version="1.0" encoding="utf-8"?>
+<Control xmlns="http://schemas.microsoft.com/VisualStudio/2011/storyboarding/control">
+  <Id Name="System.Storyboarding.WindowsDesktop.Keyboard" Revision="1" Stencil="System.Storyboarding.WindowsDesktop" StencilVersion="0.1"/>
+</Control>
+</file>
+
+<file path=customXml/item6.xml><?xml version="1.0" encoding="utf-8"?>
+<Control xmlns="http://schemas.microsoft.com/VisualStudio/2011/storyboarding/control/v1.0">
+  <Id Name="System.Storyboarding.Icons.Help" RevisionId="05cd6d03-c0b2-488e-98a7-d68de69a2cfc" Stencil="System.Storyboarding.Icons" StencilRevisionId="05cd6d03-c0b2-488e-98a7-d68de69a2cfc" StencilVersion="0.1"/>
+</Control>
+</file>
+
+<file path=customXml/item7.xml><?xml version="1.0" encoding="utf-8"?>
 <Control xmlns="http://schemas.microsoft.com/VisualStudio/2011/storyboarding/control/v1.0">
   <Id Name="System.Storyboarding.Common.Text" RevisionId="68ea164d-c1de-47a5-804f-d4d1290fa524" Stencil="System.Storyboarding.Common" StencilRevisionId="68ea164d-c1de-47a5-804f-d4d1290fa524" StencilVersion="0.1"/>
 </Control>
 </file>
 
-<file path=customXml/item5.xml><?xml version="1.0" encoding="utf-8"?>
-<Control xmlns="http://schemas.microsoft.com/VisualStudio/2011/storyboarding/control/v1.0">
-  <Id Name="System.Storyboarding.Icons.Help" RevisionId="05cd6d03-c0b2-488e-98a7-d68de69a2cfc" Stencil="System.Storyboarding.Icons" StencilRevisionId="05cd6d03-c0b2-488e-98a7-d68de69a2cfc" StencilVersion="0.1"/>
-</Control>
-</file>
-
-<file path=customXml/item6.xml><?xml version="1.0" encoding="utf-8"?>
+<file path=customXml/item8.xml><?xml version="1.0" encoding="utf-8"?>
 <Control xmlns="http://schemas.microsoft.com/VisualStudio/2011/storyboarding/control/v1.0">
   <Id Name="System.Storyboarding.Common.Text" RevisionId="68ea164d-c1de-47a5-804f-d4d1290fa524" Stencil="System.Storyboarding.Common" StencilRevisionId="68ea164d-c1de-47a5-804f-d4d1290fa524" StencilVersion="0.1"/>
-</Control>
-</file>
-
-<file path=customXml/item7.xml><?xml version="1.0" encoding="utf-8"?>
-<Control xmlns="http://schemas.microsoft.com/VisualStudio/2011/storyboarding/control/v1.0">
-  <Id Name="System.Storyboarding.Common.Breadcrumb" RevisionId="68ea164d-c1de-47a5-804f-d4d1290fa524" Stencil="System.Storyboarding.Common" StencilRevisionId="68ea164d-c1de-47a5-804f-d4d1290fa524" StencilVersion="0.1"/>
-</Control>
-</file>
-
-<file path=customXml/item8.xml><?xml version="1.0" encoding="utf-8"?>
-<Control xmlns="http://schemas.microsoft.com/VisualStudio/2011/storyboarding/control">
-  <Id Name="System.Storyboarding.WindowsDesktop.Group" Revision="1" Stencil="System.Storyboarding.WindowsDesktop" StencilVersion="0.1"/>
 </Control>
 </file>
 
@@ -19817,7 +18401,7 @@
 </file>
 
 <file path=customXml/itemProps1.xml><?xml version="1.0" encoding="utf-8"?>
-<ds:datastoreItem xmlns:ds="http://schemas.openxmlformats.org/officeDocument/2006/customXml" ds:itemID="{D876FCC0-9E7A-48B1-8E50-1A0759F74E0A}">
+<ds:datastoreItem xmlns:ds="http://schemas.openxmlformats.org/officeDocument/2006/customXml" ds:itemID="{AB8AF5A6-FA45-4246-A67D-74215671FBEF}">
   <ds:schemaRefs>
     <ds:schemaRef ds:uri="http://schemas.microsoft.com/VisualStudio/2011/storyboarding/control/v1.0"/>
   </ds:schemaRefs>
@@ -19825,15 +18409,15 @@
 </file>
 
 <file path=customXml/itemProps10.xml><?xml version="1.0" encoding="utf-8"?>
-<ds:datastoreItem xmlns:ds="http://schemas.openxmlformats.org/officeDocument/2006/customXml" ds:itemID="{5A6F5145-09F5-421E-ABA8-035D9DF59D73}">
+<ds:datastoreItem xmlns:ds="http://schemas.openxmlformats.org/officeDocument/2006/customXml" ds:itemID="{44E3BD45-5547-4AFD-BDD3-73A50DAA374F}">
   <ds:schemaRefs>
-    <ds:schemaRef ds:uri="http://schemas.microsoft.com/VisualStudio/2011/storyboarding/control/v1.0"/>
+    <ds:schemaRef ds:uri="http://schemas.microsoft.com/VisualStudio/2011/storyboarding/control"/>
   </ds:schemaRefs>
 </ds:datastoreItem>
 </file>
 
 <file path=customXml/itemProps11.xml><?xml version="1.0" encoding="utf-8"?>
-<ds:datastoreItem xmlns:ds="http://schemas.openxmlformats.org/officeDocument/2006/customXml" ds:itemID="{753E4477-1AB6-4434-8575-0463957DE5A7}">
+<ds:datastoreItem xmlns:ds="http://schemas.openxmlformats.org/officeDocument/2006/customXml" ds:itemID="{B7C82438-E4AB-467F-8853-D874ABFCFD6B}">
   <ds:schemaRefs>
     <ds:schemaRef ds:uri="http://schemas.microsoft.com/VisualStudio/2011/storyboarding/control"/>
   </ds:schemaRefs>
@@ -19849,6 +18433,46 @@
 </file>
 
 <file path=customXml/itemProps13.xml><?xml version="1.0" encoding="utf-8"?>
+<ds:datastoreItem xmlns:ds="http://schemas.openxmlformats.org/officeDocument/2006/customXml" ds:itemID="{0D2A93C0-7A13-4CB3-A9A9-D2DE1D34C261}">
+  <ds:schemaRefs>
+    <ds:schemaRef ds:uri="http://schemas.microsoft.com/VisualStudio/2011/storyboarding/control"/>
+  </ds:schemaRefs>
+</ds:datastoreItem>
+</file>
+
+<file path=customXml/itemProps14.xml><?xml version="1.0" encoding="utf-8"?>
+<ds:datastoreItem xmlns:ds="http://schemas.openxmlformats.org/officeDocument/2006/customXml" ds:itemID="{D876FCC0-9E7A-48B1-8E50-1A0759F74E0A}">
+  <ds:schemaRefs>
+    <ds:schemaRef ds:uri="http://schemas.microsoft.com/VisualStudio/2011/storyboarding/control/v1.0"/>
+  </ds:schemaRefs>
+</ds:datastoreItem>
+</file>
+
+<file path=customXml/itemProps15.xml><?xml version="1.0" encoding="utf-8"?>
+<ds:datastoreItem xmlns:ds="http://schemas.openxmlformats.org/officeDocument/2006/customXml" ds:itemID="{BCFDDF06-4D2E-4D6D-9A1B-C447B3F4EA67}">
+  <ds:schemaRefs>
+    <ds:schemaRef ds:uri="http://schemas.microsoft.com/VisualStudio/2011/storyboarding/control/v1.0"/>
+  </ds:schemaRefs>
+</ds:datastoreItem>
+</file>
+
+<file path=customXml/itemProps16.xml><?xml version="1.0" encoding="utf-8"?>
+<ds:datastoreItem xmlns:ds="http://schemas.openxmlformats.org/officeDocument/2006/customXml" ds:itemID="{6089AD14-2AFF-487A-A99A-106B05215CC5}">
+  <ds:schemaRefs>
+    <ds:schemaRef ds:uri="http://schemas.microsoft.com/VisualStudio/2011/storyboarding/control/v1.0"/>
+  </ds:schemaRefs>
+</ds:datastoreItem>
+</file>
+
+<file path=customXml/itemProps17.xml><?xml version="1.0" encoding="utf-8"?>
+<ds:datastoreItem xmlns:ds="http://schemas.openxmlformats.org/officeDocument/2006/customXml" ds:itemID="{5A6F5145-09F5-421E-ABA8-035D9DF59D73}">
+  <ds:schemaRefs>
+    <ds:schemaRef ds:uri="http://schemas.microsoft.com/VisualStudio/2011/storyboarding/control/v1.0"/>
+  </ds:schemaRefs>
+</ds:datastoreItem>
+</file>
+
+<file path=customXml/itemProps18.xml><?xml version="1.0" encoding="utf-8"?>
 <ds:datastoreItem xmlns:ds="http://schemas.openxmlformats.org/officeDocument/2006/customXml" ds:itemID="{366DA436-CE30-453F-9CC1-28AD3B50F144}">
   <ds:schemaRefs>
     <ds:schemaRef ds:uri="http://schemas.microsoft.com/VisualStudio/2011/storyboarding/control/v1.0"/>
@@ -19856,23 +18480,23 @@
 </ds:datastoreItem>
 </file>
 
-<file path=customXml/itemProps14.xml><?xml version="1.0" encoding="utf-8"?>
-<ds:datastoreItem xmlns:ds="http://schemas.openxmlformats.org/officeDocument/2006/customXml" ds:itemID="{05C8BB45-782C-4141-A21F-408D72D18D5D}">
+<file path=customXml/itemProps2.xml><?xml version="1.0" encoding="utf-8"?>
+<ds:datastoreItem xmlns:ds="http://schemas.openxmlformats.org/officeDocument/2006/customXml" ds:itemID="{2ED57B16-65F0-4D88-8FC8-86653DF414F3}">
   <ds:schemaRefs>
     <ds:schemaRef ds:uri="http://schemas.microsoft.com/VisualStudio/2011/storyboarding/control/v1.0"/>
   </ds:schemaRefs>
 </ds:datastoreItem>
 </file>
 
-<file path=customXml/itemProps15.xml><?xml version="1.0" encoding="utf-8"?>
-<ds:datastoreItem xmlns:ds="http://schemas.openxmlformats.org/officeDocument/2006/customXml" ds:itemID="{6089AD14-2AFF-487A-A99A-106B05215CC5}">
+<file path=customXml/itemProps3.xml><?xml version="1.0" encoding="utf-8"?>
+<ds:datastoreItem xmlns:ds="http://schemas.openxmlformats.org/officeDocument/2006/customXml" ds:itemID="{DF982C70-0E37-4640-A74E-5E2011D6C363}">
   <ds:schemaRefs>
-    <ds:schemaRef ds:uri="http://schemas.microsoft.com/VisualStudio/2011/storyboarding/control/v1.0"/>
+    <ds:schemaRef ds:uri="http://schemas.microsoft.com/VisualStudio/2011/storyboarding/control"/>
   </ds:schemaRefs>
 </ds:datastoreItem>
 </file>
 
-<file path=customXml/itemProps16.xml><?xml version="1.0" encoding="utf-8"?>
+<file path=customXml/itemProps4.xml><?xml version="1.0" encoding="utf-8"?>
 <ds:datastoreItem xmlns:ds="http://schemas.openxmlformats.org/officeDocument/2006/customXml" ds:itemID="{6CA1E503-3BE5-48F9-8903-1F5A0E5B53FA}">
   <ds:schemaRefs>
     <ds:schemaRef ds:uri="http://schemas.microsoft.com/VisualStudio/2011/storyboarding/control/v1.0"/>
@@ -19880,39 +18504,23 @@
 </ds:datastoreItem>
 </file>
 
-<file path=customXml/itemProps17.xml><?xml version="1.0" encoding="utf-8"?>
-<ds:datastoreItem xmlns:ds="http://schemas.openxmlformats.org/officeDocument/2006/customXml" ds:itemID="{0D2A93C0-7A13-4CB3-A9A9-D2DE1D34C261}">
+<file path=customXml/itemProps5.xml><?xml version="1.0" encoding="utf-8"?>
+<ds:datastoreItem xmlns:ds="http://schemas.openxmlformats.org/officeDocument/2006/customXml" ds:itemID="{753E4477-1AB6-4434-8575-0463957DE5A7}">
   <ds:schemaRefs>
     <ds:schemaRef ds:uri="http://schemas.microsoft.com/VisualStudio/2011/storyboarding/control"/>
   </ds:schemaRefs>
 </ds:datastoreItem>
 </file>
 
-<file path=customXml/itemProps18.xml><?xml version="1.0" encoding="utf-8"?>
-<ds:datastoreItem xmlns:ds="http://schemas.openxmlformats.org/officeDocument/2006/customXml" ds:itemID="{AB8AF5A6-FA45-4246-A67D-74215671FBEF}">
+<file path=customXml/itemProps6.xml><?xml version="1.0" encoding="utf-8"?>
+<ds:datastoreItem xmlns:ds="http://schemas.openxmlformats.org/officeDocument/2006/customXml" ds:itemID="{E8B65369-76D4-44B9-8CEB-D454AC76CCEB}">
   <ds:schemaRefs>
     <ds:schemaRef ds:uri="http://schemas.microsoft.com/VisualStudio/2011/storyboarding/control/v1.0"/>
   </ds:schemaRefs>
 </ds:datastoreItem>
 </file>
 
-<file path=customXml/itemProps2.xml><?xml version="1.0" encoding="utf-8"?>
-<ds:datastoreItem xmlns:ds="http://schemas.openxmlformats.org/officeDocument/2006/customXml" ds:itemID="{DF982C70-0E37-4640-A74E-5E2011D6C363}">
-  <ds:schemaRefs>
-    <ds:schemaRef ds:uri="http://schemas.microsoft.com/VisualStudio/2011/storyboarding/control"/>
-  </ds:schemaRefs>
-</ds:datastoreItem>
-</file>
-
-<file path=customXml/itemProps3.xml><?xml version="1.0" encoding="utf-8"?>
-<ds:datastoreItem xmlns:ds="http://schemas.openxmlformats.org/officeDocument/2006/customXml" ds:itemID="{B7C82438-E4AB-467F-8853-D874ABFCFD6B}">
-  <ds:schemaRefs>
-    <ds:schemaRef ds:uri="http://schemas.microsoft.com/VisualStudio/2011/storyboarding/control"/>
-  </ds:schemaRefs>
-</ds:datastoreItem>
-</file>
-
-<file path=customXml/itemProps4.xml><?xml version="1.0" encoding="utf-8"?>
+<file path=customXml/itemProps7.xml><?xml version="1.0" encoding="utf-8"?>
 <ds:datastoreItem xmlns:ds="http://schemas.openxmlformats.org/officeDocument/2006/customXml" ds:itemID="{4475BC4D-1BB3-42EE-94C9-1B162D8BAFED}">
   <ds:schemaRefs>
     <ds:schemaRef ds:uri="http://schemas.microsoft.com/VisualStudio/2011/storyboarding/control/v1.0"/>
@@ -19920,40 +18528,16 @@
 </ds:datastoreItem>
 </file>
 
-<file path=customXml/itemProps5.xml><?xml version="1.0" encoding="utf-8"?>
-<ds:datastoreItem xmlns:ds="http://schemas.openxmlformats.org/officeDocument/2006/customXml" ds:itemID="{E8B65369-76D4-44B9-8CEB-D454AC76CCEB}">
+<file path=customXml/itemProps8.xml><?xml version="1.0" encoding="utf-8"?>
+<ds:datastoreItem xmlns:ds="http://schemas.openxmlformats.org/officeDocument/2006/customXml" ds:itemID="{E83CE332-ECC5-4BAC-A734-C260BE747A0D}">
   <ds:schemaRefs>
     <ds:schemaRef ds:uri="http://schemas.microsoft.com/VisualStudio/2011/storyboarding/control/v1.0"/>
   </ds:schemaRefs>
 </ds:datastoreItem>
 </file>
 
-<file path=customXml/itemProps6.xml><?xml version="1.0" encoding="utf-8"?>
-<ds:datastoreItem xmlns:ds="http://schemas.openxmlformats.org/officeDocument/2006/customXml" ds:itemID="{BCFDDF06-4D2E-4D6D-9A1B-C447B3F4EA67}">
-  <ds:schemaRefs>
-    <ds:schemaRef ds:uri="http://schemas.microsoft.com/VisualStudio/2011/storyboarding/control/v1.0"/>
-  </ds:schemaRefs>
-</ds:datastoreItem>
-</file>
-
-<file path=customXml/itemProps7.xml><?xml version="1.0" encoding="utf-8"?>
-<ds:datastoreItem xmlns:ds="http://schemas.openxmlformats.org/officeDocument/2006/customXml" ds:itemID="{2ED57B16-65F0-4D88-8FC8-86653DF414F3}">
-  <ds:schemaRefs>
-    <ds:schemaRef ds:uri="http://schemas.microsoft.com/VisualStudio/2011/storyboarding/control/v1.0"/>
-  </ds:schemaRefs>
-</ds:datastoreItem>
-</file>
-
-<file path=customXml/itemProps8.xml><?xml version="1.0" encoding="utf-8"?>
-<ds:datastoreItem xmlns:ds="http://schemas.openxmlformats.org/officeDocument/2006/customXml" ds:itemID="{44E3BD45-5547-4AFD-BDD3-73A50DAA374F}">
-  <ds:schemaRefs>
-    <ds:schemaRef ds:uri="http://schemas.microsoft.com/VisualStudio/2011/storyboarding/control"/>
-  </ds:schemaRefs>
-</ds:datastoreItem>
-</file>
-
 <file path=customXml/itemProps9.xml><?xml version="1.0" encoding="utf-8"?>
-<ds:datastoreItem xmlns:ds="http://schemas.openxmlformats.org/officeDocument/2006/customXml" ds:itemID="{E83CE332-ECC5-4BAC-A734-C260BE747A0D}">
+<ds:datastoreItem xmlns:ds="http://schemas.openxmlformats.org/officeDocument/2006/customXml" ds:itemID="{05C8BB45-782C-4141-A21F-408D72D18D5D}">
   <ds:schemaRefs>
     <ds:schemaRef ds:uri="http://schemas.microsoft.com/VisualStudio/2011/storyboarding/control/v1.0"/>
   </ds:schemaRefs>

--- a/session4/presentaion/Python_Advanced.pptx
+++ b/session4/presentaion/Python_Advanced.pptx
@@ -9,26 +9,25 @@
     <p:sldId id="383" r:id="rId21"/>
     <p:sldId id="335" r:id="rId22"/>
     <p:sldId id="334" r:id="rId23"/>
-    <p:sldId id="336" r:id="rId24"/>
-    <p:sldId id="367" r:id="rId25"/>
-    <p:sldId id="337" r:id="rId26"/>
-    <p:sldId id="338" r:id="rId27"/>
-    <p:sldId id="368" r:id="rId28"/>
-    <p:sldId id="339" r:id="rId29"/>
-    <p:sldId id="369" r:id="rId30"/>
-    <p:sldId id="341" r:id="rId31"/>
-    <p:sldId id="371" r:id="rId32"/>
-    <p:sldId id="349" r:id="rId33"/>
-    <p:sldId id="372" r:id="rId34"/>
-    <p:sldId id="374" r:id="rId35"/>
-    <p:sldId id="380" r:id="rId36"/>
-    <p:sldId id="379" r:id="rId37"/>
-    <p:sldId id="375" r:id="rId38"/>
-    <p:sldId id="376" r:id="rId39"/>
-    <p:sldId id="382" r:id="rId40"/>
-    <p:sldId id="377" r:id="rId41"/>
-    <p:sldId id="378" r:id="rId42"/>
-    <p:sldId id="267" r:id="rId43"/>
+    <p:sldId id="367" r:id="rId24"/>
+    <p:sldId id="337" r:id="rId25"/>
+    <p:sldId id="338" r:id="rId26"/>
+    <p:sldId id="368" r:id="rId27"/>
+    <p:sldId id="339" r:id="rId28"/>
+    <p:sldId id="369" r:id="rId29"/>
+    <p:sldId id="341" r:id="rId30"/>
+    <p:sldId id="371" r:id="rId31"/>
+    <p:sldId id="349" r:id="rId32"/>
+    <p:sldId id="372" r:id="rId33"/>
+    <p:sldId id="374" r:id="rId34"/>
+    <p:sldId id="380" r:id="rId35"/>
+    <p:sldId id="379" r:id="rId36"/>
+    <p:sldId id="375" r:id="rId37"/>
+    <p:sldId id="376" r:id="rId38"/>
+    <p:sldId id="382" r:id="rId39"/>
+    <p:sldId id="377" r:id="rId40"/>
+    <p:sldId id="378" r:id="rId41"/>
+    <p:sldId id="267" r:id="rId42"/>
   </p:sldIdLst>
   <p:sldSz cx="12192000" cy="6858000"/>
   <p:notesSz cx="6858000" cy="9144000"/>
@@ -268,7 +267,7 @@
           <a:p>
             <a:fld id="{1139FA4A-C808-4981-8BA9-64217A6CCEA7}" type="datetimeFigureOut">
               <a:rPr lang="en-US" smtClean="0"/>
-              <a:t>2/6/2018</a:t>
+              <a:t>2/10/2018</a:t>
             </a:fld>
             <a:endParaRPr lang="en-US"/>
           </a:p>
@@ -436,7 +435,7 @@
           <a:p>
             <a:fld id="{1139FA4A-C808-4981-8BA9-64217A6CCEA7}" type="datetimeFigureOut">
               <a:rPr lang="en-US" smtClean="0"/>
-              <a:t>2/6/2018</a:t>
+              <a:t>2/10/2018</a:t>
             </a:fld>
             <a:endParaRPr lang="en-US"/>
           </a:p>
@@ -614,7 +613,7 @@
           <a:p>
             <a:fld id="{1139FA4A-C808-4981-8BA9-64217A6CCEA7}" type="datetimeFigureOut">
               <a:rPr lang="en-US" smtClean="0"/>
-              <a:t>2/6/2018</a:t>
+              <a:t>2/10/2018</a:t>
             </a:fld>
             <a:endParaRPr lang="en-US"/>
           </a:p>
@@ -782,7 +781,7 @@
           <a:p>
             <a:fld id="{1139FA4A-C808-4981-8BA9-64217A6CCEA7}" type="datetimeFigureOut">
               <a:rPr lang="en-US" smtClean="0"/>
-              <a:t>2/6/2018</a:t>
+              <a:t>2/10/2018</a:t>
             </a:fld>
             <a:endParaRPr lang="en-US"/>
           </a:p>
@@ -1027,7 +1026,7 @@
           <a:p>
             <a:fld id="{1139FA4A-C808-4981-8BA9-64217A6CCEA7}" type="datetimeFigureOut">
               <a:rPr lang="en-US" smtClean="0"/>
-              <a:t>2/6/2018</a:t>
+              <a:t>2/10/2018</a:t>
             </a:fld>
             <a:endParaRPr lang="en-US"/>
           </a:p>
@@ -1256,7 +1255,7 @@
           <a:p>
             <a:fld id="{1139FA4A-C808-4981-8BA9-64217A6CCEA7}" type="datetimeFigureOut">
               <a:rPr lang="en-US" smtClean="0"/>
-              <a:t>2/6/2018</a:t>
+              <a:t>2/10/2018</a:t>
             </a:fld>
             <a:endParaRPr lang="en-US"/>
           </a:p>
@@ -1620,7 +1619,7 @@
           <a:p>
             <a:fld id="{1139FA4A-C808-4981-8BA9-64217A6CCEA7}" type="datetimeFigureOut">
               <a:rPr lang="en-US" smtClean="0"/>
-              <a:t>2/6/2018</a:t>
+              <a:t>2/10/2018</a:t>
             </a:fld>
             <a:endParaRPr lang="en-US"/>
           </a:p>
@@ -1737,7 +1736,7 @@
           <a:p>
             <a:fld id="{1139FA4A-C808-4981-8BA9-64217A6CCEA7}" type="datetimeFigureOut">
               <a:rPr lang="en-US" smtClean="0"/>
-              <a:t>2/6/2018</a:t>
+              <a:t>2/10/2018</a:t>
             </a:fld>
             <a:endParaRPr lang="en-US"/>
           </a:p>
@@ -1832,7 +1831,7 @@
           <a:p>
             <a:fld id="{1139FA4A-C808-4981-8BA9-64217A6CCEA7}" type="datetimeFigureOut">
               <a:rPr lang="en-US" smtClean="0"/>
-              <a:t>2/6/2018</a:t>
+              <a:t>2/10/2018</a:t>
             </a:fld>
             <a:endParaRPr lang="en-US"/>
           </a:p>
@@ -2107,7 +2106,7 @@
           <a:p>
             <a:fld id="{1139FA4A-C808-4981-8BA9-64217A6CCEA7}" type="datetimeFigureOut">
               <a:rPr lang="en-US" smtClean="0"/>
-              <a:t>2/6/2018</a:t>
+              <a:t>2/10/2018</a:t>
             </a:fld>
             <a:endParaRPr lang="en-US"/>
           </a:p>
@@ -2359,7 +2358,7 @@
           <a:p>
             <a:fld id="{1139FA4A-C808-4981-8BA9-64217A6CCEA7}" type="datetimeFigureOut">
               <a:rPr lang="en-US" smtClean="0"/>
-              <a:t>2/6/2018</a:t>
+              <a:t>2/10/2018</a:t>
             </a:fld>
             <a:endParaRPr lang="en-US"/>
           </a:p>
@@ -2570,7 +2569,7 @@
           <a:p>
             <a:fld id="{1139FA4A-C808-4981-8BA9-64217A6CCEA7}" type="datetimeFigureOut">
               <a:rPr lang="en-US" smtClean="0"/>
-              <a:t>2/6/2018</a:t>
+              <a:t>2/10/2018</a:t>
             </a:fld>
             <a:endParaRPr lang="en-US"/>
           </a:p>
@@ -3337,7 +3336,7 @@
         <p:spPr>
           <a:xfrm>
             <a:off x="417443" y="857743"/>
-            <a:ext cx="11357113" cy="4585871"/>
+            <a:ext cx="11357113" cy="5940088"/>
           </a:xfrm>
           <a:prstGeom prst="rect">
             <a:avLst/>
@@ -3356,24 +3355,353 @@
             </a:pPr>
             <a:r>
               <a:rPr lang="en-US" sz="2000" dirty="0"/>
-              <a:t>Use </a:t>
-            </a:r>
-            <a:r>
-              <a:rPr lang="en-US" sz="2000" i="1" dirty="0">
-                <a:effectLst>
-                  <a:outerShdw blurRad="38100" dist="38100" dir="2700000" algn="tl">
-                    <a:srgbClr val="000000">
-                      <a:alpha val="43137"/>
-                    </a:srgbClr>
-                  </a:outerShdw>
-                </a:effectLst>
-              </a:rPr>
-              <a:t>inheritance</a:t>
+              <a:t>Note that the preceding example is for Python 3. For Python 2, you can’t use </a:t>
+            </a:r>
+            <a:r>
+              <a:rPr lang="en-US" sz="2000" b="1" i="1" dirty="0">
+                <a:solidFill>
+                  <a:srgbClr val="0070C0"/>
+                </a:solidFill>
+                <a:latin typeface="Consolas" panose="020B0609020204030204" pitchFamily="49" charset="0"/>
+                <a:cs typeface="Consolas" panose="020B0609020204030204" pitchFamily="49" charset="0"/>
+              </a:rPr>
+              <a:t>super</a:t>
             </a:r>
             <a:r>
               <a:rPr lang="en-US" sz="2000" dirty="0"/>
-              <a:t> to create a subclass of an existing class and add new member variables and methods. </a:t>
-            </a:r>
+              <a:t> the same way. Instead, you must write:</a:t>
+            </a:r>
+          </a:p>
+          <a:p>
+            <a:endParaRPr lang="en-US" sz="2000" dirty="0"/>
+          </a:p>
+          <a:p>
+            <a:pPr lvl="1"/>
+            <a:r>
+              <a:rPr lang="en-US" sz="2000" b="1" i="1" dirty="0">
+                <a:solidFill>
+                  <a:srgbClr val="0070C0"/>
+                </a:solidFill>
+                <a:latin typeface="Consolas" panose="020B0609020204030204" pitchFamily="49" charset="0"/>
+                <a:cs typeface="Consolas" panose="020B0609020204030204" pitchFamily="49" charset="0"/>
+              </a:rPr>
+              <a:t>class Employee(Person):</a:t>
+            </a:r>
+          </a:p>
+          <a:p>
+            <a:pPr lvl="1"/>
+            <a:r>
+              <a:rPr lang="en-US" sz="2000" b="1" i="1" dirty="0">
+                <a:solidFill>
+                  <a:srgbClr val="0070C0"/>
+                </a:solidFill>
+                <a:latin typeface="Consolas" panose="020B0609020204030204" pitchFamily="49" charset="0"/>
+                <a:cs typeface="Consolas" panose="020B0609020204030204" pitchFamily="49" charset="0"/>
+              </a:rPr>
+              <a:t>    </a:t>
+            </a:r>
+            <a:r>
+              <a:rPr lang="en-US" sz="2000" b="1" i="1" dirty="0" err="1">
+                <a:solidFill>
+                  <a:srgbClr val="0070C0"/>
+                </a:solidFill>
+                <a:latin typeface="Consolas" panose="020B0609020204030204" pitchFamily="49" charset="0"/>
+                <a:cs typeface="Consolas" panose="020B0609020204030204" pitchFamily="49" charset="0"/>
+              </a:rPr>
+              <a:t>def</a:t>
+            </a:r>
+            <a:r>
+              <a:rPr lang="en-US" sz="2000" b="1" i="1" dirty="0">
+                <a:solidFill>
+                  <a:srgbClr val="0070C0"/>
+                </a:solidFill>
+                <a:latin typeface="Consolas" panose="020B0609020204030204" pitchFamily="49" charset="0"/>
+                <a:cs typeface="Consolas" panose="020B0609020204030204" pitchFamily="49" charset="0"/>
+              </a:rPr>
+              <a:t> __</a:t>
+            </a:r>
+            <a:r>
+              <a:rPr lang="en-US" sz="2000" b="1" i="1" dirty="0" err="1">
+                <a:solidFill>
+                  <a:srgbClr val="0070C0"/>
+                </a:solidFill>
+                <a:latin typeface="Consolas" panose="020B0609020204030204" pitchFamily="49" charset="0"/>
+                <a:cs typeface="Consolas" panose="020B0609020204030204" pitchFamily="49" charset="0"/>
+              </a:rPr>
+              <a:t>init</a:t>
+            </a:r>
+            <a:r>
+              <a:rPr lang="en-US" sz="2000" b="1" i="1" dirty="0">
+                <a:solidFill>
+                  <a:srgbClr val="0070C0"/>
+                </a:solidFill>
+                <a:latin typeface="Consolas" panose="020B0609020204030204" pitchFamily="49" charset="0"/>
+                <a:cs typeface="Consolas" panose="020B0609020204030204" pitchFamily="49" charset="0"/>
+              </a:rPr>
+              <a:t>__(self, </a:t>
+            </a:r>
+            <a:r>
+              <a:rPr lang="en-US" sz="2000" b="1" i="1" dirty="0" err="1">
+                <a:solidFill>
+                  <a:srgbClr val="0070C0"/>
+                </a:solidFill>
+                <a:latin typeface="Consolas" panose="020B0609020204030204" pitchFamily="49" charset="0"/>
+                <a:cs typeface="Consolas" panose="020B0609020204030204" pitchFamily="49" charset="0"/>
+              </a:rPr>
+              <a:t>first_name</a:t>
+            </a:r>
+            <a:r>
+              <a:rPr lang="en-US" sz="2000" b="1" i="1" dirty="0">
+                <a:solidFill>
+                  <a:srgbClr val="0070C0"/>
+                </a:solidFill>
+                <a:latin typeface="Consolas" panose="020B0609020204030204" pitchFamily="49" charset="0"/>
+                <a:cs typeface="Consolas" panose="020B0609020204030204" pitchFamily="49" charset="0"/>
+              </a:rPr>
+              <a:t>, surname, </a:t>
+            </a:r>
+            <a:r>
+              <a:rPr lang="en-US" sz="2000" b="1" i="1" dirty="0" err="1">
+                <a:solidFill>
+                  <a:srgbClr val="0070C0"/>
+                </a:solidFill>
+                <a:latin typeface="Consolas" panose="020B0609020204030204" pitchFamily="49" charset="0"/>
+                <a:cs typeface="Consolas" panose="020B0609020204030204" pitchFamily="49" charset="0"/>
+              </a:rPr>
+              <a:t>tel</a:t>
+            </a:r>
+            <a:r>
+              <a:rPr lang="en-US" sz="2000" b="1" i="1" dirty="0">
+                <a:solidFill>
+                  <a:srgbClr val="0070C0"/>
+                </a:solidFill>
+                <a:latin typeface="Consolas" panose="020B0609020204030204" pitchFamily="49" charset="0"/>
+                <a:cs typeface="Consolas" panose="020B0609020204030204" pitchFamily="49" charset="0"/>
+              </a:rPr>
+              <a:t>, salary):        				Person.__</a:t>
+            </a:r>
+            <a:r>
+              <a:rPr lang="en-US" sz="2000" b="1" i="1" dirty="0" err="1">
+                <a:solidFill>
+                  <a:srgbClr val="0070C0"/>
+                </a:solidFill>
+                <a:latin typeface="Consolas" panose="020B0609020204030204" pitchFamily="49" charset="0"/>
+                <a:cs typeface="Consolas" panose="020B0609020204030204" pitchFamily="49" charset="0"/>
+              </a:rPr>
+              <a:t>init</a:t>
+            </a:r>
+            <a:r>
+              <a:rPr lang="en-US" sz="2000" b="1" i="1" dirty="0">
+                <a:solidFill>
+                  <a:srgbClr val="0070C0"/>
+                </a:solidFill>
+                <a:latin typeface="Consolas" panose="020B0609020204030204" pitchFamily="49" charset="0"/>
+                <a:cs typeface="Consolas" panose="020B0609020204030204" pitchFamily="49" charset="0"/>
+              </a:rPr>
+              <a:t>__(self, </a:t>
+            </a:r>
+            <a:r>
+              <a:rPr lang="en-US" sz="2000" b="1" i="1" dirty="0" err="1">
+                <a:solidFill>
+                  <a:srgbClr val="0070C0"/>
+                </a:solidFill>
+                <a:latin typeface="Consolas" panose="020B0609020204030204" pitchFamily="49" charset="0"/>
+                <a:cs typeface="Consolas" panose="020B0609020204030204" pitchFamily="49" charset="0"/>
+              </a:rPr>
+              <a:t>first_name</a:t>
+            </a:r>
+            <a:r>
+              <a:rPr lang="en-US" sz="2000" b="1" i="1" dirty="0">
+                <a:solidFill>
+                  <a:srgbClr val="0070C0"/>
+                </a:solidFill>
+                <a:latin typeface="Consolas" panose="020B0609020204030204" pitchFamily="49" charset="0"/>
+                <a:cs typeface="Consolas" panose="020B0609020204030204" pitchFamily="49" charset="0"/>
+              </a:rPr>
+              <a:t>, surname, </a:t>
+            </a:r>
+            <a:r>
+              <a:rPr lang="en-US" sz="2000" b="1" i="1" dirty="0" err="1">
+                <a:solidFill>
+                  <a:srgbClr val="0070C0"/>
+                </a:solidFill>
+                <a:latin typeface="Consolas" panose="020B0609020204030204" pitchFamily="49" charset="0"/>
+                <a:cs typeface="Consolas" panose="020B0609020204030204" pitchFamily="49" charset="0"/>
+              </a:rPr>
+              <a:t>tel</a:t>
+            </a:r>
+            <a:r>
+              <a:rPr lang="en-US" sz="2000" b="1" i="1" dirty="0">
+                <a:solidFill>
+                  <a:srgbClr val="0070C0"/>
+                </a:solidFill>
+                <a:latin typeface="Consolas" panose="020B0609020204030204" pitchFamily="49" charset="0"/>
+                <a:cs typeface="Consolas" panose="020B0609020204030204" pitchFamily="49" charset="0"/>
+              </a:rPr>
+              <a:t>)        </a:t>
+            </a:r>
+          </a:p>
+          <a:p>
+            <a:pPr lvl="1"/>
+            <a:r>
+              <a:rPr lang="en-US" sz="2000" b="1" i="1" dirty="0">
+                <a:solidFill>
+                  <a:srgbClr val="0070C0"/>
+                </a:solidFill>
+                <a:latin typeface="Consolas" panose="020B0609020204030204" pitchFamily="49" charset="0"/>
+                <a:cs typeface="Consolas" panose="020B0609020204030204" pitchFamily="49" charset="0"/>
+              </a:rPr>
+              <a:t>		</a:t>
+            </a:r>
+            <a:r>
+              <a:rPr lang="en-US" sz="2000" b="1" i="1" dirty="0" err="1">
+                <a:solidFill>
+                  <a:srgbClr val="0070C0"/>
+                </a:solidFill>
+                <a:latin typeface="Consolas" panose="020B0609020204030204" pitchFamily="49" charset="0"/>
+                <a:cs typeface="Consolas" panose="020B0609020204030204" pitchFamily="49" charset="0"/>
+              </a:rPr>
+              <a:t>self.salary</a:t>
+            </a:r>
+            <a:r>
+              <a:rPr lang="en-US" sz="2000" b="1" i="1" dirty="0">
+                <a:solidFill>
+                  <a:srgbClr val="0070C0"/>
+                </a:solidFill>
+                <a:latin typeface="Consolas" panose="020B0609020204030204" pitchFamily="49" charset="0"/>
+                <a:cs typeface="Consolas" panose="020B0609020204030204" pitchFamily="49" charset="0"/>
+              </a:rPr>
+              <a:t> = salary</a:t>
+            </a:r>
+          </a:p>
+          <a:p>
+            <a:pPr lvl="1"/>
+            <a:r>
+              <a:rPr lang="en-US" sz="2000" b="1" i="1" dirty="0">
+                <a:solidFill>
+                  <a:srgbClr val="0070C0"/>
+                </a:solidFill>
+                <a:latin typeface="Consolas" panose="020B0609020204030204" pitchFamily="49" charset="0"/>
+                <a:cs typeface="Consolas" panose="020B0609020204030204" pitchFamily="49" charset="0"/>
+              </a:rPr>
+              <a:t>    </a:t>
+            </a:r>
+          </a:p>
+          <a:p>
+            <a:pPr lvl="1"/>
+            <a:r>
+              <a:rPr lang="en-US" sz="2000" b="1" i="1" dirty="0">
+                <a:solidFill>
+                  <a:srgbClr val="0070C0"/>
+                </a:solidFill>
+                <a:latin typeface="Consolas" panose="020B0609020204030204" pitchFamily="49" charset="0"/>
+                <a:cs typeface="Consolas" panose="020B0609020204030204" pitchFamily="49" charset="0"/>
+              </a:rPr>
+              <a:t>	</a:t>
+            </a:r>
+            <a:r>
+              <a:rPr lang="en-US" sz="2000" b="1" i="1" dirty="0" err="1">
+                <a:solidFill>
+                  <a:srgbClr val="0070C0"/>
+                </a:solidFill>
+                <a:latin typeface="Consolas" panose="020B0609020204030204" pitchFamily="49" charset="0"/>
+                <a:cs typeface="Consolas" panose="020B0609020204030204" pitchFamily="49" charset="0"/>
+              </a:rPr>
+              <a:t>def</a:t>
+            </a:r>
+            <a:r>
+              <a:rPr lang="en-US" sz="2000" b="1" i="1" dirty="0">
+                <a:solidFill>
+                  <a:srgbClr val="0070C0"/>
+                </a:solidFill>
+                <a:latin typeface="Consolas" panose="020B0609020204030204" pitchFamily="49" charset="0"/>
+                <a:cs typeface="Consolas" panose="020B0609020204030204" pitchFamily="49" charset="0"/>
+              </a:rPr>
+              <a:t> </a:t>
+            </a:r>
+            <a:r>
+              <a:rPr lang="en-US" sz="2000" b="1" i="1" dirty="0" err="1">
+                <a:solidFill>
+                  <a:srgbClr val="0070C0"/>
+                </a:solidFill>
+                <a:latin typeface="Consolas" panose="020B0609020204030204" pitchFamily="49" charset="0"/>
+                <a:cs typeface="Consolas" panose="020B0609020204030204" pitchFamily="49" charset="0"/>
+              </a:rPr>
+              <a:t>give_raise</a:t>
+            </a:r>
+            <a:r>
+              <a:rPr lang="en-US" sz="2000" b="1" i="1" dirty="0">
+                <a:solidFill>
+                  <a:srgbClr val="0070C0"/>
+                </a:solidFill>
+                <a:latin typeface="Consolas" panose="020B0609020204030204" pitchFamily="49" charset="0"/>
+                <a:cs typeface="Consolas" panose="020B0609020204030204" pitchFamily="49" charset="0"/>
+              </a:rPr>
+              <a:t>(self, amount):        </a:t>
+            </a:r>
+          </a:p>
+          <a:p>
+            <a:pPr lvl="1"/>
+            <a:r>
+              <a:rPr lang="en-US" sz="2000" b="1" i="1" dirty="0">
+                <a:solidFill>
+                  <a:srgbClr val="0070C0"/>
+                </a:solidFill>
+                <a:latin typeface="Consolas" panose="020B0609020204030204" pitchFamily="49" charset="0"/>
+                <a:cs typeface="Consolas" panose="020B0609020204030204" pitchFamily="49" charset="0"/>
+              </a:rPr>
+              <a:t>		</a:t>
+            </a:r>
+            <a:r>
+              <a:rPr lang="en-US" sz="2000" b="1" i="1" dirty="0" err="1">
+                <a:solidFill>
+                  <a:srgbClr val="0070C0"/>
+                </a:solidFill>
+                <a:latin typeface="Consolas" panose="020B0609020204030204" pitchFamily="49" charset="0"/>
+                <a:cs typeface="Consolas" panose="020B0609020204030204" pitchFamily="49" charset="0"/>
+              </a:rPr>
+              <a:t>self.salary</a:t>
+            </a:r>
+            <a:r>
+              <a:rPr lang="en-US" sz="2000" b="1" i="1" dirty="0">
+                <a:solidFill>
+                  <a:srgbClr val="0070C0"/>
+                </a:solidFill>
+                <a:latin typeface="Consolas" panose="020B0609020204030204" pitchFamily="49" charset="0"/>
+                <a:cs typeface="Consolas" panose="020B0609020204030204" pitchFamily="49" charset="0"/>
+              </a:rPr>
+              <a:t> = </a:t>
+            </a:r>
+            <a:r>
+              <a:rPr lang="en-US" sz="2000" b="1" i="1" dirty="0" err="1">
+                <a:solidFill>
+                  <a:srgbClr val="0070C0"/>
+                </a:solidFill>
+                <a:latin typeface="Consolas" panose="020B0609020204030204" pitchFamily="49" charset="0"/>
+                <a:cs typeface="Consolas" panose="020B0609020204030204" pitchFamily="49" charset="0"/>
+              </a:rPr>
+              <a:t>self.salary</a:t>
+            </a:r>
+            <a:r>
+              <a:rPr lang="en-US" sz="2000" b="1" i="1" dirty="0">
+                <a:solidFill>
+                  <a:srgbClr val="0070C0"/>
+                </a:solidFill>
+                <a:latin typeface="Consolas" panose="020B0609020204030204" pitchFamily="49" charset="0"/>
+                <a:cs typeface="Consolas" panose="020B0609020204030204" pitchFamily="49" charset="0"/>
+              </a:rPr>
+              <a:t> + amount</a:t>
+            </a:r>
+          </a:p>
+          <a:p>
+            <a:pPr lvl="1"/>
+            <a:endParaRPr lang="en-US" sz="2000" b="1" i="1" dirty="0">
+              <a:solidFill>
+                <a:srgbClr val="0070C0"/>
+              </a:solidFill>
+              <a:latin typeface="Consolas" panose="020B0609020204030204" pitchFamily="49" charset="0"/>
+              <a:cs typeface="Consolas" panose="020B0609020204030204" pitchFamily="49" charset="0"/>
+            </a:endParaRPr>
           </a:p>
           <a:p>
             <a:pPr marL="342900" indent="-342900">
@@ -3389,77 +3717,7 @@
             </a:pPr>
             <a:r>
               <a:rPr lang="en-US" sz="2000" dirty="0"/>
-              <a:t>By default, all new classes that you create are subclasses of </a:t>
-            </a:r>
-            <a:r>
-              <a:rPr lang="en-US" sz="2400" b="1" i="1" dirty="0">
-                <a:solidFill>
-                  <a:srgbClr val="0070C0"/>
-                </a:solidFill>
-                <a:latin typeface="Consolas" panose="020B0609020204030204" pitchFamily="49" charset="0"/>
-                <a:cs typeface="Consolas" panose="020B0609020204030204" pitchFamily="49" charset="0"/>
-              </a:rPr>
-              <a:t>object</a:t>
-            </a:r>
-            <a:r>
-              <a:rPr lang="en-US" sz="2000" dirty="0"/>
-              <a:t>. You can change this by specifying the class you want to use as a superclass in parentheses after the class name in a class definition. The following example defines a class (</a:t>
-            </a:r>
-            <a:r>
-              <a:rPr lang="en-US" sz="2400" b="1" i="1" dirty="0">
-                <a:solidFill>
-                  <a:srgbClr val="0070C0"/>
-                </a:solidFill>
-                <a:latin typeface="Consolas" panose="020B0609020204030204" pitchFamily="49" charset="0"/>
-                <a:cs typeface="Consolas" panose="020B0609020204030204" pitchFamily="49" charset="0"/>
-              </a:rPr>
-              <a:t>Employee</a:t>
-            </a:r>
-            <a:r>
-              <a:rPr lang="en-US" sz="2000" dirty="0"/>
-              <a:t>) as a subclass (</a:t>
-            </a:r>
-            <a:r>
-              <a:rPr lang="en-US" sz="2400" b="1" i="1" dirty="0">
-                <a:solidFill>
-                  <a:srgbClr val="0070C0"/>
-                </a:solidFill>
-                <a:latin typeface="Consolas" panose="020B0609020204030204" pitchFamily="49" charset="0"/>
-                <a:cs typeface="Consolas" panose="020B0609020204030204" pitchFamily="49" charset="0"/>
-              </a:rPr>
-              <a:t>Person</a:t>
-            </a:r>
-            <a:r>
-              <a:rPr lang="en-US" sz="2000" dirty="0"/>
-              <a:t>) and adds a new member variable (</a:t>
-            </a:r>
-            <a:r>
-              <a:rPr lang="en-US" sz="2400" b="1" i="1" dirty="0">
-                <a:solidFill>
-                  <a:srgbClr val="0070C0"/>
-                </a:solidFill>
-                <a:latin typeface="Consolas" panose="020B0609020204030204" pitchFamily="49" charset="0"/>
-                <a:cs typeface="Consolas" panose="020B0609020204030204" pitchFamily="49" charset="0"/>
-              </a:rPr>
-              <a:t>salary</a:t>
-            </a:r>
-            <a:r>
-              <a:rPr lang="en-US" sz="2000" dirty="0"/>
-              <a:t>) and an extra method (</a:t>
-            </a:r>
-            <a:r>
-              <a:rPr lang="en-US" sz="2400" b="1" i="1" dirty="0" err="1">
-                <a:solidFill>
-                  <a:srgbClr val="0070C0"/>
-                </a:solidFill>
-                <a:latin typeface="Consolas" panose="020B0609020204030204" pitchFamily="49" charset="0"/>
-                <a:cs typeface="Consolas" panose="020B0609020204030204" pitchFamily="49" charset="0"/>
-              </a:rPr>
-              <a:t>give_raise</a:t>
-            </a:r>
-            <a:r>
-              <a:rPr lang="en-US" sz="2000" dirty="0"/>
-              <a:t>):</a:t>
+              <a:t>In both these examples, the initializer method for the subclass first uses the initializer method of the parent class (superclass) and then adds the member variable. This has the advantage that you do not need to repeat the initialization code in the new subclass. </a:t>
             </a:r>
           </a:p>
           <a:p>
@@ -3470,321 +3728,13 @@
             <a:endParaRPr lang="en-US" sz="2000" dirty="0"/>
           </a:p>
           <a:p>
-            <a:pPr lvl="1"/>
-            <a:r>
-              <a:rPr lang="en-US" sz="2000" b="1" i="1" dirty="0">
-                <a:solidFill>
-                  <a:srgbClr val="0070C0"/>
-                </a:solidFill>
-                <a:latin typeface="Consolas" panose="020B0609020204030204" pitchFamily="49" charset="0"/>
-                <a:cs typeface="Consolas" panose="020B0609020204030204" pitchFamily="49" charset="0"/>
-              </a:rPr>
-              <a:t>class Employee(Person):</a:t>
-            </a:r>
-          </a:p>
-          <a:p>
-            <a:pPr lvl="1"/>
-            <a:r>
-              <a:rPr lang="en-US" sz="2000" b="1" i="1" dirty="0">
-                <a:solidFill>
-                  <a:srgbClr val="0070C0"/>
-                </a:solidFill>
-                <a:latin typeface="Consolas" panose="020B0609020204030204" pitchFamily="49" charset="0"/>
-                <a:cs typeface="Consolas" panose="020B0609020204030204" pitchFamily="49" charset="0"/>
-              </a:rPr>
-              <a:t>    </a:t>
-            </a:r>
-            <a:r>
-              <a:rPr lang="en-US" sz="2000" b="1" i="1" dirty="0" err="1">
-                <a:solidFill>
-                  <a:srgbClr val="0070C0"/>
-                </a:solidFill>
-                <a:latin typeface="Consolas" panose="020B0609020204030204" pitchFamily="49" charset="0"/>
-                <a:cs typeface="Consolas" panose="020B0609020204030204" pitchFamily="49" charset="0"/>
-              </a:rPr>
-              <a:t>def</a:t>
-            </a:r>
-            <a:r>
-              <a:rPr lang="en-US" sz="2000" b="1" i="1" dirty="0">
-                <a:solidFill>
-                  <a:srgbClr val="0070C0"/>
-                </a:solidFill>
-                <a:latin typeface="Consolas" panose="020B0609020204030204" pitchFamily="49" charset="0"/>
-                <a:cs typeface="Consolas" panose="020B0609020204030204" pitchFamily="49" charset="0"/>
-              </a:rPr>
-              <a:t> __</a:t>
-            </a:r>
-            <a:r>
-              <a:rPr lang="en-US" sz="2000" b="1" i="1" dirty="0" err="1">
-                <a:solidFill>
-                  <a:srgbClr val="0070C0"/>
-                </a:solidFill>
-                <a:latin typeface="Consolas" panose="020B0609020204030204" pitchFamily="49" charset="0"/>
-                <a:cs typeface="Consolas" panose="020B0609020204030204" pitchFamily="49" charset="0"/>
-              </a:rPr>
-              <a:t>init</a:t>
-            </a:r>
-            <a:r>
-              <a:rPr lang="en-US" sz="2000" b="1" i="1" dirty="0">
-                <a:solidFill>
-                  <a:srgbClr val="0070C0"/>
-                </a:solidFill>
-                <a:latin typeface="Consolas" panose="020B0609020204030204" pitchFamily="49" charset="0"/>
-                <a:cs typeface="Consolas" panose="020B0609020204030204" pitchFamily="49" charset="0"/>
-              </a:rPr>
-              <a:t>__(self, </a:t>
-            </a:r>
-            <a:r>
-              <a:rPr lang="en-US" sz="2000" b="1" i="1" dirty="0" err="1">
-                <a:solidFill>
-                  <a:srgbClr val="0070C0"/>
-                </a:solidFill>
-                <a:latin typeface="Consolas" panose="020B0609020204030204" pitchFamily="49" charset="0"/>
-                <a:cs typeface="Consolas" panose="020B0609020204030204" pitchFamily="49" charset="0"/>
-              </a:rPr>
-              <a:t>first_name</a:t>
-            </a:r>
-            <a:r>
-              <a:rPr lang="en-US" sz="2000" b="1" i="1" dirty="0">
-                <a:solidFill>
-                  <a:srgbClr val="0070C0"/>
-                </a:solidFill>
-                <a:latin typeface="Consolas" panose="020B0609020204030204" pitchFamily="49" charset="0"/>
-                <a:cs typeface="Consolas" panose="020B0609020204030204" pitchFamily="49" charset="0"/>
-              </a:rPr>
-              <a:t>, surname, </a:t>
-            </a:r>
-            <a:r>
-              <a:rPr lang="en-US" sz="2000" b="1" i="1" dirty="0" err="1">
-                <a:solidFill>
-                  <a:srgbClr val="0070C0"/>
-                </a:solidFill>
-                <a:latin typeface="Consolas" panose="020B0609020204030204" pitchFamily="49" charset="0"/>
-                <a:cs typeface="Consolas" panose="020B0609020204030204" pitchFamily="49" charset="0"/>
-              </a:rPr>
-              <a:t>tel</a:t>
-            </a:r>
-            <a:r>
-              <a:rPr lang="en-US" sz="2000" b="1" i="1" dirty="0">
-                <a:solidFill>
-                  <a:srgbClr val="0070C0"/>
-                </a:solidFill>
-                <a:latin typeface="Consolas" panose="020B0609020204030204" pitchFamily="49" charset="0"/>
-                <a:cs typeface="Consolas" panose="020B0609020204030204" pitchFamily="49" charset="0"/>
-              </a:rPr>
-              <a:t>, salary):        				super().__</a:t>
-            </a:r>
-            <a:r>
-              <a:rPr lang="en-US" sz="2000" b="1" i="1" dirty="0" err="1">
-                <a:solidFill>
-                  <a:srgbClr val="0070C0"/>
-                </a:solidFill>
-                <a:latin typeface="Consolas" panose="020B0609020204030204" pitchFamily="49" charset="0"/>
-                <a:cs typeface="Consolas" panose="020B0609020204030204" pitchFamily="49" charset="0"/>
-              </a:rPr>
-              <a:t>init</a:t>
-            </a:r>
-            <a:r>
-              <a:rPr lang="en-US" sz="2000" b="1" i="1" dirty="0">
-                <a:solidFill>
-                  <a:srgbClr val="0070C0"/>
-                </a:solidFill>
-                <a:latin typeface="Consolas" panose="020B0609020204030204" pitchFamily="49" charset="0"/>
-                <a:cs typeface="Consolas" panose="020B0609020204030204" pitchFamily="49" charset="0"/>
-              </a:rPr>
-              <a:t>__(</a:t>
-            </a:r>
-            <a:r>
-              <a:rPr lang="en-US" sz="2000" b="1" i="1" dirty="0" err="1">
-                <a:solidFill>
-                  <a:srgbClr val="0070C0"/>
-                </a:solidFill>
-                <a:latin typeface="Consolas" panose="020B0609020204030204" pitchFamily="49" charset="0"/>
-                <a:cs typeface="Consolas" panose="020B0609020204030204" pitchFamily="49" charset="0"/>
-              </a:rPr>
-              <a:t>first_name</a:t>
-            </a:r>
-            <a:r>
-              <a:rPr lang="en-US" sz="2000" b="1" i="1" dirty="0">
-                <a:solidFill>
-                  <a:srgbClr val="0070C0"/>
-                </a:solidFill>
-                <a:latin typeface="Consolas" panose="020B0609020204030204" pitchFamily="49" charset="0"/>
-                <a:cs typeface="Consolas" panose="020B0609020204030204" pitchFamily="49" charset="0"/>
-              </a:rPr>
-              <a:t>, surname, </a:t>
-            </a:r>
-            <a:r>
-              <a:rPr lang="en-US" sz="2000" b="1" i="1" dirty="0" err="1">
-                <a:solidFill>
-                  <a:srgbClr val="0070C0"/>
-                </a:solidFill>
-                <a:latin typeface="Consolas" panose="020B0609020204030204" pitchFamily="49" charset="0"/>
-                <a:cs typeface="Consolas" panose="020B0609020204030204" pitchFamily="49" charset="0"/>
-              </a:rPr>
-              <a:t>tel</a:t>
-            </a:r>
-            <a:r>
-              <a:rPr lang="en-US" sz="2000" b="1" i="1" dirty="0">
-                <a:solidFill>
-                  <a:srgbClr val="0070C0"/>
-                </a:solidFill>
-                <a:latin typeface="Consolas" panose="020B0609020204030204" pitchFamily="49" charset="0"/>
-                <a:cs typeface="Consolas" panose="020B0609020204030204" pitchFamily="49" charset="0"/>
-              </a:rPr>
-              <a:t>)        </a:t>
-            </a:r>
-          </a:p>
-          <a:p>
-            <a:pPr lvl="1"/>
-            <a:r>
-              <a:rPr lang="en-US" sz="2000" b="1" i="1" dirty="0">
-                <a:solidFill>
-                  <a:srgbClr val="0070C0"/>
-                </a:solidFill>
-                <a:latin typeface="Consolas" panose="020B0609020204030204" pitchFamily="49" charset="0"/>
-                <a:cs typeface="Consolas" panose="020B0609020204030204" pitchFamily="49" charset="0"/>
-              </a:rPr>
-              <a:t>		</a:t>
-            </a:r>
-            <a:r>
-              <a:rPr lang="en-US" sz="2000" b="1" i="1" dirty="0" err="1">
-                <a:solidFill>
-                  <a:srgbClr val="0070C0"/>
-                </a:solidFill>
-                <a:latin typeface="Consolas" panose="020B0609020204030204" pitchFamily="49" charset="0"/>
-                <a:cs typeface="Consolas" panose="020B0609020204030204" pitchFamily="49" charset="0"/>
-              </a:rPr>
-              <a:t>self.salary</a:t>
-            </a:r>
-            <a:r>
-              <a:rPr lang="en-US" sz="2000" b="1" i="1" dirty="0">
-                <a:solidFill>
-                  <a:srgbClr val="0070C0"/>
-                </a:solidFill>
-                <a:latin typeface="Consolas" panose="020B0609020204030204" pitchFamily="49" charset="0"/>
-                <a:cs typeface="Consolas" panose="020B0609020204030204" pitchFamily="49" charset="0"/>
-              </a:rPr>
-              <a:t> = salary</a:t>
-            </a:r>
-          </a:p>
-          <a:p>
-            <a:pPr lvl="1"/>
-            <a:r>
-              <a:rPr lang="en-US" sz="2000" b="1" i="1" dirty="0">
-                <a:solidFill>
-                  <a:srgbClr val="0070C0"/>
-                </a:solidFill>
-                <a:latin typeface="Consolas" panose="020B0609020204030204" pitchFamily="49" charset="0"/>
-                <a:cs typeface="Consolas" panose="020B0609020204030204" pitchFamily="49" charset="0"/>
-              </a:rPr>
-              <a:t>   </a:t>
-            </a:r>
-          </a:p>
-          <a:p>
-            <a:pPr lvl="1"/>
-            <a:r>
-              <a:rPr lang="en-US" sz="2000" b="1" i="1" dirty="0">
-                <a:solidFill>
-                  <a:srgbClr val="0070C0"/>
-                </a:solidFill>
-                <a:latin typeface="Consolas" panose="020B0609020204030204" pitchFamily="49" charset="0"/>
-                <a:cs typeface="Consolas" panose="020B0609020204030204" pitchFamily="49" charset="0"/>
-              </a:rPr>
-              <a:t>	 </a:t>
-            </a:r>
-            <a:r>
-              <a:rPr lang="en-US" sz="2000" b="1" i="1" dirty="0" err="1">
-                <a:solidFill>
-                  <a:srgbClr val="0070C0"/>
-                </a:solidFill>
-                <a:latin typeface="Consolas" panose="020B0609020204030204" pitchFamily="49" charset="0"/>
-                <a:cs typeface="Consolas" panose="020B0609020204030204" pitchFamily="49" charset="0"/>
-              </a:rPr>
-              <a:t>def</a:t>
-            </a:r>
-            <a:r>
-              <a:rPr lang="en-US" sz="2000" b="1" i="1" dirty="0">
-                <a:solidFill>
-                  <a:srgbClr val="0070C0"/>
-                </a:solidFill>
-                <a:latin typeface="Consolas" panose="020B0609020204030204" pitchFamily="49" charset="0"/>
-                <a:cs typeface="Consolas" panose="020B0609020204030204" pitchFamily="49" charset="0"/>
-              </a:rPr>
-              <a:t> </a:t>
-            </a:r>
-            <a:r>
-              <a:rPr lang="en-US" sz="2000" b="1" i="1" dirty="0" err="1">
-                <a:solidFill>
-                  <a:srgbClr val="0070C0"/>
-                </a:solidFill>
-                <a:latin typeface="Consolas" panose="020B0609020204030204" pitchFamily="49" charset="0"/>
-                <a:cs typeface="Consolas" panose="020B0609020204030204" pitchFamily="49" charset="0"/>
-              </a:rPr>
-              <a:t>give_raise</a:t>
-            </a:r>
-            <a:r>
-              <a:rPr lang="en-US" sz="2000" b="1" i="1" dirty="0">
-                <a:solidFill>
-                  <a:srgbClr val="0070C0"/>
-                </a:solidFill>
-                <a:latin typeface="Consolas" panose="020B0609020204030204" pitchFamily="49" charset="0"/>
-                <a:cs typeface="Consolas" panose="020B0609020204030204" pitchFamily="49" charset="0"/>
-              </a:rPr>
-              <a:t>(self, amount):        </a:t>
-            </a:r>
-          </a:p>
-          <a:p>
-            <a:pPr lvl="1"/>
-            <a:r>
-              <a:rPr lang="en-US" sz="2000" b="1" i="1" dirty="0">
-                <a:solidFill>
-                  <a:srgbClr val="0070C0"/>
-                </a:solidFill>
-                <a:latin typeface="Consolas" panose="020B0609020204030204" pitchFamily="49" charset="0"/>
-                <a:cs typeface="Consolas" panose="020B0609020204030204" pitchFamily="49" charset="0"/>
-              </a:rPr>
-              <a:t>		</a:t>
-            </a:r>
-            <a:r>
-              <a:rPr lang="en-US" sz="2000" b="1" i="1" dirty="0" err="1">
-                <a:solidFill>
-                  <a:srgbClr val="0070C0"/>
-                </a:solidFill>
-                <a:latin typeface="Consolas" panose="020B0609020204030204" pitchFamily="49" charset="0"/>
-                <a:cs typeface="Consolas" panose="020B0609020204030204" pitchFamily="49" charset="0"/>
-              </a:rPr>
-              <a:t>self.salary</a:t>
-            </a:r>
-            <a:r>
-              <a:rPr lang="en-US" sz="2000" b="1" i="1" dirty="0">
-                <a:solidFill>
-                  <a:srgbClr val="0070C0"/>
-                </a:solidFill>
-                <a:latin typeface="Consolas" panose="020B0609020204030204" pitchFamily="49" charset="0"/>
-                <a:cs typeface="Consolas" panose="020B0609020204030204" pitchFamily="49" charset="0"/>
-              </a:rPr>
-              <a:t> = </a:t>
-            </a:r>
-            <a:r>
-              <a:rPr lang="en-US" sz="2000" b="1" i="1" dirty="0" err="1">
-                <a:solidFill>
-                  <a:srgbClr val="0070C0"/>
-                </a:solidFill>
-                <a:latin typeface="Consolas" panose="020B0609020204030204" pitchFamily="49" charset="0"/>
-                <a:cs typeface="Consolas" panose="020B0609020204030204" pitchFamily="49" charset="0"/>
-              </a:rPr>
-              <a:t>self.salary</a:t>
-            </a:r>
-            <a:r>
-              <a:rPr lang="en-US" sz="2000" b="1" i="1" dirty="0">
-                <a:solidFill>
-                  <a:srgbClr val="0070C0"/>
-                </a:solidFill>
-                <a:latin typeface="Consolas" panose="020B0609020204030204" pitchFamily="49" charset="0"/>
-                <a:cs typeface="Consolas" panose="020B0609020204030204" pitchFamily="49" charset="0"/>
-              </a:rPr>
-              <a:t> + amount </a:t>
+            <a:pPr marL="342900" indent="-342900">
+              <a:buFont typeface="Arial" panose="020B0604020202020204" pitchFamily="34" charset="0"/>
+              <a:buChar char="•"/>
+            </a:pPr>
+            <a:r>
+              <a:rPr lang="en-US" sz="2000" dirty="0"/>
+              <a:t>The Python inheritance mechanism is actually very powerful and supports multiple inheritance—where a subclass inherits from more than one superclass. For more on inheritance, see the official documentation for Python. </a:t>
             </a:r>
           </a:p>
         </p:txBody>
@@ -3831,7 +3781,7 @@
     </p:spTree>
     <p:extLst>
       <p:ext uri="{BB962C8B-B14F-4D97-AF65-F5344CB8AC3E}">
-        <p14:creationId xmlns:p14="http://schemas.microsoft.com/office/powerpoint/2010/main" val="3968070404"/>
+        <p14:creationId xmlns:p14="http://schemas.microsoft.com/office/powerpoint/2010/main" val="344394973"/>
       </p:ext>
     </p:extLst>
   </p:cSld>
@@ -4002,15 +3952,8 @@
           <a:p>
             <a:r>
               <a:rPr lang="en-US" dirty="0"/>
-              <a:t>Inheritance</a:t>
-            </a:r>
-            <a:endParaRPr lang="en-US" b="1" i="1" dirty="0">
-              <a:solidFill>
-                <a:srgbClr val="0070C0"/>
-              </a:solidFill>
-              <a:latin typeface="Consolas" panose="020B0609020204030204" pitchFamily="49" charset="0"/>
-              <a:cs typeface="Consolas" panose="020B0609020204030204" pitchFamily="49" charset="0"/>
-            </a:endParaRPr>
+              <a:t>Pickling</a:t>
+            </a:r>
           </a:p>
         </p:txBody>
       </p:sp>
@@ -4023,7 +3966,7 @@
         <p:spPr>
           <a:xfrm>
             <a:off x="417443" y="857743"/>
-            <a:ext cx="11357113" cy="5940088"/>
+            <a:ext cx="11357113" cy="5324535"/>
           </a:xfrm>
           <a:prstGeom prst="rect">
             <a:avLst/>
@@ -4042,377 +3985,65 @@
             </a:pPr>
             <a:r>
               <a:rPr lang="en-US" sz="2000" dirty="0"/>
-              <a:t>Note that the preceding example is for Python 3. For Python 2, you can’t use </a:t>
-            </a:r>
-            <a:r>
-              <a:rPr lang="en-US" sz="2000" b="1" i="1" dirty="0">
-                <a:solidFill>
-                  <a:srgbClr val="0070C0"/>
-                </a:solidFill>
-                <a:latin typeface="Consolas" panose="020B0609020204030204" pitchFamily="49" charset="0"/>
-                <a:cs typeface="Consolas" panose="020B0609020204030204" pitchFamily="49" charset="0"/>
-              </a:rPr>
-              <a:t>super</a:t>
+              <a:t>Use the Python </a:t>
+            </a:r>
+            <a:r>
+              <a:rPr lang="en-US" sz="2000" i="1" dirty="0">
+                <a:effectLst>
+                  <a:outerShdw blurRad="38100" dist="38100" dir="2700000" algn="tl">
+                    <a:srgbClr val="000000">
+                      <a:alpha val="43137"/>
+                    </a:srgbClr>
+                  </a:outerShdw>
+                </a:effectLst>
+              </a:rPr>
+              <a:t>pickling</a:t>
             </a:r>
             <a:r>
               <a:rPr lang="en-US" sz="2000" dirty="0"/>
-              <a:t> the same way. Instead, you must write:</a:t>
-            </a:r>
-          </a:p>
-          <a:p>
-            <a:endParaRPr lang="en-US" sz="2000" dirty="0"/>
-          </a:p>
-          <a:p>
-            <a:pPr lvl="1"/>
-            <a:r>
-              <a:rPr lang="en-US" sz="2000" b="1" i="1" dirty="0">
-                <a:solidFill>
-                  <a:srgbClr val="0070C0"/>
-                </a:solidFill>
-                <a:latin typeface="Consolas" panose="020B0609020204030204" pitchFamily="49" charset="0"/>
-                <a:cs typeface="Consolas" panose="020B0609020204030204" pitchFamily="49" charset="0"/>
-              </a:rPr>
-              <a:t>class Employee(Person):</a:t>
-            </a:r>
-          </a:p>
-          <a:p>
-            <a:pPr lvl="1"/>
-            <a:r>
-              <a:rPr lang="en-US" sz="2000" b="1" i="1" dirty="0">
-                <a:solidFill>
-                  <a:srgbClr val="0070C0"/>
-                </a:solidFill>
-                <a:latin typeface="Consolas" panose="020B0609020204030204" pitchFamily="49" charset="0"/>
-                <a:cs typeface="Consolas" panose="020B0609020204030204" pitchFamily="49" charset="0"/>
-              </a:rPr>
-              <a:t>    </a:t>
-            </a:r>
-            <a:r>
-              <a:rPr lang="en-US" sz="2000" b="1" i="1" dirty="0" err="1">
-                <a:solidFill>
-                  <a:srgbClr val="0070C0"/>
-                </a:solidFill>
-                <a:latin typeface="Consolas" panose="020B0609020204030204" pitchFamily="49" charset="0"/>
-                <a:cs typeface="Consolas" panose="020B0609020204030204" pitchFamily="49" charset="0"/>
-              </a:rPr>
-              <a:t>def</a:t>
-            </a:r>
-            <a:r>
-              <a:rPr lang="en-US" sz="2000" b="1" i="1" dirty="0">
-                <a:solidFill>
-                  <a:srgbClr val="0070C0"/>
-                </a:solidFill>
-                <a:latin typeface="Consolas" panose="020B0609020204030204" pitchFamily="49" charset="0"/>
-                <a:cs typeface="Consolas" panose="020B0609020204030204" pitchFamily="49" charset="0"/>
-              </a:rPr>
-              <a:t> __</a:t>
-            </a:r>
-            <a:r>
-              <a:rPr lang="en-US" sz="2000" b="1" i="1" dirty="0" err="1">
-                <a:solidFill>
-                  <a:srgbClr val="0070C0"/>
-                </a:solidFill>
-                <a:latin typeface="Consolas" panose="020B0609020204030204" pitchFamily="49" charset="0"/>
-                <a:cs typeface="Consolas" panose="020B0609020204030204" pitchFamily="49" charset="0"/>
-              </a:rPr>
-              <a:t>init</a:t>
-            </a:r>
-            <a:r>
-              <a:rPr lang="en-US" sz="2000" b="1" i="1" dirty="0">
-                <a:solidFill>
-                  <a:srgbClr val="0070C0"/>
-                </a:solidFill>
-                <a:latin typeface="Consolas" panose="020B0609020204030204" pitchFamily="49" charset="0"/>
-                <a:cs typeface="Consolas" panose="020B0609020204030204" pitchFamily="49" charset="0"/>
-              </a:rPr>
-              <a:t>__(self, </a:t>
-            </a:r>
-            <a:r>
-              <a:rPr lang="en-US" sz="2000" b="1" i="1" dirty="0" err="1">
-                <a:solidFill>
-                  <a:srgbClr val="0070C0"/>
-                </a:solidFill>
-                <a:latin typeface="Consolas" panose="020B0609020204030204" pitchFamily="49" charset="0"/>
-                <a:cs typeface="Consolas" panose="020B0609020204030204" pitchFamily="49" charset="0"/>
-              </a:rPr>
-              <a:t>first_name</a:t>
-            </a:r>
-            <a:r>
-              <a:rPr lang="en-US" sz="2000" b="1" i="1" dirty="0">
-                <a:solidFill>
-                  <a:srgbClr val="0070C0"/>
-                </a:solidFill>
-                <a:latin typeface="Consolas" panose="020B0609020204030204" pitchFamily="49" charset="0"/>
-                <a:cs typeface="Consolas" panose="020B0609020204030204" pitchFamily="49" charset="0"/>
-              </a:rPr>
-              <a:t>, surname, </a:t>
-            </a:r>
-            <a:r>
-              <a:rPr lang="en-US" sz="2000" b="1" i="1" dirty="0" err="1">
-                <a:solidFill>
-                  <a:srgbClr val="0070C0"/>
-                </a:solidFill>
-                <a:latin typeface="Consolas" panose="020B0609020204030204" pitchFamily="49" charset="0"/>
-                <a:cs typeface="Consolas" panose="020B0609020204030204" pitchFamily="49" charset="0"/>
-              </a:rPr>
-              <a:t>tel</a:t>
-            </a:r>
-            <a:r>
-              <a:rPr lang="en-US" sz="2000" b="1" i="1" dirty="0">
-                <a:solidFill>
-                  <a:srgbClr val="0070C0"/>
-                </a:solidFill>
-                <a:latin typeface="Consolas" panose="020B0609020204030204" pitchFamily="49" charset="0"/>
-                <a:cs typeface="Consolas" panose="020B0609020204030204" pitchFamily="49" charset="0"/>
-              </a:rPr>
-              <a:t>, salary):        				Person.__</a:t>
-            </a:r>
-            <a:r>
-              <a:rPr lang="en-US" sz="2000" b="1" i="1" dirty="0" err="1">
-                <a:solidFill>
-                  <a:srgbClr val="0070C0"/>
-                </a:solidFill>
-                <a:latin typeface="Consolas" panose="020B0609020204030204" pitchFamily="49" charset="0"/>
-                <a:cs typeface="Consolas" panose="020B0609020204030204" pitchFamily="49" charset="0"/>
-              </a:rPr>
-              <a:t>init</a:t>
-            </a:r>
-            <a:r>
-              <a:rPr lang="en-US" sz="2000" b="1" i="1" dirty="0">
-                <a:solidFill>
-                  <a:srgbClr val="0070C0"/>
-                </a:solidFill>
-                <a:latin typeface="Consolas" panose="020B0609020204030204" pitchFamily="49" charset="0"/>
-                <a:cs typeface="Consolas" panose="020B0609020204030204" pitchFamily="49" charset="0"/>
-              </a:rPr>
-              <a:t>__(self, </a:t>
-            </a:r>
-            <a:r>
-              <a:rPr lang="en-US" sz="2000" b="1" i="1" dirty="0" err="1">
-                <a:solidFill>
-                  <a:srgbClr val="0070C0"/>
-                </a:solidFill>
-                <a:latin typeface="Consolas" panose="020B0609020204030204" pitchFamily="49" charset="0"/>
-                <a:cs typeface="Consolas" panose="020B0609020204030204" pitchFamily="49" charset="0"/>
-              </a:rPr>
-              <a:t>first_name</a:t>
-            </a:r>
-            <a:r>
-              <a:rPr lang="en-US" sz="2000" b="1" i="1" dirty="0">
-                <a:solidFill>
-                  <a:srgbClr val="0070C0"/>
-                </a:solidFill>
-                <a:latin typeface="Consolas" panose="020B0609020204030204" pitchFamily="49" charset="0"/>
-                <a:cs typeface="Consolas" panose="020B0609020204030204" pitchFamily="49" charset="0"/>
-              </a:rPr>
-              <a:t>, surname, </a:t>
-            </a:r>
-            <a:r>
-              <a:rPr lang="en-US" sz="2000" b="1" i="1" dirty="0" err="1">
-                <a:solidFill>
-                  <a:srgbClr val="0070C0"/>
-                </a:solidFill>
-                <a:latin typeface="Consolas" panose="020B0609020204030204" pitchFamily="49" charset="0"/>
-                <a:cs typeface="Consolas" panose="020B0609020204030204" pitchFamily="49" charset="0"/>
-              </a:rPr>
-              <a:t>tel</a:t>
-            </a:r>
-            <a:r>
-              <a:rPr lang="en-US" sz="2000" b="1" i="1" dirty="0">
-                <a:solidFill>
-                  <a:srgbClr val="0070C0"/>
-                </a:solidFill>
-                <a:latin typeface="Consolas" panose="020B0609020204030204" pitchFamily="49" charset="0"/>
-                <a:cs typeface="Consolas" panose="020B0609020204030204" pitchFamily="49" charset="0"/>
-              </a:rPr>
-              <a:t>)        </a:t>
-            </a:r>
-          </a:p>
-          <a:p>
-            <a:pPr lvl="1"/>
-            <a:r>
-              <a:rPr lang="en-US" sz="2000" b="1" i="1" dirty="0">
-                <a:solidFill>
-                  <a:srgbClr val="0070C0"/>
-                </a:solidFill>
-                <a:latin typeface="Consolas" panose="020B0609020204030204" pitchFamily="49" charset="0"/>
-                <a:cs typeface="Consolas" panose="020B0609020204030204" pitchFamily="49" charset="0"/>
-              </a:rPr>
-              <a:t>		</a:t>
-            </a:r>
-            <a:r>
-              <a:rPr lang="en-US" sz="2000" b="1" i="1" dirty="0" err="1">
-                <a:solidFill>
-                  <a:srgbClr val="0070C0"/>
-                </a:solidFill>
-                <a:latin typeface="Consolas" panose="020B0609020204030204" pitchFamily="49" charset="0"/>
-                <a:cs typeface="Consolas" panose="020B0609020204030204" pitchFamily="49" charset="0"/>
-              </a:rPr>
-              <a:t>self.salary</a:t>
-            </a:r>
-            <a:r>
-              <a:rPr lang="en-US" sz="2000" b="1" i="1" dirty="0">
-                <a:solidFill>
-                  <a:srgbClr val="0070C0"/>
-                </a:solidFill>
-                <a:latin typeface="Consolas" panose="020B0609020204030204" pitchFamily="49" charset="0"/>
-                <a:cs typeface="Consolas" panose="020B0609020204030204" pitchFamily="49" charset="0"/>
-              </a:rPr>
-              <a:t> = salary</a:t>
-            </a:r>
-          </a:p>
-          <a:p>
-            <a:pPr lvl="1"/>
-            <a:r>
-              <a:rPr lang="en-US" sz="2000" b="1" i="1" dirty="0">
-                <a:solidFill>
-                  <a:srgbClr val="0070C0"/>
-                </a:solidFill>
-                <a:latin typeface="Consolas" panose="020B0609020204030204" pitchFamily="49" charset="0"/>
-                <a:cs typeface="Consolas" panose="020B0609020204030204" pitchFamily="49" charset="0"/>
-              </a:rPr>
-              <a:t>    </a:t>
-            </a:r>
-          </a:p>
-          <a:p>
-            <a:pPr lvl="1"/>
-            <a:r>
-              <a:rPr lang="en-US" sz="2000" b="1" i="1" dirty="0">
-                <a:solidFill>
-                  <a:srgbClr val="0070C0"/>
-                </a:solidFill>
-                <a:latin typeface="Consolas" panose="020B0609020204030204" pitchFamily="49" charset="0"/>
-                <a:cs typeface="Consolas" panose="020B0609020204030204" pitchFamily="49" charset="0"/>
-              </a:rPr>
-              <a:t>	</a:t>
-            </a:r>
-            <a:r>
-              <a:rPr lang="en-US" sz="2000" b="1" i="1" dirty="0" err="1">
-                <a:solidFill>
-                  <a:srgbClr val="0070C0"/>
-                </a:solidFill>
-                <a:latin typeface="Consolas" panose="020B0609020204030204" pitchFamily="49" charset="0"/>
-                <a:cs typeface="Consolas" panose="020B0609020204030204" pitchFamily="49" charset="0"/>
-              </a:rPr>
-              <a:t>def</a:t>
-            </a:r>
-            <a:r>
-              <a:rPr lang="en-US" sz="2000" b="1" i="1" dirty="0">
-                <a:solidFill>
-                  <a:srgbClr val="0070C0"/>
-                </a:solidFill>
-                <a:latin typeface="Consolas" panose="020B0609020204030204" pitchFamily="49" charset="0"/>
-                <a:cs typeface="Consolas" panose="020B0609020204030204" pitchFamily="49" charset="0"/>
-              </a:rPr>
-              <a:t> </a:t>
-            </a:r>
-            <a:r>
-              <a:rPr lang="en-US" sz="2000" b="1" i="1" dirty="0" err="1">
-                <a:solidFill>
-                  <a:srgbClr val="0070C0"/>
-                </a:solidFill>
-                <a:latin typeface="Consolas" panose="020B0609020204030204" pitchFamily="49" charset="0"/>
-                <a:cs typeface="Consolas" panose="020B0609020204030204" pitchFamily="49" charset="0"/>
-              </a:rPr>
-              <a:t>give_raise</a:t>
-            </a:r>
-            <a:r>
-              <a:rPr lang="en-US" sz="2000" b="1" i="1" dirty="0">
-                <a:solidFill>
-                  <a:srgbClr val="0070C0"/>
-                </a:solidFill>
-                <a:latin typeface="Consolas" panose="020B0609020204030204" pitchFamily="49" charset="0"/>
-                <a:cs typeface="Consolas" panose="020B0609020204030204" pitchFamily="49" charset="0"/>
-              </a:rPr>
-              <a:t>(self, amount):        </a:t>
-            </a:r>
-          </a:p>
-          <a:p>
-            <a:pPr lvl="1"/>
-            <a:r>
-              <a:rPr lang="en-US" sz="2000" b="1" i="1" dirty="0">
-                <a:solidFill>
-                  <a:srgbClr val="0070C0"/>
-                </a:solidFill>
-                <a:latin typeface="Consolas" panose="020B0609020204030204" pitchFamily="49" charset="0"/>
-                <a:cs typeface="Consolas" panose="020B0609020204030204" pitchFamily="49" charset="0"/>
-              </a:rPr>
-              <a:t>		</a:t>
-            </a:r>
-            <a:r>
-              <a:rPr lang="en-US" sz="2000" b="1" i="1" dirty="0" err="1">
-                <a:solidFill>
-                  <a:srgbClr val="0070C0"/>
-                </a:solidFill>
-                <a:latin typeface="Consolas" panose="020B0609020204030204" pitchFamily="49" charset="0"/>
-                <a:cs typeface="Consolas" panose="020B0609020204030204" pitchFamily="49" charset="0"/>
-              </a:rPr>
-              <a:t>self.salary</a:t>
-            </a:r>
-            <a:r>
-              <a:rPr lang="en-US" sz="2000" b="1" i="1" dirty="0">
-                <a:solidFill>
-                  <a:srgbClr val="0070C0"/>
-                </a:solidFill>
-                <a:latin typeface="Consolas" panose="020B0609020204030204" pitchFamily="49" charset="0"/>
-                <a:cs typeface="Consolas" panose="020B0609020204030204" pitchFamily="49" charset="0"/>
-              </a:rPr>
-              <a:t> = </a:t>
-            </a:r>
-            <a:r>
-              <a:rPr lang="en-US" sz="2000" b="1" i="1" dirty="0" err="1">
-                <a:solidFill>
-                  <a:srgbClr val="0070C0"/>
-                </a:solidFill>
-                <a:latin typeface="Consolas" panose="020B0609020204030204" pitchFamily="49" charset="0"/>
-                <a:cs typeface="Consolas" panose="020B0609020204030204" pitchFamily="49" charset="0"/>
-              </a:rPr>
-              <a:t>self.salary</a:t>
-            </a:r>
-            <a:r>
-              <a:rPr lang="en-US" sz="2000" b="1" i="1" dirty="0">
-                <a:solidFill>
-                  <a:srgbClr val="0070C0"/>
-                </a:solidFill>
-                <a:latin typeface="Consolas" panose="020B0609020204030204" pitchFamily="49" charset="0"/>
-                <a:cs typeface="Consolas" panose="020B0609020204030204" pitchFamily="49" charset="0"/>
-              </a:rPr>
-              <a:t> + amount</a:t>
-            </a:r>
-          </a:p>
-          <a:p>
-            <a:pPr lvl="1"/>
-            <a:endParaRPr lang="en-US" sz="2000" b="1" i="1" dirty="0">
-              <a:solidFill>
-                <a:srgbClr val="0070C0"/>
-              </a:solidFill>
-              <a:latin typeface="Consolas" panose="020B0609020204030204" pitchFamily="49" charset="0"/>
-              <a:cs typeface="Consolas" panose="020B0609020204030204" pitchFamily="49" charset="0"/>
-            </a:endParaRPr>
+              <a:t> feature to dump the data structure to file in a format that can be automatically read back into memory as an equivalent data structure later on. </a:t>
+            </a:r>
           </a:p>
           <a:p>
             <a:pPr marL="342900" indent="-342900">
               <a:buFont typeface="Arial" panose="020B0604020202020204" pitchFamily="34" charset="0"/>
               <a:buChar char="•"/>
             </a:pPr>
-            <a:endParaRPr lang="en-US" sz="2000" dirty="0"/>
+            <a:r>
+              <a:rPr lang="en-US" sz="2000" b="1" dirty="0">
+                <a:solidFill>
+                  <a:srgbClr val="FF0000"/>
+                </a:solidFill>
+              </a:rPr>
+              <a:t>Example:</a:t>
+            </a:r>
           </a:p>
           <a:p>
             <a:pPr marL="342900" indent="-342900">
               <a:buFont typeface="Arial" panose="020B0604020202020204" pitchFamily="34" charset="0"/>
               <a:buChar char="•"/>
             </a:pPr>
-            <a:r>
-              <a:rPr lang="en-US" sz="2000" dirty="0"/>
-              <a:t>In both these examples, the initializer method for the subclass first uses the initializer method of the parent class (superclass) and then adds the member variable. This has the advantage that you do not need to repeat the initialization code in the new subclass. </a:t>
-            </a:r>
+            <a:endParaRPr lang="en-US" sz="2000" b="1" dirty="0">
+              <a:solidFill>
+                <a:srgbClr val="FF0000"/>
+              </a:solidFill>
+            </a:endParaRPr>
           </a:p>
           <a:p>
             <a:pPr marL="342900" indent="-342900">
               <a:buFont typeface="Arial" panose="020B0604020202020204" pitchFamily="34" charset="0"/>
               <a:buChar char="•"/>
             </a:pPr>
-            <a:endParaRPr lang="en-US" sz="2000" dirty="0"/>
+            <a:r>
+              <a:rPr lang="en-US" sz="2000" b="1" i="1" dirty="0">
+                <a:solidFill>
+                  <a:srgbClr val="0070C0"/>
+                </a:solidFill>
+                <a:latin typeface="Consolas" panose="020B0609020204030204" pitchFamily="49" charset="0"/>
+                <a:cs typeface="Consolas" panose="020B0609020204030204" pitchFamily="49" charset="0"/>
+              </a:rPr>
+              <a:t>&gt;&gt;&gt; import pickle </a:t>
+            </a:r>
           </a:p>
           <a:p>
             <a:pPr marL="342900" indent="-342900">
@@ -4420,8 +4051,382 @@
               <a:buChar char="•"/>
             </a:pPr>
             <a:r>
+              <a:rPr lang="en-US" sz="2000" b="1" i="1" dirty="0">
+                <a:solidFill>
+                  <a:srgbClr val="0070C0"/>
+                </a:solidFill>
+                <a:latin typeface="Consolas" panose="020B0609020204030204" pitchFamily="49" charset="0"/>
+                <a:cs typeface="Consolas" panose="020B0609020204030204" pitchFamily="49" charset="0"/>
+              </a:rPr>
+              <a:t>&gt;&gt;&gt; </a:t>
+            </a:r>
+            <a:r>
+              <a:rPr lang="en-US" sz="2000" b="1" i="1" dirty="0" err="1">
+                <a:solidFill>
+                  <a:srgbClr val="0070C0"/>
+                </a:solidFill>
+                <a:latin typeface="Consolas" panose="020B0609020204030204" pitchFamily="49" charset="0"/>
+                <a:cs typeface="Consolas" panose="020B0609020204030204" pitchFamily="49" charset="0"/>
+              </a:rPr>
+              <a:t>mylist</a:t>
+            </a:r>
+            <a:r>
+              <a:rPr lang="en-US" sz="2000" b="1" i="1" dirty="0">
+                <a:solidFill>
+                  <a:srgbClr val="0070C0"/>
+                </a:solidFill>
+                <a:latin typeface="Consolas" panose="020B0609020204030204" pitchFamily="49" charset="0"/>
+                <a:cs typeface="Consolas" panose="020B0609020204030204" pitchFamily="49" charset="0"/>
+              </a:rPr>
+              <a:t> = ['some text', 123, [4, 5, True]] </a:t>
+            </a:r>
+          </a:p>
+          <a:p>
+            <a:pPr marL="342900" indent="-342900">
+              <a:buFont typeface="Arial" panose="020B0604020202020204" pitchFamily="34" charset="0"/>
+              <a:buChar char="•"/>
+            </a:pPr>
+            <a:r>
+              <a:rPr lang="en-US" sz="2000" b="1" i="1" dirty="0">
+                <a:solidFill>
+                  <a:srgbClr val="0070C0"/>
+                </a:solidFill>
+                <a:latin typeface="Consolas" panose="020B0609020204030204" pitchFamily="49" charset="0"/>
+                <a:cs typeface="Consolas" panose="020B0609020204030204" pitchFamily="49" charset="0"/>
+              </a:rPr>
+              <a:t>&gt;&gt;&gt; f = open('</a:t>
+            </a:r>
+            <a:r>
+              <a:rPr lang="en-US" sz="2000" b="1" i="1" dirty="0" err="1">
+                <a:solidFill>
+                  <a:srgbClr val="0070C0"/>
+                </a:solidFill>
+                <a:latin typeface="Consolas" panose="020B0609020204030204" pitchFamily="49" charset="0"/>
+                <a:cs typeface="Consolas" panose="020B0609020204030204" pitchFamily="49" charset="0"/>
+              </a:rPr>
+              <a:t>mylist.pickle</a:t>
+            </a:r>
+            <a:r>
+              <a:rPr lang="en-US" sz="2000" b="1" i="1" dirty="0">
+                <a:solidFill>
+                  <a:srgbClr val="0070C0"/>
+                </a:solidFill>
+                <a:latin typeface="Consolas" panose="020B0609020204030204" pitchFamily="49" charset="0"/>
+                <a:cs typeface="Consolas" panose="020B0609020204030204" pitchFamily="49" charset="0"/>
+              </a:rPr>
+              <a:t>', 'w') </a:t>
+            </a:r>
+          </a:p>
+          <a:p>
+            <a:pPr marL="342900" indent="-342900">
+              <a:buFont typeface="Arial" panose="020B0604020202020204" pitchFamily="34" charset="0"/>
+              <a:buChar char="•"/>
+            </a:pPr>
+            <a:r>
+              <a:rPr lang="en-US" sz="2000" b="1" i="1" dirty="0">
+                <a:solidFill>
+                  <a:srgbClr val="0070C0"/>
+                </a:solidFill>
+                <a:latin typeface="Consolas" panose="020B0609020204030204" pitchFamily="49" charset="0"/>
+                <a:cs typeface="Consolas" panose="020B0609020204030204" pitchFamily="49" charset="0"/>
+              </a:rPr>
+              <a:t>&gt;&gt;&gt; </a:t>
+            </a:r>
+            <a:r>
+              <a:rPr lang="en-US" sz="2000" b="1" i="1" dirty="0" err="1">
+                <a:solidFill>
+                  <a:srgbClr val="0070C0"/>
+                </a:solidFill>
+                <a:latin typeface="Consolas" panose="020B0609020204030204" pitchFamily="49" charset="0"/>
+                <a:cs typeface="Consolas" panose="020B0609020204030204" pitchFamily="49" charset="0"/>
+              </a:rPr>
+              <a:t>pickle.dump</a:t>
+            </a:r>
+            <a:r>
+              <a:rPr lang="en-US" sz="2000" b="1" i="1" dirty="0">
+                <a:solidFill>
+                  <a:srgbClr val="0070C0"/>
+                </a:solidFill>
+                <a:latin typeface="Consolas" panose="020B0609020204030204" pitchFamily="49" charset="0"/>
+                <a:cs typeface="Consolas" panose="020B0609020204030204" pitchFamily="49" charset="0"/>
+              </a:rPr>
+              <a:t>(</a:t>
+            </a:r>
+            <a:r>
+              <a:rPr lang="en-US" sz="2000" b="1" i="1" dirty="0" err="1">
+                <a:solidFill>
+                  <a:srgbClr val="0070C0"/>
+                </a:solidFill>
+                <a:latin typeface="Consolas" panose="020B0609020204030204" pitchFamily="49" charset="0"/>
+                <a:cs typeface="Consolas" panose="020B0609020204030204" pitchFamily="49" charset="0"/>
+              </a:rPr>
+              <a:t>mylist</a:t>
+            </a:r>
+            <a:r>
+              <a:rPr lang="en-US" sz="2000" b="1" i="1" dirty="0">
+                <a:solidFill>
+                  <a:srgbClr val="0070C0"/>
+                </a:solidFill>
+                <a:latin typeface="Consolas" panose="020B0609020204030204" pitchFamily="49" charset="0"/>
+                <a:cs typeface="Consolas" panose="020B0609020204030204" pitchFamily="49" charset="0"/>
+              </a:rPr>
+              <a:t>, f) </a:t>
+            </a:r>
+          </a:p>
+          <a:p>
+            <a:pPr marL="342900" indent="-342900">
+              <a:buFont typeface="Arial" panose="020B0604020202020204" pitchFamily="34" charset="0"/>
+              <a:buChar char="•"/>
+            </a:pPr>
+            <a:r>
+              <a:rPr lang="en-US" sz="2000" b="1" i="1" dirty="0">
+                <a:solidFill>
+                  <a:srgbClr val="0070C0"/>
+                </a:solidFill>
+                <a:latin typeface="Consolas" panose="020B0609020204030204" pitchFamily="49" charset="0"/>
+                <a:cs typeface="Consolas" panose="020B0609020204030204" pitchFamily="49" charset="0"/>
+              </a:rPr>
+              <a:t>&gt;&gt;&gt; </a:t>
+            </a:r>
+            <a:r>
+              <a:rPr lang="en-US" sz="2000" b="1" i="1" dirty="0" err="1">
+                <a:solidFill>
+                  <a:srgbClr val="0070C0"/>
+                </a:solidFill>
+                <a:latin typeface="Consolas" panose="020B0609020204030204" pitchFamily="49" charset="0"/>
+                <a:cs typeface="Consolas" panose="020B0609020204030204" pitchFamily="49" charset="0"/>
+              </a:rPr>
+              <a:t>f.close</a:t>
+            </a:r>
+            <a:r>
+              <a:rPr lang="en-US" sz="2000" b="1" i="1" dirty="0">
+                <a:solidFill>
+                  <a:srgbClr val="0070C0"/>
+                </a:solidFill>
+                <a:latin typeface="Consolas" panose="020B0609020204030204" pitchFamily="49" charset="0"/>
+                <a:cs typeface="Consolas" panose="020B0609020204030204" pitchFamily="49" charset="0"/>
+              </a:rPr>
+              <a:t>()</a:t>
+            </a:r>
+          </a:p>
+          <a:p>
+            <a:pPr marL="342900" indent="-342900">
+              <a:buFont typeface="Arial" panose="020B0604020202020204" pitchFamily="34" charset="0"/>
+              <a:buChar char="•"/>
+            </a:pPr>
+            <a:endParaRPr lang="en-US" sz="2000" dirty="0"/>
+          </a:p>
+          <a:p>
+            <a:pPr marL="342900" indent="-342900">
+              <a:buFont typeface="Arial" panose="020B0604020202020204" pitchFamily="34" charset="0"/>
+              <a:buChar char="•"/>
+            </a:pPr>
+            <a:r>
               <a:rPr lang="en-US" sz="2000" dirty="0"/>
-              <a:t>The Python inheritance mechanism is actually very powerful and supports multiple inheritance—where a subclass inherits from more than one superclass. For more on inheritance, see the official documentation for Python. </a:t>
+              <a:t>To </a:t>
+            </a:r>
+            <a:r>
+              <a:rPr lang="en-US" sz="2000" i="1" dirty="0" err="1">
+                <a:effectLst>
+                  <a:outerShdw blurRad="38100" dist="38100" dir="2700000" algn="tl">
+                    <a:srgbClr val="000000">
+                      <a:alpha val="43137"/>
+                    </a:srgbClr>
+                  </a:outerShdw>
+                </a:effectLst>
+              </a:rPr>
+              <a:t>unpickle</a:t>
+            </a:r>
+            <a:r>
+              <a:rPr lang="en-US" sz="2000" dirty="0"/>
+              <a:t> the contents of the file into a new list, use the following:</a:t>
+            </a:r>
+          </a:p>
+          <a:p>
+            <a:pPr marL="342900" indent="-342900">
+              <a:buFont typeface="Arial" panose="020B0604020202020204" pitchFamily="34" charset="0"/>
+              <a:buChar char="•"/>
+            </a:pPr>
+            <a:endParaRPr lang="en-US" sz="2000" dirty="0"/>
+          </a:p>
+          <a:p>
+            <a:pPr marL="342900" indent="-342900">
+              <a:buFont typeface="Arial" panose="020B0604020202020204" pitchFamily="34" charset="0"/>
+              <a:buChar char="•"/>
+            </a:pPr>
+            <a:r>
+              <a:rPr lang="en-US" sz="2000" b="1" i="1" dirty="0">
+                <a:solidFill>
+                  <a:srgbClr val="0070C0"/>
+                </a:solidFill>
+                <a:latin typeface="Consolas" panose="020B0609020204030204" pitchFamily="49" charset="0"/>
+                <a:cs typeface="Consolas" panose="020B0609020204030204" pitchFamily="49" charset="0"/>
+              </a:rPr>
+              <a:t>&gt;&gt;&gt; f = open('</a:t>
+            </a:r>
+            <a:r>
+              <a:rPr lang="en-US" sz="2000" b="1" i="1" dirty="0" err="1">
+                <a:solidFill>
+                  <a:srgbClr val="0070C0"/>
+                </a:solidFill>
+                <a:latin typeface="Consolas" panose="020B0609020204030204" pitchFamily="49" charset="0"/>
+                <a:cs typeface="Consolas" panose="020B0609020204030204" pitchFamily="49" charset="0"/>
+              </a:rPr>
+              <a:t>mylist.pickle</a:t>
+            </a:r>
+            <a:r>
+              <a:rPr lang="en-US" sz="2000" b="1" i="1" dirty="0">
+                <a:solidFill>
+                  <a:srgbClr val="0070C0"/>
+                </a:solidFill>
+                <a:latin typeface="Consolas" panose="020B0609020204030204" pitchFamily="49" charset="0"/>
+                <a:cs typeface="Consolas" panose="020B0609020204030204" pitchFamily="49" charset="0"/>
+              </a:rPr>
+              <a:t>') </a:t>
+            </a:r>
+          </a:p>
+          <a:p>
+            <a:pPr marL="342900" indent="-342900">
+              <a:buFont typeface="Arial" panose="020B0604020202020204" pitchFamily="34" charset="0"/>
+              <a:buChar char="•"/>
+            </a:pPr>
+            <a:r>
+              <a:rPr lang="en-US" sz="2000" b="1" i="1" dirty="0">
+                <a:solidFill>
+                  <a:srgbClr val="0070C0"/>
+                </a:solidFill>
+                <a:latin typeface="Consolas" panose="020B0609020204030204" pitchFamily="49" charset="0"/>
+                <a:cs typeface="Consolas" panose="020B0609020204030204" pitchFamily="49" charset="0"/>
+              </a:rPr>
+              <a:t>&gt;&gt;&gt; </a:t>
+            </a:r>
+            <a:r>
+              <a:rPr lang="en-US" sz="2000" b="1" i="1" dirty="0" err="1">
+                <a:solidFill>
+                  <a:srgbClr val="0070C0"/>
+                </a:solidFill>
+                <a:latin typeface="Consolas" panose="020B0609020204030204" pitchFamily="49" charset="0"/>
+                <a:cs typeface="Consolas" panose="020B0609020204030204" pitchFamily="49" charset="0"/>
+              </a:rPr>
+              <a:t>other_array</a:t>
+            </a:r>
+            <a:r>
+              <a:rPr lang="en-US" sz="2000" b="1" i="1" dirty="0">
+                <a:solidFill>
+                  <a:srgbClr val="0070C0"/>
+                </a:solidFill>
+                <a:latin typeface="Consolas" panose="020B0609020204030204" pitchFamily="49" charset="0"/>
+                <a:cs typeface="Consolas" panose="020B0609020204030204" pitchFamily="49" charset="0"/>
+              </a:rPr>
+              <a:t> = </a:t>
+            </a:r>
+            <a:r>
+              <a:rPr lang="en-US" sz="2000" b="1" i="1" dirty="0" err="1">
+                <a:solidFill>
+                  <a:srgbClr val="0070C0"/>
+                </a:solidFill>
+                <a:latin typeface="Consolas" panose="020B0609020204030204" pitchFamily="49" charset="0"/>
+                <a:cs typeface="Consolas" panose="020B0609020204030204" pitchFamily="49" charset="0"/>
+              </a:rPr>
+              <a:t>pickle.load</a:t>
+            </a:r>
+            <a:r>
+              <a:rPr lang="en-US" sz="2000" b="1" i="1" dirty="0">
+                <a:solidFill>
+                  <a:srgbClr val="0070C0"/>
+                </a:solidFill>
+                <a:latin typeface="Consolas" panose="020B0609020204030204" pitchFamily="49" charset="0"/>
+                <a:cs typeface="Consolas" panose="020B0609020204030204" pitchFamily="49" charset="0"/>
+              </a:rPr>
+              <a:t>(f) </a:t>
+            </a:r>
+          </a:p>
+          <a:p>
+            <a:pPr marL="342900" indent="-342900">
+              <a:buFont typeface="Arial" panose="020B0604020202020204" pitchFamily="34" charset="0"/>
+              <a:buChar char="•"/>
+            </a:pPr>
+            <a:r>
+              <a:rPr lang="en-US" sz="2000" b="1" i="1" dirty="0">
+                <a:solidFill>
+                  <a:srgbClr val="0070C0"/>
+                </a:solidFill>
+                <a:latin typeface="Consolas" panose="020B0609020204030204" pitchFamily="49" charset="0"/>
+                <a:cs typeface="Consolas" panose="020B0609020204030204" pitchFamily="49" charset="0"/>
+              </a:rPr>
+              <a:t>&gt;&gt;&gt; </a:t>
+            </a:r>
+            <a:r>
+              <a:rPr lang="en-US" sz="2000" b="1" i="1" dirty="0" err="1">
+                <a:solidFill>
+                  <a:srgbClr val="0070C0"/>
+                </a:solidFill>
+                <a:latin typeface="Consolas" panose="020B0609020204030204" pitchFamily="49" charset="0"/>
+                <a:cs typeface="Consolas" panose="020B0609020204030204" pitchFamily="49" charset="0"/>
+              </a:rPr>
+              <a:t>f.close</a:t>
+            </a:r>
+            <a:r>
+              <a:rPr lang="en-US" sz="2000" b="1" i="1" dirty="0">
+                <a:solidFill>
+                  <a:srgbClr val="0070C0"/>
+                </a:solidFill>
+                <a:latin typeface="Consolas" panose="020B0609020204030204" pitchFamily="49" charset="0"/>
+                <a:cs typeface="Consolas" panose="020B0609020204030204" pitchFamily="49" charset="0"/>
+              </a:rPr>
+              <a:t>() </a:t>
+            </a:r>
+          </a:p>
+          <a:p>
+            <a:pPr marL="342900" indent="-342900">
+              <a:buFont typeface="Arial" panose="020B0604020202020204" pitchFamily="34" charset="0"/>
+              <a:buChar char="•"/>
+            </a:pPr>
+            <a:r>
+              <a:rPr lang="en-US" sz="2000" b="1" i="1" dirty="0">
+                <a:solidFill>
+                  <a:srgbClr val="0070C0"/>
+                </a:solidFill>
+                <a:latin typeface="Consolas" panose="020B0609020204030204" pitchFamily="49" charset="0"/>
+                <a:cs typeface="Consolas" panose="020B0609020204030204" pitchFamily="49" charset="0"/>
+              </a:rPr>
+              <a:t>&gt;&gt;&gt; </a:t>
+            </a:r>
+            <a:r>
+              <a:rPr lang="en-US" sz="2000" b="1" i="1" dirty="0" err="1">
+                <a:solidFill>
+                  <a:srgbClr val="0070C0"/>
+                </a:solidFill>
+                <a:latin typeface="Consolas" panose="020B0609020204030204" pitchFamily="49" charset="0"/>
+                <a:cs typeface="Consolas" panose="020B0609020204030204" pitchFamily="49" charset="0"/>
+              </a:rPr>
+              <a:t>other_array</a:t>
+            </a:r>
+            <a:r>
+              <a:rPr lang="en-US" sz="2000" b="1" i="1" dirty="0">
+                <a:solidFill>
+                  <a:srgbClr val="0070C0"/>
+                </a:solidFill>
+                <a:latin typeface="Consolas" panose="020B0609020204030204" pitchFamily="49" charset="0"/>
+                <a:cs typeface="Consolas" panose="020B0609020204030204" pitchFamily="49" charset="0"/>
+              </a:rPr>
+              <a:t> </a:t>
+            </a:r>
+          </a:p>
+          <a:p>
+            <a:pPr marL="342900" indent="-342900">
+              <a:buFont typeface="Arial" panose="020B0604020202020204" pitchFamily="34" charset="0"/>
+              <a:buChar char="•"/>
+            </a:pPr>
+            <a:r>
+              <a:rPr lang="en-US" sz="2000" b="1" i="1" dirty="0">
+                <a:solidFill>
+                  <a:srgbClr val="0070C0"/>
+                </a:solidFill>
+                <a:latin typeface="Consolas" panose="020B0609020204030204" pitchFamily="49" charset="0"/>
+                <a:cs typeface="Consolas" panose="020B0609020204030204" pitchFamily="49" charset="0"/>
+              </a:rPr>
+              <a:t>['some text', 123, [4, 5, True]] </a:t>
             </a:r>
           </a:p>
         </p:txBody>
@@ -4468,7 +4473,7 @@
     </p:spTree>
     <p:extLst>
       <p:ext uri="{BB962C8B-B14F-4D97-AF65-F5344CB8AC3E}">
-        <p14:creationId xmlns:p14="http://schemas.microsoft.com/office/powerpoint/2010/main" val="344394973"/>
+        <p14:creationId xmlns:p14="http://schemas.microsoft.com/office/powerpoint/2010/main" val="2818361958"/>
       </p:ext>
     </p:extLst>
   </p:cSld>
@@ -4653,7 +4658,7 @@
         <p:spPr>
           <a:xfrm>
             <a:off x="417443" y="857743"/>
-            <a:ext cx="11357113" cy="5324535"/>
+            <a:ext cx="11357113" cy="1323439"/>
           </a:xfrm>
           <a:prstGeom prst="rect">
             <a:avLst/>
@@ -4672,23 +4677,7 @@
             </a:pPr>
             <a:r>
               <a:rPr lang="en-US" sz="2000" dirty="0"/>
-              <a:t>Use the Python </a:t>
-            </a:r>
-            <a:r>
-              <a:rPr lang="en-US" sz="2000" i="1" dirty="0">
-                <a:effectLst>
-                  <a:outerShdw blurRad="38100" dist="38100" dir="2700000" algn="tl">
-                    <a:srgbClr val="000000">
-                      <a:alpha val="43137"/>
-                    </a:srgbClr>
-                  </a:outerShdw>
-                </a:effectLst>
-              </a:rPr>
-              <a:t>pickling</a:t>
-            </a:r>
-            <a:r>
-              <a:rPr lang="en-US" sz="2000" dirty="0"/>
-              <a:t> feature to dump the data structure to file in a format that can be automatically read back into memory as an equivalent data structure later on. </a:t>
+              <a:t>Pickling will work on pretty much any data structure you can throw at it. It does not need to be a list. </a:t>
             </a:r>
           </a:p>
           <a:p>
@@ -4696,425 +4685,24 @@
               <a:buFont typeface="Arial" panose="020B0604020202020204" pitchFamily="34" charset="0"/>
               <a:buChar char="•"/>
             </a:pPr>
-            <a:r>
-              <a:rPr lang="en-US" sz="2000" b="1" dirty="0">
-                <a:solidFill>
-                  <a:srgbClr val="FF0000"/>
-                </a:solidFill>
-              </a:rPr>
-              <a:t>Example:</a:t>
-            </a:r>
+            <a:endParaRPr lang="en-US" sz="2000" dirty="0"/>
           </a:p>
           <a:p>
             <a:pPr marL="342900" indent="-342900">
               <a:buFont typeface="Arial" panose="020B0604020202020204" pitchFamily="34" charset="0"/>
               <a:buChar char="•"/>
             </a:pPr>
-            <a:endParaRPr lang="en-US" sz="2000" b="1" dirty="0">
+            <a:r>
+              <a:rPr lang="en-US" sz="2000" dirty="0"/>
+              <a:t>The file is saved in a text format that is sort of human-readable, but you will not normally need to look at or edit the text file.</a:t>
+            </a:r>
+            <a:endParaRPr lang="en-US" sz="2000" b="1" i="1" dirty="0">
               <a:solidFill>
-                <a:srgbClr val="FF0000"/>
+                <a:srgbClr val="0070C0"/>
               </a:solidFill>
+              <a:latin typeface="Consolas" panose="020B0609020204030204" pitchFamily="49" charset="0"/>
+              <a:cs typeface="Consolas" panose="020B0609020204030204" pitchFamily="49" charset="0"/>
             </a:endParaRPr>
-          </a:p>
-          <a:p>
-            <a:pPr marL="342900" indent="-342900">
-              <a:buFont typeface="Arial" panose="020B0604020202020204" pitchFamily="34" charset="0"/>
-              <a:buChar char="•"/>
-            </a:pPr>
-            <a:r>
-              <a:rPr lang="en-US" sz="2000" b="1" i="1" dirty="0">
-                <a:solidFill>
-                  <a:srgbClr val="0070C0"/>
-                </a:solidFill>
-                <a:latin typeface="Consolas" panose="020B0609020204030204" pitchFamily="49" charset="0"/>
-                <a:cs typeface="Consolas" panose="020B0609020204030204" pitchFamily="49" charset="0"/>
-              </a:rPr>
-              <a:t>&gt;&gt;&gt; import pickle </a:t>
-            </a:r>
-          </a:p>
-          <a:p>
-            <a:pPr marL="342900" indent="-342900">
-              <a:buFont typeface="Arial" panose="020B0604020202020204" pitchFamily="34" charset="0"/>
-              <a:buChar char="•"/>
-            </a:pPr>
-            <a:r>
-              <a:rPr lang="en-US" sz="2000" b="1" i="1" dirty="0">
-                <a:solidFill>
-                  <a:srgbClr val="0070C0"/>
-                </a:solidFill>
-                <a:latin typeface="Consolas" panose="020B0609020204030204" pitchFamily="49" charset="0"/>
-                <a:cs typeface="Consolas" panose="020B0609020204030204" pitchFamily="49" charset="0"/>
-              </a:rPr>
-              <a:t>&gt;&gt;&gt; </a:t>
-            </a:r>
-            <a:r>
-              <a:rPr lang="en-US" sz="2000" b="1" i="1" dirty="0" err="1">
-                <a:solidFill>
-                  <a:srgbClr val="0070C0"/>
-                </a:solidFill>
-                <a:latin typeface="Consolas" panose="020B0609020204030204" pitchFamily="49" charset="0"/>
-                <a:cs typeface="Consolas" panose="020B0609020204030204" pitchFamily="49" charset="0"/>
-              </a:rPr>
-              <a:t>mylist</a:t>
-            </a:r>
-            <a:r>
-              <a:rPr lang="en-US" sz="2000" b="1" i="1" dirty="0">
-                <a:solidFill>
-                  <a:srgbClr val="0070C0"/>
-                </a:solidFill>
-                <a:latin typeface="Consolas" panose="020B0609020204030204" pitchFamily="49" charset="0"/>
-                <a:cs typeface="Consolas" panose="020B0609020204030204" pitchFamily="49" charset="0"/>
-              </a:rPr>
-              <a:t> = ['some text', 123, [4, 5, True]] </a:t>
-            </a:r>
-          </a:p>
-          <a:p>
-            <a:pPr marL="342900" indent="-342900">
-              <a:buFont typeface="Arial" panose="020B0604020202020204" pitchFamily="34" charset="0"/>
-              <a:buChar char="•"/>
-            </a:pPr>
-            <a:r>
-              <a:rPr lang="en-US" sz="2000" b="1" i="1" dirty="0">
-                <a:solidFill>
-                  <a:srgbClr val="0070C0"/>
-                </a:solidFill>
-                <a:latin typeface="Consolas" panose="020B0609020204030204" pitchFamily="49" charset="0"/>
-                <a:cs typeface="Consolas" panose="020B0609020204030204" pitchFamily="49" charset="0"/>
-              </a:rPr>
-              <a:t>&gt;&gt;&gt; f = open('</a:t>
-            </a:r>
-            <a:r>
-              <a:rPr lang="en-US" sz="2000" b="1" i="1" dirty="0" err="1">
-                <a:solidFill>
-                  <a:srgbClr val="0070C0"/>
-                </a:solidFill>
-                <a:latin typeface="Consolas" panose="020B0609020204030204" pitchFamily="49" charset="0"/>
-                <a:cs typeface="Consolas" panose="020B0609020204030204" pitchFamily="49" charset="0"/>
-              </a:rPr>
-              <a:t>mylist.pickle</a:t>
-            </a:r>
-            <a:r>
-              <a:rPr lang="en-US" sz="2000" b="1" i="1" dirty="0">
-                <a:solidFill>
-                  <a:srgbClr val="0070C0"/>
-                </a:solidFill>
-                <a:latin typeface="Consolas" panose="020B0609020204030204" pitchFamily="49" charset="0"/>
-                <a:cs typeface="Consolas" panose="020B0609020204030204" pitchFamily="49" charset="0"/>
-              </a:rPr>
-              <a:t>', 'w') </a:t>
-            </a:r>
-          </a:p>
-          <a:p>
-            <a:pPr marL="342900" indent="-342900">
-              <a:buFont typeface="Arial" panose="020B0604020202020204" pitchFamily="34" charset="0"/>
-              <a:buChar char="•"/>
-            </a:pPr>
-            <a:r>
-              <a:rPr lang="en-US" sz="2000" b="1" i="1" dirty="0">
-                <a:solidFill>
-                  <a:srgbClr val="0070C0"/>
-                </a:solidFill>
-                <a:latin typeface="Consolas" panose="020B0609020204030204" pitchFamily="49" charset="0"/>
-                <a:cs typeface="Consolas" panose="020B0609020204030204" pitchFamily="49" charset="0"/>
-              </a:rPr>
-              <a:t>&gt;&gt;&gt; </a:t>
-            </a:r>
-            <a:r>
-              <a:rPr lang="en-US" sz="2000" b="1" i="1" dirty="0" err="1">
-                <a:solidFill>
-                  <a:srgbClr val="0070C0"/>
-                </a:solidFill>
-                <a:latin typeface="Consolas" panose="020B0609020204030204" pitchFamily="49" charset="0"/>
-                <a:cs typeface="Consolas" panose="020B0609020204030204" pitchFamily="49" charset="0"/>
-              </a:rPr>
-              <a:t>pickle.dump</a:t>
-            </a:r>
-            <a:r>
-              <a:rPr lang="en-US" sz="2000" b="1" i="1" dirty="0">
-                <a:solidFill>
-                  <a:srgbClr val="0070C0"/>
-                </a:solidFill>
-                <a:latin typeface="Consolas" panose="020B0609020204030204" pitchFamily="49" charset="0"/>
-                <a:cs typeface="Consolas" panose="020B0609020204030204" pitchFamily="49" charset="0"/>
-              </a:rPr>
-              <a:t>(</a:t>
-            </a:r>
-            <a:r>
-              <a:rPr lang="en-US" sz="2000" b="1" i="1" dirty="0" err="1">
-                <a:solidFill>
-                  <a:srgbClr val="0070C0"/>
-                </a:solidFill>
-                <a:latin typeface="Consolas" panose="020B0609020204030204" pitchFamily="49" charset="0"/>
-                <a:cs typeface="Consolas" panose="020B0609020204030204" pitchFamily="49" charset="0"/>
-              </a:rPr>
-              <a:t>mylist</a:t>
-            </a:r>
-            <a:r>
-              <a:rPr lang="en-US" sz="2000" b="1" i="1" dirty="0">
-                <a:solidFill>
-                  <a:srgbClr val="0070C0"/>
-                </a:solidFill>
-                <a:latin typeface="Consolas" panose="020B0609020204030204" pitchFamily="49" charset="0"/>
-                <a:cs typeface="Consolas" panose="020B0609020204030204" pitchFamily="49" charset="0"/>
-              </a:rPr>
-              <a:t>, f) </a:t>
-            </a:r>
-          </a:p>
-          <a:p>
-            <a:pPr marL="342900" indent="-342900">
-              <a:buFont typeface="Arial" panose="020B0604020202020204" pitchFamily="34" charset="0"/>
-              <a:buChar char="•"/>
-            </a:pPr>
-            <a:r>
-              <a:rPr lang="en-US" sz="2000" b="1" i="1" dirty="0">
-                <a:solidFill>
-                  <a:srgbClr val="0070C0"/>
-                </a:solidFill>
-                <a:latin typeface="Consolas" panose="020B0609020204030204" pitchFamily="49" charset="0"/>
-                <a:cs typeface="Consolas" panose="020B0609020204030204" pitchFamily="49" charset="0"/>
-              </a:rPr>
-              <a:t>&gt;&gt;&gt; </a:t>
-            </a:r>
-            <a:r>
-              <a:rPr lang="en-US" sz="2000" b="1" i="1" dirty="0" err="1">
-                <a:solidFill>
-                  <a:srgbClr val="0070C0"/>
-                </a:solidFill>
-                <a:latin typeface="Consolas" panose="020B0609020204030204" pitchFamily="49" charset="0"/>
-                <a:cs typeface="Consolas" panose="020B0609020204030204" pitchFamily="49" charset="0"/>
-              </a:rPr>
-              <a:t>f.close</a:t>
-            </a:r>
-            <a:r>
-              <a:rPr lang="en-US" sz="2000" b="1" i="1" dirty="0">
-                <a:solidFill>
-                  <a:srgbClr val="0070C0"/>
-                </a:solidFill>
-                <a:latin typeface="Consolas" panose="020B0609020204030204" pitchFamily="49" charset="0"/>
-                <a:cs typeface="Consolas" panose="020B0609020204030204" pitchFamily="49" charset="0"/>
-              </a:rPr>
-              <a:t>()</a:t>
-            </a:r>
-          </a:p>
-          <a:p>
-            <a:pPr marL="342900" indent="-342900">
-              <a:buFont typeface="Arial" panose="020B0604020202020204" pitchFamily="34" charset="0"/>
-              <a:buChar char="•"/>
-            </a:pPr>
-            <a:endParaRPr lang="en-US" sz="2000" dirty="0"/>
-          </a:p>
-          <a:p>
-            <a:pPr marL="342900" indent="-342900">
-              <a:buFont typeface="Arial" panose="020B0604020202020204" pitchFamily="34" charset="0"/>
-              <a:buChar char="•"/>
-            </a:pPr>
-            <a:r>
-              <a:rPr lang="en-US" sz="2000" dirty="0"/>
-              <a:t>To </a:t>
-            </a:r>
-            <a:r>
-              <a:rPr lang="en-US" sz="2000" i="1" dirty="0" err="1">
-                <a:effectLst>
-                  <a:outerShdw blurRad="38100" dist="38100" dir="2700000" algn="tl">
-                    <a:srgbClr val="000000">
-                      <a:alpha val="43137"/>
-                    </a:srgbClr>
-                  </a:outerShdw>
-                </a:effectLst>
-              </a:rPr>
-              <a:t>unpickle</a:t>
-            </a:r>
-            <a:r>
-              <a:rPr lang="en-US" sz="2000" dirty="0"/>
-              <a:t> the contents of the file into a new list, use the following:</a:t>
-            </a:r>
-          </a:p>
-          <a:p>
-            <a:pPr marL="342900" indent="-342900">
-              <a:buFont typeface="Arial" panose="020B0604020202020204" pitchFamily="34" charset="0"/>
-              <a:buChar char="•"/>
-            </a:pPr>
-            <a:endParaRPr lang="en-US" sz="2000" dirty="0"/>
-          </a:p>
-          <a:p>
-            <a:pPr marL="342900" indent="-342900">
-              <a:buFont typeface="Arial" panose="020B0604020202020204" pitchFamily="34" charset="0"/>
-              <a:buChar char="•"/>
-            </a:pPr>
-            <a:r>
-              <a:rPr lang="en-US" sz="2000" b="1" i="1" dirty="0">
-                <a:solidFill>
-                  <a:srgbClr val="0070C0"/>
-                </a:solidFill>
-                <a:latin typeface="Consolas" panose="020B0609020204030204" pitchFamily="49" charset="0"/>
-                <a:cs typeface="Consolas" panose="020B0609020204030204" pitchFamily="49" charset="0"/>
-              </a:rPr>
-              <a:t>&gt;&gt;&gt; f = open('</a:t>
-            </a:r>
-            <a:r>
-              <a:rPr lang="en-US" sz="2000" b="1" i="1" dirty="0" err="1">
-                <a:solidFill>
-                  <a:srgbClr val="0070C0"/>
-                </a:solidFill>
-                <a:latin typeface="Consolas" panose="020B0609020204030204" pitchFamily="49" charset="0"/>
-                <a:cs typeface="Consolas" panose="020B0609020204030204" pitchFamily="49" charset="0"/>
-              </a:rPr>
-              <a:t>mylist.pickle</a:t>
-            </a:r>
-            <a:r>
-              <a:rPr lang="en-US" sz="2000" b="1" i="1" dirty="0">
-                <a:solidFill>
-                  <a:srgbClr val="0070C0"/>
-                </a:solidFill>
-                <a:latin typeface="Consolas" panose="020B0609020204030204" pitchFamily="49" charset="0"/>
-                <a:cs typeface="Consolas" panose="020B0609020204030204" pitchFamily="49" charset="0"/>
-              </a:rPr>
-              <a:t>') </a:t>
-            </a:r>
-          </a:p>
-          <a:p>
-            <a:pPr marL="342900" indent="-342900">
-              <a:buFont typeface="Arial" panose="020B0604020202020204" pitchFamily="34" charset="0"/>
-              <a:buChar char="•"/>
-            </a:pPr>
-            <a:r>
-              <a:rPr lang="en-US" sz="2000" b="1" i="1" dirty="0">
-                <a:solidFill>
-                  <a:srgbClr val="0070C0"/>
-                </a:solidFill>
-                <a:latin typeface="Consolas" panose="020B0609020204030204" pitchFamily="49" charset="0"/>
-                <a:cs typeface="Consolas" panose="020B0609020204030204" pitchFamily="49" charset="0"/>
-              </a:rPr>
-              <a:t>&gt;&gt;&gt; </a:t>
-            </a:r>
-            <a:r>
-              <a:rPr lang="en-US" sz="2000" b="1" i="1" dirty="0" err="1">
-                <a:solidFill>
-                  <a:srgbClr val="0070C0"/>
-                </a:solidFill>
-                <a:latin typeface="Consolas" panose="020B0609020204030204" pitchFamily="49" charset="0"/>
-                <a:cs typeface="Consolas" panose="020B0609020204030204" pitchFamily="49" charset="0"/>
-              </a:rPr>
-              <a:t>other_array</a:t>
-            </a:r>
-            <a:r>
-              <a:rPr lang="en-US" sz="2000" b="1" i="1" dirty="0">
-                <a:solidFill>
-                  <a:srgbClr val="0070C0"/>
-                </a:solidFill>
-                <a:latin typeface="Consolas" panose="020B0609020204030204" pitchFamily="49" charset="0"/>
-                <a:cs typeface="Consolas" panose="020B0609020204030204" pitchFamily="49" charset="0"/>
-              </a:rPr>
-              <a:t> = </a:t>
-            </a:r>
-            <a:r>
-              <a:rPr lang="en-US" sz="2000" b="1" i="1" dirty="0" err="1">
-                <a:solidFill>
-                  <a:srgbClr val="0070C0"/>
-                </a:solidFill>
-                <a:latin typeface="Consolas" panose="020B0609020204030204" pitchFamily="49" charset="0"/>
-                <a:cs typeface="Consolas" panose="020B0609020204030204" pitchFamily="49" charset="0"/>
-              </a:rPr>
-              <a:t>pickle.load</a:t>
-            </a:r>
-            <a:r>
-              <a:rPr lang="en-US" sz="2000" b="1" i="1" dirty="0">
-                <a:solidFill>
-                  <a:srgbClr val="0070C0"/>
-                </a:solidFill>
-                <a:latin typeface="Consolas" panose="020B0609020204030204" pitchFamily="49" charset="0"/>
-                <a:cs typeface="Consolas" panose="020B0609020204030204" pitchFamily="49" charset="0"/>
-              </a:rPr>
-              <a:t>(f) </a:t>
-            </a:r>
-          </a:p>
-          <a:p>
-            <a:pPr marL="342900" indent="-342900">
-              <a:buFont typeface="Arial" panose="020B0604020202020204" pitchFamily="34" charset="0"/>
-              <a:buChar char="•"/>
-            </a:pPr>
-            <a:r>
-              <a:rPr lang="en-US" sz="2000" b="1" i="1" dirty="0">
-                <a:solidFill>
-                  <a:srgbClr val="0070C0"/>
-                </a:solidFill>
-                <a:latin typeface="Consolas" panose="020B0609020204030204" pitchFamily="49" charset="0"/>
-                <a:cs typeface="Consolas" panose="020B0609020204030204" pitchFamily="49" charset="0"/>
-              </a:rPr>
-              <a:t>&gt;&gt;&gt; </a:t>
-            </a:r>
-            <a:r>
-              <a:rPr lang="en-US" sz="2000" b="1" i="1" dirty="0" err="1">
-                <a:solidFill>
-                  <a:srgbClr val="0070C0"/>
-                </a:solidFill>
-                <a:latin typeface="Consolas" panose="020B0609020204030204" pitchFamily="49" charset="0"/>
-                <a:cs typeface="Consolas" panose="020B0609020204030204" pitchFamily="49" charset="0"/>
-              </a:rPr>
-              <a:t>f.close</a:t>
-            </a:r>
-            <a:r>
-              <a:rPr lang="en-US" sz="2000" b="1" i="1" dirty="0">
-                <a:solidFill>
-                  <a:srgbClr val="0070C0"/>
-                </a:solidFill>
-                <a:latin typeface="Consolas" panose="020B0609020204030204" pitchFamily="49" charset="0"/>
-                <a:cs typeface="Consolas" panose="020B0609020204030204" pitchFamily="49" charset="0"/>
-              </a:rPr>
-              <a:t>() </a:t>
-            </a:r>
-          </a:p>
-          <a:p>
-            <a:pPr marL="342900" indent="-342900">
-              <a:buFont typeface="Arial" panose="020B0604020202020204" pitchFamily="34" charset="0"/>
-              <a:buChar char="•"/>
-            </a:pPr>
-            <a:r>
-              <a:rPr lang="en-US" sz="2000" b="1" i="1" dirty="0">
-                <a:solidFill>
-                  <a:srgbClr val="0070C0"/>
-                </a:solidFill>
-                <a:latin typeface="Consolas" panose="020B0609020204030204" pitchFamily="49" charset="0"/>
-                <a:cs typeface="Consolas" panose="020B0609020204030204" pitchFamily="49" charset="0"/>
-              </a:rPr>
-              <a:t>&gt;&gt;&gt; </a:t>
-            </a:r>
-            <a:r>
-              <a:rPr lang="en-US" sz="2000" b="1" i="1" dirty="0" err="1">
-                <a:solidFill>
-                  <a:srgbClr val="0070C0"/>
-                </a:solidFill>
-                <a:latin typeface="Consolas" panose="020B0609020204030204" pitchFamily="49" charset="0"/>
-                <a:cs typeface="Consolas" panose="020B0609020204030204" pitchFamily="49" charset="0"/>
-              </a:rPr>
-              <a:t>other_array</a:t>
-            </a:r>
-            <a:r>
-              <a:rPr lang="en-US" sz="2000" b="1" i="1" dirty="0">
-                <a:solidFill>
-                  <a:srgbClr val="0070C0"/>
-                </a:solidFill>
-                <a:latin typeface="Consolas" panose="020B0609020204030204" pitchFamily="49" charset="0"/>
-                <a:cs typeface="Consolas" panose="020B0609020204030204" pitchFamily="49" charset="0"/>
-              </a:rPr>
-              <a:t> </a:t>
-            </a:r>
-          </a:p>
-          <a:p>
-            <a:pPr marL="342900" indent="-342900">
-              <a:buFont typeface="Arial" panose="020B0604020202020204" pitchFamily="34" charset="0"/>
-              <a:buChar char="•"/>
-            </a:pPr>
-            <a:r>
-              <a:rPr lang="en-US" sz="2000" b="1" i="1" dirty="0">
-                <a:solidFill>
-                  <a:srgbClr val="0070C0"/>
-                </a:solidFill>
-                <a:latin typeface="Consolas" panose="020B0609020204030204" pitchFamily="49" charset="0"/>
-                <a:cs typeface="Consolas" panose="020B0609020204030204" pitchFamily="49" charset="0"/>
-              </a:rPr>
-              <a:t>['some text', 123, [4, 5, True]] </a:t>
-            </a:r>
           </a:p>
         </p:txBody>
       </p:sp>
@@ -5160,7 +4748,7 @@
     </p:spTree>
     <p:extLst>
       <p:ext uri="{BB962C8B-B14F-4D97-AF65-F5344CB8AC3E}">
-        <p14:creationId xmlns:p14="http://schemas.microsoft.com/office/powerpoint/2010/main" val="2818361958"/>
+        <p14:creationId xmlns:p14="http://schemas.microsoft.com/office/powerpoint/2010/main" val="3009010133"/>
       </p:ext>
     </p:extLst>
   </p:cSld>
@@ -5331,8 +4919,15 @@
           <a:p>
             <a:r>
               <a:rPr lang="en-US" dirty="0"/>
-              <a:t>Pickling</a:t>
-            </a:r>
+              <a:t>Making Web Requests from Python </a:t>
+            </a:r>
+            <a:endParaRPr lang="en-US" b="1" i="1" dirty="0">
+              <a:solidFill>
+                <a:srgbClr val="0070C0"/>
+              </a:solidFill>
+              <a:latin typeface="Consolas" panose="020B0609020204030204" pitchFamily="49" charset="0"/>
+              <a:cs typeface="Consolas" panose="020B0609020204030204" pitchFamily="49" charset="0"/>
+            </a:endParaRPr>
           </a:p>
         </p:txBody>
       </p:sp>
@@ -5345,7 +4940,7 @@
         <p:spPr>
           <a:xfrm>
             <a:off x="417443" y="857743"/>
-            <a:ext cx="11357113" cy="1323439"/>
+            <a:ext cx="11357113" cy="3385542"/>
           </a:xfrm>
           <a:prstGeom prst="rect">
             <a:avLst/>
@@ -5358,13 +4953,16 @@
           </a:bodyPr>
           <a:lstStyle/>
           <a:p>
+            <a:endParaRPr lang="en-US" sz="2000" dirty="0"/>
+          </a:p>
+          <a:p>
             <a:pPr marL="342900" indent="-342900">
               <a:buFont typeface="Arial" panose="020B0604020202020204" pitchFamily="34" charset="0"/>
               <a:buChar char="•"/>
             </a:pPr>
             <a:r>
               <a:rPr lang="en-US" sz="2000" dirty="0"/>
-              <a:t>Pickling will work on pretty much any data structure you can throw at it. It does not need to be a list. </a:t>
+              <a:t>You need to read the contents of a web page into a string using Python 2 </a:t>
             </a:r>
           </a:p>
           <a:p>
@@ -5381,15 +4979,111 @@
             </a:pPr>
             <a:r>
               <a:rPr lang="en-US" sz="2000" dirty="0"/>
-              <a:t>The file is saved in a text format that is sort of human-readable, but you will not normally need to look at or edit the text file.</a:t>
-            </a:r>
-            <a:endParaRPr lang="en-US" sz="2000" b="1" i="1" dirty="0">
-              <a:solidFill>
-                <a:srgbClr val="0070C0"/>
-              </a:solidFill>
-              <a:latin typeface="Consolas" panose="020B0609020204030204" pitchFamily="49" charset="0"/>
-              <a:cs typeface="Consolas" panose="020B0609020204030204" pitchFamily="49" charset="0"/>
-            </a:endParaRPr>
+              <a:t>Python has an extensive library for making HTTP requests. </a:t>
+            </a:r>
+          </a:p>
+          <a:p>
+            <a:pPr marL="342900" indent="-342900">
+              <a:buFont typeface="Arial" panose="020B0604020202020204" pitchFamily="34" charset="0"/>
+              <a:buChar char="•"/>
+            </a:pPr>
+            <a:endParaRPr lang="en-US" sz="2000" dirty="0"/>
+          </a:p>
+          <a:p>
+            <a:pPr marL="342900" indent="-342900">
+              <a:buFont typeface="Arial" panose="020B0604020202020204" pitchFamily="34" charset="0"/>
+              <a:buChar char="•"/>
+            </a:pPr>
+            <a:r>
+              <a:rPr lang="en-US" sz="2000" dirty="0"/>
+              <a:t>The following example reads the contents of the Google home page into the string </a:t>
+            </a:r>
+            <a:r>
+              <a:rPr lang="en-US" sz="2000" b="1" i="1" dirty="0">
+                <a:solidFill>
+                  <a:srgbClr val="0070C0"/>
+                </a:solidFill>
+                <a:latin typeface="Consolas" panose="020B0609020204030204" pitchFamily="49" charset="0"/>
+                <a:cs typeface="Consolas" panose="020B0609020204030204" pitchFamily="49" charset="0"/>
+              </a:rPr>
+              <a:t>contents</a:t>
+            </a:r>
+            <a:r>
+              <a:rPr lang="en-US" sz="2000" dirty="0"/>
+              <a:t>:</a:t>
+            </a:r>
+          </a:p>
+          <a:p>
+            <a:pPr marL="342900" indent="-342900">
+              <a:buFont typeface="Arial" panose="020B0604020202020204" pitchFamily="34" charset="0"/>
+              <a:buChar char="•"/>
+            </a:pPr>
+            <a:endParaRPr lang="en-US" sz="2000" dirty="0"/>
+          </a:p>
+          <a:p>
+            <a:pPr marL="342900" indent="-342900">
+              <a:buFont typeface="Arial" panose="020B0604020202020204" pitchFamily="34" charset="0"/>
+              <a:buChar char="•"/>
+            </a:pPr>
+            <a:r>
+              <a:rPr lang="fr-FR" b="1" i="1" dirty="0">
+                <a:solidFill>
+                  <a:srgbClr val="0070C0"/>
+                </a:solidFill>
+                <a:latin typeface="Consolas" panose="020B0609020204030204" pitchFamily="49" charset="0"/>
+                <a:cs typeface="Consolas" panose="020B0609020204030204" pitchFamily="49" charset="0"/>
+              </a:rPr>
+              <a:t>import urllib2 </a:t>
+            </a:r>
+          </a:p>
+          <a:p>
+            <a:pPr marL="342900" indent="-342900">
+              <a:buFont typeface="Arial" panose="020B0604020202020204" pitchFamily="34" charset="0"/>
+              <a:buChar char="•"/>
+            </a:pPr>
+            <a:r>
+              <a:rPr lang="fr-FR" b="1" i="1" dirty="0">
+                <a:solidFill>
+                  <a:srgbClr val="0070C0"/>
+                </a:solidFill>
+                <a:latin typeface="Consolas" panose="020B0609020204030204" pitchFamily="49" charset="0"/>
+                <a:cs typeface="Consolas" panose="020B0609020204030204" pitchFamily="49" charset="0"/>
+              </a:rPr>
+              <a:t>contents = urllib2.urlopen("https://www.google.com/").read() </a:t>
+            </a:r>
+          </a:p>
+          <a:p>
+            <a:pPr marL="342900" indent="-342900">
+              <a:buFont typeface="Arial" panose="020B0604020202020204" pitchFamily="34" charset="0"/>
+              <a:buChar char="•"/>
+            </a:pPr>
+            <a:r>
+              <a:rPr lang="fr-FR" b="1" i="1" dirty="0" err="1">
+                <a:solidFill>
+                  <a:srgbClr val="0070C0"/>
+                </a:solidFill>
+                <a:latin typeface="Consolas" panose="020B0609020204030204" pitchFamily="49" charset="0"/>
+                <a:cs typeface="Consolas" panose="020B0609020204030204" pitchFamily="49" charset="0"/>
+              </a:rPr>
+              <a:t>print</a:t>
+            </a:r>
+            <a:r>
+              <a:rPr lang="fr-FR" b="1" i="1" dirty="0">
+                <a:solidFill>
+                  <a:srgbClr val="0070C0"/>
+                </a:solidFill>
+                <a:latin typeface="Consolas" panose="020B0609020204030204" pitchFamily="49" charset="0"/>
+                <a:cs typeface="Consolas" panose="020B0609020204030204" pitchFamily="49" charset="0"/>
+              </a:rPr>
+              <a:t>(contents) </a:t>
+            </a:r>
+          </a:p>
+          <a:p>
+            <a:pPr marL="342900" indent="-342900">
+              <a:buFont typeface="Arial" panose="020B0604020202020204" pitchFamily="34" charset="0"/>
+              <a:buChar char="•"/>
+            </a:pPr>
+            <a:endParaRPr lang="en-US" sz="2000" dirty="0"/>
           </a:p>
         </p:txBody>
       </p:sp>
@@ -5435,7 +5129,7 @@
     </p:spTree>
     <p:extLst>
       <p:ext uri="{BB962C8B-B14F-4D97-AF65-F5344CB8AC3E}">
-        <p14:creationId xmlns:p14="http://schemas.microsoft.com/office/powerpoint/2010/main" val="3009010133"/>
+        <p14:creationId xmlns:p14="http://schemas.microsoft.com/office/powerpoint/2010/main" val="195323463"/>
       </p:ext>
     </p:extLst>
   </p:cSld>
@@ -5606,7 +5300,7 @@
           <a:p>
             <a:r>
               <a:rPr lang="en-US" dirty="0"/>
-              <a:t>Making Web Requests from Python </a:t>
+              <a:t>Command-Line Arguments in Python </a:t>
             </a:r>
             <a:endParaRPr lang="en-US" b="1" i="1" dirty="0">
               <a:solidFill>
@@ -5627,7 +5321,7 @@
         <p:spPr>
           <a:xfrm>
             <a:off x="417443" y="857743"/>
-            <a:ext cx="11357113" cy="3385542"/>
+            <a:ext cx="11357113" cy="6001643"/>
           </a:xfrm>
           <a:prstGeom prst="rect">
             <a:avLst/>
@@ -5640,16 +5334,13 @@
           </a:bodyPr>
           <a:lstStyle/>
           <a:p>
-            <a:endParaRPr lang="en-US" sz="2000" dirty="0"/>
-          </a:p>
-          <a:p>
             <a:pPr marL="342900" indent="-342900">
               <a:buFont typeface="Arial" panose="020B0604020202020204" pitchFamily="34" charset="0"/>
               <a:buChar char="•"/>
             </a:pPr>
             <a:r>
               <a:rPr lang="en-US" sz="2000" dirty="0"/>
-              <a:t>You need to read the contents of a web page into a string using Python 2 </a:t>
+              <a:t>You want to run a Python program from the command line and pass it parameters.  </a:t>
             </a:r>
           </a:p>
           <a:p>
@@ -5666,7 +5357,35 @@
             </a:pPr>
             <a:r>
               <a:rPr lang="en-US" sz="2000" dirty="0"/>
-              <a:t>Python has an extensive library for making HTTP requests. </a:t>
+              <a:t>Import </a:t>
+            </a:r>
+            <a:r>
+              <a:rPr lang="en-US" sz="2400" b="1" i="1" dirty="0">
+                <a:solidFill>
+                  <a:srgbClr val="0070C0"/>
+                </a:solidFill>
+                <a:latin typeface="Consolas" panose="020B0609020204030204" pitchFamily="49" charset="0"/>
+                <a:cs typeface="Consolas" panose="020B0609020204030204" pitchFamily="49" charset="0"/>
+              </a:rPr>
+              <a:t>sys</a:t>
+            </a:r>
+            <a:r>
+              <a:rPr lang="en-US" sz="2000" dirty="0"/>
+              <a:t> and use its </a:t>
+            </a:r>
+            <a:r>
+              <a:rPr lang="en-US" sz="2400" b="1" i="1" dirty="0" err="1">
+                <a:solidFill>
+                  <a:srgbClr val="0070C0"/>
+                </a:solidFill>
+                <a:latin typeface="Consolas" panose="020B0609020204030204" pitchFamily="49" charset="0"/>
+                <a:cs typeface="Consolas" panose="020B0609020204030204" pitchFamily="49" charset="0"/>
+              </a:rPr>
+              <a:t>argv</a:t>
+            </a:r>
+            <a:r>
+              <a:rPr lang="en-US" sz="2000" dirty="0"/>
+              <a:t> property, as shown in the following example. This returns an array, the first element of which is the name of the program. The other elements are any parameters (separated by spaces) that were typed on the command line after the program name.</a:t>
             </a:r>
           </a:p>
           <a:p>
@@ -5674,30 +5393,139 @@
               <a:buFont typeface="Arial" panose="020B0604020202020204" pitchFamily="34" charset="0"/>
               <a:buChar char="•"/>
             </a:pPr>
-            <a:endParaRPr lang="en-US" sz="2000" dirty="0"/>
+            <a:r>
+              <a:rPr lang="en-US" sz="2000" b="1" dirty="0">
+                <a:solidFill>
+                  <a:srgbClr val="FF0000"/>
+                </a:solidFill>
+              </a:rPr>
+              <a:t>Example:</a:t>
+            </a:r>
           </a:p>
           <a:p>
             <a:pPr marL="342900" indent="-342900">
               <a:buFont typeface="Arial" panose="020B0604020202020204" pitchFamily="34" charset="0"/>
               <a:buChar char="•"/>
             </a:pPr>
-            <a:r>
-              <a:rPr lang="en-US" sz="2000" dirty="0"/>
-              <a:t>The following example reads the contents of the Google home page into the string </a:t>
-            </a:r>
-            <a:r>
-              <a:rPr lang="en-US" sz="2000" b="1" i="1" dirty="0">
-                <a:solidFill>
-                  <a:srgbClr val="0070C0"/>
-                </a:solidFill>
-                <a:latin typeface="Consolas" panose="020B0609020204030204" pitchFamily="49" charset="0"/>
-                <a:cs typeface="Consolas" panose="020B0609020204030204" pitchFamily="49" charset="0"/>
-              </a:rPr>
-              <a:t>contents</a:t>
-            </a:r>
-            <a:r>
-              <a:rPr lang="en-US" sz="2000" dirty="0"/>
-              <a:t>:</a:t>
+            <a:endParaRPr lang="en-US" sz="2000" dirty="0"/>
+          </a:p>
+          <a:p>
+            <a:pPr lvl="1"/>
+            <a:r>
+              <a:rPr lang="en-US" sz="2000" b="1" i="1" dirty="0">
+                <a:solidFill>
+                  <a:srgbClr val="0070C0"/>
+                </a:solidFill>
+                <a:latin typeface="Consolas" panose="020B0609020204030204" pitchFamily="49" charset="0"/>
+                <a:cs typeface="Consolas" panose="020B0609020204030204" pitchFamily="49" charset="0"/>
+              </a:rPr>
+              <a:t>import sys</a:t>
+            </a:r>
+          </a:p>
+          <a:p>
+            <a:pPr lvl="1"/>
+            <a:r>
+              <a:rPr lang="en-US" sz="2000" b="1" i="1" dirty="0">
+                <a:solidFill>
+                  <a:srgbClr val="0070C0"/>
+                </a:solidFill>
+                <a:latin typeface="Consolas" panose="020B0609020204030204" pitchFamily="49" charset="0"/>
+                <a:cs typeface="Consolas" panose="020B0609020204030204" pitchFamily="49" charset="0"/>
+              </a:rPr>
+              <a:t>for (</a:t>
+            </a:r>
+            <a:r>
+              <a:rPr lang="en-US" sz="2000" b="1" i="1" dirty="0" err="1">
+                <a:solidFill>
+                  <a:srgbClr val="0070C0"/>
+                </a:solidFill>
+                <a:latin typeface="Consolas" panose="020B0609020204030204" pitchFamily="49" charset="0"/>
+                <a:cs typeface="Consolas" panose="020B0609020204030204" pitchFamily="49" charset="0"/>
+              </a:rPr>
+              <a:t>i</a:t>
+            </a:r>
+            <a:r>
+              <a:rPr lang="en-US" sz="2000" b="1" i="1" dirty="0">
+                <a:solidFill>
+                  <a:srgbClr val="0070C0"/>
+                </a:solidFill>
+                <a:latin typeface="Consolas" panose="020B0609020204030204" pitchFamily="49" charset="0"/>
+                <a:cs typeface="Consolas" panose="020B0609020204030204" pitchFamily="49" charset="0"/>
+              </a:rPr>
+              <a:t>, value) in enumerate(</a:t>
+            </a:r>
+            <a:r>
+              <a:rPr lang="en-US" sz="2000" b="1" i="1" dirty="0" err="1">
+                <a:solidFill>
+                  <a:srgbClr val="0070C0"/>
+                </a:solidFill>
+                <a:latin typeface="Consolas" panose="020B0609020204030204" pitchFamily="49" charset="0"/>
+                <a:cs typeface="Consolas" panose="020B0609020204030204" pitchFamily="49" charset="0"/>
+              </a:rPr>
+              <a:t>sys.argv</a:t>
+            </a:r>
+            <a:r>
+              <a:rPr lang="en-US" sz="2000" b="1" i="1" dirty="0">
+                <a:solidFill>
+                  <a:srgbClr val="0070C0"/>
+                </a:solidFill>
+                <a:latin typeface="Consolas" panose="020B0609020204030204" pitchFamily="49" charset="0"/>
+                <a:cs typeface="Consolas" panose="020B0609020204030204" pitchFamily="49" charset="0"/>
+              </a:rPr>
+              <a:t>):    </a:t>
+            </a:r>
+          </a:p>
+          <a:p>
+            <a:pPr lvl="3"/>
+            <a:r>
+              <a:rPr lang="en-US" sz="2000" b="1" i="1" dirty="0">
+                <a:solidFill>
+                  <a:srgbClr val="0070C0"/>
+                </a:solidFill>
+                <a:latin typeface="Consolas" panose="020B0609020204030204" pitchFamily="49" charset="0"/>
+                <a:cs typeface="Consolas" panose="020B0609020204030204" pitchFamily="49" charset="0"/>
+              </a:rPr>
+              <a:t>print("</a:t>
+            </a:r>
+            <a:r>
+              <a:rPr lang="en-US" sz="2000" b="1" i="1" dirty="0" err="1">
+                <a:solidFill>
+                  <a:srgbClr val="0070C0"/>
+                </a:solidFill>
+                <a:latin typeface="Consolas" panose="020B0609020204030204" pitchFamily="49" charset="0"/>
+                <a:cs typeface="Consolas" panose="020B0609020204030204" pitchFamily="49" charset="0"/>
+              </a:rPr>
+              <a:t>arg</a:t>
+            </a:r>
+            <a:r>
+              <a:rPr lang="en-US" sz="2000" b="1" i="1" dirty="0">
+                <a:solidFill>
+                  <a:srgbClr val="0070C0"/>
+                </a:solidFill>
+                <a:latin typeface="Consolas" panose="020B0609020204030204" pitchFamily="49" charset="0"/>
+                <a:cs typeface="Consolas" panose="020B0609020204030204" pitchFamily="49" charset="0"/>
+              </a:rPr>
+              <a:t>: %d %s " % (</a:t>
+            </a:r>
+            <a:r>
+              <a:rPr lang="en-US" sz="2000" b="1" i="1" dirty="0" err="1">
+                <a:solidFill>
+                  <a:srgbClr val="0070C0"/>
+                </a:solidFill>
+                <a:latin typeface="Consolas" panose="020B0609020204030204" pitchFamily="49" charset="0"/>
+                <a:cs typeface="Consolas" panose="020B0609020204030204" pitchFamily="49" charset="0"/>
+              </a:rPr>
+              <a:t>i</a:t>
+            </a:r>
+            <a:r>
+              <a:rPr lang="en-US" sz="2000" b="1" i="1" dirty="0">
+                <a:solidFill>
+                  <a:srgbClr val="0070C0"/>
+                </a:solidFill>
+                <a:latin typeface="Consolas" panose="020B0609020204030204" pitchFamily="49" charset="0"/>
+                <a:cs typeface="Consolas" panose="020B0609020204030204" pitchFamily="49" charset="0"/>
+              </a:rPr>
+              <a:t>, value)) </a:t>
             </a:r>
           </a:p>
           <a:p>
@@ -5705,7 +5533,13 @@
               <a:buFont typeface="Arial" panose="020B0604020202020204" pitchFamily="34" charset="0"/>
               <a:buChar char="•"/>
             </a:pPr>
-            <a:endParaRPr lang="en-US" sz="2000" dirty="0"/>
+            <a:endParaRPr lang="en-US" sz="2000" b="1" i="1" dirty="0">
+              <a:solidFill>
+                <a:srgbClr val="0070C0"/>
+              </a:solidFill>
+              <a:latin typeface="Consolas" panose="020B0609020204030204" pitchFamily="49" charset="0"/>
+              <a:cs typeface="Consolas" panose="020B0609020204030204" pitchFamily="49" charset="0"/>
+            </a:endParaRPr>
           </a:p>
           <a:p>
             <a:pPr marL="342900" indent="-342900">
@@ -5713,14 +5547,8 @@
               <a:buChar char="•"/>
             </a:pPr>
             <a:r>
-              <a:rPr lang="fr-FR" b="1" i="1" dirty="0">
-                <a:solidFill>
-                  <a:srgbClr val="0070C0"/>
-                </a:solidFill>
-                <a:latin typeface="Consolas" panose="020B0609020204030204" pitchFamily="49" charset="0"/>
-                <a:cs typeface="Consolas" panose="020B0609020204030204" pitchFamily="49" charset="0"/>
-              </a:rPr>
-              <a:t>import urllib2 </a:t>
+              <a:rPr lang="en-US" sz="2000" dirty="0"/>
+              <a:t>Running the program from the command line, with some parameters after it, results in the following output:</a:t>
             </a:r>
           </a:p>
           <a:p>
@@ -5728,16 +5556,7 @@
               <a:buFont typeface="Arial" panose="020B0604020202020204" pitchFamily="34" charset="0"/>
               <a:buChar char="•"/>
             </a:pPr>
-            <a:r>
-              <a:rPr lang="fr-FR" b="1" i="1" dirty="0">
-                <a:solidFill>
-                  <a:srgbClr val="0070C0"/>
-                </a:solidFill>
-                <a:latin typeface="Consolas" panose="020B0609020204030204" pitchFamily="49" charset="0"/>
-                <a:cs typeface="Consolas" panose="020B0609020204030204" pitchFamily="49" charset="0"/>
-              </a:rPr>
-              <a:t>contents = urllib2.urlopen("https://www.google.com/").read() </a:t>
-            </a:r>
+            <a:endParaRPr lang="en-US" sz="2000" dirty="0"/>
           </a:p>
           <a:p>
             <a:pPr marL="342900" indent="-342900">
@@ -5745,24 +5564,14 @@
               <a:buChar char="•"/>
             </a:pPr>
             <a:r>
-              <a:rPr lang="fr-FR" b="1" i="1" dirty="0" err="1">
-                <a:solidFill>
-                  <a:srgbClr val="0070C0"/>
-                </a:solidFill>
-                <a:latin typeface="Consolas" panose="020B0609020204030204" pitchFamily="49" charset="0"/>
-                <a:cs typeface="Consolas" panose="020B0609020204030204" pitchFamily="49" charset="0"/>
-              </a:rPr>
-              <a:t>print</a:t>
-            </a:r>
-            <a:r>
-              <a:rPr lang="fr-FR" b="1" i="1" dirty="0">
-                <a:solidFill>
-                  <a:srgbClr val="0070C0"/>
-                </a:solidFill>
-                <a:latin typeface="Consolas" panose="020B0609020204030204" pitchFamily="49" charset="0"/>
-                <a:cs typeface="Consolas" panose="020B0609020204030204" pitchFamily="49" charset="0"/>
-              </a:rPr>
-              <a:t>(contents) </a:t>
+              <a:rPr lang="en-US" sz="2000" b="1" i="1" dirty="0">
+                <a:solidFill>
+                  <a:srgbClr val="0070C0"/>
+                </a:solidFill>
+                <a:latin typeface="Consolas" panose="020B0609020204030204" pitchFamily="49" charset="0"/>
+                <a:cs typeface="Consolas" panose="020B0609020204030204" pitchFamily="49" charset="0"/>
+              </a:rPr>
+              <a:t>$ python cmd_line.py a b c </a:t>
             </a:r>
           </a:p>
           <a:p>
@@ -5770,7 +5579,104 @@
               <a:buFont typeface="Arial" panose="020B0604020202020204" pitchFamily="34" charset="0"/>
               <a:buChar char="•"/>
             </a:pPr>
-            <a:endParaRPr lang="en-US" sz="2000" dirty="0"/>
+            <a:r>
+              <a:rPr lang="en-US" sz="2000" b="1" i="1" dirty="0" err="1">
+                <a:solidFill>
+                  <a:srgbClr val="0070C0"/>
+                </a:solidFill>
+                <a:latin typeface="Consolas" panose="020B0609020204030204" pitchFamily="49" charset="0"/>
+                <a:cs typeface="Consolas" panose="020B0609020204030204" pitchFamily="49" charset="0"/>
+              </a:rPr>
+              <a:t>arg</a:t>
+            </a:r>
+            <a:r>
+              <a:rPr lang="en-US" sz="2000" b="1" i="1" dirty="0">
+                <a:solidFill>
+                  <a:srgbClr val="0070C0"/>
+                </a:solidFill>
+                <a:latin typeface="Consolas" panose="020B0609020204030204" pitchFamily="49" charset="0"/>
+                <a:cs typeface="Consolas" panose="020B0609020204030204" pitchFamily="49" charset="0"/>
+              </a:rPr>
+              <a:t>: 0 cmd_line.py </a:t>
+            </a:r>
+          </a:p>
+          <a:p>
+            <a:pPr marL="342900" indent="-342900">
+              <a:buFont typeface="Arial" panose="020B0604020202020204" pitchFamily="34" charset="0"/>
+              <a:buChar char="•"/>
+            </a:pPr>
+            <a:r>
+              <a:rPr lang="en-US" sz="2000" b="1" i="1" dirty="0" err="1">
+                <a:solidFill>
+                  <a:srgbClr val="0070C0"/>
+                </a:solidFill>
+                <a:latin typeface="Consolas" panose="020B0609020204030204" pitchFamily="49" charset="0"/>
+                <a:cs typeface="Consolas" panose="020B0609020204030204" pitchFamily="49" charset="0"/>
+              </a:rPr>
+              <a:t>arg</a:t>
+            </a:r>
+            <a:r>
+              <a:rPr lang="en-US" sz="2000" b="1" i="1" dirty="0">
+                <a:solidFill>
+                  <a:srgbClr val="0070C0"/>
+                </a:solidFill>
+                <a:latin typeface="Consolas" panose="020B0609020204030204" pitchFamily="49" charset="0"/>
+                <a:cs typeface="Consolas" panose="020B0609020204030204" pitchFamily="49" charset="0"/>
+              </a:rPr>
+              <a:t>: 1 a </a:t>
+            </a:r>
+          </a:p>
+          <a:p>
+            <a:pPr marL="342900" indent="-342900">
+              <a:buFont typeface="Arial" panose="020B0604020202020204" pitchFamily="34" charset="0"/>
+              <a:buChar char="•"/>
+            </a:pPr>
+            <a:r>
+              <a:rPr lang="en-US" sz="2000" b="1" i="1" dirty="0" err="1">
+                <a:solidFill>
+                  <a:srgbClr val="0070C0"/>
+                </a:solidFill>
+                <a:latin typeface="Consolas" panose="020B0609020204030204" pitchFamily="49" charset="0"/>
+                <a:cs typeface="Consolas" panose="020B0609020204030204" pitchFamily="49" charset="0"/>
+              </a:rPr>
+              <a:t>arg</a:t>
+            </a:r>
+            <a:r>
+              <a:rPr lang="en-US" sz="2000" b="1" i="1" dirty="0">
+                <a:solidFill>
+                  <a:srgbClr val="0070C0"/>
+                </a:solidFill>
+                <a:latin typeface="Consolas" panose="020B0609020204030204" pitchFamily="49" charset="0"/>
+                <a:cs typeface="Consolas" panose="020B0609020204030204" pitchFamily="49" charset="0"/>
+              </a:rPr>
+              <a:t>: 2 b </a:t>
+            </a:r>
+          </a:p>
+          <a:p>
+            <a:pPr marL="342900" indent="-342900">
+              <a:buFont typeface="Arial" panose="020B0604020202020204" pitchFamily="34" charset="0"/>
+              <a:buChar char="•"/>
+            </a:pPr>
+            <a:r>
+              <a:rPr lang="en-US" sz="2000" b="1" i="1" dirty="0" err="1">
+                <a:solidFill>
+                  <a:srgbClr val="0070C0"/>
+                </a:solidFill>
+                <a:latin typeface="Consolas" panose="020B0609020204030204" pitchFamily="49" charset="0"/>
+                <a:cs typeface="Consolas" panose="020B0609020204030204" pitchFamily="49" charset="0"/>
+              </a:rPr>
+              <a:t>arg</a:t>
+            </a:r>
+            <a:r>
+              <a:rPr lang="en-US" sz="2000" b="1" i="1" dirty="0">
+                <a:solidFill>
+                  <a:srgbClr val="0070C0"/>
+                </a:solidFill>
+                <a:latin typeface="Consolas" panose="020B0609020204030204" pitchFamily="49" charset="0"/>
+                <a:cs typeface="Consolas" panose="020B0609020204030204" pitchFamily="49" charset="0"/>
+              </a:rPr>
+              <a:t>: 3 c </a:t>
+            </a:r>
           </a:p>
         </p:txBody>
       </p:sp>
@@ -5816,7 +5722,7 @@
     </p:spTree>
     <p:extLst>
       <p:ext uri="{BB962C8B-B14F-4D97-AF65-F5344CB8AC3E}">
-        <p14:creationId xmlns:p14="http://schemas.microsoft.com/office/powerpoint/2010/main" val="195323463"/>
+        <p14:creationId xmlns:p14="http://schemas.microsoft.com/office/powerpoint/2010/main" val="1226257525"/>
       </p:ext>
     </p:extLst>
   </p:cSld>
@@ -5987,7 +5893,7 @@
           <a:p>
             <a:r>
               <a:rPr lang="en-US" dirty="0"/>
-              <a:t>Command-Line Arguments in Python </a:t>
+              <a:t>Sending Email from Python </a:t>
             </a:r>
             <a:endParaRPr lang="en-US" b="1" i="1" dirty="0">
               <a:solidFill>
@@ -6007,8 +5913,8 @@
         </p:nvSpPr>
         <p:spPr>
           <a:xfrm>
-            <a:off x="417443" y="857743"/>
-            <a:ext cx="11357113" cy="6001643"/>
+            <a:off x="417443" y="702995"/>
+            <a:ext cx="11357113" cy="6247864"/>
           </a:xfrm>
           <a:prstGeom prst="rect">
             <a:avLst/>
@@ -6027,7 +5933,7 @@
             </a:pPr>
             <a:r>
               <a:rPr lang="en-US" sz="2000" dirty="0"/>
-              <a:t>You want to run a Python program from the command line and pass it parameters.  </a:t>
+              <a:t>You want to send an email message from a Python program.</a:t>
             </a:r>
           </a:p>
           <a:p>
@@ -6035,91 +5941,39 @@
               <a:buFont typeface="Arial" panose="020B0604020202020204" pitchFamily="34" charset="0"/>
               <a:buChar char="•"/>
             </a:pPr>
-            <a:endParaRPr lang="en-US" sz="2000" dirty="0"/>
+            <a:r>
+              <a:rPr lang="en-US" sz="2000" dirty="0"/>
+              <a:t>Python has a library for the Simple Mail Transfer Protocol (SMTP) that you can use to send emails:</a:t>
+            </a:r>
           </a:p>
           <a:p>
             <a:pPr marL="342900" indent="-342900">
               <a:buFont typeface="Arial" panose="020B0604020202020204" pitchFamily="34" charset="0"/>
               <a:buChar char="•"/>
             </a:pPr>
+            <a:endParaRPr lang="en-US" sz="2000" dirty="0"/>
+          </a:p>
+          <a:p>
+            <a:pPr marL="457200" indent="-457200">
+              <a:buFont typeface="+mj-lt"/>
+              <a:buAutoNum type="arabicPeriod"/>
+            </a:pPr>
             <a:r>
               <a:rPr lang="en-US" sz="2000" dirty="0"/>
-              <a:t>Import </a:t>
-            </a:r>
-            <a:r>
-              <a:rPr lang="en-US" sz="2400" b="1" i="1" dirty="0">
-                <a:solidFill>
-                  <a:srgbClr val="0070C0"/>
-                </a:solidFill>
-                <a:latin typeface="Consolas" panose="020B0609020204030204" pitchFamily="49" charset="0"/>
-                <a:cs typeface="Consolas" panose="020B0609020204030204" pitchFamily="49" charset="0"/>
-              </a:rPr>
-              <a:t>sys</a:t>
-            </a:r>
-            <a:r>
+              <a:t>Attach library to your code:</a:t>
+            </a:r>
+            <a:br>
               <a:rPr lang="en-US" sz="2000" dirty="0"/>
-              <a:t> and use its </a:t>
-            </a:r>
-            <a:r>
-              <a:rPr lang="en-US" sz="2400" b="1" i="1" dirty="0" err="1">
-                <a:solidFill>
-                  <a:srgbClr val="0070C0"/>
-                </a:solidFill>
-                <a:latin typeface="Consolas" panose="020B0609020204030204" pitchFamily="49" charset="0"/>
-                <a:cs typeface="Consolas" panose="020B0609020204030204" pitchFamily="49" charset="0"/>
-              </a:rPr>
-              <a:t>argv</a:t>
-            </a:r>
-            <a:r>
-              <a:rPr lang="en-US" sz="2000" dirty="0"/>
-              <a:t> property, as shown in the following example. This returns an array, the first element of which is the name of the program. The other elements are any parameters (separated by spaces) that were typed on the command line after the program name.</a:t>
-            </a:r>
-          </a:p>
-          <a:p>
-            <a:pPr marL="342900" indent="-342900">
-              <a:buFont typeface="Arial" panose="020B0604020202020204" pitchFamily="34" charset="0"/>
-              <a:buChar char="•"/>
-            </a:pPr>
-            <a:r>
-              <a:rPr lang="en-US" sz="2000" b="1" dirty="0">
-                <a:solidFill>
-                  <a:srgbClr val="FF0000"/>
-                </a:solidFill>
-              </a:rPr>
-              <a:t>Example:</a:t>
-            </a:r>
-          </a:p>
-          <a:p>
-            <a:pPr marL="342900" indent="-342900">
-              <a:buFont typeface="Arial" panose="020B0604020202020204" pitchFamily="34" charset="0"/>
-              <a:buChar char="•"/>
-            </a:pPr>
-            <a:endParaRPr lang="en-US" sz="2000" dirty="0"/>
-          </a:p>
-          <a:p>
-            <a:pPr lvl="1"/>
-            <a:r>
-              <a:rPr lang="en-US" sz="2000" b="1" i="1" dirty="0">
-                <a:solidFill>
-                  <a:srgbClr val="0070C0"/>
-                </a:solidFill>
-                <a:latin typeface="Consolas" panose="020B0609020204030204" pitchFamily="49" charset="0"/>
-                <a:cs typeface="Consolas" panose="020B0609020204030204" pitchFamily="49" charset="0"/>
-              </a:rPr>
-              <a:t>import sys</a:t>
-            </a:r>
-          </a:p>
-          <a:p>
-            <a:pPr lvl="1"/>
-            <a:r>
-              <a:rPr lang="en-US" sz="2000" b="1" i="1" dirty="0">
-                <a:solidFill>
-                  <a:srgbClr val="0070C0"/>
-                </a:solidFill>
-                <a:latin typeface="Consolas" panose="020B0609020204030204" pitchFamily="49" charset="0"/>
-                <a:cs typeface="Consolas" panose="020B0609020204030204" pitchFamily="49" charset="0"/>
-              </a:rPr>
-              <a:t>for (</a:t>
+            </a:br>
+            <a:r>
+              <a:rPr lang="en-US" sz="2000" b="1" i="1" dirty="0">
+                <a:solidFill>
+                  <a:srgbClr val="0070C0"/>
+                </a:solidFill>
+                <a:latin typeface="Consolas" panose="020B0609020204030204" pitchFamily="49" charset="0"/>
+                <a:cs typeface="Consolas" panose="020B0609020204030204" pitchFamily="49" charset="0"/>
+              </a:rPr>
+              <a:t>import </a:t>
             </a:r>
             <a:r>
               <a:rPr lang="en-US" sz="2000" b="1" i="1" dirty="0" err="1">
@@ -6129,97 +5983,8 @@
                 <a:latin typeface="Consolas" panose="020B0609020204030204" pitchFamily="49" charset="0"/>
                 <a:cs typeface="Consolas" panose="020B0609020204030204" pitchFamily="49" charset="0"/>
               </a:rPr>
-              <a:t>i</a:t>
-            </a:r>
-            <a:r>
-              <a:rPr lang="en-US" sz="2000" b="1" i="1" dirty="0">
-                <a:solidFill>
-                  <a:srgbClr val="0070C0"/>
-                </a:solidFill>
-                <a:latin typeface="Consolas" panose="020B0609020204030204" pitchFamily="49" charset="0"/>
-                <a:cs typeface="Consolas" panose="020B0609020204030204" pitchFamily="49" charset="0"/>
-              </a:rPr>
-              <a:t>, value) in enumerate(</a:t>
-            </a:r>
-            <a:r>
-              <a:rPr lang="en-US" sz="2000" b="1" i="1" dirty="0" err="1">
-                <a:solidFill>
-                  <a:srgbClr val="0070C0"/>
-                </a:solidFill>
-                <a:latin typeface="Consolas" panose="020B0609020204030204" pitchFamily="49" charset="0"/>
-                <a:cs typeface="Consolas" panose="020B0609020204030204" pitchFamily="49" charset="0"/>
-              </a:rPr>
-              <a:t>sys.argv</a:t>
-            </a:r>
-            <a:r>
-              <a:rPr lang="en-US" sz="2000" b="1" i="1" dirty="0">
-                <a:solidFill>
-                  <a:srgbClr val="0070C0"/>
-                </a:solidFill>
-                <a:latin typeface="Consolas" panose="020B0609020204030204" pitchFamily="49" charset="0"/>
-                <a:cs typeface="Consolas" panose="020B0609020204030204" pitchFamily="49" charset="0"/>
-              </a:rPr>
-              <a:t>):    </a:t>
-            </a:r>
-          </a:p>
-          <a:p>
-            <a:pPr lvl="3"/>
-            <a:r>
-              <a:rPr lang="en-US" sz="2000" b="1" i="1" dirty="0">
-                <a:solidFill>
-                  <a:srgbClr val="0070C0"/>
-                </a:solidFill>
-                <a:latin typeface="Consolas" panose="020B0609020204030204" pitchFamily="49" charset="0"/>
-                <a:cs typeface="Consolas" panose="020B0609020204030204" pitchFamily="49" charset="0"/>
-              </a:rPr>
-              <a:t>print("</a:t>
-            </a:r>
-            <a:r>
-              <a:rPr lang="en-US" sz="2000" b="1" i="1" dirty="0" err="1">
-                <a:solidFill>
-                  <a:srgbClr val="0070C0"/>
-                </a:solidFill>
-                <a:latin typeface="Consolas" panose="020B0609020204030204" pitchFamily="49" charset="0"/>
-                <a:cs typeface="Consolas" panose="020B0609020204030204" pitchFamily="49" charset="0"/>
-              </a:rPr>
-              <a:t>arg</a:t>
-            </a:r>
-            <a:r>
-              <a:rPr lang="en-US" sz="2000" b="1" i="1" dirty="0">
-                <a:solidFill>
-                  <a:srgbClr val="0070C0"/>
-                </a:solidFill>
-                <a:latin typeface="Consolas" panose="020B0609020204030204" pitchFamily="49" charset="0"/>
-                <a:cs typeface="Consolas" panose="020B0609020204030204" pitchFamily="49" charset="0"/>
-              </a:rPr>
-              <a:t>: %d %s " % (</a:t>
-            </a:r>
-            <a:r>
-              <a:rPr lang="en-US" sz="2000" b="1" i="1" dirty="0" err="1">
-                <a:solidFill>
-                  <a:srgbClr val="0070C0"/>
-                </a:solidFill>
-                <a:latin typeface="Consolas" panose="020B0609020204030204" pitchFamily="49" charset="0"/>
-                <a:cs typeface="Consolas" panose="020B0609020204030204" pitchFamily="49" charset="0"/>
-              </a:rPr>
-              <a:t>i</a:t>
-            </a:r>
-            <a:r>
-              <a:rPr lang="en-US" sz="2000" b="1" i="1" dirty="0">
-                <a:solidFill>
-                  <a:srgbClr val="0070C0"/>
-                </a:solidFill>
-                <a:latin typeface="Consolas" panose="020B0609020204030204" pitchFamily="49" charset="0"/>
-                <a:cs typeface="Consolas" panose="020B0609020204030204" pitchFamily="49" charset="0"/>
-              </a:rPr>
-              <a:t>, value)) </a:t>
-            </a:r>
-          </a:p>
-          <a:p>
-            <a:pPr marL="342900" indent="-342900">
-              <a:buFont typeface="Arial" panose="020B0604020202020204" pitchFamily="34" charset="0"/>
-              <a:buChar char="•"/>
-            </a:pPr>
+              <a:t>smtplib</a:t>
+            </a:r>
             <a:endParaRPr lang="en-US" sz="2000" b="1" i="1" dirty="0">
               <a:solidFill>
                 <a:srgbClr val="0070C0"/>
@@ -6229,43 +5994,24 @@
             </a:endParaRPr>
           </a:p>
           <a:p>
-            <a:pPr marL="342900" indent="-342900">
-              <a:buFont typeface="Arial" panose="020B0604020202020204" pitchFamily="34" charset="0"/>
-              <a:buChar char="•"/>
+            <a:pPr marL="457200" indent="-457200">
+              <a:buFont typeface="+mj-lt"/>
+              <a:buAutoNum type="arabicPeriod"/>
+            </a:pPr>
+            <a:endParaRPr lang="en-US" sz="2000" dirty="0"/>
+          </a:p>
+          <a:p>
+            <a:pPr marL="457200" indent="-457200">
+              <a:buFont typeface="+mj-lt"/>
+              <a:buAutoNum type="arabicPeriod"/>
             </a:pPr>
             <a:r>
               <a:rPr lang="en-US" sz="2000" dirty="0"/>
-              <a:t>Running the program from the command line, with some parameters after it, results in the following output:</a:t>
-            </a:r>
-          </a:p>
-          <a:p>
-            <a:pPr marL="342900" indent="-342900">
-              <a:buFont typeface="Arial" panose="020B0604020202020204" pitchFamily="34" charset="0"/>
-              <a:buChar char="•"/>
-            </a:pPr>
-            <a:endParaRPr lang="en-US" sz="2000" dirty="0"/>
-          </a:p>
-          <a:p>
-            <a:pPr marL="342900" indent="-342900">
-              <a:buFont typeface="Arial" panose="020B0604020202020204" pitchFamily="34" charset="0"/>
-              <a:buChar char="•"/>
-            </a:pPr>
-            <a:r>
-              <a:rPr lang="en-US" sz="2000" b="1" i="1" dirty="0">
-                <a:solidFill>
-                  <a:srgbClr val="0070C0"/>
-                </a:solidFill>
-                <a:latin typeface="Consolas" panose="020B0609020204030204" pitchFamily="49" charset="0"/>
-                <a:cs typeface="Consolas" panose="020B0609020204030204" pitchFamily="49" charset="0"/>
-              </a:rPr>
-              <a:t>$ python cmd_line.py a b c </a:t>
-            </a:r>
-          </a:p>
-          <a:p>
-            <a:pPr marL="342900" indent="-342900">
-              <a:buFont typeface="Arial" panose="020B0604020202020204" pitchFamily="34" charset="0"/>
-              <a:buChar char="•"/>
-            </a:pPr>
+              <a:t>Create SMTP Session Client Object:</a:t>
+            </a:r>
+            <a:br>
+              <a:rPr lang="en-US" sz="2000" dirty="0"/>
+            </a:br>
             <a:r>
               <a:rPr lang="en-US" sz="2000" b="1" i="1" dirty="0" err="1">
                 <a:solidFill>
@@ -6274,24 +6020,18 @@
                 <a:latin typeface="Consolas" panose="020B0609020204030204" pitchFamily="49" charset="0"/>
                 <a:cs typeface="Consolas" panose="020B0609020204030204" pitchFamily="49" charset="0"/>
               </a:rPr>
-              <a:t>arg</a:t>
-            </a:r>
-            <a:r>
-              <a:rPr lang="en-US" sz="2000" b="1" i="1" dirty="0">
-                <a:solidFill>
-                  <a:srgbClr val="0070C0"/>
-                </a:solidFill>
-                <a:latin typeface="Consolas" panose="020B0609020204030204" pitchFamily="49" charset="0"/>
-                <a:cs typeface="Consolas" panose="020B0609020204030204" pitchFamily="49" charset="0"/>
-              </a:rPr>
-              <a:t>: 0 cmd_line.py </a:t>
-            </a:r>
-          </a:p>
-          <a:p>
-            <a:pPr marL="342900" indent="-342900">
-              <a:buFont typeface="Arial" panose="020B0604020202020204" pitchFamily="34" charset="0"/>
-              <a:buChar char="•"/>
-            </a:pPr>
+              <a:t>smtpserver</a:t>
+            </a:r>
+            <a:r>
+              <a:rPr lang="en-US" sz="2000" b="1" i="1" dirty="0">
+                <a:solidFill>
+                  <a:srgbClr val="0070C0"/>
+                </a:solidFill>
+                <a:latin typeface="Consolas" panose="020B0609020204030204" pitchFamily="49" charset="0"/>
+                <a:cs typeface="Consolas" panose="020B0609020204030204" pitchFamily="49" charset="0"/>
+              </a:rPr>
+              <a:t> = </a:t>
+            </a:r>
             <a:r>
               <a:rPr lang="en-US" sz="2000" b="1" i="1" dirty="0" err="1">
                 <a:solidFill>
@@ -6300,24 +6040,44 @@
                 <a:latin typeface="Consolas" panose="020B0609020204030204" pitchFamily="49" charset="0"/>
                 <a:cs typeface="Consolas" panose="020B0609020204030204" pitchFamily="49" charset="0"/>
               </a:rPr>
-              <a:t>arg</a:t>
-            </a:r>
-            <a:r>
-              <a:rPr lang="en-US" sz="2000" b="1" i="1" dirty="0">
-                <a:solidFill>
-                  <a:srgbClr val="0070C0"/>
-                </a:solidFill>
-                <a:latin typeface="Consolas" panose="020B0609020204030204" pitchFamily="49" charset="0"/>
-                <a:cs typeface="Consolas" panose="020B0609020204030204" pitchFamily="49" charset="0"/>
-              </a:rPr>
-              <a:t>: 1 a </a:t>
-            </a:r>
-          </a:p>
-          <a:p>
-            <a:pPr marL="342900" indent="-342900">
-              <a:buFont typeface="Arial" panose="020B0604020202020204" pitchFamily="34" charset="0"/>
-              <a:buChar char="•"/>
-            </a:pPr>
+              <a:t>smtplib.SMTP</a:t>
+            </a:r>
+            <a:r>
+              <a:rPr lang="en-US" sz="2000" b="1" i="1" dirty="0">
+                <a:solidFill>
+                  <a:srgbClr val="0070C0"/>
+                </a:solidFill>
+                <a:latin typeface="Consolas" panose="020B0609020204030204" pitchFamily="49" charset="0"/>
+                <a:cs typeface="Consolas" panose="020B0609020204030204" pitchFamily="49" charset="0"/>
+              </a:rPr>
+              <a:t>(SMTP_SERVER, SMTP_PORT)</a:t>
+            </a:r>
+          </a:p>
+          <a:p>
+            <a:pPr marL="457200" indent="-457200">
+              <a:buFont typeface="+mj-lt"/>
+              <a:buAutoNum type="arabicPeriod"/>
+            </a:pPr>
+            <a:endParaRPr lang="en-US" sz="2000" b="1" i="1" dirty="0">
+              <a:solidFill>
+                <a:srgbClr val="0070C0"/>
+              </a:solidFill>
+              <a:latin typeface="Consolas" panose="020B0609020204030204" pitchFamily="49" charset="0"/>
+              <a:cs typeface="Consolas" panose="020B0609020204030204" pitchFamily="49" charset="0"/>
+            </a:endParaRPr>
+          </a:p>
+          <a:p>
+            <a:pPr marL="457200" indent="-457200">
+              <a:buFont typeface="+mj-lt"/>
+              <a:buAutoNum type="arabicPeriod"/>
+            </a:pPr>
+            <a:r>
+              <a:rPr lang="en-US" sz="2000" dirty="0"/>
+              <a:t>Start Security connection: SSL or TLS:</a:t>
+            </a:r>
+            <a:br>
+              <a:rPr lang="en-US" sz="2000" dirty="0"/>
+            </a:br>
             <a:r>
               <a:rPr lang="en-US" sz="2000" b="1" i="1" dirty="0" err="1">
                 <a:solidFill>
@@ -6326,24 +6086,52 @@
                 <a:latin typeface="Consolas" panose="020B0609020204030204" pitchFamily="49" charset="0"/>
                 <a:cs typeface="Consolas" panose="020B0609020204030204" pitchFamily="49" charset="0"/>
               </a:rPr>
-              <a:t>arg</a:t>
-            </a:r>
-            <a:r>
-              <a:rPr lang="en-US" sz="2000" b="1" i="1" dirty="0">
-                <a:solidFill>
-                  <a:srgbClr val="0070C0"/>
-                </a:solidFill>
-                <a:latin typeface="Consolas" panose="020B0609020204030204" pitchFamily="49" charset="0"/>
-                <a:cs typeface="Consolas" panose="020B0609020204030204" pitchFamily="49" charset="0"/>
-              </a:rPr>
-              <a:t>: 2 b </a:t>
-            </a:r>
-          </a:p>
-          <a:p>
-            <a:pPr marL="342900" indent="-342900">
-              <a:buFont typeface="Arial" panose="020B0604020202020204" pitchFamily="34" charset="0"/>
-              <a:buChar char="•"/>
-            </a:pPr>
+              <a:t>smtpserver.starttls</a:t>
+            </a:r>
+            <a:r>
+              <a:rPr lang="en-US" sz="2000" b="1" i="1" dirty="0">
+                <a:solidFill>
+                  <a:srgbClr val="0070C0"/>
+                </a:solidFill>
+                <a:latin typeface="Consolas" panose="020B0609020204030204" pitchFamily="49" charset="0"/>
+                <a:cs typeface="Consolas" panose="020B0609020204030204" pitchFamily="49" charset="0"/>
+              </a:rPr>
+              <a:t>()</a:t>
+            </a:r>
+          </a:p>
+          <a:p>
+            <a:pPr marL="457200" indent="-457200">
+              <a:buFont typeface="+mj-lt"/>
+              <a:buAutoNum type="arabicPeriod"/>
+            </a:pPr>
+            <a:endParaRPr lang="en-US" sz="2000" b="1" i="1" dirty="0">
+              <a:solidFill>
+                <a:srgbClr val="0070C0"/>
+              </a:solidFill>
+              <a:latin typeface="Consolas" panose="020B0609020204030204" pitchFamily="49" charset="0"/>
+              <a:cs typeface="Consolas" panose="020B0609020204030204" pitchFamily="49" charset="0"/>
+            </a:endParaRPr>
+          </a:p>
+          <a:p>
+            <a:pPr marL="457200" indent="-457200">
+              <a:buFont typeface="+mj-lt"/>
+              <a:buAutoNum type="arabicPeriod"/>
+            </a:pPr>
+            <a:r>
+              <a:rPr lang="en-US" sz="2000" dirty="0"/>
+              <a:t>Login to </a:t>
+            </a:r>
+            <a:r>
+              <a:rPr lang="en-US" sz="2000" dirty="0" err="1"/>
+              <a:t>smtp</a:t>
+            </a:r>
+            <a:r>
+              <a:rPr lang="en-US" sz="2000" dirty="0"/>
+              <a:t> server:</a:t>
+            </a:r>
+            <a:br>
+              <a:rPr lang="en-US" sz="2000" dirty="0"/>
+            </a:br>
             <a:r>
               <a:rPr lang="en-US" sz="2000" b="1" i="1" dirty="0" err="1">
                 <a:solidFill>
@@ -6352,17 +6140,129 @@
                 <a:latin typeface="Consolas" panose="020B0609020204030204" pitchFamily="49" charset="0"/>
                 <a:cs typeface="Consolas" panose="020B0609020204030204" pitchFamily="49" charset="0"/>
               </a:rPr>
-              <a:t>arg</a:t>
-            </a:r>
-            <a:r>
-              <a:rPr lang="en-US" sz="2000" b="1" i="1" dirty="0">
-                <a:solidFill>
-                  <a:srgbClr val="0070C0"/>
-                </a:solidFill>
-                <a:latin typeface="Consolas" panose="020B0609020204030204" pitchFamily="49" charset="0"/>
-                <a:cs typeface="Consolas" panose="020B0609020204030204" pitchFamily="49" charset="0"/>
-              </a:rPr>
-              <a:t>: 3 c </a:t>
+              <a:t>smtpserver.login</a:t>
+            </a:r>
+            <a:r>
+              <a:rPr lang="en-US" sz="2000" b="1" i="1" dirty="0">
+                <a:solidFill>
+                  <a:srgbClr val="0070C0"/>
+                </a:solidFill>
+                <a:latin typeface="Consolas" panose="020B0609020204030204" pitchFamily="49" charset="0"/>
+                <a:cs typeface="Consolas" panose="020B0609020204030204" pitchFamily="49" charset="0"/>
+              </a:rPr>
+              <a:t>(GMAIL_USER, GMAIL_PASS)</a:t>
+            </a:r>
+          </a:p>
+          <a:p>
+            <a:pPr marL="457200" indent="-457200">
+              <a:buFont typeface="+mj-lt"/>
+              <a:buAutoNum type="arabicPeriod"/>
+            </a:pPr>
+            <a:endParaRPr lang="en-US" sz="2000" b="1" i="1" dirty="0">
+              <a:solidFill>
+                <a:srgbClr val="0070C0"/>
+              </a:solidFill>
+              <a:latin typeface="Consolas" panose="020B0609020204030204" pitchFamily="49" charset="0"/>
+              <a:cs typeface="Consolas" panose="020B0609020204030204" pitchFamily="49" charset="0"/>
+            </a:endParaRPr>
+          </a:p>
+          <a:p>
+            <a:pPr marL="457200" indent="-457200">
+              <a:buFont typeface="+mj-lt"/>
+              <a:buAutoNum type="arabicPeriod"/>
+            </a:pPr>
+            <a:r>
+              <a:rPr lang="en-US" sz="2000" dirty="0"/>
+              <a:t>Send email to your recipient:</a:t>
+            </a:r>
+            <a:br>
+              <a:rPr lang="en-US" sz="2000" dirty="0"/>
+            </a:br>
+            <a:r>
+              <a:rPr lang="en-US" sz="2000" b="1" i="1" dirty="0" err="1">
+                <a:solidFill>
+                  <a:srgbClr val="0070C0"/>
+                </a:solidFill>
+                <a:latin typeface="Consolas" panose="020B0609020204030204" pitchFamily="49" charset="0"/>
+                <a:cs typeface="Consolas" panose="020B0609020204030204" pitchFamily="49" charset="0"/>
+              </a:rPr>
+              <a:t>smtpserver.sendmail</a:t>
+            </a:r>
+            <a:r>
+              <a:rPr lang="en-US" sz="2000" b="1" i="1" dirty="0">
+                <a:solidFill>
+                  <a:srgbClr val="0070C0"/>
+                </a:solidFill>
+                <a:latin typeface="Consolas" panose="020B0609020204030204" pitchFamily="49" charset="0"/>
+                <a:cs typeface="Consolas" panose="020B0609020204030204" pitchFamily="49" charset="0"/>
+              </a:rPr>
+              <a:t>(GMAIL_USER, recipient, </a:t>
+            </a:r>
+            <a:r>
+              <a:rPr lang="en-US" sz="2000" b="1" i="1" dirty="0" err="1">
+                <a:solidFill>
+                  <a:srgbClr val="0070C0"/>
+                </a:solidFill>
+                <a:latin typeface="Consolas" panose="020B0609020204030204" pitchFamily="49" charset="0"/>
+                <a:cs typeface="Consolas" panose="020B0609020204030204" pitchFamily="49" charset="0"/>
+              </a:rPr>
+              <a:t>msg</a:t>
+            </a:r>
+            <a:r>
+              <a:rPr lang="en-US" sz="2000" b="1" i="1" dirty="0">
+                <a:solidFill>
+                  <a:srgbClr val="0070C0"/>
+                </a:solidFill>
+                <a:latin typeface="Consolas" panose="020B0609020204030204" pitchFamily="49" charset="0"/>
+                <a:cs typeface="Consolas" panose="020B0609020204030204" pitchFamily="49" charset="0"/>
+              </a:rPr>
+              <a:t>)</a:t>
+            </a:r>
+          </a:p>
+          <a:p>
+            <a:pPr marL="457200" indent="-457200">
+              <a:buFont typeface="+mj-lt"/>
+              <a:buAutoNum type="arabicPeriod"/>
+            </a:pPr>
+            <a:endParaRPr lang="en-US" sz="2000" b="1" i="1" dirty="0">
+              <a:solidFill>
+                <a:srgbClr val="0070C0"/>
+              </a:solidFill>
+              <a:latin typeface="Consolas" panose="020B0609020204030204" pitchFamily="49" charset="0"/>
+              <a:cs typeface="Consolas" panose="020B0609020204030204" pitchFamily="49" charset="0"/>
+            </a:endParaRPr>
+          </a:p>
+          <a:p>
+            <a:pPr marL="457200" indent="-457200">
+              <a:buFont typeface="+mj-lt"/>
+              <a:buAutoNum type="arabicPeriod"/>
+            </a:pPr>
+            <a:r>
+              <a:rPr lang="en-US" sz="2000" dirty="0"/>
+              <a:t>Close Connection:</a:t>
+            </a:r>
+            <a:br>
+              <a:rPr lang="en-US" sz="2000" dirty="0"/>
+            </a:br>
+            <a:r>
+              <a:rPr lang="en-US" sz="2000" b="1" i="1" dirty="0" err="1">
+                <a:solidFill>
+                  <a:srgbClr val="0070C0"/>
+                </a:solidFill>
+                <a:latin typeface="Consolas" panose="020B0609020204030204" pitchFamily="49" charset="0"/>
+                <a:cs typeface="Consolas" panose="020B0609020204030204" pitchFamily="49" charset="0"/>
+              </a:rPr>
+              <a:t>smtpserver.quit</a:t>
+            </a:r>
+            <a:r>
+              <a:rPr lang="en-US" sz="2000" b="1" i="1" dirty="0">
+                <a:solidFill>
+                  <a:srgbClr val="0070C0"/>
+                </a:solidFill>
+                <a:latin typeface="Consolas" panose="020B0609020204030204" pitchFamily="49" charset="0"/>
+                <a:cs typeface="Consolas" panose="020B0609020204030204" pitchFamily="49" charset="0"/>
+              </a:rPr>
+              <a:t>()</a:t>
             </a:r>
           </a:p>
         </p:txBody>
@@ -6409,7 +6309,7 @@
     </p:spTree>
     <p:extLst>
       <p:ext uri="{BB962C8B-B14F-4D97-AF65-F5344CB8AC3E}">
-        <p14:creationId xmlns:p14="http://schemas.microsoft.com/office/powerpoint/2010/main" val="1226257525"/>
+        <p14:creationId xmlns:p14="http://schemas.microsoft.com/office/powerpoint/2010/main" val="900894849"/>
       </p:ext>
     </p:extLst>
   </p:cSld>
@@ -6579,16 +6479,13 @@
           </a:lstStyle>
           <a:p>
             <a:r>
+              <a:rPr lang="en-US" dirty="0" err="1"/>
+              <a:t>Send_Email</a:t>
+            </a:r>
+            <a:r>
               <a:rPr lang="en-US" dirty="0"/>
-              <a:t>Sending Email from Python </a:t>
-            </a:r>
-            <a:endParaRPr lang="en-US" b="1" i="1" dirty="0">
-              <a:solidFill>
-                <a:srgbClr val="0070C0"/>
-              </a:solidFill>
-              <a:latin typeface="Consolas" panose="020B0609020204030204" pitchFamily="49" charset="0"/>
-              <a:cs typeface="Consolas" panose="020B0609020204030204" pitchFamily="49" charset="0"/>
-            </a:endParaRPr>
+              <a:t> project</a:t>
+            </a:r>
           </a:p>
         </p:txBody>
       </p:sp>
@@ -6600,8 +6497,8 @@
         </p:nvSpPr>
         <p:spPr>
           <a:xfrm>
-            <a:off x="417443" y="702995"/>
-            <a:ext cx="11357113" cy="6247864"/>
+            <a:off x="417443" y="857743"/>
+            <a:ext cx="11357113" cy="3785652"/>
           </a:xfrm>
           <a:prstGeom prst="rect">
             <a:avLst/>
@@ -6619,8 +6516,12 @@
               <a:buChar char="•"/>
             </a:pPr>
             <a:r>
-              <a:rPr lang="en-US" sz="2000" dirty="0"/>
-              <a:t>You want to send an email message from a Python program.</a:t>
+              <a:rPr lang="en-US" sz="2000" b="1" dirty="0">
+                <a:solidFill>
+                  <a:srgbClr val="FF0000"/>
+                </a:solidFill>
+              </a:rPr>
+              <a:t>Example:</a:t>
             </a:r>
           </a:p>
           <a:p>
@@ -6628,30 +6529,10 @@
               <a:buFont typeface="Arial" panose="020B0604020202020204" pitchFamily="34" charset="0"/>
               <a:buChar char="•"/>
             </a:pPr>
-            <a:r>
-              <a:rPr lang="en-US" sz="2000" dirty="0"/>
-              <a:t>Python has a library for the Simple Mail Transfer Protocol (SMTP) that you can use to send emails:</a:t>
-            </a:r>
-          </a:p>
-          <a:p>
-            <a:pPr marL="342900" indent="-342900">
-              <a:buFont typeface="Arial" panose="020B0604020202020204" pitchFamily="34" charset="0"/>
-              <a:buChar char="•"/>
-            </a:pPr>
             <a:endParaRPr lang="en-US" sz="2000" dirty="0"/>
           </a:p>
           <a:p>
-            <a:pPr marL="457200" indent="-457200">
-              <a:buFont typeface="+mj-lt"/>
-              <a:buAutoNum type="arabicPeriod"/>
-            </a:pPr>
-            <a:r>
-              <a:rPr lang="en-US" sz="2000" dirty="0"/>
-              <a:t>Attach library to your code:</a:t>
-            </a:r>
-            <a:br>
-              <a:rPr lang="en-US" sz="2000" dirty="0"/>
-            </a:br>
+            <a:pPr lvl="1"/>
             <a:r>
               <a:rPr lang="en-US" sz="2000" b="1" i="1" dirty="0">
                 <a:solidFill>
@@ -6681,24 +6562,17 @@
             </a:endParaRPr>
           </a:p>
           <a:p>
-            <a:pPr marL="457200" indent="-457200">
-              <a:buFont typeface="+mj-lt"/>
-              <a:buAutoNum type="arabicPeriod"/>
-            </a:pPr>
-            <a:endParaRPr lang="en-US" sz="2000" dirty="0"/>
-          </a:p>
-          <a:p>
-            <a:pPr marL="457200" indent="-457200">
-              <a:buFont typeface="+mj-lt"/>
-              <a:buAutoNum type="arabicPeriod"/>
-            </a:pPr>
-            <a:r>
-              <a:rPr lang="en-US" sz="2000" dirty="0"/>
-              <a:t>Create SMTP Session Client Object:</a:t>
-            </a:r>
-            <a:br>
-              <a:rPr lang="en-US" sz="2000" dirty="0"/>
-            </a:br>
+            <a:pPr lvl="1"/>
+            <a:r>
+              <a:rPr lang="en-US" sz="2000" b="1" i="1" dirty="0">
+                <a:solidFill>
+                  <a:srgbClr val="0070C0"/>
+                </a:solidFill>
+                <a:latin typeface="Consolas" panose="020B0609020204030204" pitchFamily="49" charset="0"/>
+                <a:cs typeface="Consolas" panose="020B0609020204030204" pitchFamily="49" charset="0"/>
+              </a:rPr>
+              <a:t>import </a:t>
+            </a:r>
             <a:r>
               <a:rPr lang="en-US" sz="2000" b="1" i="1" dirty="0" err="1">
                 <a:solidFill>
@@ -6707,44 +6581,21 @@
                 <a:latin typeface="Consolas" panose="020B0609020204030204" pitchFamily="49" charset="0"/>
                 <a:cs typeface="Consolas" panose="020B0609020204030204" pitchFamily="49" charset="0"/>
               </a:rPr>
-              <a:t>smtpserver</a:t>
-            </a:r>
-            <a:r>
-              <a:rPr lang="en-US" sz="2000" b="1" i="1" dirty="0">
-                <a:solidFill>
-                  <a:srgbClr val="0070C0"/>
-                </a:solidFill>
-                <a:latin typeface="Consolas" panose="020B0609020204030204" pitchFamily="49" charset="0"/>
-                <a:cs typeface="Consolas" panose="020B0609020204030204" pitchFamily="49" charset="0"/>
-              </a:rPr>
-              <a:t> = </a:t>
-            </a:r>
-            <a:r>
-              <a:rPr lang="en-US" sz="2000" b="1" i="1" dirty="0" err="1">
-                <a:solidFill>
-                  <a:srgbClr val="0070C0"/>
-                </a:solidFill>
-                <a:latin typeface="Consolas" panose="020B0609020204030204" pitchFamily="49" charset="0"/>
-                <a:cs typeface="Consolas" panose="020B0609020204030204" pitchFamily="49" charset="0"/>
-              </a:rPr>
-              <a:t>smtplib.SMTP</a:t>
-            </a:r>
-            <a:r>
-              <a:rPr lang="en-US" sz="2000" b="1" i="1" dirty="0">
-                <a:solidFill>
-                  <a:srgbClr val="0070C0"/>
-                </a:solidFill>
-                <a:latin typeface="Consolas" panose="020B0609020204030204" pitchFamily="49" charset="0"/>
-                <a:cs typeface="Consolas" panose="020B0609020204030204" pitchFamily="49" charset="0"/>
-              </a:rPr>
-              <a:t>(SMTP_SERVER, SMTP_PORT)</a:t>
-            </a:r>
-          </a:p>
-          <a:p>
-            <a:pPr marL="457200" indent="-457200">
-              <a:buFont typeface="+mj-lt"/>
-              <a:buAutoNum type="arabicPeriod"/>
-            </a:pPr>
+              <a:t>RPi.GPIO</a:t>
+            </a:r>
+            <a:r>
+              <a:rPr lang="en-US" sz="2000" b="1" i="1" dirty="0">
+                <a:solidFill>
+                  <a:srgbClr val="0070C0"/>
+                </a:solidFill>
+                <a:latin typeface="Consolas" panose="020B0609020204030204" pitchFamily="49" charset="0"/>
+                <a:cs typeface="Consolas" panose="020B0609020204030204" pitchFamily="49" charset="0"/>
+              </a:rPr>
+              <a:t> as GPIO</a:t>
+            </a:r>
+          </a:p>
+          <a:p>
+            <a:pPr lvl="1"/>
             <a:endParaRPr lang="en-US" sz="2000" b="1" i="1" dirty="0">
               <a:solidFill>
                 <a:srgbClr val="0070C0"/>
@@ -6754,43 +6605,59 @@
             </a:endParaRPr>
           </a:p>
           <a:p>
-            <a:pPr marL="457200" indent="-457200">
-              <a:buFont typeface="+mj-lt"/>
-              <a:buAutoNum type="arabicPeriod"/>
-            </a:pPr>
-            <a:r>
-              <a:rPr lang="en-US" sz="2000" dirty="0"/>
-              <a:t>Start Security connection: SSL or TLS:</a:t>
-            </a:r>
-            <a:br>
-              <a:rPr lang="en-US" sz="2000" dirty="0"/>
-            </a:br>
-            <a:r>
-              <a:rPr lang="en-US" sz="2000" b="1" i="1" dirty="0" err="1">
-                <a:solidFill>
-                  <a:srgbClr val="0070C0"/>
-                </a:solidFill>
-                <a:latin typeface="Consolas" panose="020B0609020204030204" pitchFamily="49" charset="0"/>
-                <a:cs typeface="Consolas" panose="020B0609020204030204" pitchFamily="49" charset="0"/>
-              </a:rPr>
-              <a:t>smtpserver.starttls</a:t>
-            </a:r>
-            <a:r>
-              <a:rPr lang="en-US" sz="2000" b="1" i="1" dirty="0">
-                <a:solidFill>
-                  <a:srgbClr val="0070C0"/>
-                </a:solidFill>
-                <a:latin typeface="Consolas" panose="020B0609020204030204" pitchFamily="49" charset="0"/>
-                <a:cs typeface="Consolas" panose="020B0609020204030204" pitchFamily="49" charset="0"/>
-              </a:rPr>
-              <a:t>()</a:t>
-            </a:r>
-          </a:p>
-          <a:p>
-            <a:pPr marL="457200" indent="-457200">
-              <a:buFont typeface="+mj-lt"/>
-              <a:buAutoNum type="arabicPeriod"/>
-            </a:pPr>
+            <a:pPr lvl="1"/>
+            <a:r>
+              <a:rPr lang="en-US" sz="2000" b="1" i="1" dirty="0">
+                <a:solidFill>
+                  <a:srgbClr val="0070C0"/>
+                </a:solidFill>
+                <a:latin typeface="Consolas" panose="020B0609020204030204" pitchFamily="49" charset="0"/>
+                <a:cs typeface="Consolas" panose="020B0609020204030204" pitchFamily="49" charset="0"/>
+              </a:rPr>
+              <a:t>GMAIL_USER = ‘YOUR_RASPBERY_PI_GMAIL' </a:t>
+            </a:r>
+          </a:p>
+          <a:p>
+            <a:pPr lvl="1"/>
+            <a:r>
+              <a:rPr lang="en-US" sz="2000" b="1" i="1" dirty="0">
+                <a:solidFill>
+                  <a:srgbClr val="0070C0"/>
+                </a:solidFill>
+                <a:latin typeface="Consolas" panose="020B0609020204030204" pitchFamily="49" charset="0"/>
+                <a:cs typeface="Consolas" panose="020B0609020204030204" pitchFamily="49" charset="0"/>
+              </a:rPr>
+              <a:t>GMAIL_PASS = ‘YOUR_GMAIL_PASSWORD' </a:t>
+            </a:r>
+          </a:p>
+          <a:p>
+            <a:pPr lvl="1"/>
+            <a:r>
+              <a:rPr lang="en-US" sz="2000" b="1" i="1" dirty="0">
+                <a:solidFill>
+                  <a:srgbClr val="0070C0"/>
+                </a:solidFill>
+                <a:latin typeface="Consolas" panose="020B0609020204030204" pitchFamily="49" charset="0"/>
+                <a:cs typeface="Consolas" panose="020B0609020204030204" pitchFamily="49" charset="0"/>
+              </a:rPr>
+              <a:t>SMTP_SERVER = 'smtp.gmail.com' </a:t>
+            </a:r>
+          </a:p>
+          <a:p>
+            <a:pPr lvl="1"/>
+            <a:r>
+              <a:rPr lang="en-US" sz="2000" b="1" i="1" dirty="0">
+                <a:solidFill>
+                  <a:srgbClr val="0070C0"/>
+                </a:solidFill>
+                <a:latin typeface="Consolas" panose="020B0609020204030204" pitchFamily="49" charset="0"/>
+                <a:cs typeface="Consolas" panose="020B0609020204030204" pitchFamily="49" charset="0"/>
+              </a:rPr>
+              <a:t>SMTP_PORT = 587</a:t>
+            </a:r>
+          </a:p>
+          <a:p>
+            <a:pPr lvl="1"/>
             <a:endParaRPr lang="en-US" sz="2000" b="1" i="1" dirty="0">
               <a:solidFill>
                 <a:srgbClr val="0070C0"/>
@@ -6800,25 +6667,7 @@
             </a:endParaRPr>
           </a:p>
           <a:p>
-            <a:pPr marL="457200" indent="-457200">
-              <a:buFont typeface="+mj-lt"/>
-              <a:buAutoNum type="arabicPeriod"/>
-            </a:pPr>
-            <a:r>
-              <a:rPr lang="en-US" sz="2000" dirty="0"/>
-              <a:t>Login to </a:t>
-            </a:r>
-            <a:r>
-              <a:rPr lang="en-US" sz="2000" dirty="0" err="1"/>
-              <a:t>smtp</a:t>
-            </a:r>
-            <a:r>
-              <a:rPr lang="en-US" sz="2000" dirty="0"/>
-              <a:t> server:</a:t>
-            </a:r>
-            <a:br>
-              <a:rPr lang="en-US" sz="2000" dirty="0"/>
-            </a:br>
+            <a:pPr lvl="1"/>
             <a:r>
               <a:rPr lang="en-US" sz="2000" b="1" i="1" dirty="0" err="1">
                 <a:solidFill>
@@ -6827,44 +6676,21 @@
                 <a:latin typeface="Consolas" panose="020B0609020204030204" pitchFamily="49" charset="0"/>
                 <a:cs typeface="Consolas" panose="020B0609020204030204" pitchFamily="49" charset="0"/>
               </a:rPr>
-              <a:t>smtpserver.login</a:t>
-            </a:r>
-            <a:r>
-              <a:rPr lang="en-US" sz="2000" b="1" i="1" dirty="0">
-                <a:solidFill>
-                  <a:srgbClr val="0070C0"/>
-                </a:solidFill>
-                <a:latin typeface="Consolas" panose="020B0609020204030204" pitchFamily="49" charset="0"/>
-                <a:cs typeface="Consolas" panose="020B0609020204030204" pitchFamily="49" charset="0"/>
-              </a:rPr>
-              <a:t>(GMAIL_USER, GMAIL_PASS)</a:t>
-            </a:r>
-          </a:p>
-          <a:p>
-            <a:pPr marL="457200" indent="-457200">
-              <a:buFont typeface="+mj-lt"/>
-              <a:buAutoNum type="arabicPeriod"/>
-            </a:pPr>
-            <a:endParaRPr lang="en-US" sz="2000" b="1" i="1" dirty="0">
-              <a:solidFill>
-                <a:srgbClr val="0070C0"/>
-              </a:solidFill>
-              <a:latin typeface="Consolas" panose="020B0609020204030204" pitchFamily="49" charset="0"/>
-              <a:cs typeface="Consolas" panose="020B0609020204030204" pitchFamily="49" charset="0"/>
-            </a:endParaRPr>
-          </a:p>
-          <a:p>
-            <a:pPr marL="457200" indent="-457200">
-              <a:buFont typeface="+mj-lt"/>
-              <a:buAutoNum type="arabicPeriod"/>
-            </a:pPr>
-            <a:r>
-              <a:rPr lang="en-US" sz="2000" dirty="0"/>
-              <a:t>Send email to your recipient:</a:t>
-            </a:r>
-            <a:br>
-              <a:rPr lang="en-US" sz="2000" dirty="0"/>
-            </a:br>
+              <a:t>GPIO.setmode</a:t>
+            </a:r>
+            <a:r>
+              <a:rPr lang="en-US" sz="2000" b="1" i="1" dirty="0">
+                <a:solidFill>
+                  <a:srgbClr val="0070C0"/>
+                </a:solidFill>
+                <a:latin typeface="Consolas" panose="020B0609020204030204" pitchFamily="49" charset="0"/>
+                <a:cs typeface="Consolas" panose="020B0609020204030204" pitchFamily="49" charset="0"/>
+              </a:rPr>
+              <a:t>(GPIO.BCM)</a:t>
+            </a:r>
+          </a:p>
+          <a:p>
+            <a:pPr lvl="1"/>
             <a:r>
               <a:rPr lang="en-US" sz="2000" b="1" i="1" dirty="0" err="1">
                 <a:solidFill>
@@ -6873,83 +6699,17 @@
                 <a:latin typeface="Consolas" panose="020B0609020204030204" pitchFamily="49" charset="0"/>
                 <a:cs typeface="Consolas" panose="020B0609020204030204" pitchFamily="49" charset="0"/>
               </a:rPr>
-              <a:t>smtpserver.sendmail</a:t>
-            </a:r>
-            <a:r>
-              <a:rPr lang="en-US" sz="2000" b="1" i="1" dirty="0">
-                <a:solidFill>
-                  <a:srgbClr val="0070C0"/>
-                </a:solidFill>
-                <a:latin typeface="Consolas" panose="020B0609020204030204" pitchFamily="49" charset="0"/>
-                <a:cs typeface="Consolas" panose="020B0609020204030204" pitchFamily="49" charset="0"/>
-              </a:rPr>
-              <a:t>(GMAIL_USER, recipient, </a:t>
-            </a:r>
-            <a:r>
-              <a:rPr lang="en-US" sz="2000" b="1" i="1" dirty="0" err="1">
-                <a:solidFill>
-                  <a:srgbClr val="0070C0"/>
-                </a:solidFill>
-                <a:latin typeface="Consolas" panose="020B0609020204030204" pitchFamily="49" charset="0"/>
-                <a:cs typeface="Consolas" panose="020B0609020204030204" pitchFamily="49" charset="0"/>
-              </a:rPr>
-              <a:t>msg</a:t>
-            </a:r>
-            <a:r>
-              <a:rPr lang="en-US" sz="2000" b="1" i="1" dirty="0">
-                <a:solidFill>
-                  <a:srgbClr val="0070C0"/>
-                </a:solidFill>
-                <a:latin typeface="Consolas" panose="020B0609020204030204" pitchFamily="49" charset="0"/>
-                <a:cs typeface="Consolas" panose="020B0609020204030204" pitchFamily="49" charset="0"/>
-              </a:rPr>
-              <a:t>)</a:t>
-            </a:r>
-          </a:p>
-          <a:p>
-            <a:pPr marL="457200" indent="-457200">
-              <a:buFont typeface="+mj-lt"/>
-              <a:buAutoNum type="arabicPeriod"/>
-            </a:pPr>
-            <a:endParaRPr lang="en-US" sz="2000" b="1" i="1" dirty="0">
-              <a:solidFill>
-                <a:srgbClr val="0070C0"/>
-              </a:solidFill>
-              <a:latin typeface="Consolas" panose="020B0609020204030204" pitchFamily="49" charset="0"/>
-              <a:cs typeface="Consolas" panose="020B0609020204030204" pitchFamily="49" charset="0"/>
-            </a:endParaRPr>
-          </a:p>
-          <a:p>
-            <a:pPr marL="457200" indent="-457200">
-              <a:buFont typeface="+mj-lt"/>
-              <a:buAutoNum type="arabicPeriod"/>
-            </a:pPr>
-            <a:r>
-              <a:rPr lang="en-US" sz="2000" dirty="0"/>
-              <a:t>Close Connection:</a:t>
-            </a:r>
-            <a:br>
-              <a:rPr lang="en-US" sz="2000" dirty="0"/>
-            </a:br>
-            <a:r>
-              <a:rPr lang="en-US" sz="2000" b="1" i="1" dirty="0" err="1">
-                <a:solidFill>
-                  <a:srgbClr val="0070C0"/>
-                </a:solidFill>
-                <a:latin typeface="Consolas" panose="020B0609020204030204" pitchFamily="49" charset="0"/>
-                <a:cs typeface="Consolas" panose="020B0609020204030204" pitchFamily="49" charset="0"/>
-              </a:rPr>
-              <a:t>smtpserver.quit</a:t>
-            </a:r>
-            <a:r>
-              <a:rPr lang="en-US" sz="2000" b="1" i="1" dirty="0">
-                <a:solidFill>
-                  <a:srgbClr val="0070C0"/>
-                </a:solidFill>
-                <a:latin typeface="Consolas" panose="020B0609020204030204" pitchFamily="49" charset="0"/>
-                <a:cs typeface="Consolas" panose="020B0609020204030204" pitchFamily="49" charset="0"/>
-              </a:rPr>
-              <a:t>()</a:t>
+              <a:t>GPIO.setup</a:t>
+            </a:r>
+            <a:r>
+              <a:rPr lang="en-US" sz="2000" b="1" i="1" dirty="0">
+                <a:solidFill>
+                  <a:srgbClr val="0070C0"/>
+                </a:solidFill>
+                <a:latin typeface="Consolas" panose="020B0609020204030204" pitchFamily="49" charset="0"/>
+                <a:cs typeface="Consolas" panose="020B0609020204030204" pitchFamily="49" charset="0"/>
+              </a:rPr>
+              <a:t>(18,GPIO.IN,pull_up_down=GPIO.PUD_UP)</a:t>
             </a:r>
           </a:p>
         </p:txBody>
@@ -6996,7 +6756,7 @@
     </p:spTree>
     <p:extLst>
       <p:ext uri="{BB962C8B-B14F-4D97-AF65-F5344CB8AC3E}">
-        <p14:creationId xmlns:p14="http://schemas.microsoft.com/office/powerpoint/2010/main" val="900894849"/>
+        <p14:creationId xmlns:p14="http://schemas.microsoft.com/office/powerpoint/2010/main" val="1193686946"/>
       </p:ext>
     </p:extLst>
   </p:cSld>
@@ -7173,6 +6933,13 @@
               <a:rPr lang="en-US" dirty="0"/>
               <a:t> project</a:t>
             </a:r>
+            <a:endParaRPr lang="en-US" b="1" i="1" dirty="0">
+              <a:solidFill>
+                <a:srgbClr val="0070C0"/>
+              </a:solidFill>
+              <a:latin typeface="Consolas" panose="020B0609020204030204" pitchFamily="49" charset="0"/>
+              <a:cs typeface="Consolas" panose="020B0609020204030204" pitchFamily="49" charset="0"/>
+            </a:endParaRPr>
           </a:p>
         </p:txBody>
       </p:sp>
@@ -7184,8 +6951,8 @@
         </p:nvSpPr>
         <p:spPr>
           <a:xfrm>
-            <a:off x="417443" y="857743"/>
-            <a:ext cx="11357113" cy="3785652"/>
+            <a:off x="-1" y="857743"/>
+            <a:ext cx="13047261" cy="5355312"/>
           </a:xfrm>
           <a:prstGeom prst="rect">
             <a:avLst/>
@@ -7198,49 +6965,305 @@
           </a:bodyPr>
           <a:lstStyle/>
           <a:p>
-            <a:pPr marL="342900" indent="-342900">
-              <a:buFont typeface="Arial" panose="020B0604020202020204" pitchFamily="34" charset="0"/>
-              <a:buChar char="•"/>
-            </a:pPr>
-            <a:r>
-              <a:rPr lang="en-US" sz="2000" b="1" dirty="0">
-                <a:solidFill>
-                  <a:srgbClr val="FF0000"/>
-                </a:solidFill>
-              </a:rPr>
-              <a:t>Example:</a:t>
-            </a:r>
-          </a:p>
-          <a:p>
-            <a:pPr marL="342900" indent="-342900">
-              <a:buFont typeface="Arial" panose="020B0604020202020204" pitchFamily="34" charset="0"/>
-              <a:buChar char="•"/>
-            </a:pPr>
-            <a:endParaRPr lang="en-US" sz="2000" dirty="0"/>
-          </a:p>
-          <a:p>
-            <a:pPr lvl="1"/>
-            <a:r>
-              <a:rPr lang="en-US" sz="2000" b="1" i="1" dirty="0">
-                <a:solidFill>
-                  <a:srgbClr val="0070C0"/>
-                </a:solidFill>
-                <a:latin typeface="Consolas" panose="020B0609020204030204" pitchFamily="49" charset="0"/>
-                <a:cs typeface="Consolas" panose="020B0609020204030204" pitchFamily="49" charset="0"/>
-              </a:rPr>
-              <a:t>import </a:t>
-            </a:r>
-            <a:r>
-              <a:rPr lang="en-US" sz="2000" b="1" i="1" dirty="0" err="1">
-                <a:solidFill>
-                  <a:srgbClr val="0070C0"/>
-                </a:solidFill>
-                <a:latin typeface="Consolas" panose="020B0609020204030204" pitchFamily="49" charset="0"/>
-                <a:cs typeface="Consolas" panose="020B0609020204030204" pitchFamily="49" charset="0"/>
-              </a:rPr>
-              <a:t>smtplib</a:t>
-            </a:r>
-            <a:endParaRPr lang="en-US" sz="2000" b="1" i="1" dirty="0">
+            <a:r>
+              <a:rPr lang="en-US" sz="1900" b="1" i="1" dirty="0" err="1">
+                <a:solidFill>
+                  <a:srgbClr val="0070C0"/>
+                </a:solidFill>
+                <a:latin typeface="Consolas" panose="020B0609020204030204" pitchFamily="49" charset="0"/>
+                <a:cs typeface="Consolas" panose="020B0609020204030204" pitchFamily="49" charset="0"/>
+              </a:rPr>
+              <a:t>def</a:t>
+            </a:r>
+            <a:r>
+              <a:rPr lang="en-US" sz="1900" b="1" i="1" dirty="0">
+                <a:solidFill>
+                  <a:srgbClr val="0070C0"/>
+                </a:solidFill>
+                <a:latin typeface="Consolas" panose="020B0609020204030204" pitchFamily="49" charset="0"/>
+                <a:cs typeface="Consolas" panose="020B0609020204030204" pitchFamily="49" charset="0"/>
+              </a:rPr>
+              <a:t> </a:t>
+            </a:r>
+            <a:r>
+              <a:rPr lang="en-US" sz="1900" b="1" i="1" dirty="0" err="1">
+                <a:solidFill>
+                  <a:srgbClr val="0070C0"/>
+                </a:solidFill>
+                <a:latin typeface="Consolas" panose="020B0609020204030204" pitchFamily="49" charset="0"/>
+                <a:cs typeface="Consolas" panose="020B0609020204030204" pitchFamily="49" charset="0"/>
+              </a:rPr>
+              <a:t>send_email</a:t>
+            </a:r>
+            <a:r>
+              <a:rPr lang="en-US" sz="1900" b="1" i="1" dirty="0">
+                <a:solidFill>
+                  <a:srgbClr val="0070C0"/>
+                </a:solidFill>
+                <a:latin typeface="Consolas" panose="020B0609020204030204" pitchFamily="49" charset="0"/>
+                <a:cs typeface="Consolas" panose="020B0609020204030204" pitchFamily="49" charset="0"/>
+              </a:rPr>
+              <a:t>(recipient, subject, text):    </a:t>
+            </a:r>
+          </a:p>
+          <a:p>
+            <a:r>
+              <a:rPr lang="en-US" sz="1900" b="1" i="1" dirty="0">
+                <a:solidFill>
+                  <a:srgbClr val="0070C0"/>
+                </a:solidFill>
+                <a:latin typeface="Consolas" panose="020B0609020204030204" pitchFamily="49" charset="0"/>
+                <a:cs typeface="Consolas" panose="020B0609020204030204" pitchFamily="49" charset="0"/>
+              </a:rPr>
+              <a:t>    </a:t>
+            </a:r>
+            <a:r>
+              <a:rPr lang="en-US" sz="1900" b="1" i="1" dirty="0" err="1">
+                <a:solidFill>
+                  <a:srgbClr val="0070C0"/>
+                </a:solidFill>
+                <a:latin typeface="Consolas" panose="020B0609020204030204" pitchFamily="49" charset="0"/>
+                <a:cs typeface="Consolas" panose="020B0609020204030204" pitchFamily="49" charset="0"/>
+              </a:rPr>
+              <a:t>smtpserver</a:t>
+            </a:r>
+            <a:r>
+              <a:rPr lang="en-US" sz="1900" b="1" i="1" dirty="0">
+                <a:solidFill>
+                  <a:srgbClr val="0070C0"/>
+                </a:solidFill>
+                <a:latin typeface="Consolas" panose="020B0609020204030204" pitchFamily="49" charset="0"/>
+                <a:cs typeface="Consolas" panose="020B0609020204030204" pitchFamily="49" charset="0"/>
+              </a:rPr>
+              <a:t> = </a:t>
+            </a:r>
+            <a:r>
+              <a:rPr lang="en-US" sz="1900" b="1" i="1" dirty="0" err="1">
+                <a:solidFill>
+                  <a:srgbClr val="0070C0"/>
+                </a:solidFill>
+                <a:latin typeface="Consolas" panose="020B0609020204030204" pitchFamily="49" charset="0"/>
+                <a:cs typeface="Consolas" panose="020B0609020204030204" pitchFamily="49" charset="0"/>
+              </a:rPr>
+              <a:t>smtplib.SMTP</a:t>
+            </a:r>
+            <a:r>
+              <a:rPr lang="en-US" sz="1900" b="1" i="1" dirty="0">
+                <a:solidFill>
+                  <a:srgbClr val="0070C0"/>
+                </a:solidFill>
+                <a:latin typeface="Consolas" panose="020B0609020204030204" pitchFamily="49" charset="0"/>
+                <a:cs typeface="Consolas" panose="020B0609020204030204" pitchFamily="49" charset="0"/>
+              </a:rPr>
+              <a:t>(SMTP_SERVER, SMTP_PORT)    </a:t>
+            </a:r>
+          </a:p>
+          <a:p>
+            <a:r>
+              <a:rPr lang="en-US" sz="1900" b="1" i="1" dirty="0">
+                <a:solidFill>
+                  <a:srgbClr val="0070C0"/>
+                </a:solidFill>
+                <a:latin typeface="Consolas" panose="020B0609020204030204" pitchFamily="49" charset="0"/>
+                <a:cs typeface="Consolas" panose="020B0609020204030204" pitchFamily="49" charset="0"/>
+              </a:rPr>
+              <a:t>    </a:t>
+            </a:r>
+            <a:r>
+              <a:rPr lang="en-US" sz="1900" b="1" i="1" dirty="0" err="1">
+                <a:solidFill>
+                  <a:srgbClr val="0070C0"/>
+                </a:solidFill>
+                <a:latin typeface="Consolas" panose="020B0609020204030204" pitchFamily="49" charset="0"/>
+                <a:cs typeface="Consolas" panose="020B0609020204030204" pitchFamily="49" charset="0"/>
+              </a:rPr>
+              <a:t>smtpserver.starttls</a:t>
+            </a:r>
+            <a:r>
+              <a:rPr lang="en-US" sz="1900" b="1" i="1" dirty="0">
+                <a:solidFill>
+                  <a:srgbClr val="0070C0"/>
+                </a:solidFill>
+                <a:latin typeface="Consolas" panose="020B0609020204030204" pitchFamily="49" charset="0"/>
+                <a:cs typeface="Consolas" panose="020B0609020204030204" pitchFamily="49" charset="0"/>
+              </a:rPr>
+              <a:t>()      </a:t>
+            </a:r>
+          </a:p>
+          <a:p>
+            <a:r>
+              <a:rPr lang="en-US" sz="1900" b="1" i="1" dirty="0">
+                <a:solidFill>
+                  <a:srgbClr val="0070C0"/>
+                </a:solidFill>
+                <a:latin typeface="Consolas" panose="020B0609020204030204" pitchFamily="49" charset="0"/>
+                <a:cs typeface="Consolas" panose="020B0609020204030204" pitchFamily="49" charset="0"/>
+              </a:rPr>
+              <a:t>    </a:t>
+            </a:r>
+            <a:r>
+              <a:rPr lang="en-US" sz="1900" b="1" i="1" dirty="0" err="1">
+                <a:solidFill>
+                  <a:srgbClr val="0070C0"/>
+                </a:solidFill>
+                <a:latin typeface="Consolas" panose="020B0609020204030204" pitchFamily="49" charset="0"/>
+                <a:cs typeface="Consolas" panose="020B0609020204030204" pitchFamily="49" charset="0"/>
+              </a:rPr>
+              <a:t>smtpserver.login</a:t>
+            </a:r>
+            <a:r>
+              <a:rPr lang="en-US" sz="1900" b="1" i="1" dirty="0">
+                <a:solidFill>
+                  <a:srgbClr val="0070C0"/>
+                </a:solidFill>
+                <a:latin typeface="Consolas" panose="020B0609020204030204" pitchFamily="49" charset="0"/>
+                <a:cs typeface="Consolas" panose="020B0609020204030204" pitchFamily="49" charset="0"/>
+              </a:rPr>
+              <a:t>(GMAIL_USER, GMAIL_PASS)    </a:t>
+            </a:r>
+          </a:p>
+          <a:p>
+            <a:r>
+              <a:rPr lang="en-US" sz="1900" b="1" i="1" dirty="0">
+                <a:solidFill>
+                  <a:srgbClr val="0070C0"/>
+                </a:solidFill>
+                <a:latin typeface="Consolas" panose="020B0609020204030204" pitchFamily="49" charset="0"/>
+                <a:cs typeface="Consolas" panose="020B0609020204030204" pitchFamily="49" charset="0"/>
+              </a:rPr>
+              <a:t>    header = 'To:' + recipient + '\n' + 'From: ' + GMAIL_USER    </a:t>
+            </a:r>
+          </a:p>
+          <a:p>
+            <a:r>
+              <a:rPr lang="en-US" sz="1900" b="1" i="1" dirty="0">
+                <a:solidFill>
+                  <a:srgbClr val="0070C0"/>
+                </a:solidFill>
+                <a:latin typeface="Consolas" panose="020B0609020204030204" pitchFamily="49" charset="0"/>
+                <a:cs typeface="Consolas" panose="020B0609020204030204" pitchFamily="49" charset="0"/>
+              </a:rPr>
+              <a:t>    header = header + '\n' + 'Subject:' + subject + '\n'    </a:t>
+            </a:r>
+          </a:p>
+          <a:p>
+            <a:r>
+              <a:rPr lang="en-US" sz="1900" b="1" i="1" dirty="0">
+                <a:solidFill>
+                  <a:srgbClr val="0070C0"/>
+                </a:solidFill>
+                <a:latin typeface="Consolas" panose="020B0609020204030204" pitchFamily="49" charset="0"/>
+                <a:cs typeface="Consolas" panose="020B0609020204030204" pitchFamily="49" charset="0"/>
+              </a:rPr>
+              <a:t>    </a:t>
+            </a:r>
+            <a:r>
+              <a:rPr lang="en-US" sz="1900" b="1" i="1" dirty="0" err="1">
+                <a:solidFill>
+                  <a:srgbClr val="0070C0"/>
+                </a:solidFill>
+                <a:latin typeface="Consolas" panose="020B0609020204030204" pitchFamily="49" charset="0"/>
+                <a:cs typeface="Consolas" panose="020B0609020204030204" pitchFamily="49" charset="0"/>
+              </a:rPr>
+              <a:t>msg</a:t>
+            </a:r>
+            <a:r>
+              <a:rPr lang="en-US" sz="1900" b="1" i="1" dirty="0">
+                <a:solidFill>
+                  <a:srgbClr val="0070C0"/>
+                </a:solidFill>
+                <a:latin typeface="Consolas" panose="020B0609020204030204" pitchFamily="49" charset="0"/>
+                <a:cs typeface="Consolas" panose="020B0609020204030204" pitchFamily="49" charset="0"/>
+              </a:rPr>
+              <a:t> = header + '\n' + text + ' \n\n'    </a:t>
+            </a:r>
+          </a:p>
+          <a:p>
+            <a:r>
+              <a:rPr lang="en-US" sz="1900" b="1" i="1" dirty="0">
+                <a:solidFill>
+                  <a:srgbClr val="0070C0"/>
+                </a:solidFill>
+                <a:latin typeface="Consolas" panose="020B0609020204030204" pitchFamily="49" charset="0"/>
+                <a:cs typeface="Consolas" panose="020B0609020204030204" pitchFamily="49" charset="0"/>
+              </a:rPr>
+              <a:t>    </a:t>
+            </a:r>
+            <a:r>
+              <a:rPr lang="en-US" sz="1900" b="1" i="1" dirty="0" err="1">
+                <a:solidFill>
+                  <a:srgbClr val="0070C0"/>
+                </a:solidFill>
+                <a:latin typeface="Consolas" panose="020B0609020204030204" pitchFamily="49" charset="0"/>
+                <a:cs typeface="Consolas" panose="020B0609020204030204" pitchFamily="49" charset="0"/>
+              </a:rPr>
+              <a:t>smtpserver.sendmail</a:t>
+            </a:r>
+            <a:r>
+              <a:rPr lang="en-US" sz="1900" b="1" i="1" dirty="0">
+                <a:solidFill>
+                  <a:srgbClr val="0070C0"/>
+                </a:solidFill>
+                <a:latin typeface="Consolas" panose="020B0609020204030204" pitchFamily="49" charset="0"/>
+                <a:cs typeface="Consolas" panose="020B0609020204030204" pitchFamily="49" charset="0"/>
+              </a:rPr>
+              <a:t>(GMAIL_USER, recipient, </a:t>
+            </a:r>
+            <a:r>
+              <a:rPr lang="en-US" sz="1900" b="1" i="1" dirty="0" err="1">
+                <a:solidFill>
+                  <a:srgbClr val="0070C0"/>
+                </a:solidFill>
+                <a:latin typeface="Consolas" panose="020B0609020204030204" pitchFamily="49" charset="0"/>
+                <a:cs typeface="Consolas" panose="020B0609020204030204" pitchFamily="49" charset="0"/>
+              </a:rPr>
+              <a:t>msg</a:t>
+            </a:r>
+            <a:r>
+              <a:rPr lang="en-US" sz="1900" b="1" i="1" dirty="0">
+                <a:solidFill>
+                  <a:srgbClr val="0070C0"/>
+                </a:solidFill>
+                <a:latin typeface="Consolas" panose="020B0609020204030204" pitchFamily="49" charset="0"/>
+                <a:cs typeface="Consolas" panose="020B0609020204030204" pitchFamily="49" charset="0"/>
+              </a:rPr>
+              <a:t>)    </a:t>
+            </a:r>
+          </a:p>
+          <a:p>
+            <a:r>
+              <a:rPr lang="en-US" sz="1900" b="1" i="1" dirty="0">
+                <a:solidFill>
+                  <a:srgbClr val="0070C0"/>
+                </a:solidFill>
+                <a:latin typeface="Consolas" panose="020B0609020204030204" pitchFamily="49" charset="0"/>
+                <a:cs typeface="Consolas" panose="020B0609020204030204" pitchFamily="49" charset="0"/>
+              </a:rPr>
+              <a:t>    </a:t>
+            </a:r>
+            <a:r>
+              <a:rPr lang="en-US" sz="1900" b="1" i="1" dirty="0" err="1">
+                <a:solidFill>
+                  <a:srgbClr val="0070C0"/>
+                </a:solidFill>
+                <a:latin typeface="Consolas" panose="020B0609020204030204" pitchFamily="49" charset="0"/>
+                <a:cs typeface="Consolas" panose="020B0609020204030204" pitchFamily="49" charset="0"/>
+              </a:rPr>
+              <a:t>smtpserver.quit</a:t>
+            </a:r>
+            <a:r>
+              <a:rPr lang="en-US" sz="1900" b="1" i="1" dirty="0">
+                <a:solidFill>
+                  <a:srgbClr val="0070C0"/>
+                </a:solidFill>
+                <a:latin typeface="Consolas" panose="020B0609020204030204" pitchFamily="49" charset="0"/>
+                <a:cs typeface="Consolas" panose="020B0609020204030204" pitchFamily="49" charset="0"/>
+              </a:rPr>
+              <a:t>()</a:t>
+            </a:r>
+          </a:p>
+          <a:p>
+            <a:endParaRPr lang="en-US" sz="1900" b="1" i="1" dirty="0">
               <a:solidFill>
                 <a:srgbClr val="0070C0"/>
               </a:solidFill>
@@ -7249,154 +7272,159 @@
             </a:endParaRPr>
           </a:p>
           <a:p>
-            <a:pPr lvl="1"/>
-            <a:r>
-              <a:rPr lang="en-US" sz="2000" b="1" i="1" dirty="0">
-                <a:solidFill>
-                  <a:srgbClr val="0070C0"/>
-                </a:solidFill>
-                <a:latin typeface="Consolas" panose="020B0609020204030204" pitchFamily="49" charset="0"/>
-                <a:cs typeface="Consolas" panose="020B0609020204030204" pitchFamily="49" charset="0"/>
-              </a:rPr>
-              <a:t>import </a:t>
-            </a:r>
-            <a:r>
-              <a:rPr lang="en-US" sz="2000" b="1" i="1" dirty="0" err="1">
-                <a:solidFill>
-                  <a:srgbClr val="0070C0"/>
-                </a:solidFill>
-                <a:latin typeface="Consolas" panose="020B0609020204030204" pitchFamily="49" charset="0"/>
-                <a:cs typeface="Consolas" panose="020B0609020204030204" pitchFamily="49" charset="0"/>
-              </a:rPr>
-              <a:t>RPi.GPIO</a:t>
-            </a:r>
-            <a:r>
-              <a:rPr lang="en-US" sz="2000" b="1" i="1" dirty="0">
-                <a:solidFill>
-                  <a:srgbClr val="0070C0"/>
-                </a:solidFill>
-                <a:latin typeface="Consolas" panose="020B0609020204030204" pitchFamily="49" charset="0"/>
-                <a:cs typeface="Consolas" panose="020B0609020204030204" pitchFamily="49" charset="0"/>
-              </a:rPr>
-              <a:t> as GPIO</a:t>
-            </a:r>
-          </a:p>
-          <a:p>
-            <a:pPr lvl="1"/>
-            <a:endParaRPr lang="en-US" sz="2000" b="1" i="1" dirty="0">
-              <a:solidFill>
-                <a:srgbClr val="0070C0"/>
-              </a:solidFill>
-              <a:latin typeface="Consolas" panose="020B0609020204030204" pitchFamily="49" charset="0"/>
-              <a:cs typeface="Consolas" panose="020B0609020204030204" pitchFamily="49" charset="0"/>
-            </a:endParaRPr>
-          </a:p>
-          <a:p>
-            <a:pPr lvl="1"/>
-            <a:r>
-              <a:rPr lang="en-US" sz="2000" b="1" i="1" dirty="0">
-                <a:solidFill>
-                  <a:srgbClr val="0070C0"/>
-                </a:solidFill>
-                <a:latin typeface="Consolas" panose="020B0609020204030204" pitchFamily="49" charset="0"/>
-                <a:cs typeface="Consolas" panose="020B0609020204030204" pitchFamily="49" charset="0"/>
-              </a:rPr>
-              <a:t>GMAIL_USER = ‘YOUR_RASPBERY_PI_GMAIL' </a:t>
-            </a:r>
-          </a:p>
-          <a:p>
-            <a:pPr lvl="1"/>
-            <a:r>
-              <a:rPr lang="en-US" sz="2000" b="1" i="1" dirty="0">
-                <a:solidFill>
-                  <a:srgbClr val="0070C0"/>
-                </a:solidFill>
-                <a:latin typeface="Consolas" panose="020B0609020204030204" pitchFamily="49" charset="0"/>
-                <a:cs typeface="Consolas" panose="020B0609020204030204" pitchFamily="49" charset="0"/>
-              </a:rPr>
-              <a:t>GMAIL_PASS = ‘YOUR_GMAIL_PASSWORD' </a:t>
-            </a:r>
-          </a:p>
-          <a:p>
-            <a:pPr lvl="1"/>
-            <a:r>
-              <a:rPr lang="en-US" sz="2000" b="1" i="1" dirty="0">
-                <a:solidFill>
-                  <a:srgbClr val="0070C0"/>
-                </a:solidFill>
-                <a:latin typeface="Consolas" panose="020B0609020204030204" pitchFamily="49" charset="0"/>
-                <a:cs typeface="Consolas" panose="020B0609020204030204" pitchFamily="49" charset="0"/>
-              </a:rPr>
-              <a:t>SMTP_SERVER = 'smtp.gmail.com' </a:t>
-            </a:r>
-          </a:p>
-          <a:p>
-            <a:pPr lvl="1"/>
-            <a:r>
-              <a:rPr lang="en-US" sz="2000" b="1" i="1" dirty="0">
-                <a:solidFill>
-                  <a:srgbClr val="0070C0"/>
-                </a:solidFill>
-                <a:latin typeface="Consolas" panose="020B0609020204030204" pitchFamily="49" charset="0"/>
-                <a:cs typeface="Consolas" panose="020B0609020204030204" pitchFamily="49" charset="0"/>
-              </a:rPr>
-              <a:t>SMTP_PORT = 587</a:t>
-            </a:r>
-          </a:p>
-          <a:p>
-            <a:pPr lvl="1"/>
-            <a:endParaRPr lang="en-US" sz="2000" b="1" i="1" dirty="0">
-              <a:solidFill>
-                <a:srgbClr val="0070C0"/>
-              </a:solidFill>
-              <a:latin typeface="Consolas" panose="020B0609020204030204" pitchFamily="49" charset="0"/>
-              <a:cs typeface="Consolas" panose="020B0609020204030204" pitchFamily="49" charset="0"/>
-            </a:endParaRPr>
-          </a:p>
-          <a:p>
-            <a:pPr lvl="1"/>
-            <a:r>
-              <a:rPr lang="en-US" sz="2000" b="1" i="1" dirty="0" err="1">
-                <a:solidFill>
-                  <a:srgbClr val="0070C0"/>
-                </a:solidFill>
-                <a:latin typeface="Consolas" panose="020B0609020204030204" pitchFamily="49" charset="0"/>
-                <a:cs typeface="Consolas" panose="020B0609020204030204" pitchFamily="49" charset="0"/>
-              </a:rPr>
-              <a:t>GPIO.setmode</a:t>
-            </a:r>
-            <a:r>
-              <a:rPr lang="en-US" sz="2000" b="1" i="1" dirty="0">
-                <a:solidFill>
-                  <a:srgbClr val="0070C0"/>
-                </a:solidFill>
-                <a:latin typeface="Consolas" panose="020B0609020204030204" pitchFamily="49" charset="0"/>
-                <a:cs typeface="Consolas" panose="020B0609020204030204" pitchFamily="49" charset="0"/>
-              </a:rPr>
-              <a:t>(GPIO.BCM)</a:t>
-            </a:r>
-          </a:p>
-          <a:p>
-            <a:pPr lvl="1"/>
-            <a:r>
-              <a:rPr lang="en-US" sz="2000" b="1" i="1" dirty="0" err="1">
-                <a:solidFill>
-                  <a:srgbClr val="0070C0"/>
-                </a:solidFill>
-                <a:latin typeface="Consolas" panose="020B0609020204030204" pitchFamily="49" charset="0"/>
-                <a:cs typeface="Consolas" panose="020B0609020204030204" pitchFamily="49" charset="0"/>
-              </a:rPr>
-              <a:t>GPIO.setup</a:t>
-            </a:r>
-            <a:r>
-              <a:rPr lang="en-US" sz="2000" b="1" i="1" dirty="0">
-                <a:solidFill>
-                  <a:srgbClr val="0070C0"/>
-                </a:solidFill>
-                <a:latin typeface="Consolas" panose="020B0609020204030204" pitchFamily="49" charset="0"/>
-                <a:cs typeface="Consolas" panose="020B0609020204030204" pitchFamily="49" charset="0"/>
-              </a:rPr>
-              <a:t>(18,GPIO.IN,pull_up_down=GPIO.PUD_UP)</a:t>
+            <a:r>
+              <a:rPr lang="en-US" sz="1900" b="1" i="1" dirty="0">
+                <a:solidFill>
+                  <a:srgbClr val="0070C0"/>
+                </a:solidFill>
+                <a:latin typeface="Consolas" panose="020B0609020204030204" pitchFamily="49" charset="0"/>
+                <a:cs typeface="Consolas" panose="020B0609020204030204" pitchFamily="49" charset="0"/>
+              </a:rPr>
+              <a:t>counter=0</a:t>
+            </a:r>
+          </a:p>
+          <a:p>
+            <a:r>
+              <a:rPr lang="en-US" sz="1900" b="1" i="1" dirty="0">
+                <a:solidFill>
+                  <a:srgbClr val="0070C0"/>
+                </a:solidFill>
+                <a:latin typeface="Consolas" panose="020B0609020204030204" pitchFamily="49" charset="0"/>
+                <a:cs typeface="Consolas" panose="020B0609020204030204" pitchFamily="49" charset="0"/>
+              </a:rPr>
+              <a:t>while(1):</a:t>
+            </a:r>
+          </a:p>
+          <a:p>
+            <a:r>
+              <a:rPr lang="en-US" sz="1900" b="1" i="1" dirty="0">
+                <a:solidFill>
+                  <a:srgbClr val="0070C0"/>
+                </a:solidFill>
+                <a:latin typeface="Consolas" panose="020B0609020204030204" pitchFamily="49" charset="0"/>
+                <a:cs typeface="Consolas" panose="020B0609020204030204" pitchFamily="49" charset="0"/>
+              </a:rPr>
+              <a:t>    if(</a:t>
+            </a:r>
+            <a:r>
+              <a:rPr lang="en-US" sz="1900" b="1" i="1" dirty="0" err="1">
+                <a:solidFill>
+                  <a:srgbClr val="0070C0"/>
+                </a:solidFill>
+                <a:latin typeface="Consolas" panose="020B0609020204030204" pitchFamily="49" charset="0"/>
+                <a:cs typeface="Consolas" panose="020B0609020204030204" pitchFamily="49" charset="0"/>
+              </a:rPr>
+              <a:t>GPIO.input</a:t>
+            </a:r>
+            <a:r>
+              <a:rPr lang="en-US" sz="1900" b="1" i="1" dirty="0">
+                <a:solidFill>
+                  <a:srgbClr val="0070C0"/>
+                </a:solidFill>
+                <a:latin typeface="Consolas" panose="020B0609020204030204" pitchFamily="49" charset="0"/>
+                <a:cs typeface="Consolas" panose="020B0609020204030204" pitchFamily="49" charset="0"/>
+              </a:rPr>
+              <a:t>(18)==0):</a:t>
+            </a:r>
+          </a:p>
+          <a:p>
+            <a:r>
+              <a:rPr lang="en-US" sz="1900" b="1" i="1" dirty="0">
+                <a:solidFill>
+                  <a:srgbClr val="0070C0"/>
+                </a:solidFill>
+                <a:latin typeface="Consolas" panose="020B0609020204030204" pitchFamily="49" charset="0"/>
+                <a:cs typeface="Consolas" panose="020B0609020204030204" pitchFamily="49" charset="0"/>
+              </a:rPr>
+              <a:t>        print("Danger!!!!!!")</a:t>
+            </a:r>
+          </a:p>
+          <a:p>
+            <a:r>
+              <a:rPr lang="en-US" sz="1900" b="1" i="1" dirty="0">
+                <a:solidFill>
+                  <a:srgbClr val="0070C0"/>
+                </a:solidFill>
+                <a:latin typeface="Consolas" panose="020B0609020204030204" pitchFamily="49" charset="0"/>
+                <a:cs typeface="Consolas" panose="020B0609020204030204" pitchFamily="49" charset="0"/>
+              </a:rPr>
+              <a:t>        print("sending email...")</a:t>
+            </a:r>
+          </a:p>
+          <a:p>
+            <a:r>
+              <a:rPr lang="en-US" sz="1900" b="1" i="1" dirty="0">
+                <a:solidFill>
+                  <a:srgbClr val="0070C0"/>
+                </a:solidFill>
+                <a:latin typeface="Consolas" panose="020B0609020204030204" pitchFamily="49" charset="0"/>
+                <a:cs typeface="Consolas" panose="020B0609020204030204" pitchFamily="49" charset="0"/>
+              </a:rPr>
+              <a:t>        </a:t>
+            </a:r>
+            <a:r>
+              <a:rPr lang="en-US" sz="1500" b="1" i="1" dirty="0" err="1">
+                <a:solidFill>
+                  <a:srgbClr val="0070C0"/>
+                </a:solidFill>
+                <a:latin typeface="Consolas" panose="020B0609020204030204" pitchFamily="49" charset="0"/>
+                <a:cs typeface="Consolas" panose="020B0609020204030204" pitchFamily="49" charset="0"/>
+              </a:rPr>
+              <a:t>send_email</a:t>
+            </a:r>
+            <a:r>
+              <a:rPr lang="en-US" sz="1500" b="1" i="1" dirty="0">
+                <a:solidFill>
+                  <a:srgbClr val="0070C0"/>
+                </a:solidFill>
+                <a:latin typeface="Consolas" panose="020B0609020204030204" pitchFamily="49" charset="0"/>
+                <a:cs typeface="Consolas" panose="020B0609020204030204" pitchFamily="49" charset="0"/>
+              </a:rPr>
+              <a:t>('arjmandi.re@gmail.com', 'Danger: home security!', 'Button Pressed-number: ' + </a:t>
+            </a:r>
+            <a:r>
+              <a:rPr lang="en-US" sz="1500" b="1" i="1" dirty="0" err="1">
+                <a:solidFill>
+                  <a:srgbClr val="0070C0"/>
+                </a:solidFill>
+                <a:latin typeface="Consolas" panose="020B0609020204030204" pitchFamily="49" charset="0"/>
+                <a:cs typeface="Consolas" panose="020B0609020204030204" pitchFamily="49" charset="0"/>
+              </a:rPr>
+              <a:t>str</a:t>
+            </a:r>
+            <a:r>
+              <a:rPr lang="en-US" sz="1500" b="1" i="1" dirty="0">
+                <a:solidFill>
+                  <a:srgbClr val="0070C0"/>
+                </a:solidFill>
+                <a:latin typeface="Consolas" panose="020B0609020204030204" pitchFamily="49" charset="0"/>
+                <a:cs typeface="Consolas" panose="020B0609020204030204" pitchFamily="49" charset="0"/>
+              </a:rPr>
+              <a:t>(counter))</a:t>
+            </a:r>
+          </a:p>
+          <a:p>
+            <a:r>
+              <a:rPr lang="en-US" sz="1900" b="1" i="1" dirty="0">
+                <a:solidFill>
+                  <a:srgbClr val="0070C0"/>
+                </a:solidFill>
+                <a:latin typeface="Consolas" panose="020B0609020204030204" pitchFamily="49" charset="0"/>
+                <a:cs typeface="Consolas" panose="020B0609020204030204" pitchFamily="49" charset="0"/>
+              </a:rPr>
+              <a:t>        print("send complete")</a:t>
+            </a:r>
+          </a:p>
+          <a:p>
+            <a:r>
+              <a:rPr lang="en-US" sz="1900" b="1" i="1" dirty="0">
+                <a:solidFill>
+                  <a:srgbClr val="0070C0"/>
+                </a:solidFill>
+                <a:latin typeface="Consolas" panose="020B0609020204030204" pitchFamily="49" charset="0"/>
+                <a:cs typeface="Consolas" panose="020B0609020204030204" pitchFamily="49" charset="0"/>
+              </a:rPr>
+              <a:t>        counter = counter + 1</a:t>
             </a:r>
           </a:p>
         </p:txBody>
@@ -7443,7 +7471,7 @@
     </p:spTree>
     <p:extLst>
       <p:ext uri="{BB962C8B-B14F-4D97-AF65-F5344CB8AC3E}">
-        <p14:creationId xmlns:p14="http://schemas.microsoft.com/office/powerpoint/2010/main" val="1193686946"/>
+        <p14:creationId xmlns:p14="http://schemas.microsoft.com/office/powerpoint/2010/main" val="3911531129"/>
       </p:ext>
     </p:extLst>
   </p:cSld>
@@ -7638,8 +7666,8 @@
         </p:nvSpPr>
         <p:spPr>
           <a:xfrm>
-            <a:off x="-1" y="857743"/>
-            <a:ext cx="13047261" cy="5355312"/>
+            <a:off x="417443" y="857743"/>
+            <a:ext cx="11357113" cy="2431435"/>
           </a:xfrm>
           <a:prstGeom prst="rect">
             <a:avLst/>
@@ -7652,28 +7680,61 @@
           </a:bodyPr>
           <a:lstStyle/>
           <a:p>
-            <a:r>
-              <a:rPr lang="en-US" sz="1900" b="1" i="1" dirty="0" err="1">
-                <a:solidFill>
-                  <a:srgbClr val="0070C0"/>
-                </a:solidFill>
-                <a:latin typeface="Consolas" panose="020B0609020204030204" pitchFamily="49" charset="0"/>
-                <a:cs typeface="Consolas" panose="020B0609020204030204" pitchFamily="49" charset="0"/>
-              </a:rPr>
-              <a:t>def</a:t>
-            </a:r>
-            <a:r>
-              <a:rPr lang="en-US" sz="1900" b="1" i="1" dirty="0">
-                <a:solidFill>
-                  <a:srgbClr val="0070C0"/>
-                </a:solidFill>
-                <a:latin typeface="Consolas" panose="020B0609020204030204" pitchFamily="49" charset="0"/>
-                <a:cs typeface="Consolas" panose="020B0609020204030204" pitchFamily="49" charset="0"/>
-              </a:rPr>
-              <a:t> </a:t>
-            </a:r>
-            <a:r>
-              <a:rPr lang="en-US" sz="1900" b="1" i="1" dirty="0" err="1">
+            <a:pPr marL="342900" indent="-342900">
+              <a:buFont typeface="Arial" panose="020B0604020202020204" pitchFamily="34" charset="0"/>
+              <a:buChar char="•"/>
+            </a:pPr>
+            <a:r>
+              <a:rPr lang="en-US" sz="2000" dirty="0"/>
+              <a:t> If you are not using Gmail, then you will also need to change the values of the </a:t>
+            </a:r>
+            <a:r>
+              <a:rPr lang="en-US" sz="2400" b="1" i="1" dirty="0">
+                <a:solidFill>
+                  <a:srgbClr val="0070C0"/>
+                </a:solidFill>
+                <a:latin typeface="Consolas" panose="020B0609020204030204" pitchFamily="49" charset="0"/>
+                <a:cs typeface="Consolas" panose="020B0609020204030204" pitchFamily="49" charset="0"/>
+              </a:rPr>
+              <a:t>SMTP_SERVER</a:t>
+            </a:r>
+            <a:r>
+              <a:rPr lang="en-US" sz="2000" dirty="0"/>
+              <a:t> and possibly </a:t>
+            </a:r>
+            <a:r>
+              <a:rPr lang="en-US" sz="2400" b="1" i="1" dirty="0">
+                <a:solidFill>
+                  <a:srgbClr val="0070C0"/>
+                </a:solidFill>
+                <a:latin typeface="Consolas" panose="020B0609020204030204" pitchFamily="49" charset="0"/>
+                <a:cs typeface="Consolas" panose="020B0609020204030204" pitchFamily="49" charset="0"/>
+              </a:rPr>
+              <a:t>SMTP_PORT</a:t>
+            </a:r>
+            <a:r>
+              <a:rPr lang="en-US" sz="2000" dirty="0"/>
+              <a:t>.</a:t>
+            </a:r>
+          </a:p>
+          <a:p>
+            <a:pPr marL="342900" indent="-342900">
+              <a:buFont typeface="Arial" panose="020B0604020202020204" pitchFamily="34" charset="0"/>
+              <a:buChar char="•"/>
+            </a:pPr>
+            <a:endParaRPr lang="en-US" sz="2000" dirty="0"/>
+          </a:p>
+          <a:p>
+            <a:pPr marL="342900" indent="-342900">
+              <a:buFont typeface="Arial" panose="020B0604020202020204" pitchFamily="34" charset="0"/>
+              <a:buChar char="•"/>
+            </a:pPr>
+            <a:r>
+              <a:rPr lang="en-US" sz="2000" dirty="0"/>
+              <a:t>The </a:t>
+            </a:r>
+            <a:r>
+              <a:rPr lang="en-US" sz="2400" b="1" i="1" dirty="0" err="1">
                 <a:solidFill>
                   <a:srgbClr val="0070C0"/>
                 </a:solidFill>
@@ -7683,436 +7744,37 @@
               <a:t>send_email</a:t>
             </a:r>
             <a:r>
-              <a:rPr lang="en-US" sz="1900" b="1" i="1" dirty="0">
-                <a:solidFill>
-                  <a:srgbClr val="0070C0"/>
-                </a:solidFill>
-                <a:latin typeface="Consolas" panose="020B0609020204030204" pitchFamily="49" charset="0"/>
-                <a:cs typeface="Consolas" panose="020B0609020204030204" pitchFamily="49" charset="0"/>
-              </a:rPr>
-              <a:t>(recipient, subject, text):    </a:t>
-            </a:r>
-          </a:p>
-          <a:p>
-            <a:r>
-              <a:rPr lang="en-US" sz="1900" b="1" i="1" dirty="0">
-                <a:solidFill>
-                  <a:srgbClr val="0070C0"/>
-                </a:solidFill>
-                <a:latin typeface="Consolas" panose="020B0609020204030204" pitchFamily="49" charset="0"/>
-                <a:cs typeface="Consolas" panose="020B0609020204030204" pitchFamily="49" charset="0"/>
-              </a:rPr>
-              <a:t>    </a:t>
-            </a:r>
-            <a:r>
-              <a:rPr lang="en-US" sz="1900" b="1" i="1" dirty="0" err="1">
-                <a:solidFill>
-                  <a:srgbClr val="0070C0"/>
-                </a:solidFill>
-                <a:latin typeface="Consolas" panose="020B0609020204030204" pitchFamily="49" charset="0"/>
-                <a:cs typeface="Consolas" panose="020B0609020204030204" pitchFamily="49" charset="0"/>
-              </a:rPr>
-              <a:t>smtpserver</a:t>
-            </a:r>
-            <a:r>
-              <a:rPr lang="en-US" sz="1900" b="1" i="1" dirty="0">
-                <a:solidFill>
-                  <a:srgbClr val="0070C0"/>
-                </a:solidFill>
-                <a:latin typeface="Consolas" panose="020B0609020204030204" pitchFamily="49" charset="0"/>
-                <a:cs typeface="Consolas" panose="020B0609020204030204" pitchFamily="49" charset="0"/>
-              </a:rPr>
-              <a:t> = </a:t>
-            </a:r>
-            <a:r>
-              <a:rPr lang="en-US" sz="1900" b="1" i="1" dirty="0" err="1">
-                <a:solidFill>
-                  <a:srgbClr val="0070C0"/>
-                </a:solidFill>
-                <a:latin typeface="Consolas" panose="020B0609020204030204" pitchFamily="49" charset="0"/>
-                <a:cs typeface="Consolas" panose="020B0609020204030204" pitchFamily="49" charset="0"/>
-              </a:rPr>
-              <a:t>smtplib.SMTP</a:t>
-            </a:r>
-            <a:r>
-              <a:rPr lang="en-US" sz="1900" b="1" i="1" dirty="0">
-                <a:solidFill>
-                  <a:srgbClr val="0070C0"/>
-                </a:solidFill>
-                <a:latin typeface="Consolas" panose="020B0609020204030204" pitchFamily="49" charset="0"/>
-                <a:cs typeface="Consolas" panose="020B0609020204030204" pitchFamily="49" charset="0"/>
-              </a:rPr>
-              <a:t>(SMTP_SERVER, SMTP_PORT)    </a:t>
-            </a:r>
-          </a:p>
-          <a:p>
-            <a:r>
-              <a:rPr lang="en-US" sz="1900" b="1" i="1" dirty="0">
-                <a:solidFill>
-                  <a:srgbClr val="0070C0"/>
-                </a:solidFill>
-                <a:latin typeface="Consolas" panose="020B0609020204030204" pitchFamily="49" charset="0"/>
-                <a:cs typeface="Consolas" panose="020B0609020204030204" pitchFamily="49" charset="0"/>
-              </a:rPr>
-              <a:t>    </a:t>
-            </a:r>
-            <a:r>
-              <a:rPr lang="en-US" sz="1900" b="1" i="1" dirty="0" err="1">
-                <a:solidFill>
-                  <a:srgbClr val="0070C0"/>
-                </a:solidFill>
-                <a:latin typeface="Consolas" panose="020B0609020204030204" pitchFamily="49" charset="0"/>
-                <a:cs typeface="Consolas" panose="020B0609020204030204" pitchFamily="49" charset="0"/>
-              </a:rPr>
-              <a:t>smtpserver.starttls</a:t>
-            </a:r>
-            <a:r>
-              <a:rPr lang="en-US" sz="1900" b="1" i="1" dirty="0">
-                <a:solidFill>
-                  <a:srgbClr val="0070C0"/>
-                </a:solidFill>
-                <a:latin typeface="Consolas" panose="020B0609020204030204" pitchFamily="49" charset="0"/>
-                <a:cs typeface="Consolas" panose="020B0609020204030204" pitchFamily="49" charset="0"/>
-              </a:rPr>
-              <a:t>()      </a:t>
-            </a:r>
-          </a:p>
-          <a:p>
-            <a:r>
-              <a:rPr lang="en-US" sz="1900" b="1" i="1" dirty="0">
-                <a:solidFill>
-                  <a:srgbClr val="0070C0"/>
-                </a:solidFill>
-                <a:latin typeface="Consolas" panose="020B0609020204030204" pitchFamily="49" charset="0"/>
-                <a:cs typeface="Consolas" panose="020B0609020204030204" pitchFamily="49" charset="0"/>
-              </a:rPr>
-              <a:t>    </a:t>
-            </a:r>
-            <a:r>
-              <a:rPr lang="en-US" sz="1900" b="1" i="1" dirty="0" err="1">
-                <a:solidFill>
-                  <a:srgbClr val="0070C0"/>
-                </a:solidFill>
-                <a:latin typeface="Consolas" panose="020B0609020204030204" pitchFamily="49" charset="0"/>
-                <a:cs typeface="Consolas" panose="020B0609020204030204" pitchFamily="49" charset="0"/>
-              </a:rPr>
-              <a:t>smtpserver.login</a:t>
-            </a:r>
-            <a:r>
-              <a:rPr lang="en-US" sz="1900" b="1" i="1" dirty="0">
-                <a:solidFill>
-                  <a:srgbClr val="0070C0"/>
-                </a:solidFill>
-                <a:latin typeface="Consolas" panose="020B0609020204030204" pitchFamily="49" charset="0"/>
-                <a:cs typeface="Consolas" panose="020B0609020204030204" pitchFamily="49" charset="0"/>
-              </a:rPr>
-              <a:t>(GMAIL_USER, GMAIL_PASS)    </a:t>
-            </a:r>
-          </a:p>
-          <a:p>
-            <a:r>
-              <a:rPr lang="en-US" sz="1900" b="1" i="1" dirty="0">
-                <a:solidFill>
-                  <a:srgbClr val="0070C0"/>
-                </a:solidFill>
-                <a:latin typeface="Consolas" panose="020B0609020204030204" pitchFamily="49" charset="0"/>
-                <a:cs typeface="Consolas" panose="020B0609020204030204" pitchFamily="49" charset="0"/>
-              </a:rPr>
-              <a:t>    header = 'To:' + recipient + '\n' + 'From: ' + GMAIL_USER    </a:t>
-            </a:r>
-          </a:p>
-          <a:p>
-            <a:r>
-              <a:rPr lang="en-US" sz="1900" b="1" i="1" dirty="0">
-                <a:solidFill>
-                  <a:srgbClr val="0070C0"/>
-                </a:solidFill>
-                <a:latin typeface="Consolas" panose="020B0609020204030204" pitchFamily="49" charset="0"/>
-                <a:cs typeface="Consolas" panose="020B0609020204030204" pitchFamily="49" charset="0"/>
-              </a:rPr>
-              <a:t>    header = header + '\n' + 'Subject:' + subject + '\n'    </a:t>
-            </a:r>
-          </a:p>
-          <a:p>
-            <a:r>
-              <a:rPr lang="en-US" sz="1900" b="1" i="1" dirty="0">
-                <a:solidFill>
-                  <a:srgbClr val="0070C0"/>
-                </a:solidFill>
-                <a:latin typeface="Consolas" panose="020B0609020204030204" pitchFamily="49" charset="0"/>
-                <a:cs typeface="Consolas" panose="020B0609020204030204" pitchFamily="49" charset="0"/>
-              </a:rPr>
-              <a:t>    </a:t>
-            </a:r>
-            <a:r>
-              <a:rPr lang="en-US" sz="1900" b="1" i="1" dirty="0" err="1">
-                <a:solidFill>
-                  <a:srgbClr val="0070C0"/>
-                </a:solidFill>
-                <a:latin typeface="Consolas" panose="020B0609020204030204" pitchFamily="49" charset="0"/>
-                <a:cs typeface="Consolas" panose="020B0609020204030204" pitchFamily="49" charset="0"/>
-              </a:rPr>
-              <a:t>msg</a:t>
-            </a:r>
-            <a:r>
-              <a:rPr lang="en-US" sz="1900" b="1" i="1" dirty="0">
-                <a:solidFill>
-                  <a:srgbClr val="0070C0"/>
-                </a:solidFill>
-                <a:latin typeface="Consolas" panose="020B0609020204030204" pitchFamily="49" charset="0"/>
-                <a:cs typeface="Consolas" panose="020B0609020204030204" pitchFamily="49" charset="0"/>
-              </a:rPr>
-              <a:t> = header + '\n' + text + ' \n\n'    </a:t>
-            </a:r>
-          </a:p>
-          <a:p>
-            <a:r>
-              <a:rPr lang="en-US" sz="1900" b="1" i="1" dirty="0">
-                <a:solidFill>
-                  <a:srgbClr val="0070C0"/>
-                </a:solidFill>
-                <a:latin typeface="Consolas" panose="020B0609020204030204" pitchFamily="49" charset="0"/>
-                <a:cs typeface="Consolas" panose="020B0609020204030204" pitchFamily="49" charset="0"/>
-              </a:rPr>
-              <a:t>    </a:t>
-            </a:r>
-            <a:r>
-              <a:rPr lang="en-US" sz="1900" b="1" i="1" dirty="0" err="1">
-                <a:solidFill>
-                  <a:srgbClr val="0070C0"/>
-                </a:solidFill>
-                <a:latin typeface="Consolas" panose="020B0609020204030204" pitchFamily="49" charset="0"/>
-                <a:cs typeface="Consolas" panose="020B0609020204030204" pitchFamily="49" charset="0"/>
-              </a:rPr>
-              <a:t>smtpserver.sendmail</a:t>
-            </a:r>
-            <a:r>
-              <a:rPr lang="en-US" sz="1900" b="1" i="1" dirty="0">
-                <a:solidFill>
-                  <a:srgbClr val="0070C0"/>
-                </a:solidFill>
-                <a:latin typeface="Consolas" panose="020B0609020204030204" pitchFamily="49" charset="0"/>
-                <a:cs typeface="Consolas" panose="020B0609020204030204" pitchFamily="49" charset="0"/>
-              </a:rPr>
-              <a:t>(GMAIL_USER, recipient, </a:t>
-            </a:r>
-            <a:r>
-              <a:rPr lang="en-US" sz="1900" b="1" i="1" dirty="0" err="1">
-                <a:solidFill>
-                  <a:srgbClr val="0070C0"/>
-                </a:solidFill>
-                <a:latin typeface="Consolas" panose="020B0609020204030204" pitchFamily="49" charset="0"/>
-                <a:cs typeface="Consolas" panose="020B0609020204030204" pitchFamily="49" charset="0"/>
-              </a:rPr>
-              <a:t>msg</a:t>
-            </a:r>
-            <a:r>
-              <a:rPr lang="en-US" sz="1900" b="1" i="1" dirty="0">
-                <a:solidFill>
-                  <a:srgbClr val="0070C0"/>
-                </a:solidFill>
-                <a:latin typeface="Consolas" panose="020B0609020204030204" pitchFamily="49" charset="0"/>
-                <a:cs typeface="Consolas" panose="020B0609020204030204" pitchFamily="49" charset="0"/>
-              </a:rPr>
-              <a:t>)    </a:t>
-            </a:r>
-          </a:p>
-          <a:p>
-            <a:r>
-              <a:rPr lang="en-US" sz="1900" b="1" i="1" dirty="0">
-                <a:solidFill>
-                  <a:srgbClr val="0070C0"/>
-                </a:solidFill>
-                <a:latin typeface="Consolas" panose="020B0609020204030204" pitchFamily="49" charset="0"/>
-                <a:cs typeface="Consolas" panose="020B0609020204030204" pitchFamily="49" charset="0"/>
-              </a:rPr>
-              <a:t>    </a:t>
-            </a:r>
-            <a:r>
-              <a:rPr lang="en-US" sz="1900" b="1" i="1" dirty="0" err="1">
-                <a:solidFill>
-                  <a:srgbClr val="0070C0"/>
-                </a:solidFill>
-                <a:latin typeface="Consolas" panose="020B0609020204030204" pitchFamily="49" charset="0"/>
-                <a:cs typeface="Consolas" panose="020B0609020204030204" pitchFamily="49" charset="0"/>
-              </a:rPr>
-              <a:t>smtpserver.quit</a:t>
-            </a:r>
-            <a:r>
-              <a:rPr lang="en-US" sz="1900" b="1" i="1" dirty="0">
-                <a:solidFill>
-                  <a:srgbClr val="0070C0"/>
-                </a:solidFill>
-                <a:latin typeface="Consolas" panose="020B0609020204030204" pitchFamily="49" charset="0"/>
-                <a:cs typeface="Consolas" panose="020B0609020204030204" pitchFamily="49" charset="0"/>
-              </a:rPr>
-              <a:t>()</a:t>
-            </a:r>
-          </a:p>
-          <a:p>
-            <a:endParaRPr lang="en-US" sz="1900" b="1" i="1" dirty="0">
-              <a:solidFill>
-                <a:srgbClr val="0070C0"/>
-              </a:solidFill>
-              <a:latin typeface="Consolas" panose="020B0609020204030204" pitchFamily="49" charset="0"/>
-              <a:cs typeface="Consolas" panose="020B0609020204030204" pitchFamily="49" charset="0"/>
-            </a:endParaRPr>
-          </a:p>
-          <a:p>
-            <a:r>
-              <a:rPr lang="en-US" sz="1900" b="1" i="1" dirty="0">
-                <a:solidFill>
-                  <a:srgbClr val="0070C0"/>
-                </a:solidFill>
-                <a:latin typeface="Consolas" panose="020B0609020204030204" pitchFamily="49" charset="0"/>
-                <a:cs typeface="Consolas" panose="020B0609020204030204" pitchFamily="49" charset="0"/>
-              </a:rPr>
-              <a:t>counter=0</a:t>
-            </a:r>
-          </a:p>
-          <a:p>
-            <a:r>
-              <a:rPr lang="en-US" sz="1900" b="1" i="1" dirty="0">
-                <a:solidFill>
-                  <a:srgbClr val="0070C0"/>
-                </a:solidFill>
-                <a:latin typeface="Consolas" panose="020B0609020204030204" pitchFamily="49" charset="0"/>
-                <a:cs typeface="Consolas" panose="020B0609020204030204" pitchFamily="49" charset="0"/>
-              </a:rPr>
-              <a:t>while(1):</a:t>
-            </a:r>
-          </a:p>
-          <a:p>
-            <a:r>
-              <a:rPr lang="en-US" sz="1900" b="1" i="1" dirty="0">
-                <a:solidFill>
-                  <a:srgbClr val="0070C0"/>
-                </a:solidFill>
-                <a:latin typeface="Consolas" panose="020B0609020204030204" pitchFamily="49" charset="0"/>
-                <a:cs typeface="Consolas" panose="020B0609020204030204" pitchFamily="49" charset="0"/>
-              </a:rPr>
-              <a:t>    if(</a:t>
-            </a:r>
-            <a:r>
-              <a:rPr lang="en-US" sz="1900" b="1" i="1" dirty="0" err="1">
-                <a:solidFill>
-                  <a:srgbClr val="0070C0"/>
-                </a:solidFill>
-                <a:latin typeface="Consolas" panose="020B0609020204030204" pitchFamily="49" charset="0"/>
-                <a:cs typeface="Consolas" panose="020B0609020204030204" pitchFamily="49" charset="0"/>
-              </a:rPr>
-              <a:t>GPIO.input</a:t>
-            </a:r>
-            <a:r>
-              <a:rPr lang="en-US" sz="1900" b="1" i="1" dirty="0">
-                <a:solidFill>
-                  <a:srgbClr val="0070C0"/>
-                </a:solidFill>
-                <a:latin typeface="Consolas" panose="020B0609020204030204" pitchFamily="49" charset="0"/>
-                <a:cs typeface="Consolas" panose="020B0609020204030204" pitchFamily="49" charset="0"/>
-              </a:rPr>
-              <a:t>(18)==0):</a:t>
-            </a:r>
-          </a:p>
-          <a:p>
-            <a:r>
-              <a:rPr lang="en-US" sz="1900" b="1" i="1" dirty="0">
-                <a:solidFill>
-                  <a:srgbClr val="0070C0"/>
-                </a:solidFill>
-                <a:latin typeface="Consolas" panose="020B0609020204030204" pitchFamily="49" charset="0"/>
-                <a:cs typeface="Consolas" panose="020B0609020204030204" pitchFamily="49" charset="0"/>
-              </a:rPr>
-              <a:t>        print("Danger!!!!!!")</a:t>
-            </a:r>
-          </a:p>
-          <a:p>
-            <a:r>
-              <a:rPr lang="en-US" sz="1900" b="1" i="1" dirty="0">
-                <a:solidFill>
-                  <a:srgbClr val="0070C0"/>
-                </a:solidFill>
-                <a:latin typeface="Consolas" panose="020B0609020204030204" pitchFamily="49" charset="0"/>
-                <a:cs typeface="Consolas" panose="020B0609020204030204" pitchFamily="49" charset="0"/>
-              </a:rPr>
-              <a:t>        print("sending email...")</a:t>
-            </a:r>
-          </a:p>
-          <a:p>
-            <a:r>
-              <a:rPr lang="en-US" sz="1900" b="1" i="1" dirty="0">
-                <a:solidFill>
-                  <a:srgbClr val="0070C0"/>
-                </a:solidFill>
-                <a:latin typeface="Consolas" panose="020B0609020204030204" pitchFamily="49" charset="0"/>
-                <a:cs typeface="Consolas" panose="020B0609020204030204" pitchFamily="49" charset="0"/>
-              </a:rPr>
-              <a:t>        </a:t>
-            </a:r>
-            <a:r>
-              <a:rPr lang="en-US" sz="1500" b="1" i="1" dirty="0" err="1">
-                <a:solidFill>
-                  <a:srgbClr val="0070C0"/>
-                </a:solidFill>
-                <a:latin typeface="Consolas" panose="020B0609020204030204" pitchFamily="49" charset="0"/>
-                <a:cs typeface="Consolas" panose="020B0609020204030204" pitchFamily="49" charset="0"/>
-              </a:rPr>
-              <a:t>send_email</a:t>
-            </a:r>
-            <a:r>
-              <a:rPr lang="en-US" sz="1500" b="1" i="1" dirty="0">
-                <a:solidFill>
-                  <a:srgbClr val="0070C0"/>
-                </a:solidFill>
-                <a:latin typeface="Consolas" panose="020B0609020204030204" pitchFamily="49" charset="0"/>
-                <a:cs typeface="Consolas" panose="020B0609020204030204" pitchFamily="49" charset="0"/>
-              </a:rPr>
-              <a:t>('arjmandi.re@gmail.com', 'Danger: home security!', 'Button Pressed-number: ' + </a:t>
-            </a:r>
-            <a:r>
-              <a:rPr lang="en-US" sz="1500" b="1" i="1" dirty="0" err="1">
-                <a:solidFill>
-                  <a:srgbClr val="0070C0"/>
-                </a:solidFill>
-                <a:latin typeface="Consolas" panose="020B0609020204030204" pitchFamily="49" charset="0"/>
-                <a:cs typeface="Consolas" panose="020B0609020204030204" pitchFamily="49" charset="0"/>
-              </a:rPr>
-              <a:t>str</a:t>
-            </a:r>
-            <a:r>
-              <a:rPr lang="en-US" sz="1500" b="1" i="1" dirty="0">
-                <a:solidFill>
-                  <a:srgbClr val="0070C0"/>
-                </a:solidFill>
-                <a:latin typeface="Consolas" panose="020B0609020204030204" pitchFamily="49" charset="0"/>
-                <a:cs typeface="Consolas" panose="020B0609020204030204" pitchFamily="49" charset="0"/>
-              </a:rPr>
-              <a:t>(counter))</a:t>
-            </a:r>
-          </a:p>
-          <a:p>
-            <a:r>
-              <a:rPr lang="en-US" sz="1900" b="1" i="1" dirty="0">
-                <a:solidFill>
-                  <a:srgbClr val="0070C0"/>
-                </a:solidFill>
-                <a:latin typeface="Consolas" panose="020B0609020204030204" pitchFamily="49" charset="0"/>
-                <a:cs typeface="Consolas" panose="020B0609020204030204" pitchFamily="49" charset="0"/>
-              </a:rPr>
-              <a:t>        print("send complete")</a:t>
-            </a:r>
-          </a:p>
-          <a:p>
-            <a:r>
-              <a:rPr lang="en-US" sz="1900" b="1" i="1" dirty="0">
-                <a:solidFill>
-                  <a:srgbClr val="0070C0"/>
-                </a:solidFill>
-                <a:latin typeface="Consolas" panose="020B0609020204030204" pitchFamily="49" charset="0"/>
-                <a:cs typeface="Consolas" panose="020B0609020204030204" pitchFamily="49" charset="0"/>
-              </a:rPr>
-              <a:t>        counter = counter + 1</a:t>
-            </a:r>
+              <a:rPr lang="en-US" sz="2000" dirty="0"/>
+              <a:t> message simplifies the use of the </a:t>
+            </a:r>
+            <a:r>
+              <a:rPr lang="en-US" sz="2400" b="1" i="1" dirty="0" err="1">
+                <a:solidFill>
+                  <a:srgbClr val="0070C0"/>
+                </a:solidFill>
+                <a:latin typeface="Consolas" panose="020B0609020204030204" pitchFamily="49" charset="0"/>
+                <a:cs typeface="Consolas" panose="020B0609020204030204" pitchFamily="49" charset="0"/>
+              </a:rPr>
+              <a:t>smtplib</a:t>
+            </a:r>
+            <a:r>
+              <a:rPr lang="en-US" sz="2000" dirty="0"/>
+              <a:t> library into a single function that you can reuse in your projects.</a:t>
+            </a:r>
+          </a:p>
+          <a:p>
+            <a:pPr marL="342900" indent="-342900">
+              <a:buFont typeface="Arial" panose="020B0604020202020204" pitchFamily="34" charset="0"/>
+              <a:buChar char="•"/>
+            </a:pPr>
+            <a:endParaRPr lang="en-US" sz="2000" dirty="0"/>
+          </a:p>
+          <a:p>
+            <a:pPr marL="342900" indent="-342900">
+              <a:buFont typeface="Arial" panose="020B0604020202020204" pitchFamily="34" charset="0"/>
+              <a:buChar char="•"/>
+            </a:pPr>
+            <a:endParaRPr lang="en-US" sz="2000" dirty="0"/>
           </a:p>
         </p:txBody>
       </p:sp>
@@ -8158,7 +7820,7 @@
     </p:spTree>
     <p:extLst>
       <p:ext uri="{BB962C8B-B14F-4D97-AF65-F5344CB8AC3E}">
-        <p14:creationId xmlns:p14="http://schemas.microsoft.com/office/powerpoint/2010/main" val="3911531129"/>
+        <p14:creationId xmlns:p14="http://schemas.microsoft.com/office/powerpoint/2010/main" val="2530605664"/>
       </p:ext>
     </p:extLst>
   </p:cSld>
@@ -8328,12 +7990,8 @@
           </a:lstStyle>
           <a:p>
             <a:r>
-              <a:rPr lang="en-US" dirty="0" err="1"/>
-              <a:t>Send_Email</a:t>
-            </a:r>
-            <a:r>
               <a:rPr lang="en-US" dirty="0"/>
-              <a:t> project</a:t>
+              <a:t>Web Service</a:t>
             </a:r>
             <a:endParaRPr lang="en-US" b="1" i="1" dirty="0">
               <a:solidFill>
@@ -8342,126 +8000,6 @@
               <a:latin typeface="Consolas" panose="020B0609020204030204" pitchFamily="49" charset="0"/>
               <a:cs typeface="Consolas" panose="020B0609020204030204" pitchFamily="49" charset="0"/>
             </a:endParaRPr>
-          </a:p>
-        </p:txBody>
-      </p:sp>
-      <p:sp>
-        <p:nvSpPr>
-          <p:cNvPr id="2" name="TextBox 1"/>
-          <p:cNvSpPr txBox="1"/>
-          <p:nvPr/>
-        </p:nvSpPr>
-        <p:spPr>
-          <a:xfrm>
-            <a:off x="417443" y="857743"/>
-            <a:ext cx="11357113" cy="2431435"/>
-          </a:xfrm>
-          <a:prstGeom prst="rect">
-            <a:avLst/>
-          </a:prstGeom>
-          <a:noFill/>
-        </p:spPr>
-        <p:txBody>
-          <a:bodyPr wrap="square" rtlCol="0">
-            <a:spAutoFit/>
-          </a:bodyPr>
-          <a:lstStyle/>
-          <a:p>
-            <a:pPr marL="342900" indent="-342900">
-              <a:buFont typeface="Arial" panose="020B0604020202020204" pitchFamily="34" charset="0"/>
-              <a:buChar char="•"/>
-            </a:pPr>
-            <a:r>
-              <a:rPr lang="en-US" sz="2000" dirty="0"/>
-              <a:t> If you are not using Gmail, then you will also need to change the values of the </a:t>
-            </a:r>
-            <a:r>
-              <a:rPr lang="en-US" sz="2400" b="1" i="1" dirty="0">
-                <a:solidFill>
-                  <a:srgbClr val="0070C0"/>
-                </a:solidFill>
-                <a:latin typeface="Consolas" panose="020B0609020204030204" pitchFamily="49" charset="0"/>
-                <a:cs typeface="Consolas" panose="020B0609020204030204" pitchFamily="49" charset="0"/>
-              </a:rPr>
-              <a:t>SMTP_SERVER</a:t>
-            </a:r>
-            <a:r>
-              <a:rPr lang="en-US" sz="2000" dirty="0"/>
-              <a:t> and possibly </a:t>
-            </a:r>
-            <a:r>
-              <a:rPr lang="en-US" sz="2400" b="1" i="1" dirty="0">
-                <a:solidFill>
-                  <a:srgbClr val="0070C0"/>
-                </a:solidFill>
-                <a:latin typeface="Consolas" panose="020B0609020204030204" pitchFamily="49" charset="0"/>
-                <a:cs typeface="Consolas" panose="020B0609020204030204" pitchFamily="49" charset="0"/>
-              </a:rPr>
-              <a:t>SMTP_PORT</a:t>
-            </a:r>
-            <a:r>
-              <a:rPr lang="en-US" sz="2000" dirty="0"/>
-              <a:t>.</a:t>
-            </a:r>
-          </a:p>
-          <a:p>
-            <a:pPr marL="342900" indent="-342900">
-              <a:buFont typeface="Arial" panose="020B0604020202020204" pitchFamily="34" charset="0"/>
-              <a:buChar char="•"/>
-            </a:pPr>
-            <a:endParaRPr lang="en-US" sz="2000" dirty="0"/>
-          </a:p>
-          <a:p>
-            <a:pPr marL="342900" indent="-342900">
-              <a:buFont typeface="Arial" panose="020B0604020202020204" pitchFamily="34" charset="0"/>
-              <a:buChar char="•"/>
-            </a:pPr>
-            <a:r>
-              <a:rPr lang="en-US" sz="2000" dirty="0"/>
-              <a:t>The </a:t>
-            </a:r>
-            <a:r>
-              <a:rPr lang="en-US" sz="2400" b="1" i="1" dirty="0" err="1">
-                <a:solidFill>
-                  <a:srgbClr val="0070C0"/>
-                </a:solidFill>
-                <a:latin typeface="Consolas" panose="020B0609020204030204" pitchFamily="49" charset="0"/>
-                <a:cs typeface="Consolas" panose="020B0609020204030204" pitchFamily="49" charset="0"/>
-              </a:rPr>
-              <a:t>send_email</a:t>
-            </a:r>
-            <a:r>
-              <a:rPr lang="en-US" sz="2000" dirty="0"/>
-              <a:t> message simplifies the use of the </a:t>
-            </a:r>
-            <a:r>
-              <a:rPr lang="en-US" sz="2400" b="1" i="1" dirty="0" err="1">
-                <a:solidFill>
-                  <a:srgbClr val="0070C0"/>
-                </a:solidFill>
-                <a:latin typeface="Consolas" panose="020B0609020204030204" pitchFamily="49" charset="0"/>
-                <a:cs typeface="Consolas" panose="020B0609020204030204" pitchFamily="49" charset="0"/>
-              </a:rPr>
-              <a:t>smtplib</a:t>
-            </a:r>
-            <a:r>
-              <a:rPr lang="en-US" sz="2000" dirty="0"/>
-              <a:t> library into a single function that you can reuse in your projects.</a:t>
-            </a:r>
-          </a:p>
-          <a:p>
-            <a:pPr marL="342900" indent="-342900">
-              <a:buFont typeface="Arial" panose="020B0604020202020204" pitchFamily="34" charset="0"/>
-              <a:buChar char="•"/>
-            </a:pPr>
-            <a:endParaRPr lang="en-US" sz="2000" dirty="0"/>
-          </a:p>
-          <a:p>
-            <a:pPr marL="342900" indent="-342900">
-              <a:buFont typeface="Arial" panose="020B0604020202020204" pitchFamily="34" charset="0"/>
-              <a:buChar char="•"/>
-            </a:pPr>
-            <a:endParaRPr lang="en-US" sz="2000" dirty="0"/>
           </a:p>
         </p:txBody>
       </p:sp>
@@ -8504,10 +8042,40 @@
           </a:p>
         </p:txBody>
       </p:sp>
+      <p:pic>
+        <p:nvPicPr>
+          <p:cNvPr id="7" name="Picture 6"/>
+          <p:cNvPicPr>
+            <a:picLocks noChangeAspect="1"/>
+          </p:cNvPicPr>
+          <p:nvPr/>
+        </p:nvPicPr>
+        <p:blipFill>
+          <a:blip r:embed="rId2">
+            <a:extLst>
+              <a:ext uri="{28A0092B-C50C-407E-A947-70E740481C1C}">
+                <a14:useLocalDpi xmlns:a14="http://schemas.microsoft.com/office/drawing/2010/main" val="0"/>
+              </a:ext>
+            </a:extLst>
+          </a:blip>
+          <a:stretch>
+            <a:fillRect/>
+          </a:stretch>
+        </p:blipFill>
+        <p:spPr>
+          <a:xfrm>
+            <a:off x="661571" y="810870"/>
+            <a:ext cx="10859868" cy="6047130"/>
+          </a:xfrm>
+          <a:prstGeom prst="rect">
+            <a:avLst/>
+          </a:prstGeom>
+        </p:spPr>
+      </p:pic>
     </p:spTree>
     <p:extLst>
       <p:ext uri="{BB962C8B-B14F-4D97-AF65-F5344CB8AC3E}">
-        <p14:creationId xmlns:p14="http://schemas.microsoft.com/office/powerpoint/2010/main" val="2530605664"/>
+        <p14:creationId xmlns:p14="http://schemas.microsoft.com/office/powerpoint/2010/main" val="88117235"/>
       </p:ext>
     </p:extLst>
   </p:cSld>
@@ -9065,7 +8633,7 @@
           <a:p>
             <a:r>
               <a:rPr lang="en-US" dirty="0"/>
-              <a:t>Web Service</a:t>
+              <a:t>Writing a Simple Web Server in Python </a:t>
             </a:r>
             <a:endParaRPr lang="en-US" b="1" i="1" dirty="0">
               <a:solidFill>
@@ -9074,6 +8642,165 @@
               <a:latin typeface="Consolas" panose="020B0609020204030204" pitchFamily="49" charset="0"/>
               <a:cs typeface="Consolas" panose="020B0609020204030204" pitchFamily="49" charset="0"/>
             </a:endParaRPr>
+          </a:p>
+        </p:txBody>
+      </p:sp>
+      <p:sp>
+        <p:nvSpPr>
+          <p:cNvPr id="2" name="TextBox 1"/>
+          <p:cNvSpPr txBox="1"/>
+          <p:nvPr/>
+        </p:nvSpPr>
+        <p:spPr>
+          <a:xfrm>
+            <a:off x="417443" y="857743"/>
+            <a:ext cx="11357113" cy="3970318"/>
+          </a:xfrm>
+          <a:prstGeom prst="rect">
+            <a:avLst/>
+          </a:prstGeom>
+          <a:noFill/>
+        </p:spPr>
+        <p:txBody>
+          <a:bodyPr wrap="square" rtlCol="0">
+            <a:spAutoFit/>
+          </a:bodyPr>
+          <a:lstStyle/>
+          <a:p>
+            <a:pPr marL="342900" indent="-342900">
+              <a:buFont typeface="Arial" panose="020B0604020202020204" pitchFamily="34" charset="0"/>
+              <a:buChar char="•"/>
+            </a:pPr>
+            <a:r>
+              <a:rPr lang="en-US" sz="2000" dirty="0"/>
+              <a:t>You need to create a simple Python web server, but don’t want to have to run a full web server stack. </a:t>
+            </a:r>
+          </a:p>
+          <a:p>
+            <a:pPr marL="342900" indent="-342900">
+              <a:buFont typeface="Arial" panose="020B0604020202020204" pitchFamily="34" charset="0"/>
+              <a:buChar char="•"/>
+            </a:pPr>
+            <a:endParaRPr lang="en-US" sz="2000" dirty="0"/>
+          </a:p>
+          <a:p>
+            <a:pPr marL="342900" indent="-342900">
+              <a:buFont typeface="Arial" panose="020B0604020202020204" pitchFamily="34" charset="0"/>
+              <a:buChar char="•"/>
+            </a:pPr>
+            <a:r>
+              <a:rPr lang="en-US" sz="2000" dirty="0"/>
+              <a:t>Use the </a:t>
+            </a:r>
+            <a:r>
+              <a:rPr lang="en-US" sz="2400" b="1" i="1" dirty="0">
+                <a:solidFill>
+                  <a:srgbClr val="0070C0"/>
+                </a:solidFill>
+                <a:latin typeface="Consolas" panose="020B0609020204030204" pitchFamily="49" charset="0"/>
+                <a:cs typeface="Consolas" panose="020B0609020204030204" pitchFamily="49" charset="0"/>
+              </a:rPr>
+              <a:t>bottle</a:t>
+            </a:r>
+            <a:r>
+              <a:rPr lang="en-US" sz="2000" dirty="0"/>
+              <a:t> Python library to run a pure Python web server that will respond to HTTP requests.</a:t>
+            </a:r>
+          </a:p>
+          <a:p>
+            <a:pPr marL="342900" indent="-342900">
+              <a:buFont typeface="Arial" panose="020B0604020202020204" pitchFamily="34" charset="0"/>
+              <a:buChar char="•"/>
+            </a:pPr>
+            <a:endParaRPr lang="en-US" sz="2000" dirty="0"/>
+          </a:p>
+          <a:p>
+            <a:pPr marL="342900" indent="-342900">
+              <a:buFont typeface="Arial" panose="020B0604020202020204" pitchFamily="34" charset="0"/>
+              <a:buChar char="•"/>
+            </a:pPr>
+            <a:r>
+              <a:rPr lang="en-US" sz="2000" dirty="0"/>
+              <a:t>To install </a:t>
+            </a:r>
+            <a:r>
+              <a:rPr lang="en-US" sz="2400" b="1" i="1" dirty="0">
+                <a:solidFill>
+                  <a:srgbClr val="0070C0"/>
+                </a:solidFill>
+                <a:latin typeface="Consolas" panose="020B0609020204030204" pitchFamily="49" charset="0"/>
+                <a:cs typeface="Consolas" panose="020B0609020204030204" pitchFamily="49" charset="0"/>
+              </a:rPr>
+              <a:t>bottle</a:t>
+            </a:r>
+            <a:r>
+              <a:rPr lang="en-US" sz="2000" dirty="0"/>
+              <a:t>, use the following command:</a:t>
+            </a:r>
+          </a:p>
+          <a:p>
+            <a:pPr marL="342900" indent="-342900">
+              <a:buFont typeface="Arial" panose="020B0604020202020204" pitchFamily="34" charset="0"/>
+              <a:buChar char="•"/>
+            </a:pPr>
+            <a:endParaRPr lang="en-US" sz="2000" dirty="0"/>
+          </a:p>
+          <a:p>
+            <a:pPr marL="342900" indent="-342900">
+              <a:buFont typeface="Arial" panose="020B0604020202020204" pitchFamily="34" charset="0"/>
+              <a:buChar char="•"/>
+            </a:pPr>
+            <a:r>
+              <a:rPr lang="en-US" sz="2400" b="1" i="1" dirty="0" err="1">
+                <a:solidFill>
+                  <a:srgbClr val="0070C0"/>
+                </a:solidFill>
+                <a:latin typeface="Consolas" panose="020B0609020204030204" pitchFamily="49" charset="0"/>
+                <a:cs typeface="Consolas" panose="020B0609020204030204" pitchFamily="49" charset="0"/>
+              </a:rPr>
+              <a:t>sudo</a:t>
+            </a:r>
+            <a:r>
+              <a:rPr lang="en-US" sz="2400" b="1" i="1" dirty="0">
+                <a:solidFill>
+                  <a:srgbClr val="0070C0"/>
+                </a:solidFill>
+                <a:latin typeface="Consolas" panose="020B0609020204030204" pitchFamily="49" charset="0"/>
+                <a:cs typeface="Consolas" panose="020B0609020204030204" pitchFamily="49" charset="0"/>
+              </a:rPr>
+              <a:t> apt-get install python-bottle </a:t>
+            </a:r>
+          </a:p>
+          <a:p>
+            <a:pPr marL="342900" indent="-342900">
+              <a:buFont typeface="Arial" panose="020B0604020202020204" pitchFamily="34" charset="0"/>
+              <a:buChar char="•"/>
+            </a:pPr>
+            <a:endParaRPr lang="en-US" sz="2000" dirty="0"/>
+          </a:p>
+          <a:p>
+            <a:pPr marL="342900" indent="-342900">
+              <a:buFont typeface="Arial" panose="020B0604020202020204" pitchFamily="34" charset="0"/>
+              <a:buChar char="•"/>
+            </a:pPr>
+            <a:r>
+              <a:rPr lang="en-US" sz="2000" dirty="0"/>
+              <a:t>Following Figure shows the page you see if you connect to the Raspberry Pi from a browser anywhere on your network:</a:t>
+            </a:r>
+          </a:p>
+          <a:p>
+            <a:pPr marL="342900" indent="-342900">
+              <a:buFont typeface="Arial" panose="020B0604020202020204" pitchFamily="34" charset="0"/>
+              <a:buChar char="•"/>
+            </a:pPr>
+            <a:endParaRPr lang="en-US" sz="2000" dirty="0"/>
+          </a:p>
+          <a:p>
+            <a:pPr marL="342900" indent="-342900">
+              <a:buFont typeface="Arial" panose="020B0604020202020204" pitchFamily="34" charset="0"/>
+              <a:buChar char="•"/>
+            </a:pPr>
+            <a:endParaRPr lang="en-US" sz="2000" dirty="0"/>
           </a:p>
         </p:txBody>
       </p:sp>
@@ -9118,28 +8845,22 @@
       </p:sp>
       <p:pic>
         <p:nvPicPr>
-          <p:cNvPr id="7" name="Picture 6"/>
+          <p:cNvPr id="3" name="Picture 2"/>
           <p:cNvPicPr>
             <a:picLocks noChangeAspect="1"/>
           </p:cNvPicPr>
           <p:nvPr/>
         </p:nvPicPr>
         <p:blipFill>
-          <a:blip r:embed="rId2">
-            <a:extLst>
-              <a:ext uri="{28A0092B-C50C-407E-A947-70E740481C1C}">
-                <a14:useLocalDpi xmlns:a14="http://schemas.microsoft.com/office/drawing/2010/main" val="0"/>
-              </a:ext>
-            </a:extLst>
-          </a:blip>
+          <a:blip r:embed="rId2"/>
           <a:stretch>
             <a:fillRect/>
           </a:stretch>
         </p:blipFill>
         <p:spPr>
           <a:xfrm>
-            <a:off x="661571" y="810870"/>
-            <a:ext cx="10859868" cy="6047130"/>
+            <a:off x="417443" y="4270744"/>
+            <a:ext cx="11376726" cy="2493699"/>
           </a:xfrm>
           <a:prstGeom prst="rect">
             <a:avLst/>
@@ -9149,7 +8870,7 @@
     </p:spTree>
     <p:extLst>
       <p:ext uri="{BB962C8B-B14F-4D97-AF65-F5344CB8AC3E}">
-        <p14:creationId xmlns:p14="http://schemas.microsoft.com/office/powerpoint/2010/main" val="88117235"/>
+        <p14:creationId xmlns:p14="http://schemas.microsoft.com/office/powerpoint/2010/main" val="1260239124"/>
       </p:ext>
     </p:extLst>
   </p:cSld>
@@ -9319,8 +9040,12 @@
           </a:lstStyle>
           <a:p>
             <a:r>
+              <a:rPr lang="en-US" dirty="0" err="1"/>
+              <a:t>Simple_Webserver</a:t>
+            </a:r>
+            <a:r>
               <a:rPr lang="en-US" dirty="0"/>
-              <a:t>Writing a Simple Web Server in Python </a:t>
+              <a:t> project</a:t>
             </a:r>
             <a:endParaRPr lang="en-US" b="1" i="1" dirty="0">
               <a:solidFill>
@@ -9341,7 +9066,7 @@
         <p:spPr>
           <a:xfrm>
             <a:off x="417443" y="857743"/>
-            <a:ext cx="11357113" cy="3970318"/>
+            <a:ext cx="11357113" cy="5324535"/>
           </a:xfrm>
           <a:prstGeom prst="rect">
             <a:avLst/>
@@ -9354,91 +9079,253 @@
           </a:bodyPr>
           <a:lstStyle/>
           <a:p>
-            <a:pPr marL="342900" indent="-342900">
-              <a:buFont typeface="Arial" panose="020B0604020202020204" pitchFamily="34" charset="0"/>
-              <a:buChar char="•"/>
-            </a:pPr>
+            <a:r>
+              <a:rPr lang="en-US" sz="2000" b="1" i="1" dirty="0">
+                <a:solidFill>
+                  <a:srgbClr val="0070C0"/>
+                </a:solidFill>
+                <a:latin typeface="Consolas" panose="020B0609020204030204" pitchFamily="49" charset="0"/>
+                <a:cs typeface="Consolas" panose="020B0609020204030204" pitchFamily="49" charset="0"/>
+              </a:rPr>
+              <a:t>from bottle import </a:t>
+            </a:r>
+            <a:r>
+              <a:rPr lang="en-US" sz="2000" b="1" i="1" dirty="0" err="1">
+                <a:solidFill>
+                  <a:srgbClr val="0070C0"/>
+                </a:solidFill>
+                <a:latin typeface="Consolas" panose="020B0609020204030204" pitchFamily="49" charset="0"/>
+                <a:cs typeface="Consolas" panose="020B0609020204030204" pitchFamily="49" charset="0"/>
+              </a:rPr>
+              <a:t>route,run,template</a:t>
+            </a:r>
+            <a:endParaRPr lang="en-US" sz="2000" b="1" i="1" dirty="0">
+              <a:solidFill>
+                <a:srgbClr val="0070C0"/>
+              </a:solidFill>
+              <a:latin typeface="Consolas" panose="020B0609020204030204" pitchFamily="49" charset="0"/>
+              <a:cs typeface="Consolas" panose="020B0609020204030204" pitchFamily="49" charset="0"/>
+            </a:endParaRPr>
+          </a:p>
+          <a:p>
+            <a:r>
+              <a:rPr lang="en-US" sz="2000" b="1" i="1" dirty="0">
+                <a:solidFill>
+                  <a:srgbClr val="0070C0"/>
+                </a:solidFill>
+                <a:latin typeface="Consolas" panose="020B0609020204030204" pitchFamily="49" charset="0"/>
+                <a:cs typeface="Consolas" panose="020B0609020204030204" pitchFamily="49" charset="0"/>
+              </a:rPr>
+              <a:t>from datetime import datetime</a:t>
+            </a:r>
+          </a:p>
+          <a:p>
+            <a:endParaRPr lang="en-US" sz="2000" b="1" i="1" dirty="0">
+              <a:solidFill>
+                <a:srgbClr val="0070C0"/>
+              </a:solidFill>
+              <a:latin typeface="Consolas" panose="020B0609020204030204" pitchFamily="49" charset="0"/>
+              <a:cs typeface="Consolas" panose="020B0609020204030204" pitchFamily="49" charset="0"/>
+            </a:endParaRPr>
+          </a:p>
+          <a:p>
+            <a:r>
+              <a:rPr lang="en-US" sz="2000" b="1" i="1" dirty="0">
+                <a:solidFill>
+                  <a:srgbClr val="0070C0"/>
+                </a:solidFill>
+                <a:latin typeface="Consolas" panose="020B0609020204030204" pitchFamily="49" charset="0"/>
+                <a:cs typeface="Consolas" panose="020B0609020204030204" pitchFamily="49" charset="0"/>
+              </a:rPr>
+              <a:t>@route('/') </a:t>
+            </a:r>
+          </a:p>
+          <a:p>
+            <a:r>
+              <a:rPr lang="en-US" sz="2000" b="1" i="1" dirty="0">
+                <a:solidFill>
+                  <a:srgbClr val="0070C0"/>
+                </a:solidFill>
+                <a:latin typeface="Consolas" panose="020B0609020204030204" pitchFamily="49" charset="0"/>
+                <a:cs typeface="Consolas" panose="020B0609020204030204" pitchFamily="49" charset="0"/>
+              </a:rPr>
+              <a:t>def index():    </a:t>
+            </a:r>
+          </a:p>
+          <a:p>
+            <a:r>
+              <a:rPr lang="en-US" sz="2000" b="1" i="1" dirty="0">
+                <a:solidFill>
+                  <a:srgbClr val="0070C0"/>
+                </a:solidFill>
+                <a:latin typeface="Consolas" panose="020B0609020204030204" pitchFamily="49" charset="0"/>
+                <a:cs typeface="Consolas" panose="020B0609020204030204" pitchFamily="49" charset="0"/>
+              </a:rPr>
+              <a:t>    </a:t>
+            </a:r>
+            <a:r>
+              <a:rPr lang="en-US" sz="2000" b="1" i="1" dirty="0" err="1">
+                <a:solidFill>
+                  <a:srgbClr val="0070C0"/>
+                </a:solidFill>
+                <a:latin typeface="Consolas" panose="020B0609020204030204" pitchFamily="49" charset="0"/>
+                <a:cs typeface="Consolas" panose="020B0609020204030204" pitchFamily="49" charset="0"/>
+              </a:rPr>
+              <a:t>dt</a:t>
+            </a:r>
+            <a:r>
+              <a:rPr lang="en-US" sz="2000" b="1" i="1" dirty="0">
+                <a:solidFill>
+                  <a:srgbClr val="0070C0"/>
+                </a:solidFill>
+                <a:latin typeface="Consolas" panose="020B0609020204030204" pitchFamily="49" charset="0"/>
+                <a:cs typeface="Consolas" panose="020B0609020204030204" pitchFamily="49" charset="0"/>
+              </a:rPr>
+              <a:t> = </a:t>
+            </a:r>
+            <a:r>
+              <a:rPr lang="en-US" sz="2000" b="1" i="1" dirty="0" err="1">
+                <a:solidFill>
+                  <a:srgbClr val="0070C0"/>
+                </a:solidFill>
+                <a:latin typeface="Consolas" panose="020B0609020204030204" pitchFamily="49" charset="0"/>
+                <a:cs typeface="Consolas" panose="020B0609020204030204" pitchFamily="49" charset="0"/>
+              </a:rPr>
+              <a:t>datetime.now</a:t>
+            </a:r>
+            <a:r>
+              <a:rPr lang="en-US" sz="2000" b="1" i="1" dirty="0">
+                <a:solidFill>
+                  <a:srgbClr val="0070C0"/>
+                </a:solidFill>
+                <a:latin typeface="Consolas" panose="020B0609020204030204" pitchFamily="49" charset="0"/>
+                <a:cs typeface="Consolas" panose="020B0609020204030204" pitchFamily="49" charset="0"/>
+              </a:rPr>
+              <a:t>()    </a:t>
+            </a:r>
+          </a:p>
+          <a:p>
+            <a:r>
+              <a:rPr lang="en-US" sz="2000" b="1" i="1" dirty="0">
+                <a:solidFill>
+                  <a:srgbClr val="0070C0"/>
+                </a:solidFill>
+                <a:latin typeface="Consolas" panose="020B0609020204030204" pitchFamily="49" charset="0"/>
+                <a:cs typeface="Consolas" panose="020B0609020204030204" pitchFamily="49" charset="0"/>
+              </a:rPr>
+              <a:t>    time = "{:%Y-%m-%d %H:%M:%S}".format(</a:t>
+            </a:r>
+            <a:r>
+              <a:rPr lang="en-US" sz="2000" b="1" i="1" dirty="0" err="1">
+                <a:solidFill>
+                  <a:srgbClr val="0070C0"/>
+                </a:solidFill>
+                <a:latin typeface="Consolas" panose="020B0609020204030204" pitchFamily="49" charset="0"/>
+                <a:cs typeface="Consolas" panose="020B0609020204030204" pitchFamily="49" charset="0"/>
+              </a:rPr>
+              <a:t>dt</a:t>
+            </a:r>
+            <a:r>
+              <a:rPr lang="en-US" sz="2000" b="1" i="1" dirty="0">
+                <a:solidFill>
+                  <a:srgbClr val="0070C0"/>
+                </a:solidFill>
+                <a:latin typeface="Consolas" panose="020B0609020204030204" pitchFamily="49" charset="0"/>
+                <a:cs typeface="Consolas" panose="020B0609020204030204" pitchFamily="49" charset="0"/>
+              </a:rPr>
+              <a:t>)    </a:t>
+            </a:r>
+          </a:p>
+          <a:p>
+            <a:r>
+              <a:rPr lang="en-US" sz="2000" b="1" i="1" dirty="0">
+                <a:solidFill>
+                  <a:srgbClr val="0070C0"/>
+                </a:solidFill>
+                <a:latin typeface="Consolas" panose="020B0609020204030204" pitchFamily="49" charset="0"/>
+                <a:cs typeface="Consolas" panose="020B0609020204030204" pitchFamily="49" charset="0"/>
+              </a:rPr>
+              <a:t>    return template('&lt;b&gt;Pi thinks the date/time is: {{t}}&lt;/b&gt;',t=time)</a:t>
+            </a:r>
+          </a:p>
+          <a:p>
+            <a:endParaRPr lang="en-US" sz="2000" b="1" i="1" dirty="0">
+              <a:solidFill>
+                <a:srgbClr val="0070C0"/>
+              </a:solidFill>
+              <a:latin typeface="Consolas" panose="020B0609020204030204" pitchFamily="49" charset="0"/>
+              <a:cs typeface="Consolas" panose="020B0609020204030204" pitchFamily="49" charset="0"/>
+            </a:endParaRPr>
+          </a:p>
+          <a:p>
+            <a:r>
+              <a:rPr lang="en-US" sz="2000" b="1" i="1" dirty="0">
+                <a:solidFill>
+                  <a:srgbClr val="0070C0"/>
+                </a:solidFill>
+                <a:latin typeface="Consolas" panose="020B0609020204030204" pitchFamily="49" charset="0"/>
+                <a:cs typeface="Consolas" panose="020B0609020204030204" pitchFamily="49" charset="0"/>
+              </a:rPr>
+              <a:t>run(host='192.168.43.189', port=90)</a:t>
+            </a:r>
+          </a:p>
+          <a:p>
+            <a:endParaRPr lang="en-US" sz="2000" b="1" i="1" dirty="0">
+              <a:solidFill>
+                <a:srgbClr val="0070C0"/>
+              </a:solidFill>
+              <a:latin typeface="Consolas" panose="020B0609020204030204" pitchFamily="49" charset="0"/>
+              <a:cs typeface="Consolas" panose="020B0609020204030204" pitchFamily="49" charset="0"/>
+            </a:endParaRPr>
+          </a:p>
+          <a:p>
+            <a:endParaRPr lang="en-US" sz="2000" b="1" i="1" dirty="0">
+              <a:solidFill>
+                <a:srgbClr val="0070C0"/>
+              </a:solidFill>
+              <a:latin typeface="Consolas" panose="020B0609020204030204" pitchFamily="49" charset="0"/>
+              <a:cs typeface="Consolas" panose="020B0609020204030204" pitchFamily="49" charset="0"/>
+            </a:endParaRPr>
+          </a:p>
+          <a:p>
+            <a:endParaRPr lang="en-US" sz="2000" b="1" i="1" dirty="0">
+              <a:solidFill>
+                <a:srgbClr val="0070C0"/>
+              </a:solidFill>
+              <a:latin typeface="Consolas" panose="020B0609020204030204" pitchFamily="49" charset="0"/>
+              <a:cs typeface="Consolas" panose="020B0609020204030204" pitchFamily="49" charset="0"/>
+            </a:endParaRPr>
+          </a:p>
+          <a:p>
             <a:r>
               <a:rPr lang="en-US" sz="2000" dirty="0"/>
-              <a:t>You need to create a simple Python web server, but don’t want to have to run a full web server stack. </a:t>
-            </a:r>
-          </a:p>
-          <a:p>
-            <a:pPr marL="342900" indent="-342900">
-              <a:buFont typeface="Arial" panose="020B0604020202020204" pitchFamily="34" charset="0"/>
-              <a:buChar char="•"/>
-            </a:pPr>
+              <a:t>To start the program, you need to run it with </a:t>
+            </a:r>
+            <a:r>
+              <a:rPr lang="en-US" sz="2000" dirty="0" err="1"/>
+              <a:t>superuser</a:t>
+            </a:r>
+            <a:r>
+              <a:rPr lang="en-US" sz="2000" dirty="0"/>
+              <a:t> privileges:</a:t>
+            </a:r>
+          </a:p>
+          <a:p>
             <a:endParaRPr lang="en-US" sz="2000" dirty="0"/>
           </a:p>
           <a:p>
-            <a:pPr marL="342900" indent="-342900">
-              <a:buFont typeface="Arial" panose="020B0604020202020204" pitchFamily="34" charset="0"/>
-              <a:buChar char="•"/>
-            </a:pPr>
-            <a:r>
-              <a:rPr lang="en-US" sz="2000" dirty="0"/>
-              <a:t>Use the </a:t>
-            </a:r>
-            <a:r>
-              <a:rPr lang="en-US" sz="2400" b="1" i="1" dirty="0">
-                <a:solidFill>
-                  <a:srgbClr val="0070C0"/>
-                </a:solidFill>
-                <a:latin typeface="Consolas" panose="020B0609020204030204" pitchFamily="49" charset="0"/>
-                <a:cs typeface="Consolas" panose="020B0609020204030204" pitchFamily="49" charset="0"/>
-              </a:rPr>
-              <a:t>bottle</a:t>
-            </a:r>
-            <a:r>
-              <a:rPr lang="en-US" sz="2000" dirty="0"/>
-              <a:t> Python library to run a pure Python web server that will respond to HTTP requests.</a:t>
-            </a:r>
-          </a:p>
-          <a:p>
-            <a:pPr marL="342900" indent="-342900">
-              <a:buFont typeface="Arial" panose="020B0604020202020204" pitchFamily="34" charset="0"/>
-              <a:buChar char="•"/>
-            </a:pPr>
-            <a:endParaRPr lang="en-US" sz="2000" dirty="0"/>
-          </a:p>
-          <a:p>
-            <a:pPr marL="342900" indent="-342900">
-              <a:buFont typeface="Arial" panose="020B0604020202020204" pitchFamily="34" charset="0"/>
-              <a:buChar char="•"/>
-            </a:pPr>
-            <a:r>
-              <a:rPr lang="en-US" sz="2000" dirty="0"/>
-              <a:t>To install </a:t>
-            </a:r>
-            <a:r>
-              <a:rPr lang="en-US" sz="2400" b="1" i="1" dirty="0">
-                <a:solidFill>
-                  <a:srgbClr val="0070C0"/>
-                </a:solidFill>
-                <a:latin typeface="Consolas" panose="020B0609020204030204" pitchFamily="49" charset="0"/>
-                <a:cs typeface="Consolas" panose="020B0609020204030204" pitchFamily="49" charset="0"/>
-              </a:rPr>
-              <a:t>bottle</a:t>
-            </a:r>
-            <a:r>
-              <a:rPr lang="en-US" sz="2000" dirty="0"/>
-              <a:t>, use the following command:</a:t>
-            </a:r>
-          </a:p>
-          <a:p>
-            <a:pPr marL="342900" indent="-342900">
-              <a:buFont typeface="Arial" panose="020B0604020202020204" pitchFamily="34" charset="0"/>
-              <a:buChar char="•"/>
-            </a:pPr>
-            <a:endParaRPr lang="en-US" sz="2000" dirty="0"/>
-          </a:p>
-          <a:p>
-            <a:pPr marL="342900" indent="-342900">
-              <a:buFont typeface="Arial" panose="020B0604020202020204" pitchFamily="34" charset="0"/>
-              <a:buChar char="•"/>
-            </a:pPr>
-            <a:r>
-              <a:rPr lang="en-US" sz="2400" b="1" i="1" dirty="0" err="1">
+            <a:r>
+              <a:rPr lang="en-US" sz="2000" b="1" i="1" dirty="0">
+                <a:solidFill>
+                  <a:srgbClr val="0070C0"/>
+                </a:solidFill>
+                <a:latin typeface="Consolas" panose="020B0609020204030204" pitchFamily="49" charset="0"/>
+                <a:cs typeface="Consolas" panose="020B0609020204030204" pitchFamily="49" charset="0"/>
+              </a:rPr>
+              <a:t>$ </a:t>
+            </a:r>
+            <a:r>
+              <a:rPr lang="en-US" sz="2000" b="1" i="1" dirty="0" err="1">
                 <a:solidFill>
                   <a:srgbClr val="0070C0"/>
                 </a:solidFill>
@@ -9448,39 +9335,15 @@
               <a:t>sudo</a:t>
             </a:r>
             <a:r>
-              <a:rPr lang="en-US" sz="2400" b="1" i="1" dirty="0">
-                <a:solidFill>
-                  <a:srgbClr val="0070C0"/>
-                </a:solidFill>
-                <a:latin typeface="Consolas" panose="020B0609020204030204" pitchFamily="49" charset="0"/>
-                <a:cs typeface="Consolas" panose="020B0609020204030204" pitchFamily="49" charset="0"/>
-              </a:rPr>
-              <a:t> apt-get install python-bottle </a:t>
-            </a:r>
-          </a:p>
-          <a:p>
-            <a:pPr marL="342900" indent="-342900">
-              <a:buFont typeface="Arial" panose="020B0604020202020204" pitchFamily="34" charset="0"/>
-              <a:buChar char="•"/>
-            </a:pPr>
-            <a:endParaRPr lang="en-US" sz="2000" dirty="0"/>
-          </a:p>
-          <a:p>
-            <a:pPr marL="342900" indent="-342900">
-              <a:buFont typeface="Arial" panose="020B0604020202020204" pitchFamily="34" charset="0"/>
-              <a:buChar char="•"/>
-            </a:pPr>
-            <a:r>
-              <a:rPr lang="en-US" sz="2000" dirty="0"/>
-              <a:t>Following Figure shows the page you see if you connect to the Raspberry Pi from a browser anywhere on your network:</a:t>
-            </a:r>
-          </a:p>
-          <a:p>
-            <a:pPr marL="342900" indent="-342900">
-              <a:buFont typeface="Arial" panose="020B0604020202020204" pitchFamily="34" charset="0"/>
-              <a:buChar char="•"/>
-            </a:pPr>
-            <a:endParaRPr lang="en-US" sz="2000" dirty="0"/>
+              <a:rPr lang="en-US" sz="2000" b="1" i="1" dirty="0">
+                <a:solidFill>
+                  <a:srgbClr val="0070C0"/>
+                </a:solidFill>
+                <a:latin typeface="Consolas" panose="020B0609020204030204" pitchFamily="49" charset="0"/>
+                <a:cs typeface="Consolas" panose="020B0609020204030204" pitchFamily="49" charset="0"/>
+              </a:rPr>
+              <a:t> python bottle_test.py </a:t>
+            </a:r>
           </a:p>
           <a:p>
             <a:pPr marL="342900" indent="-342900">
@@ -9530,34 +9393,10 @@
           </a:p>
         </p:txBody>
       </p:sp>
-      <p:pic>
-        <p:nvPicPr>
-          <p:cNvPr id="3" name="Picture 2"/>
-          <p:cNvPicPr>
-            <a:picLocks noChangeAspect="1"/>
-          </p:cNvPicPr>
-          <p:nvPr/>
-        </p:nvPicPr>
-        <p:blipFill>
-          <a:blip r:embed="rId2"/>
-          <a:stretch>
-            <a:fillRect/>
-          </a:stretch>
-        </p:blipFill>
-        <p:spPr>
-          <a:xfrm>
-            <a:off x="417443" y="4270744"/>
-            <a:ext cx="11376726" cy="2493699"/>
-          </a:xfrm>
-          <a:prstGeom prst="rect">
-            <a:avLst/>
-          </a:prstGeom>
-        </p:spPr>
-      </p:pic>
     </p:spTree>
     <p:extLst>
       <p:ext uri="{BB962C8B-B14F-4D97-AF65-F5344CB8AC3E}">
-        <p14:creationId xmlns:p14="http://schemas.microsoft.com/office/powerpoint/2010/main" val="1260239124"/>
+        <p14:creationId xmlns:p14="http://schemas.microsoft.com/office/powerpoint/2010/main" val="1485092108"/>
       </p:ext>
     </p:extLst>
   </p:cSld>
@@ -9727,532 +9566,6 @@
           </a:lstStyle>
           <a:p>
             <a:r>
-              <a:rPr lang="en-US" dirty="0" err="1"/>
-              <a:t>Simple_Webserver</a:t>
-            </a:r>
-            <a:r>
-              <a:rPr lang="en-US" dirty="0"/>
-              <a:t> project</a:t>
-            </a:r>
-            <a:endParaRPr lang="en-US" b="1" i="1" dirty="0">
-              <a:solidFill>
-                <a:srgbClr val="0070C0"/>
-              </a:solidFill>
-              <a:latin typeface="Consolas" panose="020B0609020204030204" pitchFamily="49" charset="0"/>
-              <a:cs typeface="Consolas" panose="020B0609020204030204" pitchFamily="49" charset="0"/>
-            </a:endParaRPr>
-          </a:p>
-        </p:txBody>
-      </p:sp>
-      <p:sp>
-        <p:nvSpPr>
-          <p:cNvPr id="2" name="TextBox 1"/>
-          <p:cNvSpPr txBox="1"/>
-          <p:nvPr/>
-        </p:nvSpPr>
-        <p:spPr>
-          <a:xfrm>
-            <a:off x="417443" y="857743"/>
-            <a:ext cx="11357113" cy="5324535"/>
-          </a:xfrm>
-          <a:prstGeom prst="rect">
-            <a:avLst/>
-          </a:prstGeom>
-          <a:noFill/>
-        </p:spPr>
-        <p:txBody>
-          <a:bodyPr wrap="square" rtlCol="0">
-            <a:spAutoFit/>
-          </a:bodyPr>
-          <a:lstStyle/>
-          <a:p>
-            <a:r>
-              <a:rPr lang="en-US" sz="2000" b="1" i="1" dirty="0">
-                <a:solidFill>
-                  <a:srgbClr val="0070C0"/>
-                </a:solidFill>
-                <a:latin typeface="Consolas" panose="020B0609020204030204" pitchFamily="49" charset="0"/>
-                <a:cs typeface="Consolas" panose="020B0609020204030204" pitchFamily="49" charset="0"/>
-              </a:rPr>
-              <a:t>from bottle import </a:t>
-            </a:r>
-            <a:r>
-              <a:rPr lang="en-US" sz="2000" b="1" i="1" dirty="0" err="1">
-                <a:solidFill>
-                  <a:srgbClr val="0070C0"/>
-                </a:solidFill>
-                <a:latin typeface="Consolas" panose="020B0609020204030204" pitchFamily="49" charset="0"/>
-                <a:cs typeface="Consolas" panose="020B0609020204030204" pitchFamily="49" charset="0"/>
-              </a:rPr>
-              <a:t>route,run,template</a:t>
-            </a:r>
-            <a:endParaRPr lang="en-US" sz="2000" b="1" i="1" dirty="0">
-              <a:solidFill>
-                <a:srgbClr val="0070C0"/>
-              </a:solidFill>
-              <a:latin typeface="Consolas" panose="020B0609020204030204" pitchFamily="49" charset="0"/>
-              <a:cs typeface="Consolas" panose="020B0609020204030204" pitchFamily="49" charset="0"/>
-            </a:endParaRPr>
-          </a:p>
-          <a:p>
-            <a:r>
-              <a:rPr lang="en-US" sz="2000" b="1" i="1" dirty="0">
-                <a:solidFill>
-                  <a:srgbClr val="0070C0"/>
-                </a:solidFill>
-                <a:latin typeface="Consolas" panose="020B0609020204030204" pitchFamily="49" charset="0"/>
-                <a:cs typeface="Consolas" panose="020B0609020204030204" pitchFamily="49" charset="0"/>
-              </a:rPr>
-              <a:t>from datetime import datetime</a:t>
-            </a:r>
-          </a:p>
-          <a:p>
-            <a:endParaRPr lang="en-US" sz="2000" b="1" i="1" dirty="0">
-              <a:solidFill>
-                <a:srgbClr val="0070C0"/>
-              </a:solidFill>
-              <a:latin typeface="Consolas" panose="020B0609020204030204" pitchFamily="49" charset="0"/>
-              <a:cs typeface="Consolas" panose="020B0609020204030204" pitchFamily="49" charset="0"/>
-            </a:endParaRPr>
-          </a:p>
-          <a:p>
-            <a:r>
-              <a:rPr lang="en-US" sz="2000" b="1" i="1" dirty="0">
-                <a:solidFill>
-                  <a:srgbClr val="0070C0"/>
-                </a:solidFill>
-                <a:latin typeface="Consolas" panose="020B0609020204030204" pitchFamily="49" charset="0"/>
-                <a:cs typeface="Consolas" panose="020B0609020204030204" pitchFamily="49" charset="0"/>
-              </a:rPr>
-              <a:t>@route('/') </a:t>
-            </a:r>
-          </a:p>
-          <a:p>
-            <a:r>
-              <a:rPr lang="en-US" sz="2000" b="1" i="1" dirty="0">
-                <a:solidFill>
-                  <a:srgbClr val="0070C0"/>
-                </a:solidFill>
-                <a:latin typeface="Consolas" panose="020B0609020204030204" pitchFamily="49" charset="0"/>
-                <a:cs typeface="Consolas" panose="020B0609020204030204" pitchFamily="49" charset="0"/>
-              </a:rPr>
-              <a:t>def index():    </a:t>
-            </a:r>
-          </a:p>
-          <a:p>
-            <a:r>
-              <a:rPr lang="en-US" sz="2000" b="1" i="1" dirty="0">
-                <a:solidFill>
-                  <a:srgbClr val="0070C0"/>
-                </a:solidFill>
-                <a:latin typeface="Consolas" panose="020B0609020204030204" pitchFamily="49" charset="0"/>
-                <a:cs typeface="Consolas" panose="020B0609020204030204" pitchFamily="49" charset="0"/>
-              </a:rPr>
-              <a:t>    </a:t>
-            </a:r>
-            <a:r>
-              <a:rPr lang="en-US" sz="2000" b="1" i="1" dirty="0" err="1">
-                <a:solidFill>
-                  <a:srgbClr val="0070C0"/>
-                </a:solidFill>
-                <a:latin typeface="Consolas" panose="020B0609020204030204" pitchFamily="49" charset="0"/>
-                <a:cs typeface="Consolas" panose="020B0609020204030204" pitchFamily="49" charset="0"/>
-              </a:rPr>
-              <a:t>dt</a:t>
-            </a:r>
-            <a:r>
-              <a:rPr lang="en-US" sz="2000" b="1" i="1" dirty="0">
-                <a:solidFill>
-                  <a:srgbClr val="0070C0"/>
-                </a:solidFill>
-                <a:latin typeface="Consolas" panose="020B0609020204030204" pitchFamily="49" charset="0"/>
-                <a:cs typeface="Consolas" panose="020B0609020204030204" pitchFamily="49" charset="0"/>
-              </a:rPr>
-              <a:t> = </a:t>
-            </a:r>
-            <a:r>
-              <a:rPr lang="en-US" sz="2000" b="1" i="1" dirty="0" err="1">
-                <a:solidFill>
-                  <a:srgbClr val="0070C0"/>
-                </a:solidFill>
-                <a:latin typeface="Consolas" panose="020B0609020204030204" pitchFamily="49" charset="0"/>
-                <a:cs typeface="Consolas" panose="020B0609020204030204" pitchFamily="49" charset="0"/>
-              </a:rPr>
-              <a:t>datetime.now</a:t>
-            </a:r>
-            <a:r>
-              <a:rPr lang="en-US" sz="2000" b="1" i="1" dirty="0">
-                <a:solidFill>
-                  <a:srgbClr val="0070C0"/>
-                </a:solidFill>
-                <a:latin typeface="Consolas" panose="020B0609020204030204" pitchFamily="49" charset="0"/>
-                <a:cs typeface="Consolas" panose="020B0609020204030204" pitchFamily="49" charset="0"/>
-              </a:rPr>
-              <a:t>()    </a:t>
-            </a:r>
-          </a:p>
-          <a:p>
-            <a:r>
-              <a:rPr lang="en-US" sz="2000" b="1" i="1" dirty="0">
-                <a:solidFill>
-                  <a:srgbClr val="0070C0"/>
-                </a:solidFill>
-                <a:latin typeface="Consolas" panose="020B0609020204030204" pitchFamily="49" charset="0"/>
-                <a:cs typeface="Consolas" panose="020B0609020204030204" pitchFamily="49" charset="0"/>
-              </a:rPr>
-              <a:t>    time = "{:%Y-%m-%d %H:%M:%S}".format(</a:t>
-            </a:r>
-            <a:r>
-              <a:rPr lang="en-US" sz="2000" b="1" i="1" dirty="0" err="1">
-                <a:solidFill>
-                  <a:srgbClr val="0070C0"/>
-                </a:solidFill>
-                <a:latin typeface="Consolas" panose="020B0609020204030204" pitchFamily="49" charset="0"/>
-                <a:cs typeface="Consolas" panose="020B0609020204030204" pitchFamily="49" charset="0"/>
-              </a:rPr>
-              <a:t>dt</a:t>
-            </a:r>
-            <a:r>
-              <a:rPr lang="en-US" sz="2000" b="1" i="1" dirty="0">
-                <a:solidFill>
-                  <a:srgbClr val="0070C0"/>
-                </a:solidFill>
-                <a:latin typeface="Consolas" panose="020B0609020204030204" pitchFamily="49" charset="0"/>
-                <a:cs typeface="Consolas" panose="020B0609020204030204" pitchFamily="49" charset="0"/>
-              </a:rPr>
-              <a:t>)    </a:t>
-            </a:r>
-          </a:p>
-          <a:p>
-            <a:r>
-              <a:rPr lang="en-US" sz="2000" b="1" i="1" dirty="0">
-                <a:solidFill>
-                  <a:srgbClr val="0070C0"/>
-                </a:solidFill>
-                <a:latin typeface="Consolas" panose="020B0609020204030204" pitchFamily="49" charset="0"/>
-                <a:cs typeface="Consolas" panose="020B0609020204030204" pitchFamily="49" charset="0"/>
-              </a:rPr>
-              <a:t>    return template('&lt;b&gt;Pi thinks the date/time is: {{t}}&lt;/b&gt;',t=time)</a:t>
-            </a:r>
-          </a:p>
-          <a:p>
-            <a:endParaRPr lang="en-US" sz="2000" b="1" i="1" dirty="0">
-              <a:solidFill>
-                <a:srgbClr val="0070C0"/>
-              </a:solidFill>
-              <a:latin typeface="Consolas" panose="020B0609020204030204" pitchFamily="49" charset="0"/>
-              <a:cs typeface="Consolas" panose="020B0609020204030204" pitchFamily="49" charset="0"/>
-            </a:endParaRPr>
-          </a:p>
-          <a:p>
-            <a:r>
-              <a:rPr lang="en-US" sz="2000" b="1" i="1" dirty="0">
-                <a:solidFill>
-                  <a:srgbClr val="0070C0"/>
-                </a:solidFill>
-                <a:latin typeface="Consolas" panose="020B0609020204030204" pitchFamily="49" charset="0"/>
-                <a:cs typeface="Consolas" panose="020B0609020204030204" pitchFamily="49" charset="0"/>
-              </a:rPr>
-              <a:t>run(host='192.168.43.189', port=90)</a:t>
-            </a:r>
-          </a:p>
-          <a:p>
-            <a:endParaRPr lang="en-US" sz="2000" b="1" i="1" dirty="0">
-              <a:solidFill>
-                <a:srgbClr val="0070C0"/>
-              </a:solidFill>
-              <a:latin typeface="Consolas" panose="020B0609020204030204" pitchFamily="49" charset="0"/>
-              <a:cs typeface="Consolas" panose="020B0609020204030204" pitchFamily="49" charset="0"/>
-            </a:endParaRPr>
-          </a:p>
-          <a:p>
-            <a:endParaRPr lang="en-US" sz="2000" b="1" i="1" dirty="0">
-              <a:solidFill>
-                <a:srgbClr val="0070C0"/>
-              </a:solidFill>
-              <a:latin typeface="Consolas" panose="020B0609020204030204" pitchFamily="49" charset="0"/>
-              <a:cs typeface="Consolas" panose="020B0609020204030204" pitchFamily="49" charset="0"/>
-            </a:endParaRPr>
-          </a:p>
-          <a:p>
-            <a:endParaRPr lang="en-US" sz="2000" b="1" i="1" dirty="0">
-              <a:solidFill>
-                <a:srgbClr val="0070C0"/>
-              </a:solidFill>
-              <a:latin typeface="Consolas" panose="020B0609020204030204" pitchFamily="49" charset="0"/>
-              <a:cs typeface="Consolas" panose="020B0609020204030204" pitchFamily="49" charset="0"/>
-            </a:endParaRPr>
-          </a:p>
-          <a:p>
-            <a:r>
-              <a:rPr lang="en-US" sz="2000" dirty="0"/>
-              <a:t>To start the program, you need to run it with </a:t>
-            </a:r>
-            <a:r>
-              <a:rPr lang="en-US" sz="2000" dirty="0" err="1"/>
-              <a:t>superuser</a:t>
-            </a:r>
-            <a:r>
-              <a:rPr lang="en-US" sz="2000" dirty="0"/>
-              <a:t> privileges:</a:t>
-            </a:r>
-          </a:p>
-          <a:p>
-            <a:endParaRPr lang="en-US" sz="2000" dirty="0"/>
-          </a:p>
-          <a:p>
-            <a:r>
-              <a:rPr lang="en-US" sz="2000" b="1" i="1" dirty="0">
-                <a:solidFill>
-                  <a:srgbClr val="0070C0"/>
-                </a:solidFill>
-                <a:latin typeface="Consolas" panose="020B0609020204030204" pitchFamily="49" charset="0"/>
-                <a:cs typeface="Consolas" panose="020B0609020204030204" pitchFamily="49" charset="0"/>
-              </a:rPr>
-              <a:t>$ </a:t>
-            </a:r>
-            <a:r>
-              <a:rPr lang="en-US" sz="2000" b="1" i="1" dirty="0" err="1">
-                <a:solidFill>
-                  <a:srgbClr val="0070C0"/>
-                </a:solidFill>
-                <a:latin typeface="Consolas" panose="020B0609020204030204" pitchFamily="49" charset="0"/>
-                <a:cs typeface="Consolas" panose="020B0609020204030204" pitchFamily="49" charset="0"/>
-              </a:rPr>
-              <a:t>sudo</a:t>
-            </a:r>
-            <a:r>
-              <a:rPr lang="en-US" sz="2000" b="1" i="1" dirty="0">
-                <a:solidFill>
-                  <a:srgbClr val="0070C0"/>
-                </a:solidFill>
-                <a:latin typeface="Consolas" panose="020B0609020204030204" pitchFamily="49" charset="0"/>
-                <a:cs typeface="Consolas" panose="020B0609020204030204" pitchFamily="49" charset="0"/>
-              </a:rPr>
-              <a:t> python bottle_test.py </a:t>
-            </a:r>
-          </a:p>
-          <a:p>
-            <a:pPr marL="342900" indent="-342900">
-              <a:buFont typeface="Arial" panose="020B0604020202020204" pitchFamily="34" charset="0"/>
-              <a:buChar char="•"/>
-            </a:pPr>
-            <a:endParaRPr lang="en-US" sz="2000" dirty="0"/>
-          </a:p>
-        </p:txBody>
-      </p:sp>
-      <p:sp>
-        <p:nvSpPr>
-          <p:cNvPr id="5" name="AutoShape 2" descr="http://raspberry.piaustralia.com.au/product-images/piwithbox.jpg"/>
-          <p:cNvSpPr>
-            <a:spLocks noChangeAspect="1" noChangeArrowheads="1"/>
-          </p:cNvSpPr>
-          <p:nvPr/>
-        </p:nvSpPr>
-        <p:spPr bwMode="auto">
-          <a:xfrm>
-            <a:off x="63500" y="-136525"/>
-            <a:ext cx="9772650" cy="6343650"/>
-          </a:xfrm>
-          <a:prstGeom prst="rect">
-            <a:avLst/>
-          </a:prstGeom>
-          <a:noFill/>
-          <a:extLst>
-            <a:ext uri="{909E8E84-426E-40DD-AFC4-6F175D3DCCD1}">
-              <a14:hiddenFill xmlns:a14="http://schemas.microsoft.com/office/drawing/2010/main">
-                <a:solidFill>
-                  <a:srgbClr val="FFFFFF"/>
-                </a:solidFill>
-              </a14:hiddenFill>
-            </a:ext>
-          </a:extLst>
-        </p:spPr>
-        <p:txBody>
-          <a:bodyPr vert="horz" wrap="square" lIns="91440" tIns="45720" rIns="91440" bIns="45720" numCol="1" anchor="t" anchorCtr="0" compatLnSpc="1">
-            <a:prstTxWarp prst="textNoShape">
-              <a:avLst/>
-            </a:prstTxWarp>
-          </a:bodyPr>
-          <a:lstStyle/>
-          <a:p>
-            <a:endParaRPr lang="en-US"/>
-          </a:p>
-        </p:txBody>
-      </p:sp>
-    </p:spTree>
-    <p:extLst>
-      <p:ext uri="{BB962C8B-B14F-4D97-AF65-F5344CB8AC3E}">
-        <p14:creationId xmlns:p14="http://schemas.microsoft.com/office/powerpoint/2010/main" val="1485092108"/>
-      </p:ext>
-    </p:extLst>
-  </p:cSld>
-  <p:clrMapOvr>
-    <a:masterClrMapping/>
-  </p:clrMapOvr>
-  <p:timing>
-    <p:tnLst>
-      <p:par>
-        <p:cTn id="1" dur="indefinite" restart="never" nodeType="tmRoot"/>
-      </p:par>
-    </p:tnLst>
-  </p:timing>
-</p:sld>
-</file>
-
-<file path=ppt/slides/slide23.xml><?xml version="1.0" encoding="utf-8"?>
-<p:sld xmlns:a="http://schemas.openxmlformats.org/drawingml/2006/main" xmlns:r="http://schemas.openxmlformats.org/officeDocument/2006/relationships" xmlns:p="http://schemas.openxmlformats.org/presentationml/2006/main">
-  <p:cSld>
-    <p:spTree>
-      <p:nvGrpSpPr>
-        <p:cNvPr id="1" name=""/>
-        <p:cNvGrpSpPr/>
-        <p:nvPr/>
-      </p:nvGrpSpPr>
-      <p:grpSpPr>
-        <a:xfrm>
-          <a:off x="0" y="0"/>
-          <a:ext cx="0" cy="0"/>
-          <a:chOff x="0" y="0"/>
-          <a:chExt cx="0" cy="0"/>
-        </a:xfrm>
-      </p:grpSpPr>
-      <p:sp>
-        <p:nvSpPr>
-          <p:cNvPr id="4" name="Title 1"/>
-          <p:cNvSpPr txBox="1">
-            <a:spLocks/>
-          </p:cNvSpPr>
-          <p:nvPr/>
-        </p:nvSpPr>
-        <p:spPr>
-          <a:xfrm>
-            <a:off x="0" y="1"/>
-            <a:ext cx="12192000" cy="721216"/>
-          </a:xfrm>
-          <a:prstGeom prst="rect">
-            <a:avLst/>
-          </a:prstGeom>
-        </p:spPr>
-        <p:style>
-          <a:lnRef idx="0">
-            <a:schemeClr val="accent1"/>
-          </a:lnRef>
-          <a:fillRef idx="3">
-            <a:schemeClr val="accent1"/>
-          </a:fillRef>
-          <a:effectRef idx="3">
-            <a:schemeClr val="accent1"/>
-          </a:effectRef>
-          <a:fontRef idx="minor">
-            <a:schemeClr val="lt1"/>
-          </a:fontRef>
-        </p:style>
-        <p:txBody>
-          <a:bodyPr vert="horz" lIns="91440" tIns="45720" rIns="91440" bIns="45720" rtlCol="0" anchor="ctr">
-            <a:normAutofit/>
-          </a:bodyPr>
-          <a:lstStyle>
-            <a:lvl1pPr algn="l" defTabSz="914400" rtl="0" eaLnBrk="1" latinLnBrk="0" hangingPunct="1">
-              <a:lnSpc>
-                <a:spcPct val="90000"/>
-              </a:lnSpc>
-              <a:spcBef>
-                <a:spcPct val="0"/>
-              </a:spcBef>
-              <a:buNone/>
-              <a:defRPr sz="4400" kern="1200">
-                <a:solidFill>
-                  <a:schemeClr val="lt1"/>
-                </a:solidFill>
-                <a:latin typeface="+mn-lt"/>
-                <a:ea typeface="+mn-ea"/>
-                <a:cs typeface="+mn-cs"/>
-              </a:defRPr>
-            </a:lvl1pPr>
-            <a:lvl2pPr>
-              <a:defRPr>
-                <a:solidFill>
-                  <a:schemeClr val="lt1"/>
-                </a:solidFill>
-                <a:latin typeface="+mn-lt"/>
-                <a:ea typeface="+mn-ea"/>
-                <a:cs typeface="+mn-cs"/>
-              </a:defRPr>
-            </a:lvl2pPr>
-            <a:lvl3pPr>
-              <a:defRPr>
-                <a:solidFill>
-                  <a:schemeClr val="lt1"/>
-                </a:solidFill>
-                <a:latin typeface="+mn-lt"/>
-                <a:ea typeface="+mn-ea"/>
-                <a:cs typeface="+mn-cs"/>
-              </a:defRPr>
-            </a:lvl3pPr>
-            <a:lvl4pPr>
-              <a:defRPr>
-                <a:solidFill>
-                  <a:schemeClr val="lt1"/>
-                </a:solidFill>
-                <a:latin typeface="+mn-lt"/>
-                <a:ea typeface="+mn-ea"/>
-                <a:cs typeface="+mn-cs"/>
-              </a:defRPr>
-            </a:lvl4pPr>
-            <a:lvl5pPr>
-              <a:defRPr>
-                <a:solidFill>
-                  <a:schemeClr val="lt1"/>
-                </a:solidFill>
-                <a:latin typeface="+mn-lt"/>
-                <a:ea typeface="+mn-ea"/>
-                <a:cs typeface="+mn-cs"/>
-              </a:defRPr>
-            </a:lvl5pPr>
-            <a:lvl6pPr>
-              <a:defRPr>
-                <a:solidFill>
-                  <a:schemeClr val="lt1"/>
-                </a:solidFill>
-                <a:latin typeface="+mn-lt"/>
-                <a:ea typeface="+mn-ea"/>
-                <a:cs typeface="+mn-cs"/>
-              </a:defRPr>
-            </a:lvl6pPr>
-            <a:lvl7pPr>
-              <a:defRPr>
-                <a:solidFill>
-                  <a:schemeClr val="lt1"/>
-                </a:solidFill>
-                <a:latin typeface="+mn-lt"/>
-                <a:ea typeface="+mn-ea"/>
-                <a:cs typeface="+mn-cs"/>
-              </a:defRPr>
-            </a:lvl7pPr>
-            <a:lvl8pPr>
-              <a:defRPr>
-                <a:solidFill>
-                  <a:schemeClr val="lt1"/>
-                </a:solidFill>
-                <a:latin typeface="+mn-lt"/>
-                <a:ea typeface="+mn-ea"/>
-                <a:cs typeface="+mn-cs"/>
-              </a:defRPr>
-            </a:lvl8pPr>
-            <a:lvl9pPr>
-              <a:defRPr>
-                <a:solidFill>
-                  <a:schemeClr val="lt1"/>
-                </a:solidFill>
-                <a:latin typeface="+mn-lt"/>
-                <a:ea typeface="+mn-ea"/>
-                <a:cs typeface="+mn-cs"/>
-              </a:defRPr>
-            </a:lvl9pPr>
-          </a:lstStyle>
-          <a:p>
-            <a:r>
               <a:rPr lang="en-US" dirty="0"/>
               <a:t>Writing a Simple Web Server in Python </a:t>
             </a:r>
@@ -10493,7 +9806,7 @@
 </p:sld>
 </file>
 
-<file path=ppt/slides/slide24.xml><?xml version="1.0" encoding="utf-8"?>
+<file path=ppt/slides/slide23.xml><?xml version="1.0" encoding="utf-8"?>
 <p:sld xmlns:a="http://schemas.openxmlformats.org/drawingml/2006/main" xmlns:r="http://schemas.openxmlformats.org/officeDocument/2006/relationships" xmlns:p="http://schemas.openxmlformats.org/presentationml/2006/main">
   <p:cSld>
     <p:spTree>
@@ -12193,7 +11506,7 @@
           <a:p>
             <a:r>
               <a:rPr lang="en-US" dirty="0"/>
-              <a:t>Returning More Than One Value </a:t>
+              <a:t>Defining a Class</a:t>
             </a:r>
             <a:endParaRPr lang="en-US" b="1" i="1" dirty="0">
               <a:solidFill>
@@ -12233,24 +11546,7 @@
             </a:pPr>
             <a:r>
               <a:rPr lang="en-US" sz="2000" dirty="0"/>
-              <a:t>You need to write a function that returns more than one value. </a:t>
-            </a:r>
-          </a:p>
-          <a:p>
-            <a:pPr marL="342900" indent="-342900">
-              <a:buFont typeface="Arial" panose="020B0604020202020204" pitchFamily="34" charset="0"/>
-              <a:buChar char="•"/>
-            </a:pPr>
-            <a:endParaRPr lang="en-US" sz="2000" dirty="0"/>
-          </a:p>
-          <a:p>
-            <a:pPr marL="342900" indent="-342900">
-              <a:buFont typeface="Arial" panose="020B0604020202020204" pitchFamily="34" charset="0"/>
-              <a:buChar char="•"/>
-            </a:pPr>
-            <a:r>
-              <a:rPr lang="en-US" sz="2000" dirty="0"/>
-              <a:t>Return a Python </a:t>
+              <a:t>You need to group together related data and functionality into a </a:t>
             </a:r>
             <a:r>
               <a:rPr lang="en-US" sz="2000" i="1" dirty="0">
@@ -12262,11 +11558,7 @@
                   </a:outerShdw>
                 </a:effectLst>
               </a:rPr>
-              <a:t>tuple</a:t>
-            </a:r>
-            <a:r>
-              <a:rPr lang="en-US" sz="2000" dirty="0"/>
-              <a:t> and use the multiple variable assignment syntax. </a:t>
+              <a:t>class.</a:t>
             </a:r>
           </a:p>
           <a:p>
@@ -12293,59 +11585,171 @@
             <a:endParaRPr lang="en-US" sz="2000" dirty="0"/>
           </a:p>
           <a:p>
+            <a:pPr lvl="1"/>
+            <a:r>
+              <a:rPr lang="en-US" sz="2000" b="1" i="1" dirty="0">
+                <a:solidFill>
+                  <a:srgbClr val="0070C0"/>
+                </a:solidFill>
+                <a:latin typeface="Consolas" panose="020B0609020204030204" pitchFamily="49" charset="0"/>
+                <a:cs typeface="Consolas" panose="020B0609020204030204" pitchFamily="49" charset="0"/>
+              </a:rPr>
+              <a:t>class Person:    </a:t>
+            </a:r>
+          </a:p>
+          <a:p>
+            <a:pPr lvl="1"/>
+            <a:r>
+              <a:rPr lang="en-US" sz="2000" b="1" i="1" dirty="0">
+                <a:solidFill>
+                  <a:srgbClr val="0070C0"/>
+                </a:solidFill>
+                <a:latin typeface="Consolas" panose="020B0609020204030204" pitchFamily="49" charset="0"/>
+                <a:cs typeface="Consolas" panose="020B0609020204030204" pitchFamily="49" charset="0"/>
+              </a:rPr>
+              <a:t>	'''This class represents a person object'''</a:t>
+            </a:r>
+          </a:p>
+          <a:p>
+            <a:pPr lvl="1"/>
+            <a:r>
+              <a:rPr lang="en-US" sz="2000" b="1" i="1" dirty="0">
+                <a:solidFill>
+                  <a:srgbClr val="0070C0"/>
+                </a:solidFill>
+                <a:latin typeface="Consolas" panose="020B0609020204030204" pitchFamily="49" charset="0"/>
+                <a:cs typeface="Consolas" panose="020B0609020204030204" pitchFamily="49" charset="0"/>
+              </a:rPr>
+              <a:t>    </a:t>
+            </a:r>
+          </a:p>
+          <a:p>
+            <a:pPr lvl="2"/>
+            <a:r>
+              <a:rPr lang="en-US" sz="2000" b="1" i="1" dirty="0" err="1">
+                <a:solidFill>
+                  <a:srgbClr val="0070C0"/>
+                </a:solidFill>
+                <a:latin typeface="Consolas" panose="020B0609020204030204" pitchFamily="49" charset="0"/>
+                <a:cs typeface="Consolas" panose="020B0609020204030204" pitchFamily="49" charset="0"/>
+              </a:rPr>
+              <a:t>def</a:t>
+            </a:r>
+            <a:r>
+              <a:rPr lang="en-US" sz="2000" b="1" i="1" dirty="0">
+                <a:solidFill>
+                  <a:srgbClr val="0070C0"/>
+                </a:solidFill>
+                <a:latin typeface="Consolas" panose="020B0609020204030204" pitchFamily="49" charset="0"/>
+                <a:cs typeface="Consolas" panose="020B0609020204030204" pitchFamily="49" charset="0"/>
+              </a:rPr>
+              <a:t> __</a:t>
+            </a:r>
+            <a:r>
+              <a:rPr lang="en-US" sz="2000" b="1" i="1" dirty="0" err="1">
+                <a:solidFill>
+                  <a:srgbClr val="0070C0"/>
+                </a:solidFill>
+                <a:latin typeface="Consolas" panose="020B0609020204030204" pitchFamily="49" charset="0"/>
+                <a:cs typeface="Consolas" panose="020B0609020204030204" pitchFamily="49" charset="0"/>
+              </a:rPr>
+              <a:t>init</a:t>
+            </a:r>
+            <a:r>
+              <a:rPr lang="en-US" sz="2000" b="1" i="1" dirty="0">
+                <a:solidFill>
+                  <a:srgbClr val="0070C0"/>
+                </a:solidFill>
+                <a:latin typeface="Consolas" panose="020B0609020204030204" pitchFamily="49" charset="0"/>
+                <a:cs typeface="Consolas" panose="020B0609020204030204" pitchFamily="49" charset="0"/>
+              </a:rPr>
+              <a:t>__(self, name, </a:t>
+            </a:r>
+            <a:r>
+              <a:rPr lang="en-US" sz="2000" b="1" i="1" dirty="0" err="1">
+                <a:solidFill>
+                  <a:srgbClr val="0070C0"/>
+                </a:solidFill>
+                <a:latin typeface="Consolas" panose="020B0609020204030204" pitchFamily="49" charset="0"/>
+                <a:cs typeface="Consolas" panose="020B0609020204030204" pitchFamily="49" charset="0"/>
+              </a:rPr>
+              <a:t>tel</a:t>
+            </a:r>
+            <a:r>
+              <a:rPr lang="en-US" sz="2000" b="1" i="1" dirty="0">
+                <a:solidFill>
+                  <a:srgbClr val="0070C0"/>
+                </a:solidFill>
+                <a:latin typeface="Consolas" panose="020B0609020204030204" pitchFamily="49" charset="0"/>
+                <a:cs typeface="Consolas" panose="020B0609020204030204" pitchFamily="49" charset="0"/>
+              </a:rPr>
+              <a:t>):        </a:t>
+            </a:r>
+          </a:p>
+          <a:p>
+            <a:pPr lvl="3"/>
+            <a:r>
+              <a:rPr lang="en-US" sz="2000" b="1" i="1" dirty="0">
+                <a:solidFill>
+                  <a:srgbClr val="0070C0"/>
+                </a:solidFill>
+                <a:latin typeface="Consolas" panose="020B0609020204030204" pitchFamily="49" charset="0"/>
+                <a:cs typeface="Consolas" panose="020B0609020204030204" pitchFamily="49" charset="0"/>
+              </a:rPr>
+              <a:t>self.name = name        </a:t>
+            </a:r>
+          </a:p>
+          <a:p>
+            <a:pPr lvl="3"/>
+            <a:r>
+              <a:rPr lang="en-US" sz="2000" b="1" i="1" dirty="0">
+                <a:solidFill>
+                  <a:srgbClr val="0070C0"/>
+                </a:solidFill>
+                <a:latin typeface="Consolas" panose="020B0609020204030204" pitchFamily="49" charset="0"/>
+                <a:cs typeface="Consolas" panose="020B0609020204030204" pitchFamily="49" charset="0"/>
+              </a:rPr>
+              <a:t>self.tel = </a:t>
+            </a:r>
+            <a:r>
+              <a:rPr lang="en-US" sz="2000" b="1" i="1" dirty="0" err="1">
+                <a:solidFill>
+                  <a:srgbClr val="0070C0"/>
+                </a:solidFill>
+                <a:latin typeface="Consolas" panose="020B0609020204030204" pitchFamily="49" charset="0"/>
+                <a:cs typeface="Consolas" panose="020B0609020204030204" pitchFamily="49" charset="0"/>
+              </a:rPr>
+              <a:t>tel</a:t>
+            </a:r>
+            <a:r>
+              <a:rPr lang="en-US" sz="2000" b="1" i="1" dirty="0">
+                <a:solidFill>
+                  <a:srgbClr val="0070C0"/>
+                </a:solidFill>
+                <a:latin typeface="Consolas" panose="020B0609020204030204" pitchFamily="49" charset="0"/>
+                <a:cs typeface="Consolas" panose="020B0609020204030204" pitchFamily="49" charset="0"/>
+              </a:rPr>
+              <a:t> </a:t>
+            </a:r>
+          </a:p>
+          <a:p>
+            <a:pPr lvl="3"/>
+            <a:endParaRPr lang="en-US" sz="2000" b="1" i="1" dirty="0">
+              <a:solidFill>
+                <a:srgbClr val="0070C0"/>
+              </a:solidFill>
+              <a:latin typeface="Consolas" panose="020B0609020204030204" pitchFamily="49" charset="0"/>
+              <a:cs typeface="Consolas" panose="020B0609020204030204" pitchFamily="49" charset="0"/>
+            </a:endParaRPr>
+          </a:p>
+          <a:p>
             <a:pPr marL="342900" indent="-342900">
               <a:buFont typeface="Arial" panose="020B0604020202020204" pitchFamily="34" charset="0"/>
               <a:buChar char="•"/>
             </a:pPr>
             <a:r>
-              <a:rPr lang="en-US" sz="2000" b="1" i="1" dirty="0">
-                <a:solidFill>
-                  <a:srgbClr val="0070C0"/>
-                </a:solidFill>
-                <a:latin typeface="Consolas" panose="020B0609020204030204" pitchFamily="49" charset="0"/>
-                <a:cs typeface="Consolas" panose="020B0609020204030204" pitchFamily="49" charset="0"/>
-              </a:rPr>
-              <a:t>&gt;&gt;&gt; </a:t>
-            </a:r>
-            <a:r>
-              <a:rPr lang="en-US" sz="2000" b="1" i="1" dirty="0" err="1">
-                <a:solidFill>
-                  <a:srgbClr val="0070C0"/>
-                </a:solidFill>
-                <a:latin typeface="Consolas" panose="020B0609020204030204" pitchFamily="49" charset="0"/>
-                <a:cs typeface="Consolas" panose="020B0609020204030204" pitchFamily="49" charset="0"/>
-              </a:rPr>
-              <a:t>def</a:t>
-            </a:r>
-            <a:r>
-              <a:rPr lang="en-US" sz="2000" b="1" i="1" dirty="0">
-                <a:solidFill>
-                  <a:srgbClr val="0070C0"/>
-                </a:solidFill>
-                <a:latin typeface="Consolas" panose="020B0609020204030204" pitchFamily="49" charset="0"/>
-                <a:cs typeface="Consolas" panose="020B0609020204030204" pitchFamily="49" charset="0"/>
-              </a:rPr>
-              <a:t> </a:t>
-            </a:r>
-            <a:r>
-              <a:rPr lang="en-US" sz="2000" b="1" i="1" dirty="0" err="1">
-                <a:solidFill>
-                  <a:srgbClr val="0070C0"/>
-                </a:solidFill>
-                <a:latin typeface="Consolas" panose="020B0609020204030204" pitchFamily="49" charset="0"/>
-                <a:cs typeface="Consolas" panose="020B0609020204030204" pitchFamily="49" charset="0"/>
-              </a:rPr>
-              <a:t>calculate_temperatures</a:t>
-            </a:r>
-            <a:r>
-              <a:rPr lang="en-US" sz="2000" b="1" i="1" dirty="0">
-                <a:solidFill>
-                  <a:srgbClr val="0070C0"/>
-                </a:solidFill>
-                <a:latin typeface="Consolas" panose="020B0609020204030204" pitchFamily="49" charset="0"/>
-                <a:cs typeface="Consolas" panose="020B0609020204030204" pitchFamily="49" charset="0"/>
-              </a:rPr>
-              <a:t>(kelvin): </a:t>
+              <a:rPr lang="en-US" sz="2000" dirty="0"/>
+              <a:t>The first line inside the class definition uses the triple, single, or double quotes to denote a documentation string. This should explain the purpose of the class. Although entirely optional, adding a documentation string to a class allows others to see what the class does. This is particularly useful if the class is made available for others to use. </a:t>
             </a:r>
           </a:p>
           <a:p>
@@ -12353,36 +11757,7 @@
               <a:buFont typeface="Arial" panose="020B0604020202020204" pitchFamily="34" charset="0"/>
               <a:buChar char="•"/>
             </a:pPr>
-            <a:r>
-              <a:rPr lang="en-US" sz="2000" b="1" i="1" dirty="0">
-                <a:solidFill>
-                  <a:srgbClr val="0070C0"/>
-                </a:solidFill>
-                <a:latin typeface="Consolas" panose="020B0609020204030204" pitchFamily="49" charset="0"/>
-                <a:cs typeface="Consolas" panose="020B0609020204030204" pitchFamily="49" charset="0"/>
-              </a:rPr>
-              <a:t>...     </a:t>
-            </a:r>
-            <a:r>
-              <a:rPr lang="en-US" sz="2000" b="1" i="1" dirty="0" err="1">
-                <a:solidFill>
-                  <a:srgbClr val="0070C0"/>
-                </a:solidFill>
-                <a:latin typeface="Consolas" panose="020B0609020204030204" pitchFamily="49" charset="0"/>
-                <a:cs typeface="Consolas" panose="020B0609020204030204" pitchFamily="49" charset="0"/>
-              </a:rPr>
-              <a:t>celsius</a:t>
-            </a:r>
-            <a:r>
-              <a:rPr lang="en-US" sz="2000" b="1" i="1" dirty="0">
-                <a:solidFill>
-                  <a:srgbClr val="0070C0"/>
-                </a:solidFill>
-                <a:latin typeface="Consolas" panose="020B0609020204030204" pitchFamily="49" charset="0"/>
-                <a:cs typeface="Consolas" panose="020B0609020204030204" pitchFamily="49" charset="0"/>
-              </a:rPr>
-              <a:t> = kelvin - 273 </a:t>
-            </a:r>
+            <a:endParaRPr lang="en-US" sz="2000" dirty="0"/>
           </a:p>
           <a:p>
             <a:pPr marL="342900" indent="-342900">
@@ -12390,15 +11765,12 @@
               <a:buChar char="•"/>
             </a:pPr>
             <a:r>
-              <a:rPr lang="en-US" sz="2000" b="1" i="1" dirty="0">
-                <a:solidFill>
-                  <a:srgbClr val="0070C0"/>
-                </a:solidFill>
-                <a:latin typeface="Consolas" panose="020B0609020204030204" pitchFamily="49" charset="0"/>
-                <a:cs typeface="Consolas" panose="020B0609020204030204" pitchFamily="49" charset="0"/>
-              </a:rPr>
-              <a:t>...     </a:t>
-            </a:r>
+              <a:rPr lang="en-US" sz="2000" dirty="0"/>
+              <a:t>Doc strings are not like normal comments because, although they are not active lines of code, they do get associated with the class, so, at any time, you can read the doc string for a class using the following command:</a:t>
+            </a:r>
+          </a:p>
+          <a:p>
+            <a:pPr lvl="1"/>
             <a:r>
               <a:rPr lang="en-US" sz="2000" b="1" i="1" dirty="0" err="1">
                 <a:solidFill>
@@ -12407,277 +11779,17 @@
                 <a:latin typeface="Consolas" panose="020B0609020204030204" pitchFamily="49" charset="0"/>
                 <a:cs typeface="Consolas" panose="020B0609020204030204" pitchFamily="49" charset="0"/>
               </a:rPr>
-              <a:t>fahrenheit</a:t>
-            </a:r>
-            <a:r>
-              <a:rPr lang="en-US" sz="2000" b="1" i="1" dirty="0">
-                <a:solidFill>
-                  <a:srgbClr val="0070C0"/>
-                </a:solidFill>
-                <a:latin typeface="Consolas" panose="020B0609020204030204" pitchFamily="49" charset="0"/>
-                <a:cs typeface="Consolas" panose="020B0609020204030204" pitchFamily="49" charset="0"/>
-              </a:rPr>
-              <a:t> = </a:t>
-            </a:r>
-            <a:r>
-              <a:rPr lang="en-US" sz="2000" b="1" i="1" dirty="0" err="1">
-                <a:solidFill>
-                  <a:srgbClr val="0070C0"/>
-                </a:solidFill>
-                <a:latin typeface="Consolas" panose="020B0609020204030204" pitchFamily="49" charset="0"/>
-                <a:cs typeface="Consolas" panose="020B0609020204030204" pitchFamily="49" charset="0"/>
-              </a:rPr>
-              <a:t>celsius</a:t>
-            </a:r>
-            <a:r>
-              <a:rPr lang="en-US" sz="2000" b="1" i="1" dirty="0">
-                <a:solidFill>
-                  <a:srgbClr val="0070C0"/>
-                </a:solidFill>
-                <a:latin typeface="Consolas" panose="020B0609020204030204" pitchFamily="49" charset="0"/>
-                <a:cs typeface="Consolas" panose="020B0609020204030204" pitchFamily="49" charset="0"/>
-              </a:rPr>
-              <a:t> * 9 / 5 + 32 </a:t>
-            </a:r>
-          </a:p>
-          <a:p>
-            <a:pPr marL="342900" indent="-342900">
-              <a:buFont typeface="Arial" panose="020B0604020202020204" pitchFamily="34" charset="0"/>
-              <a:buChar char="•"/>
-            </a:pPr>
-            <a:r>
-              <a:rPr lang="en-US" sz="2000" b="1" i="1" dirty="0">
-                <a:solidFill>
-                  <a:srgbClr val="0070C0"/>
-                </a:solidFill>
-                <a:latin typeface="Consolas" panose="020B0609020204030204" pitchFamily="49" charset="0"/>
-                <a:cs typeface="Consolas" panose="020B0609020204030204" pitchFamily="49" charset="0"/>
-              </a:rPr>
-              <a:t>...     return </a:t>
-            </a:r>
-            <a:r>
-              <a:rPr lang="en-US" sz="2000" b="1" i="1" dirty="0" err="1">
-                <a:solidFill>
-                  <a:srgbClr val="0070C0"/>
-                </a:solidFill>
-                <a:latin typeface="Consolas" panose="020B0609020204030204" pitchFamily="49" charset="0"/>
-                <a:cs typeface="Consolas" panose="020B0609020204030204" pitchFamily="49" charset="0"/>
-              </a:rPr>
-              <a:t>celsius</a:t>
-            </a:r>
-            <a:r>
-              <a:rPr lang="en-US" sz="2000" b="1" i="1" dirty="0">
-                <a:solidFill>
-                  <a:srgbClr val="0070C0"/>
-                </a:solidFill>
-                <a:latin typeface="Consolas" panose="020B0609020204030204" pitchFamily="49" charset="0"/>
-                <a:cs typeface="Consolas" panose="020B0609020204030204" pitchFamily="49" charset="0"/>
-              </a:rPr>
-              <a:t>, </a:t>
-            </a:r>
-            <a:r>
-              <a:rPr lang="en-US" sz="2000" b="1" i="1" dirty="0" err="1">
-                <a:solidFill>
-                  <a:srgbClr val="0070C0"/>
-                </a:solidFill>
-                <a:latin typeface="Consolas" panose="020B0609020204030204" pitchFamily="49" charset="0"/>
-                <a:cs typeface="Consolas" panose="020B0609020204030204" pitchFamily="49" charset="0"/>
-              </a:rPr>
-              <a:t>fahrenheit</a:t>
-            </a:r>
-            <a:r>
-              <a:rPr lang="en-US" sz="2000" b="1" i="1" dirty="0">
-                <a:solidFill>
-                  <a:srgbClr val="0070C0"/>
-                </a:solidFill>
-                <a:latin typeface="Consolas" panose="020B0609020204030204" pitchFamily="49" charset="0"/>
-                <a:cs typeface="Consolas" panose="020B0609020204030204" pitchFamily="49" charset="0"/>
-              </a:rPr>
-              <a:t> </a:t>
-            </a:r>
-          </a:p>
-          <a:p>
-            <a:pPr marL="342900" indent="-342900">
-              <a:buFont typeface="Arial" panose="020B0604020202020204" pitchFamily="34" charset="0"/>
-              <a:buChar char="•"/>
-            </a:pPr>
-            <a:r>
-              <a:rPr lang="en-US" sz="2000" b="1" i="1" dirty="0">
-                <a:solidFill>
-                  <a:srgbClr val="0070C0"/>
-                </a:solidFill>
-                <a:latin typeface="Consolas" panose="020B0609020204030204" pitchFamily="49" charset="0"/>
-                <a:cs typeface="Consolas" panose="020B0609020204030204" pitchFamily="49" charset="0"/>
-              </a:rPr>
-              <a:t>... </a:t>
-            </a:r>
-          </a:p>
-          <a:p>
-            <a:pPr marL="342900" indent="-342900">
-              <a:buFont typeface="Arial" panose="020B0604020202020204" pitchFamily="34" charset="0"/>
-              <a:buChar char="•"/>
-            </a:pPr>
-            <a:r>
-              <a:rPr lang="en-US" sz="2000" b="1" i="1" dirty="0">
-                <a:solidFill>
-                  <a:srgbClr val="0070C0"/>
-                </a:solidFill>
-                <a:latin typeface="Consolas" panose="020B0609020204030204" pitchFamily="49" charset="0"/>
-                <a:cs typeface="Consolas" panose="020B0609020204030204" pitchFamily="49" charset="0"/>
-              </a:rPr>
-              <a:t>&gt;&gt;&gt; c, f = </a:t>
-            </a:r>
-            <a:r>
-              <a:rPr lang="en-US" sz="2000" b="1" i="1" dirty="0" err="1">
-                <a:solidFill>
-                  <a:srgbClr val="0070C0"/>
-                </a:solidFill>
-                <a:latin typeface="Consolas" panose="020B0609020204030204" pitchFamily="49" charset="0"/>
-                <a:cs typeface="Consolas" panose="020B0609020204030204" pitchFamily="49" charset="0"/>
-              </a:rPr>
-              <a:t>calculate_temperatures</a:t>
-            </a:r>
-            <a:r>
-              <a:rPr lang="en-US" sz="2000" b="1" i="1" dirty="0">
-                <a:solidFill>
-                  <a:srgbClr val="0070C0"/>
-                </a:solidFill>
-                <a:latin typeface="Consolas" panose="020B0609020204030204" pitchFamily="49" charset="0"/>
-                <a:cs typeface="Consolas" panose="020B0609020204030204" pitchFamily="49" charset="0"/>
-              </a:rPr>
-              <a:t>(340) </a:t>
-            </a:r>
-          </a:p>
-          <a:p>
-            <a:pPr marL="342900" indent="-342900">
-              <a:buFont typeface="Arial" panose="020B0604020202020204" pitchFamily="34" charset="0"/>
-              <a:buChar char="•"/>
-            </a:pPr>
-            <a:r>
-              <a:rPr lang="en-US" sz="2000" b="1" i="1" dirty="0">
-                <a:solidFill>
-                  <a:srgbClr val="0070C0"/>
-                </a:solidFill>
-                <a:latin typeface="Consolas" panose="020B0609020204030204" pitchFamily="49" charset="0"/>
-                <a:cs typeface="Consolas" panose="020B0609020204030204" pitchFamily="49" charset="0"/>
-              </a:rPr>
-              <a:t>&gt;&gt;&gt; </a:t>
-            </a:r>
-          </a:p>
-          <a:p>
-            <a:pPr marL="342900" indent="-342900">
-              <a:buFont typeface="Arial" panose="020B0604020202020204" pitchFamily="34" charset="0"/>
-              <a:buChar char="•"/>
-            </a:pPr>
-            <a:r>
-              <a:rPr lang="en-US" sz="2000" b="1" i="1" dirty="0">
-                <a:solidFill>
-                  <a:srgbClr val="0070C0"/>
-                </a:solidFill>
-                <a:latin typeface="Consolas" panose="020B0609020204030204" pitchFamily="49" charset="0"/>
-                <a:cs typeface="Consolas" panose="020B0609020204030204" pitchFamily="49" charset="0"/>
-              </a:rPr>
-              <a:t>&gt;&gt;&gt; print(c) </a:t>
-            </a:r>
-          </a:p>
-          <a:p>
-            <a:pPr marL="342900" indent="-342900">
-              <a:buFont typeface="Arial" panose="020B0604020202020204" pitchFamily="34" charset="0"/>
-              <a:buChar char="•"/>
-            </a:pPr>
-            <a:r>
-              <a:rPr lang="en-US" sz="2000" b="1" i="1" dirty="0">
-                <a:solidFill>
-                  <a:srgbClr val="0070C0"/>
-                </a:solidFill>
-                <a:latin typeface="Consolas" panose="020B0609020204030204" pitchFamily="49" charset="0"/>
-                <a:cs typeface="Consolas" panose="020B0609020204030204" pitchFamily="49" charset="0"/>
-              </a:rPr>
-              <a:t>67 </a:t>
-            </a:r>
-          </a:p>
-          <a:p>
-            <a:pPr marL="342900" indent="-342900">
-              <a:buFont typeface="Arial" panose="020B0604020202020204" pitchFamily="34" charset="0"/>
-              <a:buChar char="•"/>
-            </a:pPr>
-            <a:r>
-              <a:rPr lang="en-US" sz="2000" b="1" i="1" dirty="0">
-                <a:solidFill>
-                  <a:srgbClr val="0070C0"/>
-                </a:solidFill>
-                <a:latin typeface="Consolas" panose="020B0609020204030204" pitchFamily="49" charset="0"/>
-                <a:cs typeface="Consolas" panose="020B0609020204030204" pitchFamily="49" charset="0"/>
-              </a:rPr>
-              <a:t>&gt;&gt;&gt; print(f) </a:t>
-            </a:r>
-          </a:p>
-          <a:p>
-            <a:pPr marL="342900" indent="-342900">
-              <a:buFont typeface="Arial" panose="020B0604020202020204" pitchFamily="34" charset="0"/>
-              <a:buChar char="•"/>
-            </a:pPr>
-            <a:r>
-              <a:rPr lang="en-US" sz="2000" b="1" i="1" dirty="0">
-                <a:solidFill>
-                  <a:srgbClr val="0070C0"/>
-                </a:solidFill>
-                <a:latin typeface="Consolas" panose="020B0609020204030204" pitchFamily="49" charset="0"/>
-                <a:cs typeface="Consolas" panose="020B0609020204030204" pitchFamily="49" charset="0"/>
-              </a:rPr>
-              <a:t>152.6</a:t>
-            </a:r>
-          </a:p>
-          <a:p>
-            <a:pPr marL="342900" indent="-342900">
-              <a:buFont typeface="Arial" panose="020B0604020202020204" pitchFamily="34" charset="0"/>
-              <a:buChar char="•"/>
-            </a:pPr>
-            <a:r>
-              <a:rPr lang="en-US" sz="2000" dirty="0"/>
-              <a:t> </a:t>
-            </a:r>
-          </a:p>
-          <a:p>
-            <a:pPr marL="342900" indent="-342900">
-              <a:buFont typeface="Arial" panose="020B0604020202020204" pitchFamily="34" charset="0"/>
-              <a:buChar char="•"/>
-            </a:pPr>
-            <a:r>
-              <a:rPr lang="en-US" sz="2000" dirty="0"/>
-              <a:t>A </a:t>
-            </a:r>
-            <a:r>
-              <a:rPr lang="en-US" sz="2000" i="1" dirty="0">
-                <a:effectLst>
-                  <a:outerShdw blurRad="38100" dist="38100" dir="2700000" algn="tl">
-                    <a:srgbClr val="000000">
-                      <a:alpha val="43137"/>
-                    </a:srgbClr>
-                  </a:outerShdw>
-                </a:effectLst>
-              </a:rPr>
-              <a:t>tuple </a:t>
-            </a:r>
-            <a:r>
-              <a:rPr lang="en-US" sz="2000" dirty="0"/>
-              <a:t>is a Python data structure that’s a little like a </a:t>
-            </a:r>
-            <a:r>
-              <a:rPr lang="en-US" sz="2000" i="1" dirty="0">
-                <a:effectLst>
-                  <a:outerShdw blurRad="38100" dist="38100" dir="2700000" algn="tl">
-                    <a:srgbClr val="000000">
-                      <a:alpha val="43137"/>
-                    </a:srgbClr>
-                  </a:outerShdw>
-                </a:effectLst>
-              </a:rPr>
-              <a:t>list</a:t>
-            </a:r>
-            <a:r>
-              <a:rPr lang="en-US" sz="2000" dirty="0"/>
-              <a:t>, except that tuples are enclosed in parentheses rather than brackets. They are also of fixed size.</a:t>
+              <a:t>Person.__doc</a:t>
+            </a:r>
+            <a:r>
+              <a:rPr lang="en-US" sz="2000" b="1" i="1" dirty="0">
+                <a:solidFill>
+                  <a:srgbClr val="0070C0"/>
+                </a:solidFill>
+                <a:latin typeface="Consolas" panose="020B0609020204030204" pitchFamily="49" charset="0"/>
+                <a:cs typeface="Consolas" panose="020B0609020204030204" pitchFamily="49" charset="0"/>
+              </a:rPr>
+              <a:t>__</a:t>
             </a:r>
           </a:p>
         </p:txBody>
@@ -12724,7 +11836,7 @@
     </p:spTree>
     <p:extLst>
       <p:ext uri="{BB962C8B-B14F-4D97-AF65-F5344CB8AC3E}">
-        <p14:creationId xmlns:p14="http://schemas.microsoft.com/office/powerpoint/2010/main" val="3406167687"/>
+        <p14:creationId xmlns:p14="http://schemas.microsoft.com/office/powerpoint/2010/main" val="963081090"/>
       </p:ext>
     </p:extLst>
   </p:cSld>
@@ -12916,7 +12028,7 @@
         <p:spPr>
           <a:xfrm>
             <a:off x="417443" y="857743"/>
-            <a:ext cx="11357113" cy="5940088"/>
+            <a:ext cx="11357113" cy="5262979"/>
           </a:xfrm>
           <a:prstGeom prst="rect">
             <a:avLst/>
@@ -12935,7 +12047,229 @@
             </a:pPr>
             <a:r>
               <a:rPr lang="en-US" sz="2000" dirty="0"/>
-              <a:t>You need to group together related data and functionality into a </a:t>
+              <a:t>Inside the class definition is the constructor method, which will be called automatically whenever you create a new instance of the class.</a:t>
+            </a:r>
+          </a:p>
+          <a:p>
+            <a:pPr marL="342900" indent="-342900">
+              <a:buFont typeface="Arial" panose="020B0604020202020204" pitchFamily="34" charset="0"/>
+              <a:buChar char="•"/>
+            </a:pPr>
+            <a:endParaRPr lang="en-US" sz="2000" dirty="0"/>
+          </a:p>
+          <a:p>
+            <a:pPr lvl="1"/>
+            <a:r>
+              <a:rPr lang="en-US" sz="2000" b="1" i="1" dirty="0" err="1">
+                <a:solidFill>
+                  <a:srgbClr val="0070C0"/>
+                </a:solidFill>
+                <a:latin typeface="Consolas" panose="020B0609020204030204" pitchFamily="49" charset="0"/>
+                <a:cs typeface="Consolas" panose="020B0609020204030204" pitchFamily="49" charset="0"/>
+              </a:rPr>
+              <a:t>def</a:t>
+            </a:r>
+            <a:r>
+              <a:rPr lang="en-US" sz="2000" b="1" i="1" dirty="0">
+                <a:solidFill>
+                  <a:srgbClr val="0070C0"/>
+                </a:solidFill>
+                <a:latin typeface="Consolas" panose="020B0609020204030204" pitchFamily="49" charset="0"/>
+                <a:cs typeface="Consolas" panose="020B0609020204030204" pitchFamily="49" charset="0"/>
+              </a:rPr>
+              <a:t> __</a:t>
+            </a:r>
+            <a:r>
+              <a:rPr lang="en-US" sz="2000" b="1" i="1" dirty="0" err="1">
+                <a:solidFill>
+                  <a:srgbClr val="0070C0"/>
+                </a:solidFill>
+                <a:latin typeface="Consolas" panose="020B0609020204030204" pitchFamily="49" charset="0"/>
+                <a:cs typeface="Consolas" panose="020B0609020204030204" pitchFamily="49" charset="0"/>
+              </a:rPr>
+              <a:t>init</a:t>
+            </a:r>
+            <a:r>
+              <a:rPr lang="en-US" sz="2000" b="1" i="1" dirty="0">
+                <a:solidFill>
+                  <a:srgbClr val="0070C0"/>
+                </a:solidFill>
+                <a:latin typeface="Consolas" panose="020B0609020204030204" pitchFamily="49" charset="0"/>
+                <a:cs typeface="Consolas" panose="020B0609020204030204" pitchFamily="49" charset="0"/>
+              </a:rPr>
+              <a:t>__(self, name, </a:t>
+            </a:r>
+            <a:r>
+              <a:rPr lang="en-US" sz="2000" b="1" i="1" dirty="0" err="1">
+                <a:solidFill>
+                  <a:srgbClr val="0070C0"/>
+                </a:solidFill>
+                <a:latin typeface="Consolas" panose="020B0609020204030204" pitchFamily="49" charset="0"/>
+                <a:cs typeface="Consolas" panose="020B0609020204030204" pitchFamily="49" charset="0"/>
+              </a:rPr>
+              <a:t>tel</a:t>
+            </a:r>
+            <a:r>
+              <a:rPr lang="en-US" sz="2000" b="1" i="1" dirty="0">
+                <a:solidFill>
+                  <a:srgbClr val="0070C0"/>
+                </a:solidFill>
+                <a:latin typeface="Consolas" panose="020B0609020204030204" pitchFamily="49" charset="0"/>
+                <a:cs typeface="Consolas" panose="020B0609020204030204" pitchFamily="49" charset="0"/>
+              </a:rPr>
+              <a:t>):    </a:t>
+            </a:r>
+          </a:p>
+          <a:p>
+            <a:pPr lvl="2"/>
+            <a:r>
+              <a:rPr lang="en-US" sz="2000" b="1" i="1" dirty="0">
+                <a:solidFill>
+                  <a:srgbClr val="0070C0"/>
+                </a:solidFill>
+                <a:latin typeface="Consolas" panose="020B0609020204030204" pitchFamily="49" charset="0"/>
+                <a:cs typeface="Consolas" panose="020B0609020204030204" pitchFamily="49" charset="0"/>
+              </a:rPr>
+              <a:t>self.name = name    </a:t>
+            </a:r>
+          </a:p>
+          <a:p>
+            <a:pPr lvl="2"/>
+            <a:r>
+              <a:rPr lang="en-US" sz="2000" b="1" i="1" dirty="0">
+                <a:solidFill>
+                  <a:srgbClr val="0070C0"/>
+                </a:solidFill>
+                <a:latin typeface="Consolas" panose="020B0609020204030204" pitchFamily="49" charset="0"/>
+                <a:cs typeface="Consolas" panose="020B0609020204030204" pitchFamily="49" charset="0"/>
+              </a:rPr>
+              <a:t>self.tel = </a:t>
+            </a:r>
+            <a:r>
+              <a:rPr lang="en-US" sz="2000" b="1" i="1" dirty="0" err="1">
+                <a:solidFill>
+                  <a:srgbClr val="0070C0"/>
+                </a:solidFill>
+                <a:latin typeface="Consolas" panose="020B0609020204030204" pitchFamily="49" charset="0"/>
+                <a:cs typeface="Consolas" panose="020B0609020204030204" pitchFamily="49" charset="0"/>
+              </a:rPr>
+              <a:t>tel</a:t>
+            </a:r>
+            <a:r>
+              <a:rPr lang="en-US" sz="2000" b="1" i="1" dirty="0">
+                <a:solidFill>
+                  <a:srgbClr val="0070C0"/>
+                </a:solidFill>
+                <a:latin typeface="Consolas" panose="020B0609020204030204" pitchFamily="49" charset="0"/>
+                <a:cs typeface="Consolas" panose="020B0609020204030204" pitchFamily="49" charset="0"/>
+              </a:rPr>
+              <a:t> </a:t>
+            </a:r>
+          </a:p>
+          <a:p>
+            <a:pPr marL="342900" indent="-342900">
+              <a:buFont typeface="Arial" panose="020B0604020202020204" pitchFamily="34" charset="0"/>
+              <a:buChar char="•"/>
+            </a:pPr>
+            <a:endParaRPr lang="en-US" sz="2000" dirty="0"/>
+          </a:p>
+          <a:p>
+            <a:pPr marL="342900" indent="-342900">
+              <a:buFont typeface="Arial" panose="020B0604020202020204" pitchFamily="34" charset="0"/>
+              <a:buChar char="•"/>
+            </a:pPr>
+            <a:r>
+              <a:rPr lang="en-US" sz="2000" dirty="0"/>
+              <a:t>The constructor method must be named as shown with </a:t>
+            </a:r>
+            <a:r>
+              <a:rPr lang="en-US" sz="2000" b="1" dirty="0">
+                <a:solidFill>
+                  <a:srgbClr val="FF0000"/>
+                </a:solidFill>
+              </a:rPr>
+              <a:t>double underscores </a:t>
+            </a:r>
+            <a:r>
+              <a:rPr lang="en-US" sz="2000" dirty="0"/>
+              <a:t>on either side of the word </a:t>
+            </a:r>
+            <a:r>
+              <a:rPr lang="en-US" sz="2400" b="1" i="1" dirty="0" err="1">
+                <a:solidFill>
+                  <a:srgbClr val="0070C0"/>
+                </a:solidFill>
+                <a:latin typeface="Consolas" panose="020B0609020204030204" pitchFamily="49" charset="0"/>
+                <a:cs typeface="Consolas" panose="020B0609020204030204" pitchFamily="49" charset="0"/>
+              </a:rPr>
+              <a:t>init</a:t>
+            </a:r>
+            <a:r>
+              <a:rPr lang="en-US" sz="2000" dirty="0" err="1"/>
+              <a:t>.</a:t>
+            </a:r>
+            <a:r>
+              <a:rPr lang="en-US" sz="2000" dirty="0"/>
+              <a:t> </a:t>
+            </a:r>
+          </a:p>
+          <a:p>
+            <a:pPr marL="342900" indent="-342900">
+              <a:buFont typeface="Arial" panose="020B0604020202020204" pitchFamily="34" charset="0"/>
+              <a:buChar char="•"/>
+            </a:pPr>
+            <a:endParaRPr lang="en-US" sz="2000" dirty="0"/>
+          </a:p>
+          <a:p>
+            <a:pPr marL="342900" indent="-342900">
+              <a:buFont typeface="Arial" panose="020B0604020202020204" pitchFamily="34" charset="0"/>
+              <a:buChar char="•"/>
+            </a:pPr>
+            <a:r>
+              <a:rPr lang="en-US" sz="2000" dirty="0"/>
+              <a:t>One way in which Python differs from most object-oriented languages is that you have to include the special variable </a:t>
+            </a:r>
+            <a:r>
+              <a:rPr lang="en-US" sz="2400" b="1" i="1" dirty="0">
+                <a:solidFill>
+                  <a:srgbClr val="0070C0"/>
+                </a:solidFill>
+                <a:latin typeface="Consolas" panose="020B0609020204030204" pitchFamily="49" charset="0"/>
+                <a:cs typeface="Consolas" panose="020B0609020204030204" pitchFamily="49" charset="0"/>
+              </a:rPr>
+              <a:t>self </a:t>
+            </a:r>
+            <a:r>
+              <a:rPr lang="en-US" sz="2000" dirty="0"/>
+              <a:t>as a parameter to all the methods that you define within the class. This is a reference to, in this case, the newly created instance. The variable </a:t>
+            </a:r>
+            <a:r>
+              <a:rPr lang="en-US" sz="2400" b="1" i="1" dirty="0">
+                <a:solidFill>
+                  <a:srgbClr val="0070C0"/>
+                </a:solidFill>
+                <a:latin typeface="Consolas" panose="020B0609020204030204" pitchFamily="49" charset="0"/>
+                <a:cs typeface="Consolas" panose="020B0609020204030204" pitchFamily="49" charset="0"/>
+              </a:rPr>
+              <a:t>self</a:t>
+            </a:r>
+            <a:r>
+              <a:rPr lang="en-US" sz="2000" dirty="0"/>
+              <a:t> is the same concept as the special variable </a:t>
+            </a:r>
+            <a:r>
+              <a:rPr lang="en-US" sz="2400" b="1" i="1" dirty="0">
+                <a:solidFill>
+                  <a:srgbClr val="0070C0"/>
+                </a:solidFill>
+                <a:latin typeface="Consolas" panose="020B0609020204030204" pitchFamily="49" charset="0"/>
+                <a:cs typeface="Consolas" panose="020B0609020204030204" pitchFamily="49" charset="0"/>
+              </a:rPr>
+              <a:t>this</a:t>
+            </a:r>
+            <a:r>
+              <a:rPr lang="en-US" sz="2000" dirty="0"/>
+              <a:t> that you find in </a:t>
             </a:r>
             <a:r>
               <a:rPr lang="en-US" sz="2000" i="1" dirty="0">
@@ -12947,7 +12281,11 @@
                   </a:outerShdw>
                 </a:effectLst>
               </a:rPr>
-              <a:t>class.</a:t>
+              <a:t>Java</a:t>
+            </a:r>
+            <a:r>
+              <a:rPr lang="en-US" sz="2000" dirty="0"/>
+              <a:t> and some other languages. </a:t>
             </a:r>
           </a:p>
           <a:p>
@@ -12955,174 +12293,6 @@
               <a:buFont typeface="Arial" panose="020B0604020202020204" pitchFamily="34" charset="0"/>
               <a:buChar char="•"/>
             </a:pPr>
-            <a:r>
-              <a:rPr lang="en-US" sz="2000" b="1" dirty="0">
-                <a:solidFill>
-                  <a:srgbClr val="FF0000"/>
-                </a:solidFill>
-                <a:latin typeface="Consolas" panose="020B0609020204030204" pitchFamily="49" charset="0"/>
-                <a:cs typeface="Consolas" panose="020B0609020204030204" pitchFamily="49" charset="0"/>
-              </a:rPr>
-              <a:t>Example:</a:t>
-            </a:r>
-          </a:p>
-          <a:p>
-            <a:pPr marL="342900" indent="-342900">
-              <a:buFont typeface="Arial" panose="020B0604020202020204" pitchFamily="34" charset="0"/>
-              <a:buChar char="•"/>
-            </a:pPr>
-            <a:endParaRPr lang="en-US" sz="2000" dirty="0"/>
-          </a:p>
-          <a:p>
-            <a:pPr lvl="1"/>
-            <a:r>
-              <a:rPr lang="en-US" sz="2000" b="1" i="1" dirty="0">
-                <a:solidFill>
-                  <a:srgbClr val="0070C0"/>
-                </a:solidFill>
-                <a:latin typeface="Consolas" panose="020B0609020204030204" pitchFamily="49" charset="0"/>
-                <a:cs typeface="Consolas" panose="020B0609020204030204" pitchFamily="49" charset="0"/>
-              </a:rPr>
-              <a:t>class Person:    </a:t>
-            </a:r>
-          </a:p>
-          <a:p>
-            <a:pPr lvl="1"/>
-            <a:r>
-              <a:rPr lang="en-US" sz="2000" b="1" i="1" dirty="0">
-                <a:solidFill>
-                  <a:srgbClr val="0070C0"/>
-                </a:solidFill>
-                <a:latin typeface="Consolas" panose="020B0609020204030204" pitchFamily="49" charset="0"/>
-                <a:cs typeface="Consolas" panose="020B0609020204030204" pitchFamily="49" charset="0"/>
-              </a:rPr>
-              <a:t>	'''This class represents a person object'''</a:t>
-            </a:r>
-          </a:p>
-          <a:p>
-            <a:pPr lvl="1"/>
-            <a:r>
-              <a:rPr lang="en-US" sz="2000" b="1" i="1" dirty="0">
-                <a:solidFill>
-                  <a:srgbClr val="0070C0"/>
-                </a:solidFill>
-                <a:latin typeface="Consolas" panose="020B0609020204030204" pitchFamily="49" charset="0"/>
-                <a:cs typeface="Consolas" panose="020B0609020204030204" pitchFamily="49" charset="0"/>
-              </a:rPr>
-              <a:t>    </a:t>
-            </a:r>
-          </a:p>
-          <a:p>
-            <a:pPr lvl="2"/>
-            <a:r>
-              <a:rPr lang="en-US" sz="2000" b="1" i="1" dirty="0" err="1">
-                <a:solidFill>
-                  <a:srgbClr val="0070C0"/>
-                </a:solidFill>
-                <a:latin typeface="Consolas" panose="020B0609020204030204" pitchFamily="49" charset="0"/>
-                <a:cs typeface="Consolas" panose="020B0609020204030204" pitchFamily="49" charset="0"/>
-              </a:rPr>
-              <a:t>def</a:t>
-            </a:r>
-            <a:r>
-              <a:rPr lang="en-US" sz="2000" b="1" i="1" dirty="0">
-                <a:solidFill>
-                  <a:srgbClr val="0070C0"/>
-                </a:solidFill>
-                <a:latin typeface="Consolas" panose="020B0609020204030204" pitchFamily="49" charset="0"/>
-                <a:cs typeface="Consolas" panose="020B0609020204030204" pitchFamily="49" charset="0"/>
-              </a:rPr>
-              <a:t> __</a:t>
-            </a:r>
-            <a:r>
-              <a:rPr lang="en-US" sz="2000" b="1" i="1" dirty="0" err="1">
-                <a:solidFill>
-                  <a:srgbClr val="0070C0"/>
-                </a:solidFill>
-                <a:latin typeface="Consolas" panose="020B0609020204030204" pitchFamily="49" charset="0"/>
-                <a:cs typeface="Consolas" panose="020B0609020204030204" pitchFamily="49" charset="0"/>
-              </a:rPr>
-              <a:t>init</a:t>
-            </a:r>
-            <a:r>
-              <a:rPr lang="en-US" sz="2000" b="1" i="1" dirty="0">
-                <a:solidFill>
-                  <a:srgbClr val="0070C0"/>
-                </a:solidFill>
-                <a:latin typeface="Consolas" panose="020B0609020204030204" pitchFamily="49" charset="0"/>
-                <a:cs typeface="Consolas" panose="020B0609020204030204" pitchFamily="49" charset="0"/>
-              </a:rPr>
-              <a:t>__(self, name, </a:t>
-            </a:r>
-            <a:r>
-              <a:rPr lang="en-US" sz="2000" b="1" i="1" dirty="0" err="1">
-                <a:solidFill>
-                  <a:srgbClr val="0070C0"/>
-                </a:solidFill>
-                <a:latin typeface="Consolas" panose="020B0609020204030204" pitchFamily="49" charset="0"/>
-                <a:cs typeface="Consolas" panose="020B0609020204030204" pitchFamily="49" charset="0"/>
-              </a:rPr>
-              <a:t>tel</a:t>
-            </a:r>
-            <a:r>
-              <a:rPr lang="en-US" sz="2000" b="1" i="1" dirty="0">
-                <a:solidFill>
-                  <a:srgbClr val="0070C0"/>
-                </a:solidFill>
-                <a:latin typeface="Consolas" panose="020B0609020204030204" pitchFamily="49" charset="0"/>
-                <a:cs typeface="Consolas" panose="020B0609020204030204" pitchFamily="49" charset="0"/>
-              </a:rPr>
-              <a:t>):        </a:t>
-            </a:r>
-          </a:p>
-          <a:p>
-            <a:pPr lvl="3"/>
-            <a:r>
-              <a:rPr lang="en-US" sz="2000" b="1" i="1" dirty="0">
-                <a:solidFill>
-                  <a:srgbClr val="0070C0"/>
-                </a:solidFill>
-                <a:latin typeface="Consolas" panose="020B0609020204030204" pitchFamily="49" charset="0"/>
-                <a:cs typeface="Consolas" panose="020B0609020204030204" pitchFamily="49" charset="0"/>
-              </a:rPr>
-              <a:t>self.name = name        </a:t>
-            </a:r>
-          </a:p>
-          <a:p>
-            <a:pPr lvl="3"/>
-            <a:r>
-              <a:rPr lang="en-US" sz="2000" b="1" i="1" dirty="0">
-                <a:solidFill>
-                  <a:srgbClr val="0070C0"/>
-                </a:solidFill>
-                <a:latin typeface="Consolas" panose="020B0609020204030204" pitchFamily="49" charset="0"/>
-                <a:cs typeface="Consolas" panose="020B0609020204030204" pitchFamily="49" charset="0"/>
-              </a:rPr>
-              <a:t>self.tel = </a:t>
-            </a:r>
-            <a:r>
-              <a:rPr lang="en-US" sz="2000" b="1" i="1" dirty="0" err="1">
-                <a:solidFill>
-                  <a:srgbClr val="0070C0"/>
-                </a:solidFill>
-                <a:latin typeface="Consolas" panose="020B0609020204030204" pitchFamily="49" charset="0"/>
-                <a:cs typeface="Consolas" panose="020B0609020204030204" pitchFamily="49" charset="0"/>
-              </a:rPr>
-              <a:t>tel</a:t>
-            </a:r>
-            <a:r>
-              <a:rPr lang="en-US" sz="2000" b="1" i="1" dirty="0">
-                <a:solidFill>
-                  <a:srgbClr val="0070C0"/>
-                </a:solidFill>
-                <a:latin typeface="Consolas" panose="020B0609020204030204" pitchFamily="49" charset="0"/>
-                <a:cs typeface="Consolas" panose="020B0609020204030204" pitchFamily="49" charset="0"/>
-              </a:rPr>
-              <a:t> </a:t>
-            </a:r>
-          </a:p>
-          <a:p>
-            <a:pPr lvl="3"/>
             <a:endParaRPr lang="en-US" sz="2000" b="1" i="1" dirty="0">
               <a:solidFill>
                 <a:srgbClr val="0070C0"/>
@@ -13136,50 +12306,13 @@
               <a:buFont typeface="Arial" panose="020B0604020202020204" pitchFamily="34" charset="0"/>
               <a:buChar char="•"/>
             </a:pPr>
-            <a:r>
-              <a:rPr lang="en-US" sz="2000" dirty="0"/>
-              <a:t>The first line inside the class definition uses the triple, single, or double quotes to denote a documentation string. This should explain the purpose of the class. Although entirely optional, adding a documentation string to a class allows others to see what the class does. This is particularly useful if the class is made available for others to use. </a:t>
-            </a:r>
-          </a:p>
-          <a:p>
-            <a:pPr marL="342900" indent="-342900">
-              <a:buFont typeface="Arial" panose="020B0604020202020204" pitchFamily="34" charset="0"/>
-              <a:buChar char="•"/>
-            </a:pPr>
-            <a:endParaRPr lang="en-US" sz="2000" dirty="0"/>
-          </a:p>
-          <a:p>
-            <a:pPr marL="342900" indent="-342900">
-              <a:buFont typeface="Arial" panose="020B0604020202020204" pitchFamily="34" charset="0"/>
-              <a:buChar char="•"/>
-            </a:pPr>
-            <a:r>
-              <a:rPr lang="en-US" sz="2000" dirty="0"/>
-              <a:t>Doc strings are not like normal comments because, although they are not active lines of code, they do get associated with the class, so, at any time, you can read the doc string for a class using the following command:</a:t>
-            </a:r>
-          </a:p>
-          <a:p>
-            <a:pPr lvl="1"/>
-            <a:r>
-              <a:rPr lang="en-US" sz="2000" b="1" i="1" dirty="0" err="1">
-                <a:solidFill>
-                  <a:srgbClr val="0070C0"/>
-                </a:solidFill>
-                <a:latin typeface="Consolas" panose="020B0609020204030204" pitchFamily="49" charset="0"/>
-                <a:cs typeface="Consolas" panose="020B0609020204030204" pitchFamily="49" charset="0"/>
-              </a:rPr>
-              <a:t>Person.__doc</a:t>
-            </a:r>
-            <a:r>
-              <a:rPr lang="en-US" sz="2000" b="1" i="1" dirty="0">
-                <a:solidFill>
-                  <a:srgbClr val="0070C0"/>
-                </a:solidFill>
-                <a:latin typeface="Consolas" panose="020B0609020204030204" pitchFamily="49" charset="0"/>
-                <a:cs typeface="Consolas" panose="020B0609020204030204" pitchFamily="49" charset="0"/>
-              </a:rPr>
-              <a:t>__</a:t>
-            </a:r>
+            <a:endParaRPr lang="en-US" sz="2000" b="1" i="1" dirty="0">
+              <a:solidFill>
+                <a:srgbClr val="0070C0"/>
+              </a:solidFill>
+              <a:latin typeface="Consolas" panose="020B0609020204030204" pitchFamily="49" charset="0"/>
+              <a:cs typeface="Consolas" panose="020B0609020204030204" pitchFamily="49" charset="0"/>
+            </a:endParaRPr>
           </a:p>
         </p:txBody>
       </p:sp>
@@ -13225,7 +12358,7 @@
     </p:spTree>
     <p:extLst>
       <p:ext uri="{BB962C8B-B14F-4D97-AF65-F5344CB8AC3E}">
-        <p14:creationId xmlns:p14="http://schemas.microsoft.com/office/powerpoint/2010/main" val="963081090"/>
+        <p14:creationId xmlns:p14="http://schemas.microsoft.com/office/powerpoint/2010/main" val="3462871136"/>
       </p:ext>
     </p:extLst>
   </p:cSld>
@@ -13417,7 +12550,7 @@
         <p:spPr>
           <a:xfrm>
             <a:off x="417443" y="857743"/>
-            <a:ext cx="11357113" cy="5262979"/>
+            <a:ext cx="11357113" cy="5878532"/>
           </a:xfrm>
           <a:prstGeom prst="rect">
             <a:avLst/>
@@ -13436,7 +12569,21 @@
             </a:pPr>
             <a:r>
               <a:rPr lang="en-US" sz="2000" dirty="0"/>
-              <a:t>Inside the class definition is the constructor method, which will be called automatically whenever you create a new instance of the class.</a:t>
+              <a:t>The code in this method transfers parameters that were supplied to it into member variables. The member variables do not need to be declared in advance, but do need to be prefixed by </a:t>
+            </a:r>
+            <a:r>
+              <a:rPr lang="en-US" sz="2400" b="1" i="1" dirty="0">
+                <a:solidFill>
+                  <a:srgbClr val="0070C0"/>
+                </a:solidFill>
+                <a:latin typeface="Consolas" panose="020B0609020204030204" pitchFamily="49" charset="0"/>
+                <a:cs typeface="Consolas" panose="020B0609020204030204" pitchFamily="49" charset="0"/>
+              </a:rPr>
+              <a:t>self.</a:t>
+            </a:r>
+            <a:r>
+              <a:rPr lang="en-US" sz="2000" dirty="0"/>
+              <a:t>.</a:t>
             </a:r>
           </a:p>
           <a:p>
@@ -13444,115 +12591,9 @@
               <a:buFont typeface="Arial" panose="020B0604020202020204" pitchFamily="34" charset="0"/>
               <a:buChar char="•"/>
             </a:pPr>
-            <a:endParaRPr lang="en-US" sz="2000" dirty="0"/>
-          </a:p>
-          <a:p>
-            <a:pPr lvl="1"/>
-            <a:r>
-              <a:rPr lang="en-US" sz="2000" b="1" i="1" dirty="0" err="1">
-                <a:solidFill>
-                  <a:srgbClr val="0070C0"/>
-                </a:solidFill>
-                <a:latin typeface="Consolas" panose="020B0609020204030204" pitchFamily="49" charset="0"/>
-                <a:cs typeface="Consolas" panose="020B0609020204030204" pitchFamily="49" charset="0"/>
-              </a:rPr>
-              <a:t>def</a:t>
-            </a:r>
-            <a:r>
-              <a:rPr lang="en-US" sz="2000" b="1" i="1" dirty="0">
-                <a:solidFill>
-                  <a:srgbClr val="0070C0"/>
-                </a:solidFill>
-                <a:latin typeface="Consolas" panose="020B0609020204030204" pitchFamily="49" charset="0"/>
-                <a:cs typeface="Consolas" panose="020B0609020204030204" pitchFamily="49" charset="0"/>
-              </a:rPr>
-              <a:t> __</a:t>
-            </a:r>
-            <a:r>
-              <a:rPr lang="en-US" sz="2000" b="1" i="1" dirty="0" err="1">
-                <a:solidFill>
-                  <a:srgbClr val="0070C0"/>
-                </a:solidFill>
-                <a:latin typeface="Consolas" panose="020B0609020204030204" pitchFamily="49" charset="0"/>
-                <a:cs typeface="Consolas" panose="020B0609020204030204" pitchFamily="49" charset="0"/>
-              </a:rPr>
-              <a:t>init</a:t>
-            </a:r>
-            <a:r>
-              <a:rPr lang="en-US" sz="2000" b="1" i="1" dirty="0">
-                <a:solidFill>
-                  <a:srgbClr val="0070C0"/>
-                </a:solidFill>
-                <a:latin typeface="Consolas" panose="020B0609020204030204" pitchFamily="49" charset="0"/>
-                <a:cs typeface="Consolas" panose="020B0609020204030204" pitchFamily="49" charset="0"/>
-              </a:rPr>
-              <a:t>__(self, name, </a:t>
-            </a:r>
-            <a:r>
-              <a:rPr lang="en-US" sz="2000" b="1" i="1" dirty="0" err="1">
-                <a:solidFill>
-                  <a:srgbClr val="0070C0"/>
-                </a:solidFill>
-                <a:latin typeface="Consolas" panose="020B0609020204030204" pitchFamily="49" charset="0"/>
-                <a:cs typeface="Consolas" panose="020B0609020204030204" pitchFamily="49" charset="0"/>
-              </a:rPr>
-              <a:t>tel</a:t>
-            </a:r>
-            <a:r>
-              <a:rPr lang="en-US" sz="2000" b="1" i="1" dirty="0">
-                <a:solidFill>
-                  <a:srgbClr val="0070C0"/>
-                </a:solidFill>
-                <a:latin typeface="Consolas" panose="020B0609020204030204" pitchFamily="49" charset="0"/>
-                <a:cs typeface="Consolas" panose="020B0609020204030204" pitchFamily="49" charset="0"/>
-              </a:rPr>
-              <a:t>):    </a:t>
-            </a:r>
-          </a:p>
-          <a:p>
-            <a:pPr lvl="2"/>
-            <a:r>
-              <a:rPr lang="en-US" sz="2000" b="1" i="1" dirty="0">
-                <a:solidFill>
-                  <a:srgbClr val="0070C0"/>
-                </a:solidFill>
-                <a:latin typeface="Consolas" panose="020B0609020204030204" pitchFamily="49" charset="0"/>
-                <a:cs typeface="Consolas" panose="020B0609020204030204" pitchFamily="49" charset="0"/>
-              </a:rPr>
-              <a:t>self.name = name    </a:t>
-            </a:r>
-          </a:p>
-          <a:p>
-            <a:pPr lvl="2"/>
-            <a:r>
-              <a:rPr lang="en-US" sz="2000" b="1" i="1" dirty="0">
-                <a:solidFill>
-                  <a:srgbClr val="0070C0"/>
-                </a:solidFill>
-                <a:latin typeface="Consolas" panose="020B0609020204030204" pitchFamily="49" charset="0"/>
-                <a:cs typeface="Consolas" panose="020B0609020204030204" pitchFamily="49" charset="0"/>
-              </a:rPr>
-              <a:t>self.tel = </a:t>
-            </a:r>
-            <a:r>
-              <a:rPr lang="en-US" sz="2000" b="1" i="1" dirty="0" err="1">
-                <a:solidFill>
-                  <a:srgbClr val="0070C0"/>
-                </a:solidFill>
-                <a:latin typeface="Consolas" panose="020B0609020204030204" pitchFamily="49" charset="0"/>
-                <a:cs typeface="Consolas" panose="020B0609020204030204" pitchFamily="49" charset="0"/>
-              </a:rPr>
-              <a:t>tel</a:t>
-            </a:r>
-            <a:r>
-              <a:rPr lang="en-US" sz="2000" b="1" i="1" dirty="0">
-                <a:solidFill>
-                  <a:srgbClr val="0070C0"/>
-                </a:solidFill>
-                <a:latin typeface="Consolas" panose="020B0609020204030204" pitchFamily="49" charset="0"/>
-                <a:cs typeface="Consolas" panose="020B0609020204030204" pitchFamily="49" charset="0"/>
-              </a:rPr>
-              <a:t> </a:t>
+            <a:r>
+              <a:rPr lang="en-US" sz="2000" dirty="0"/>
+              <a:t>So the following line:</a:t>
             </a:r>
           </a:p>
           <a:p>
@@ -13563,42 +12604,25 @@
             <a:endParaRPr lang="en-US" sz="2000" dirty="0"/>
           </a:p>
           <a:p>
+            <a:pPr lvl="1"/>
+            <a:r>
+              <a:rPr lang="en-US" sz="2400" b="1" i="1" dirty="0">
+                <a:solidFill>
+                  <a:srgbClr val="0070C0"/>
+                </a:solidFill>
+                <a:latin typeface="Consolas" panose="020B0609020204030204" pitchFamily="49" charset="0"/>
+                <a:cs typeface="Consolas" panose="020B0609020204030204" pitchFamily="49" charset="0"/>
+              </a:rPr>
+              <a:t>self.name = name</a:t>
+            </a:r>
+          </a:p>
+          <a:p>
             <a:pPr marL="342900" indent="-342900">
               <a:buFont typeface="Arial" panose="020B0604020202020204" pitchFamily="34" charset="0"/>
               <a:buChar char="•"/>
             </a:pPr>
             <a:r>
               <a:rPr lang="en-US" sz="2000" dirty="0"/>
-              <a:t>The constructor method must be named as shown with </a:t>
-            </a:r>
-            <a:r>
-              <a:rPr lang="en-US" sz="2000" b="1" dirty="0">
-                <a:solidFill>
-                  <a:srgbClr val="FF0000"/>
-                </a:solidFill>
-              </a:rPr>
-              <a:t>double underscores </a:t>
-            </a:r>
-            <a:r>
-              <a:rPr lang="en-US" sz="2000" dirty="0"/>
-              <a:t>on either side of the word </a:t>
-            </a:r>
-            <a:r>
-              <a:rPr lang="en-US" sz="2400" b="1" i="1" dirty="0" err="1">
-                <a:solidFill>
-                  <a:srgbClr val="0070C0"/>
-                </a:solidFill>
-                <a:latin typeface="Consolas" panose="020B0609020204030204" pitchFamily="49" charset="0"/>
-                <a:cs typeface="Consolas" panose="020B0609020204030204" pitchFamily="49" charset="0"/>
-              </a:rPr>
-              <a:t>init</a:t>
-            </a:r>
-            <a:r>
-              <a:rPr lang="en-US" sz="2000" dirty="0" err="1"/>
-              <a:t>.</a:t>
-            </a:r>
-            <a:r>
-              <a:rPr lang="en-US" sz="2000" dirty="0"/>
               <a:t> </a:t>
             </a:r>
           </a:p>
@@ -13607,16 +12631,9 @@
               <a:buFont typeface="Arial" panose="020B0604020202020204" pitchFamily="34" charset="0"/>
               <a:buChar char="•"/>
             </a:pPr>
-            <a:endParaRPr lang="en-US" sz="2000" dirty="0"/>
-          </a:p>
-          <a:p>
-            <a:pPr marL="342900" indent="-342900">
-              <a:buFont typeface="Arial" panose="020B0604020202020204" pitchFamily="34" charset="0"/>
-              <a:buChar char="•"/>
-            </a:pPr>
             <a:r>
               <a:rPr lang="en-US" sz="2000" dirty="0"/>
-              <a:t>One way in which Python differs from most object-oriented languages is that you have to include the special variable </a:t>
+              <a:t>creates a variable called </a:t>
             </a:r>
             <a:r>
               <a:rPr lang="en-US" sz="2400" b="1" i="1" dirty="0">
@@ -13626,55 +12643,11 @@
                 <a:latin typeface="Consolas" panose="020B0609020204030204" pitchFamily="49" charset="0"/>
                 <a:cs typeface="Consolas" panose="020B0609020204030204" pitchFamily="49" charset="0"/>
               </a:rPr>
-              <a:t>self </a:t>
+              <a:t>name </a:t>
             </a:r>
             <a:r>
               <a:rPr lang="en-US" sz="2000" dirty="0"/>
-              <a:t>as a parameter to all the methods that you define within the class. This is a reference to, in this case, the newly created instance. The variable </a:t>
-            </a:r>
-            <a:r>
-              <a:rPr lang="en-US" sz="2400" b="1" i="1" dirty="0">
-                <a:solidFill>
-                  <a:srgbClr val="0070C0"/>
-                </a:solidFill>
-                <a:latin typeface="Consolas" panose="020B0609020204030204" pitchFamily="49" charset="0"/>
-                <a:cs typeface="Consolas" panose="020B0609020204030204" pitchFamily="49" charset="0"/>
-              </a:rPr>
-              <a:t>self</a:t>
-            </a:r>
-            <a:r>
-              <a:rPr lang="en-US" sz="2000" dirty="0"/>
-              <a:t> is the same concept as the special variable </a:t>
-            </a:r>
-            <a:r>
-              <a:rPr lang="en-US" sz="2400" b="1" i="1" dirty="0">
-                <a:solidFill>
-                  <a:srgbClr val="0070C0"/>
-                </a:solidFill>
-                <a:latin typeface="Consolas" panose="020B0609020204030204" pitchFamily="49" charset="0"/>
-                <a:cs typeface="Consolas" panose="020B0609020204030204" pitchFamily="49" charset="0"/>
-              </a:rPr>
-              <a:t>this</a:t>
-            </a:r>
-            <a:r>
-              <a:rPr lang="en-US" sz="2000" dirty="0"/>
-              <a:t> that you find in </a:t>
-            </a:r>
-            <a:r>
-              <a:rPr lang="en-US" sz="2000" i="1" dirty="0">
-                <a:effectLst>
-                  <a:outerShdw blurRad="38100" dist="38100" dir="2700000" algn="tl">
-                    <a:srgbClr val="000000">
-                      <a:alpha val="43137"/>
-                    </a:srgbClr>
-                  </a:outerShdw>
-                </a:effectLst>
-              </a:rPr>
-              <a:t>Java</a:t>
-            </a:r>
-            <a:r>
-              <a:rPr lang="en-US" sz="2000" dirty="0"/>
-              <a:t> and some other languages. </a:t>
+              <a:t>that’s accessible to every member of the class Person and initializes it with the value passed into the call to create an instance, which looks like this:</a:t>
             </a:r>
           </a:p>
           <a:p>
@@ -13691,6 +12664,19 @@
             </a:endParaRPr>
           </a:p>
           <a:p>
+            <a:pPr lvl="1"/>
+            <a:r>
+              <a:rPr lang="en-US" sz="2000" b="1" i="1" dirty="0">
+                <a:solidFill>
+                  <a:srgbClr val="0070C0"/>
+                </a:solidFill>
+                <a:latin typeface="Consolas" panose="020B0609020204030204" pitchFamily="49" charset="0"/>
+                <a:cs typeface="Consolas" panose="020B0609020204030204" pitchFamily="49" charset="0"/>
+              </a:rPr>
+              <a:t>p = Person("Simon", "1234567")</a:t>
+            </a:r>
+          </a:p>
+          <a:p>
             <a:pPr marL="342900" indent="-342900">
               <a:buFont typeface="Arial" panose="020B0604020202020204" pitchFamily="34" charset="0"/>
               <a:buChar char="•"/>
@@ -13702,6 +12688,103 @@
               <a:latin typeface="Consolas" panose="020B0609020204030204" pitchFamily="49" charset="0"/>
               <a:cs typeface="Consolas" panose="020B0609020204030204" pitchFamily="49" charset="0"/>
             </a:endParaRPr>
+          </a:p>
+          <a:p>
+            <a:pPr marL="342900" indent="-342900">
+              <a:buFont typeface="Arial" panose="020B0604020202020204" pitchFamily="34" charset="0"/>
+              <a:buChar char="•"/>
+            </a:pPr>
+            <a:r>
+              <a:rPr lang="en-US" sz="2000" dirty="0"/>
+              <a:t>We can then check that our new Person object, </a:t>
+            </a:r>
+            <a:r>
+              <a:rPr lang="en-US" sz="2400" b="1" i="1" dirty="0">
+                <a:solidFill>
+                  <a:srgbClr val="0070C0"/>
+                </a:solidFill>
+                <a:latin typeface="Consolas" panose="020B0609020204030204" pitchFamily="49" charset="0"/>
+                <a:cs typeface="Consolas" panose="020B0609020204030204" pitchFamily="49" charset="0"/>
+              </a:rPr>
+              <a:t>p</a:t>
+            </a:r>
+            <a:r>
+              <a:rPr lang="en-US" sz="2000" dirty="0"/>
+              <a:t>, has a name of </a:t>
+            </a:r>
+            <a:r>
+              <a:rPr lang="en-US" sz="2000" b="1" i="1" dirty="0">
+                <a:solidFill>
+                  <a:srgbClr val="0070C0"/>
+                </a:solidFill>
+                <a:latin typeface="Consolas" panose="020B0609020204030204" pitchFamily="49" charset="0"/>
+                <a:cs typeface="Consolas" panose="020B0609020204030204" pitchFamily="49" charset="0"/>
+              </a:rPr>
+              <a:t>“Simon” </a:t>
+            </a:r>
+            <a:r>
+              <a:rPr lang="en-US" sz="2000" dirty="0"/>
+              <a:t>by typing the following:</a:t>
+            </a:r>
+          </a:p>
+          <a:p>
+            <a:pPr marL="342900" indent="-342900">
+              <a:buFont typeface="Arial" panose="020B0604020202020204" pitchFamily="34" charset="0"/>
+              <a:buChar char="•"/>
+            </a:pPr>
+            <a:endParaRPr lang="en-US" sz="2000" b="1" i="1" dirty="0">
+              <a:solidFill>
+                <a:srgbClr val="0070C0"/>
+              </a:solidFill>
+              <a:latin typeface="Consolas" panose="020B0609020204030204" pitchFamily="49" charset="0"/>
+              <a:cs typeface="Consolas" panose="020B0609020204030204" pitchFamily="49" charset="0"/>
+            </a:endParaRPr>
+          </a:p>
+          <a:p>
+            <a:pPr lvl="1"/>
+            <a:r>
+              <a:rPr lang="en-US" sz="2000" b="1" i="1" dirty="0">
+                <a:solidFill>
+                  <a:srgbClr val="0070C0"/>
+                </a:solidFill>
+                <a:latin typeface="Consolas" panose="020B0609020204030204" pitchFamily="49" charset="0"/>
+                <a:cs typeface="Consolas" panose="020B0609020204030204" pitchFamily="49" charset="0"/>
+              </a:rPr>
+              <a:t>&gt;&gt;&gt; p.name </a:t>
+            </a:r>
+          </a:p>
+          <a:p>
+            <a:pPr lvl="1"/>
+            <a:r>
+              <a:rPr lang="en-US" sz="2000" b="1" i="1" dirty="0">
+                <a:solidFill>
+                  <a:srgbClr val="0070C0"/>
+                </a:solidFill>
+                <a:latin typeface="Consolas" panose="020B0609020204030204" pitchFamily="49" charset="0"/>
+                <a:cs typeface="Consolas" panose="020B0609020204030204" pitchFamily="49" charset="0"/>
+              </a:rPr>
+              <a:t>Simon </a:t>
+            </a:r>
+          </a:p>
+          <a:p>
+            <a:pPr lvl="1"/>
+            <a:endParaRPr lang="en-US" sz="2000" b="1" i="1" dirty="0">
+              <a:solidFill>
+                <a:srgbClr val="0070C0"/>
+              </a:solidFill>
+              <a:latin typeface="Consolas" panose="020B0609020204030204" pitchFamily="49" charset="0"/>
+              <a:cs typeface="Consolas" panose="020B0609020204030204" pitchFamily="49" charset="0"/>
+            </a:endParaRPr>
+          </a:p>
+          <a:p>
+            <a:pPr marL="342900" indent="-342900">
+              <a:buFont typeface="Arial" panose="020B0604020202020204" pitchFamily="34" charset="0"/>
+              <a:buChar char="•"/>
+            </a:pPr>
+            <a:r>
+              <a:rPr lang="en-US" sz="2000" dirty="0"/>
+              <a:t>In a complex program, it is good practice to put each class in its own file with a filename that matches the class name. This also makes it easy to convert the class into a module </a:t>
+            </a:r>
           </a:p>
         </p:txBody>
       </p:sp>
@@ -13747,7 +12830,7 @@
     </p:spTree>
     <p:extLst>
       <p:ext uri="{BB962C8B-B14F-4D97-AF65-F5344CB8AC3E}">
-        <p14:creationId xmlns:p14="http://schemas.microsoft.com/office/powerpoint/2010/main" val="3462871136"/>
+        <p14:creationId xmlns:p14="http://schemas.microsoft.com/office/powerpoint/2010/main" val="2885151319"/>
       </p:ext>
     </p:extLst>
   </p:cSld>
@@ -13918,7 +13001,7 @@
           <a:p>
             <a:r>
               <a:rPr lang="en-US" dirty="0"/>
-              <a:t>Defining a Class</a:t>
+              <a:t>Defining a Method </a:t>
             </a:r>
             <a:endParaRPr lang="en-US" b="1" i="1" dirty="0">
               <a:solidFill>
@@ -13939,7 +13022,7 @@
         <p:spPr>
           <a:xfrm>
             <a:off x="417443" y="857743"/>
-            <a:ext cx="11357113" cy="5878532"/>
+            <a:ext cx="11357113" cy="5016758"/>
           </a:xfrm>
           <a:prstGeom prst="rect">
             <a:avLst/>
@@ -13958,21 +13041,7 @@
             </a:pPr>
             <a:r>
               <a:rPr lang="en-US" sz="2000" dirty="0"/>
-              <a:t>The code in this method transfers parameters that were supplied to it into member variables. The member variables do not need to be declared in advance, but do need to be prefixed by </a:t>
-            </a:r>
-            <a:r>
-              <a:rPr lang="en-US" sz="2400" b="1" i="1" dirty="0">
-                <a:solidFill>
-                  <a:srgbClr val="0070C0"/>
-                </a:solidFill>
-                <a:latin typeface="Consolas" panose="020B0609020204030204" pitchFamily="49" charset="0"/>
-                <a:cs typeface="Consolas" panose="020B0609020204030204" pitchFamily="49" charset="0"/>
-              </a:rPr>
-              <a:t>self.</a:t>
-            </a:r>
-            <a:r>
-              <a:rPr lang="en-US" sz="2000" dirty="0"/>
-              <a:t>.</a:t>
+              <a:t> You need to add a method to a class. </a:t>
             </a:r>
           </a:p>
           <a:p>
@@ -13981,62 +13050,14 @@
               <a:buChar char="•"/>
             </a:pPr>
             <a:r>
-              <a:rPr lang="en-US" sz="2000" dirty="0"/>
-              <a:t>So the following line:</a:t>
-            </a:r>
-          </a:p>
-          <a:p>
-            <a:pPr marL="342900" indent="-342900">
-              <a:buFont typeface="Arial" panose="020B0604020202020204" pitchFamily="34" charset="0"/>
-              <a:buChar char="•"/>
-            </a:pPr>
-            <a:endParaRPr lang="en-US" sz="2000" dirty="0"/>
-          </a:p>
-          <a:p>
-            <a:pPr lvl="1"/>
-            <a:r>
-              <a:rPr lang="en-US" sz="2400" b="1" i="1" dirty="0">
-                <a:solidFill>
-                  <a:srgbClr val="0070C0"/>
-                </a:solidFill>
-                <a:latin typeface="Consolas" panose="020B0609020204030204" pitchFamily="49" charset="0"/>
-                <a:cs typeface="Consolas" panose="020B0609020204030204" pitchFamily="49" charset="0"/>
-              </a:rPr>
-              <a:t>self.name = name</a:t>
-            </a:r>
-          </a:p>
-          <a:p>
-            <a:pPr marL="342900" indent="-342900">
-              <a:buFont typeface="Arial" panose="020B0604020202020204" pitchFamily="34" charset="0"/>
-              <a:buChar char="•"/>
-            </a:pPr>
-            <a:r>
-              <a:rPr lang="en-US" sz="2000" dirty="0"/>
-              <a:t> </a:t>
-            </a:r>
-          </a:p>
-          <a:p>
-            <a:pPr marL="342900" indent="-342900">
-              <a:buFont typeface="Arial" panose="020B0604020202020204" pitchFamily="34" charset="0"/>
-              <a:buChar char="•"/>
-            </a:pPr>
-            <a:r>
-              <a:rPr lang="en-US" sz="2000" dirty="0"/>
-              <a:t>creates a variable called </a:t>
-            </a:r>
-            <a:r>
-              <a:rPr lang="en-US" sz="2400" b="1" i="1" dirty="0">
-                <a:solidFill>
-                  <a:srgbClr val="0070C0"/>
-                </a:solidFill>
-                <a:latin typeface="Consolas" panose="020B0609020204030204" pitchFamily="49" charset="0"/>
-                <a:cs typeface="Consolas" panose="020B0609020204030204" pitchFamily="49" charset="0"/>
-              </a:rPr>
-              <a:t>name </a:t>
-            </a:r>
-            <a:r>
-              <a:rPr lang="en-US" sz="2000" dirty="0"/>
-              <a:t>that’s accessible to every member of the class Person and initializes it with the value passed into the call to create an instance, which looks like this:</a:t>
+              <a:rPr lang="en-US" sz="2000" b="1" dirty="0">
+                <a:solidFill>
+                  <a:srgbClr val="FF0000"/>
+                </a:solidFill>
+                <a:latin typeface="Consolas" panose="020B0609020204030204" pitchFamily="49" charset="0"/>
+                <a:cs typeface="Consolas" panose="020B0609020204030204" pitchFamily="49" charset="0"/>
+              </a:rPr>
+              <a:t>Example:</a:t>
             </a:r>
           </a:p>
           <a:p>
@@ -14062,14 +13083,236 @@
                 <a:latin typeface="Consolas" panose="020B0609020204030204" pitchFamily="49" charset="0"/>
                 <a:cs typeface="Consolas" panose="020B0609020204030204" pitchFamily="49" charset="0"/>
               </a:rPr>
-              <a:t>p = Person("Simon", "1234567")</a:t>
-            </a:r>
-          </a:p>
-          <a:p>
-            <a:pPr marL="342900" indent="-342900">
-              <a:buFont typeface="Arial" panose="020B0604020202020204" pitchFamily="34" charset="0"/>
-              <a:buChar char="•"/>
-            </a:pPr>
+              <a:t>class Person:    </a:t>
+            </a:r>
+          </a:p>
+          <a:p>
+            <a:pPr lvl="1"/>
+            <a:r>
+              <a:rPr lang="en-US" sz="2000" b="1" i="1" dirty="0">
+                <a:solidFill>
+                  <a:srgbClr val="0070C0"/>
+                </a:solidFill>
+                <a:latin typeface="Consolas" panose="020B0609020204030204" pitchFamily="49" charset="0"/>
+                <a:cs typeface="Consolas" panose="020B0609020204030204" pitchFamily="49" charset="0"/>
+              </a:rPr>
+              <a:t>	'''This class represents a person object'''</a:t>
+            </a:r>
+          </a:p>
+          <a:p>
+            <a:pPr lvl="1"/>
+            <a:r>
+              <a:rPr lang="en-US" sz="2000" b="1" i="1" dirty="0">
+                <a:solidFill>
+                  <a:srgbClr val="0070C0"/>
+                </a:solidFill>
+                <a:latin typeface="Consolas" panose="020B0609020204030204" pitchFamily="49" charset="0"/>
+                <a:cs typeface="Consolas" panose="020B0609020204030204" pitchFamily="49" charset="0"/>
+              </a:rPr>
+              <a:t>   </a:t>
+            </a:r>
+          </a:p>
+          <a:p>
+            <a:pPr lvl="1"/>
+            <a:r>
+              <a:rPr lang="en-US" sz="2000" b="1" i="1" dirty="0">
+                <a:solidFill>
+                  <a:srgbClr val="0070C0"/>
+                </a:solidFill>
+                <a:latin typeface="Consolas" panose="020B0609020204030204" pitchFamily="49" charset="0"/>
+                <a:cs typeface="Consolas" panose="020B0609020204030204" pitchFamily="49" charset="0"/>
+              </a:rPr>
+              <a:t>	</a:t>
+            </a:r>
+            <a:r>
+              <a:rPr lang="en-US" sz="2000" b="1" i="1" dirty="0" err="1">
+                <a:solidFill>
+                  <a:srgbClr val="0070C0"/>
+                </a:solidFill>
+                <a:latin typeface="Consolas" panose="020B0609020204030204" pitchFamily="49" charset="0"/>
+                <a:cs typeface="Consolas" panose="020B0609020204030204" pitchFamily="49" charset="0"/>
+              </a:rPr>
+              <a:t>def</a:t>
+            </a:r>
+            <a:r>
+              <a:rPr lang="en-US" sz="2000" b="1" i="1" dirty="0">
+                <a:solidFill>
+                  <a:srgbClr val="0070C0"/>
+                </a:solidFill>
+                <a:latin typeface="Consolas" panose="020B0609020204030204" pitchFamily="49" charset="0"/>
+                <a:cs typeface="Consolas" panose="020B0609020204030204" pitchFamily="49" charset="0"/>
+              </a:rPr>
+              <a:t> __</a:t>
+            </a:r>
+            <a:r>
+              <a:rPr lang="en-US" sz="2000" b="1" i="1" dirty="0" err="1">
+                <a:solidFill>
+                  <a:srgbClr val="0070C0"/>
+                </a:solidFill>
+                <a:latin typeface="Consolas" panose="020B0609020204030204" pitchFamily="49" charset="0"/>
+                <a:cs typeface="Consolas" panose="020B0609020204030204" pitchFamily="49" charset="0"/>
+              </a:rPr>
+              <a:t>init</a:t>
+            </a:r>
+            <a:r>
+              <a:rPr lang="en-US" sz="2000" b="1" i="1" dirty="0">
+                <a:solidFill>
+                  <a:srgbClr val="0070C0"/>
+                </a:solidFill>
+                <a:latin typeface="Consolas" panose="020B0609020204030204" pitchFamily="49" charset="0"/>
+                <a:cs typeface="Consolas" panose="020B0609020204030204" pitchFamily="49" charset="0"/>
+              </a:rPr>
+              <a:t>__(self, </a:t>
+            </a:r>
+            <a:r>
+              <a:rPr lang="en-US" sz="2000" b="1" i="1" dirty="0" err="1">
+                <a:solidFill>
+                  <a:srgbClr val="0070C0"/>
+                </a:solidFill>
+                <a:latin typeface="Consolas" panose="020B0609020204030204" pitchFamily="49" charset="0"/>
+                <a:cs typeface="Consolas" panose="020B0609020204030204" pitchFamily="49" charset="0"/>
+              </a:rPr>
+              <a:t>first_name</a:t>
+            </a:r>
+            <a:r>
+              <a:rPr lang="en-US" sz="2000" b="1" i="1" dirty="0">
+                <a:solidFill>
+                  <a:srgbClr val="0070C0"/>
+                </a:solidFill>
+                <a:latin typeface="Consolas" panose="020B0609020204030204" pitchFamily="49" charset="0"/>
+                <a:cs typeface="Consolas" panose="020B0609020204030204" pitchFamily="49" charset="0"/>
+              </a:rPr>
+              <a:t>, surname, </a:t>
+            </a:r>
+            <a:r>
+              <a:rPr lang="en-US" sz="2000" b="1" i="1" dirty="0" err="1">
+                <a:solidFill>
+                  <a:srgbClr val="0070C0"/>
+                </a:solidFill>
+                <a:latin typeface="Consolas" panose="020B0609020204030204" pitchFamily="49" charset="0"/>
+                <a:cs typeface="Consolas" panose="020B0609020204030204" pitchFamily="49" charset="0"/>
+              </a:rPr>
+              <a:t>tel</a:t>
+            </a:r>
+            <a:r>
+              <a:rPr lang="en-US" sz="2000" b="1" i="1" dirty="0">
+                <a:solidFill>
+                  <a:srgbClr val="0070C0"/>
+                </a:solidFill>
+                <a:latin typeface="Consolas" panose="020B0609020204030204" pitchFamily="49" charset="0"/>
+                <a:cs typeface="Consolas" panose="020B0609020204030204" pitchFamily="49" charset="0"/>
+              </a:rPr>
+              <a:t>):        </a:t>
+            </a:r>
+          </a:p>
+          <a:p>
+            <a:pPr lvl="1"/>
+            <a:r>
+              <a:rPr lang="en-US" sz="2000" b="1" i="1" dirty="0">
+                <a:solidFill>
+                  <a:srgbClr val="0070C0"/>
+                </a:solidFill>
+                <a:latin typeface="Consolas" panose="020B0609020204030204" pitchFamily="49" charset="0"/>
+                <a:cs typeface="Consolas" panose="020B0609020204030204" pitchFamily="49" charset="0"/>
+              </a:rPr>
+              <a:t>		</a:t>
+            </a:r>
+            <a:r>
+              <a:rPr lang="en-US" sz="2000" b="1" i="1" dirty="0" err="1">
+                <a:solidFill>
+                  <a:srgbClr val="0070C0"/>
+                </a:solidFill>
+                <a:latin typeface="Consolas" panose="020B0609020204030204" pitchFamily="49" charset="0"/>
+                <a:cs typeface="Consolas" panose="020B0609020204030204" pitchFamily="49" charset="0"/>
+              </a:rPr>
+              <a:t>self.first_name</a:t>
+            </a:r>
+            <a:r>
+              <a:rPr lang="en-US" sz="2000" b="1" i="1" dirty="0">
+                <a:solidFill>
+                  <a:srgbClr val="0070C0"/>
+                </a:solidFill>
+                <a:latin typeface="Consolas" panose="020B0609020204030204" pitchFamily="49" charset="0"/>
+                <a:cs typeface="Consolas" panose="020B0609020204030204" pitchFamily="49" charset="0"/>
+              </a:rPr>
+              <a:t> = </a:t>
+            </a:r>
+            <a:r>
+              <a:rPr lang="en-US" sz="2000" b="1" i="1" dirty="0" err="1">
+                <a:solidFill>
+                  <a:srgbClr val="0070C0"/>
+                </a:solidFill>
+                <a:latin typeface="Consolas" panose="020B0609020204030204" pitchFamily="49" charset="0"/>
+                <a:cs typeface="Consolas" panose="020B0609020204030204" pitchFamily="49" charset="0"/>
+              </a:rPr>
+              <a:t>first_name</a:t>
+            </a:r>
+            <a:r>
+              <a:rPr lang="en-US" sz="2000" b="1" i="1" dirty="0">
+                <a:solidFill>
+                  <a:srgbClr val="0070C0"/>
+                </a:solidFill>
+                <a:latin typeface="Consolas" panose="020B0609020204030204" pitchFamily="49" charset="0"/>
+                <a:cs typeface="Consolas" panose="020B0609020204030204" pitchFamily="49" charset="0"/>
+              </a:rPr>
+              <a:t>        </a:t>
+            </a:r>
+          </a:p>
+          <a:p>
+            <a:pPr lvl="1"/>
+            <a:r>
+              <a:rPr lang="en-US" sz="2000" b="1" i="1" dirty="0">
+                <a:solidFill>
+                  <a:srgbClr val="0070C0"/>
+                </a:solidFill>
+                <a:latin typeface="Consolas" panose="020B0609020204030204" pitchFamily="49" charset="0"/>
+                <a:cs typeface="Consolas" panose="020B0609020204030204" pitchFamily="49" charset="0"/>
+              </a:rPr>
+              <a:t>		</a:t>
+            </a:r>
+            <a:r>
+              <a:rPr lang="en-US" sz="2000" b="1" i="1" dirty="0" err="1">
+                <a:solidFill>
+                  <a:srgbClr val="0070C0"/>
+                </a:solidFill>
+                <a:latin typeface="Consolas" panose="020B0609020204030204" pitchFamily="49" charset="0"/>
+                <a:cs typeface="Consolas" panose="020B0609020204030204" pitchFamily="49" charset="0"/>
+              </a:rPr>
+              <a:t>self.surname</a:t>
+            </a:r>
+            <a:r>
+              <a:rPr lang="en-US" sz="2000" b="1" i="1" dirty="0">
+                <a:solidFill>
+                  <a:srgbClr val="0070C0"/>
+                </a:solidFill>
+                <a:latin typeface="Consolas" panose="020B0609020204030204" pitchFamily="49" charset="0"/>
+                <a:cs typeface="Consolas" panose="020B0609020204030204" pitchFamily="49" charset="0"/>
+              </a:rPr>
+              <a:t> = surname        </a:t>
+            </a:r>
+          </a:p>
+          <a:p>
+            <a:pPr lvl="1"/>
+            <a:r>
+              <a:rPr lang="en-US" sz="2000" b="1" i="1" dirty="0">
+                <a:solidFill>
+                  <a:srgbClr val="0070C0"/>
+                </a:solidFill>
+                <a:latin typeface="Consolas" panose="020B0609020204030204" pitchFamily="49" charset="0"/>
+                <a:cs typeface="Consolas" panose="020B0609020204030204" pitchFamily="49" charset="0"/>
+              </a:rPr>
+              <a:t>		self.tel = </a:t>
+            </a:r>
+            <a:r>
+              <a:rPr lang="en-US" sz="2000" b="1" i="1" dirty="0" err="1">
+                <a:solidFill>
+                  <a:srgbClr val="0070C0"/>
+                </a:solidFill>
+                <a:latin typeface="Consolas" panose="020B0609020204030204" pitchFamily="49" charset="0"/>
+                <a:cs typeface="Consolas" panose="020B0609020204030204" pitchFamily="49" charset="0"/>
+              </a:rPr>
+              <a:t>tel</a:t>
+            </a:r>
             <a:endParaRPr lang="en-US" sz="2000" b="1" i="1" dirty="0">
               <a:solidFill>
                 <a:srgbClr val="0070C0"/>
@@ -14079,41 +13322,122 @@
             </a:endParaRPr>
           </a:p>
           <a:p>
-            <a:pPr marL="342900" indent="-342900">
-              <a:buFont typeface="Arial" panose="020B0604020202020204" pitchFamily="34" charset="0"/>
-              <a:buChar char="•"/>
-            </a:pPr>
-            <a:r>
-              <a:rPr lang="en-US" sz="2000" dirty="0"/>
-              <a:t>We can then check that our new Person object, </a:t>
-            </a:r>
-            <a:r>
-              <a:rPr lang="en-US" sz="2400" b="1" i="1" dirty="0">
-                <a:solidFill>
-                  <a:srgbClr val="0070C0"/>
-                </a:solidFill>
-                <a:latin typeface="Consolas" panose="020B0609020204030204" pitchFamily="49" charset="0"/>
-                <a:cs typeface="Consolas" panose="020B0609020204030204" pitchFamily="49" charset="0"/>
-              </a:rPr>
-              <a:t>p</a:t>
-            </a:r>
-            <a:r>
-              <a:rPr lang="en-US" sz="2000" dirty="0"/>
-              <a:t>, has a name of </a:t>
-            </a:r>
-            <a:r>
-              <a:rPr lang="en-US" sz="2000" b="1" i="1" dirty="0">
-                <a:solidFill>
-                  <a:srgbClr val="0070C0"/>
-                </a:solidFill>
-                <a:latin typeface="Consolas" panose="020B0609020204030204" pitchFamily="49" charset="0"/>
-                <a:cs typeface="Consolas" panose="020B0609020204030204" pitchFamily="49" charset="0"/>
-              </a:rPr>
-              <a:t>“Simon” </a:t>
-            </a:r>
-            <a:r>
-              <a:rPr lang="en-US" sz="2000" dirty="0"/>
-              <a:t>by typing the following:</a:t>
+            <a:pPr lvl="1"/>
+            <a:r>
+              <a:rPr lang="en-US" sz="2000" b="1" i="1" dirty="0">
+                <a:solidFill>
+                  <a:srgbClr val="0070C0"/>
+                </a:solidFill>
+                <a:latin typeface="Consolas" panose="020B0609020204030204" pitchFamily="49" charset="0"/>
+                <a:cs typeface="Consolas" panose="020B0609020204030204" pitchFamily="49" charset="0"/>
+              </a:rPr>
+              <a:t>    </a:t>
+            </a:r>
+          </a:p>
+          <a:p>
+            <a:pPr lvl="1"/>
+            <a:r>
+              <a:rPr lang="en-US" sz="2000" b="1" i="1" dirty="0">
+                <a:solidFill>
+                  <a:srgbClr val="0070C0"/>
+                </a:solidFill>
+                <a:latin typeface="Consolas" panose="020B0609020204030204" pitchFamily="49" charset="0"/>
+                <a:cs typeface="Consolas" panose="020B0609020204030204" pitchFamily="49" charset="0"/>
+              </a:rPr>
+              <a:t>	</a:t>
+            </a:r>
+            <a:r>
+              <a:rPr lang="en-US" sz="2000" b="1" i="1" dirty="0" err="1">
+                <a:solidFill>
+                  <a:srgbClr val="0070C0"/>
+                </a:solidFill>
+                <a:latin typeface="Consolas" panose="020B0609020204030204" pitchFamily="49" charset="0"/>
+                <a:cs typeface="Consolas" panose="020B0609020204030204" pitchFamily="49" charset="0"/>
+              </a:rPr>
+              <a:t>def</a:t>
+            </a:r>
+            <a:r>
+              <a:rPr lang="en-US" sz="2000" b="1" i="1" dirty="0">
+                <a:solidFill>
+                  <a:srgbClr val="0070C0"/>
+                </a:solidFill>
+                <a:latin typeface="Consolas" panose="020B0609020204030204" pitchFamily="49" charset="0"/>
+                <a:cs typeface="Consolas" panose="020B0609020204030204" pitchFamily="49" charset="0"/>
+              </a:rPr>
+              <a:t> </a:t>
+            </a:r>
+            <a:r>
+              <a:rPr lang="en-US" sz="2000" b="1" i="1" dirty="0" err="1">
+                <a:solidFill>
+                  <a:srgbClr val="0070C0"/>
+                </a:solidFill>
+                <a:latin typeface="Consolas" panose="020B0609020204030204" pitchFamily="49" charset="0"/>
+                <a:cs typeface="Consolas" panose="020B0609020204030204" pitchFamily="49" charset="0"/>
+              </a:rPr>
+              <a:t>full_name</a:t>
+            </a:r>
+            <a:r>
+              <a:rPr lang="en-US" sz="2000" b="1" i="1" dirty="0">
+                <a:solidFill>
+                  <a:srgbClr val="0070C0"/>
+                </a:solidFill>
+                <a:latin typeface="Consolas" panose="020B0609020204030204" pitchFamily="49" charset="0"/>
+                <a:cs typeface="Consolas" panose="020B0609020204030204" pitchFamily="49" charset="0"/>
+              </a:rPr>
+              <a:t>(self):        </a:t>
+            </a:r>
+          </a:p>
+          <a:p>
+            <a:pPr lvl="1"/>
+            <a:r>
+              <a:rPr lang="en-US" sz="2000" b="1" i="1" dirty="0">
+                <a:solidFill>
+                  <a:srgbClr val="0070C0"/>
+                </a:solidFill>
+                <a:latin typeface="Consolas" panose="020B0609020204030204" pitchFamily="49" charset="0"/>
+                <a:cs typeface="Consolas" panose="020B0609020204030204" pitchFamily="49" charset="0"/>
+              </a:rPr>
+              <a:t>		return </a:t>
+            </a:r>
+            <a:r>
+              <a:rPr lang="en-US" sz="2000" b="1" i="1" dirty="0" err="1">
+                <a:solidFill>
+                  <a:srgbClr val="0070C0"/>
+                </a:solidFill>
+                <a:latin typeface="Consolas" panose="020B0609020204030204" pitchFamily="49" charset="0"/>
+                <a:cs typeface="Consolas" panose="020B0609020204030204" pitchFamily="49" charset="0"/>
+              </a:rPr>
+              <a:t>self.first_name</a:t>
+            </a:r>
+            <a:r>
+              <a:rPr lang="en-US" sz="2000" b="1" i="1" dirty="0">
+                <a:solidFill>
+                  <a:srgbClr val="0070C0"/>
+                </a:solidFill>
+                <a:latin typeface="Consolas" panose="020B0609020204030204" pitchFamily="49" charset="0"/>
+                <a:cs typeface="Consolas" panose="020B0609020204030204" pitchFamily="49" charset="0"/>
+              </a:rPr>
+              <a:t> + " " + </a:t>
+            </a:r>
+            <a:r>
+              <a:rPr lang="en-US" sz="2000" b="1" i="1" dirty="0" err="1">
+                <a:solidFill>
+                  <a:srgbClr val="0070C0"/>
+                </a:solidFill>
+                <a:latin typeface="Consolas" panose="020B0609020204030204" pitchFamily="49" charset="0"/>
+                <a:cs typeface="Consolas" panose="020B0609020204030204" pitchFamily="49" charset="0"/>
+              </a:rPr>
+              <a:t>self.surname</a:t>
+            </a:r>
+            <a:r>
+              <a:rPr lang="en-US" sz="2000" b="1" i="1" dirty="0">
+                <a:solidFill>
+                  <a:srgbClr val="0070C0"/>
+                </a:solidFill>
+                <a:latin typeface="Consolas" panose="020B0609020204030204" pitchFamily="49" charset="0"/>
+                <a:cs typeface="Consolas" panose="020B0609020204030204" pitchFamily="49" charset="0"/>
+              </a:rPr>
+              <a:t> </a:t>
             </a:r>
           </a:p>
           <a:p>
@@ -14130,49 +13454,30 @@
             </a:endParaRPr>
           </a:p>
           <a:p>
-            <a:pPr lvl="1"/>
-            <a:r>
-              <a:rPr lang="en-US" sz="2000" b="1" i="1" dirty="0">
-                <a:solidFill>
-                  <a:srgbClr val="0070C0"/>
-                </a:solidFill>
-                <a:latin typeface="Consolas" panose="020B0609020204030204" pitchFamily="49" charset="0"/>
-                <a:cs typeface="Consolas" panose="020B0609020204030204" pitchFamily="49" charset="0"/>
-              </a:rPr>
-              <a:t>&gt;&gt;&gt; p.name </a:t>
-            </a:r>
-          </a:p>
-          <a:p>
-            <a:pPr lvl="1"/>
-            <a:r>
-              <a:rPr lang="en-US" sz="2000" b="1" i="1" dirty="0">
-                <a:solidFill>
-                  <a:srgbClr val="0070C0"/>
-                </a:solidFill>
-                <a:latin typeface="Consolas" panose="020B0609020204030204" pitchFamily="49" charset="0"/>
-                <a:cs typeface="Consolas" panose="020B0609020204030204" pitchFamily="49" charset="0"/>
-              </a:rPr>
-              <a:t>Simon </a:t>
-            </a:r>
-          </a:p>
-          <a:p>
-            <a:pPr lvl="1"/>
-            <a:endParaRPr lang="en-US" sz="2000" b="1" i="1" dirty="0">
-              <a:solidFill>
-                <a:srgbClr val="0070C0"/>
-              </a:solidFill>
-              <a:latin typeface="Consolas" panose="020B0609020204030204" pitchFamily="49" charset="0"/>
-              <a:cs typeface="Consolas" panose="020B0609020204030204" pitchFamily="49" charset="0"/>
-            </a:endParaRPr>
-          </a:p>
-          <a:p>
             <a:pPr marL="342900" indent="-342900">
               <a:buFont typeface="Arial" panose="020B0604020202020204" pitchFamily="34" charset="0"/>
               <a:buChar char="•"/>
             </a:pPr>
+            <a:endParaRPr lang="en-US" sz="2000" dirty="0"/>
+          </a:p>
+          <a:p>
+            <a:pPr marL="342900" indent="-342900">
+              <a:buFont typeface="Arial" panose="020B0604020202020204" pitchFamily="34" charset="0"/>
+              <a:buChar char="•"/>
+            </a:pPr>
             <a:r>
               <a:rPr lang="en-US" sz="2000" dirty="0"/>
-              <a:t>In a complex program, it is good practice to put each class in its own file with a filename that matches the class name. This also makes it easy to convert the class into a module </a:t>
+              <a:t>If one method calls another within the same class, the call to the method has to be prefixed with </a:t>
+            </a:r>
+            <a:r>
+              <a:rPr lang="en-US" sz="2000" b="1" i="1" dirty="0">
+                <a:solidFill>
+                  <a:srgbClr val="0070C0"/>
+                </a:solidFill>
+                <a:latin typeface="Consolas" panose="020B0609020204030204" pitchFamily="49" charset="0"/>
+                <a:cs typeface="Consolas" panose="020B0609020204030204" pitchFamily="49" charset="0"/>
+              </a:rPr>
+              <a:t>self</a:t>
             </a:r>
           </a:p>
         </p:txBody>
@@ -14219,7 +13524,7 @@
     </p:spTree>
     <p:extLst>
       <p:ext uri="{BB962C8B-B14F-4D97-AF65-F5344CB8AC3E}">
-        <p14:creationId xmlns:p14="http://schemas.microsoft.com/office/powerpoint/2010/main" val="2885151319"/>
+        <p14:creationId xmlns:p14="http://schemas.microsoft.com/office/powerpoint/2010/main" val="4279834591"/>
       </p:ext>
     </p:extLst>
   </p:cSld>
@@ -14390,7 +13695,7 @@
           <a:p>
             <a:r>
               <a:rPr lang="en-US" dirty="0"/>
-              <a:t>Defining a Method </a:t>
+              <a:t>Inheritance</a:t>
             </a:r>
             <a:endParaRPr lang="en-US" b="1" i="1" dirty="0">
               <a:solidFill>
@@ -14411,7 +13716,7 @@
         <p:spPr>
           <a:xfrm>
             <a:off x="417443" y="857743"/>
-            <a:ext cx="11357113" cy="5016758"/>
+            <a:ext cx="11357113" cy="4585871"/>
           </a:xfrm>
           <a:prstGeom prst="rect">
             <a:avLst/>
@@ -14430,7 +13735,23 @@
             </a:pPr>
             <a:r>
               <a:rPr lang="en-US" sz="2000" dirty="0"/>
-              <a:t> You need to add a method to a class. </a:t>
+              <a:t>Use </a:t>
+            </a:r>
+            <a:r>
+              <a:rPr lang="en-US" sz="2000" i="1" dirty="0">
+                <a:effectLst>
+                  <a:outerShdw blurRad="38100" dist="38100" dir="2700000" algn="tl">
+                    <a:srgbClr val="000000">
+                      <a:alpha val="43137"/>
+                    </a:srgbClr>
+                  </a:outerShdw>
+                </a:effectLst>
+              </a:rPr>
+              <a:t>inheritance</a:t>
+            </a:r>
+            <a:r>
+              <a:rPr lang="en-US" sz="2000" dirty="0"/>
+              <a:t> to create a subclass of an existing class and add new member variables and methods. </a:t>
             </a:r>
           </a:p>
           <a:p>
@@ -14438,395 +13759,86 @@
               <a:buFont typeface="Arial" panose="020B0604020202020204" pitchFamily="34" charset="0"/>
               <a:buChar char="•"/>
             </a:pPr>
-            <a:r>
-              <a:rPr lang="en-US" sz="2000" b="1" dirty="0">
-                <a:solidFill>
-                  <a:srgbClr val="FF0000"/>
-                </a:solidFill>
-                <a:latin typeface="Consolas" panose="020B0609020204030204" pitchFamily="49" charset="0"/>
-                <a:cs typeface="Consolas" panose="020B0609020204030204" pitchFamily="49" charset="0"/>
-              </a:rPr>
-              <a:t>Example:</a:t>
-            </a:r>
+            <a:endParaRPr lang="en-US" sz="2000" dirty="0"/>
           </a:p>
           <a:p>
             <a:pPr marL="342900" indent="-342900">
               <a:buFont typeface="Arial" panose="020B0604020202020204" pitchFamily="34" charset="0"/>
               <a:buChar char="•"/>
             </a:pPr>
-            <a:endParaRPr lang="en-US" sz="2000" b="1" i="1" dirty="0">
-              <a:solidFill>
-                <a:srgbClr val="0070C0"/>
-              </a:solidFill>
-              <a:latin typeface="Consolas" panose="020B0609020204030204" pitchFamily="49" charset="0"/>
-              <a:cs typeface="Consolas" panose="020B0609020204030204" pitchFamily="49" charset="0"/>
-            </a:endParaRPr>
-          </a:p>
-          <a:p>
-            <a:pPr lvl="1"/>
-            <a:r>
-              <a:rPr lang="en-US" sz="2000" b="1" i="1" dirty="0">
-                <a:solidFill>
-                  <a:srgbClr val="0070C0"/>
-                </a:solidFill>
-                <a:latin typeface="Consolas" panose="020B0609020204030204" pitchFamily="49" charset="0"/>
-                <a:cs typeface="Consolas" panose="020B0609020204030204" pitchFamily="49" charset="0"/>
-              </a:rPr>
-              <a:t>class Person:    </a:t>
-            </a:r>
-          </a:p>
-          <a:p>
-            <a:pPr lvl="1"/>
-            <a:r>
-              <a:rPr lang="en-US" sz="2000" b="1" i="1" dirty="0">
-                <a:solidFill>
-                  <a:srgbClr val="0070C0"/>
-                </a:solidFill>
-                <a:latin typeface="Consolas" panose="020B0609020204030204" pitchFamily="49" charset="0"/>
-                <a:cs typeface="Consolas" panose="020B0609020204030204" pitchFamily="49" charset="0"/>
-              </a:rPr>
-              <a:t>	'''This class represents a person object'''</a:t>
-            </a:r>
-          </a:p>
-          <a:p>
-            <a:pPr lvl="1"/>
-            <a:r>
-              <a:rPr lang="en-US" sz="2000" b="1" i="1" dirty="0">
-                <a:solidFill>
-                  <a:srgbClr val="0070C0"/>
-                </a:solidFill>
-                <a:latin typeface="Consolas" panose="020B0609020204030204" pitchFamily="49" charset="0"/>
-                <a:cs typeface="Consolas" panose="020B0609020204030204" pitchFamily="49" charset="0"/>
-              </a:rPr>
-              <a:t>   </a:t>
-            </a:r>
-          </a:p>
-          <a:p>
-            <a:pPr lvl="1"/>
-            <a:r>
-              <a:rPr lang="en-US" sz="2000" b="1" i="1" dirty="0">
-                <a:solidFill>
-                  <a:srgbClr val="0070C0"/>
-                </a:solidFill>
-                <a:latin typeface="Consolas" panose="020B0609020204030204" pitchFamily="49" charset="0"/>
-                <a:cs typeface="Consolas" panose="020B0609020204030204" pitchFamily="49" charset="0"/>
-              </a:rPr>
-              <a:t>	</a:t>
-            </a:r>
-            <a:r>
-              <a:rPr lang="en-US" sz="2000" b="1" i="1" dirty="0" err="1">
-                <a:solidFill>
-                  <a:srgbClr val="0070C0"/>
-                </a:solidFill>
-                <a:latin typeface="Consolas" panose="020B0609020204030204" pitchFamily="49" charset="0"/>
-                <a:cs typeface="Consolas" panose="020B0609020204030204" pitchFamily="49" charset="0"/>
-              </a:rPr>
-              <a:t>def</a:t>
-            </a:r>
-            <a:r>
-              <a:rPr lang="en-US" sz="2000" b="1" i="1" dirty="0">
-                <a:solidFill>
-                  <a:srgbClr val="0070C0"/>
-                </a:solidFill>
-                <a:latin typeface="Consolas" panose="020B0609020204030204" pitchFamily="49" charset="0"/>
-                <a:cs typeface="Consolas" panose="020B0609020204030204" pitchFamily="49" charset="0"/>
-              </a:rPr>
-              <a:t> __</a:t>
-            </a:r>
-            <a:r>
-              <a:rPr lang="en-US" sz="2000" b="1" i="1" dirty="0" err="1">
-                <a:solidFill>
-                  <a:srgbClr val="0070C0"/>
-                </a:solidFill>
-                <a:latin typeface="Consolas" panose="020B0609020204030204" pitchFamily="49" charset="0"/>
-                <a:cs typeface="Consolas" panose="020B0609020204030204" pitchFamily="49" charset="0"/>
-              </a:rPr>
-              <a:t>init</a:t>
-            </a:r>
-            <a:r>
-              <a:rPr lang="en-US" sz="2000" b="1" i="1" dirty="0">
-                <a:solidFill>
-                  <a:srgbClr val="0070C0"/>
-                </a:solidFill>
-                <a:latin typeface="Consolas" panose="020B0609020204030204" pitchFamily="49" charset="0"/>
-                <a:cs typeface="Consolas" panose="020B0609020204030204" pitchFamily="49" charset="0"/>
-              </a:rPr>
-              <a:t>__(self, </a:t>
-            </a:r>
-            <a:r>
-              <a:rPr lang="en-US" sz="2000" b="1" i="1" dirty="0" err="1">
-                <a:solidFill>
-                  <a:srgbClr val="0070C0"/>
-                </a:solidFill>
-                <a:latin typeface="Consolas" panose="020B0609020204030204" pitchFamily="49" charset="0"/>
-                <a:cs typeface="Consolas" panose="020B0609020204030204" pitchFamily="49" charset="0"/>
-              </a:rPr>
-              <a:t>first_name</a:t>
-            </a:r>
-            <a:r>
-              <a:rPr lang="en-US" sz="2000" b="1" i="1" dirty="0">
-                <a:solidFill>
-                  <a:srgbClr val="0070C0"/>
-                </a:solidFill>
-                <a:latin typeface="Consolas" panose="020B0609020204030204" pitchFamily="49" charset="0"/>
-                <a:cs typeface="Consolas" panose="020B0609020204030204" pitchFamily="49" charset="0"/>
-              </a:rPr>
-              <a:t>, surname, </a:t>
-            </a:r>
-            <a:r>
-              <a:rPr lang="en-US" sz="2000" b="1" i="1" dirty="0" err="1">
-                <a:solidFill>
-                  <a:srgbClr val="0070C0"/>
-                </a:solidFill>
-                <a:latin typeface="Consolas" panose="020B0609020204030204" pitchFamily="49" charset="0"/>
-                <a:cs typeface="Consolas" panose="020B0609020204030204" pitchFamily="49" charset="0"/>
-              </a:rPr>
-              <a:t>tel</a:t>
-            </a:r>
-            <a:r>
-              <a:rPr lang="en-US" sz="2000" b="1" i="1" dirty="0">
-                <a:solidFill>
-                  <a:srgbClr val="0070C0"/>
-                </a:solidFill>
-                <a:latin typeface="Consolas" panose="020B0609020204030204" pitchFamily="49" charset="0"/>
-                <a:cs typeface="Consolas" panose="020B0609020204030204" pitchFamily="49" charset="0"/>
-              </a:rPr>
-              <a:t>):        </a:t>
-            </a:r>
-          </a:p>
-          <a:p>
-            <a:pPr lvl="1"/>
-            <a:r>
-              <a:rPr lang="en-US" sz="2000" b="1" i="1" dirty="0">
-                <a:solidFill>
-                  <a:srgbClr val="0070C0"/>
-                </a:solidFill>
-                <a:latin typeface="Consolas" panose="020B0609020204030204" pitchFamily="49" charset="0"/>
-                <a:cs typeface="Consolas" panose="020B0609020204030204" pitchFamily="49" charset="0"/>
-              </a:rPr>
-              <a:t>		</a:t>
-            </a:r>
-            <a:r>
-              <a:rPr lang="en-US" sz="2000" b="1" i="1" dirty="0" err="1">
-                <a:solidFill>
-                  <a:srgbClr val="0070C0"/>
-                </a:solidFill>
-                <a:latin typeface="Consolas" panose="020B0609020204030204" pitchFamily="49" charset="0"/>
-                <a:cs typeface="Consolas" panose="020B0609020204030204" pitchFamily="49" charset="0"/>
-              </a:rPr>
-              <a:t>self.first_name</a:t>
-            </a:r>
-            <a:r>
-              <a:rPr lang="en-US" sz="2000" b="1" i="1" dirty="0">
-                <a:solidFill>
-                  <a:srgbClr val="0070C0"/>
-                </a:solidFill>
-                <a:latin typeface="Consolas" panose="020B0609020204030204" pitchFamily="49" charset="0"/>
-                <a:cs typeface="Consolas" panose="020B0609020204030204" pitchFamily="49" charset="0"/>
-              </a:rPr>
-              <a:t> = </a:t>
-            </a:r>
-            <a:r>
-              <a:rPr lang="en-US" sz="2000" b="1" i="1" dirty="0" err="1">
-                <a:solidFill>
-                  <a:srgbClr val="0070C0"/>
-                </a:solidFill>
-                <a:latin typeface="Consolas" panose="020B0609020204030204" pitchFamily="49" charset="0"/>
-                <a:cs typeface="Consolas" panose="020B0609020204030204" pitchFamily="49" charset="0"/>
-              </a:rPr>
-              <a:t>first_name</a:t>
-            </a:r>
-            <a:r>
-              <a:rPr lang="en-US" sz="2000" b="1" i="1" dirty="0">
-                <a:solidFill>
-                  <a:srgbClr val="0070C0"/>
-                </a:solidFill>
-                <a:latin typeface="Consolas" panose="020B0609020204030204" pitchFamily="49" charset="0"/>
-                <a:cs typeface="Consolas" panose="020B0609020204030204" pitchFamily="49" charset="0"/>
-              </a:rPr>
-              <a:t>        </a:t>
-            </a:r>
-          </a:p>
-          <a:p>
-            <a:pPr lvl="1"/>
-            <a:r>
-              <a:rPr lang="en-US" sz="2000" b="1" i="1" dirty="0">
-                <a:solidFill>
-                  <a:srgbClr val="0070C0"/>
-                </a:solidFill>
-                <a:latin typeface="Consolas" panose="020B0609020204030204" pitchFamily="49" charset="0"/>
-                <a:cs typeface="Consolas" panose="020B0609020204030204" pitchFamily="49" charset="0"/>
-              </a:rPr>
-              <a:t>		</a:t>
-            </a:r>
-            <a:r>
-              <a:rPr lang="en-US" sz="2000" b="1" i="1" dirty="0" err="1">
-                <a:solidFill>
-                  <a:srgbClr val="0070C0"/>
-                </a:solidFill>
-                <a:latin typeface="Consolas" panose="020B0609020204030204" pitchFamily="49" charset="0"/>
-                <a:cs typeface="Consolas" panose="020B0609020204030204" pitchFamily="49" charset="0"/>
-              </a:rPr>
-              <a:t>self.surname</a:t>
-            </a:r>
-            <a:r>
-              <a:rPr lang="en-US" sz="2000" b="1" i="1" dirty="0">
-                <a:solidFill>
-                  <a:srgbClr val="0070C0"/>
-                </a:solidFill>
-                <a:latin typeface="Consolas" panose="020B0609020204030204" pitchFamily="49" charset="0"/>
-                <a:cs typeface="Consolas" panose="020B0609020204030204" pitchFamily="49" charset="0"/>
-              </a:rPr>
-              <a:t> = surname        </a:t>
-            </a:r>
-          </a:p>
-          <a:p>
-            <a:pPr lvl="1"/>
-            <a:r>
-              <a:rPr lang="en-US" sz="2000" b="1" i="1" dirty="0">
-                <a:solidFill>
-                  <a:srgbClr val="0070C0"/>
-                </a:solidFill>
-                <a:latin typeface="Consolas" panose="020B0609020204030204" pitchFamily="49" charset="0"/>
-                <a:cs typeface="Consolas" panose="020B0609020204030204" pitchFamily="49" charset="0"/>
-              </a:rPr>
-              <a:t>		self.tel = </a:t>
-            </a:r>
-            <a:r>
-              <a:rPr lang="en-US" sz="2000" b="1" i="1" dirty="0" err="1">
-                <a:solidFill>
-                  <a:srgbClr val="0070C0"/>
-                </a:solidFill>
-                <a:latin typeface="Consolas" panose="020B0609020204030204" pitchFamily="49" charset="0"/>
-                <a:cs typeface="Consolas" panose="020B0609020204030204" pitchFamily="49" charset="0"/>
-              </a:rPr>
-              <a:t>tel</a:t>
-            </a:r>
-            <a:endParaRPr lang="en-US" sz="2000" b="1" i="1" dirty="0">
-              <a:solidFill>
-                <a:srgbClr val="0070C0"/>
-              </a:solidFill>
-              <a:latin typeface="Consolas" panose="020B0609020204030204" pitchFamily="49" charset="0"/>
-              <a:cs typeface="Consolas" panose="020B0609020204030204" pitchFamily="49" charset="0"/>
-            </a:endParaRPr>
-          </a:p>
-          <a:p>
-            <a:pPr lvl="1"/>
-            <a:r>
-              <a:rPr lang="en-US" sz="2000" b="1" i="1" dirty="0">
-                <a:solidFill>
-                  <a:srgbClr val="0070C0"/>
-                </a:solidFill>
-                <a:latin typeface="Consolas" panose="020B0609020204030204" pitchFamily="49" charset="0"/>
-                <a:cs typeface="Consolas" panose="020B0609020204030204" pitchFamily="49" charset="0"/>
-              </a:rPr>
-              <a:t>    </a:t>
-            </a:r>
-          </a:p>
-          <a:p>
-            <a:pPr lvl="1"/>
-            <a:r>
-              <a:rPr lang="en-US" sz="2000" b="1" i="1" dirty="0">
-                <a:solidFill>
-                  <a:srgbClr val="0070C0"/>
-                </a:solidFill>
-                <a:latin typeface="Consolas" panose="020B0609020204030204" pitchFamily="49" charset="0"/>
-                <a:cs typeface="Consolas" panose="020B0609020204030204" pitchFamily="49" charset="0"/>
-              </a:rPr>
-              <a:t>	</a:t>
-            </a:r>
-            <a:r>
-              <a:rPr lang="en-US" sz="2000" b="1" i="1" dirty="0" err="1">
-                <a:solidFill>
-                  <a:srgbClr val="0070C0"/>
-                </a:solidFill>
-                <a:latin typeface="Consolas" panose="020B0609020204030204" pitchFamily="49" charset="0"/>
-                <a:cs typeface="Consolas" panose="020B0609020204030204" pitchFamily="49" charset="0"/>
-              </a:rPr>
-              <a:t>def</a:t>
-            </a:r>
-            <a:r>
-              <a:rPr lang="en-US" sz="2000" b="1" i="1" dirty="0">
-                <a:solidFill>
-                  <a:srgbClr val="0070C0"/>
-                </a:solidFill>
-                <a:latin typeface="Consolas" panose="020B0609020204030204" pitchFamily="49" charset="0"/>
-                <a:cs typeface="Consolas" panose="020B0609020204030204" pitchFamily="49" charset="0"/>
-              </a:rPr>
-              <a:t> </a:t>
-            </a:r>
-            <a:r>
-              <a:rPr lang="en-US" sz="2000" b="1" i="1" dirty="0" err="1">
-                <a:solidFill>
-                  <a:srgbClr val="0070C0"/>
-                </a:solidFill>
-                <a:latin typeface="Consolas" panose="020B0609020204030204" pitchFamily="49" charset="0"/>
-                <a:cs typeface="Consolas" panose="020B0609020204030204" pitchFamily="49" charset="0"/>
-              </a:rPr>
-              <a:t>full_name</a:t>
-            </a:r>
-            <a:r>
-              <a:rPr lang="en-US" sz="2000" b="1" i="1" dirty="0">
-                <a:solidFill>
-                  <a:srgbClr val="0070C0"/>
-                </a:solidFill>
-                <a:latin typeface="Consolas" panose="020B0609020204030204" pitchFamily="49" charset="0"/>
-                <a:cs typeface="Consolas" panose="020B0609020204030204" pitchFamily="49" charset="0"/>
-              </a:rPr>
-              <a:t>(self):        </a:t>
-            </a:r>
-          </a:p>
-          <a:p>
-            <a:pPr lvl="1"/>
-            <a:r>
-              <a:rPr lang="en-US" sz="2000" b="1" i="1" dirty="0">
-                <a:solidFill>
-                  <a:srgbClr val="0070C0"/>
-                </a:solidFill>
-                <a:latin typeface="Consolas" panose="020B0609020204030204" pitchFamily="49" charset="0"/>
-                <a:cs typeface="Consolas" panose="020B0609020204030204" pitchFamily="49" charset="0"/>
-              </a:rPr>
-              <a:t>		return </a:t>
-            </a:r>
-            <a:r>
-              <a:rPr lang="en-US" sz="2000" b="1" i="1" dirty="0" err="1">
-                <a:solidFill>
-                  <a:srgbClr val="0070C0"/>
-                </a:solidFill>
-                <a:latin typeface="Consolas" panose="020B0609020204030204" pitchFamily="49" charset="0"/>
-                <a:cs typeface="Consolas" panose="020B0609020204030204" pitchFamily="49" charset="0"/>
-              </a:rPr>
-              <a:t>self.first_name</a:t>
-            </a:r>
-            <a:r>
-              <a:rPr lang="en-US" sz="2000" b="1" i="1" dirty="0">
-                <a:solidFill>
-                  <a:srgbClr val="0070C0"/>
-                </a:solidFill>
-                <a:latin typeface="Consolas" panose="020B0609020204030204" pitchFamily="49" charset="0"/>
-                <a:cs typeface="Consolas" panose="020B0609020204030204" pitchFamily="49" charset="0"/>
-              </a:rPr>
-              <a:t> + " " + </a:t>
-            </a:r>
-            <a:r>
-              <a:rPr lang="en-US" sz="2000" b="1" i="1" dirty="0" err="1">
-                <a:solidFill>
-                  <a:srgbClr val="0070C0"/>
-                </a:solidFill>
-                <a:latin typeface="Consolas" panose="020B0609020204030204" pitchFamily="49" charset="0"/>
-                <a:cs typeface="Consolas" panose="020B0609020204030204" pitchFamily="49" charset="0"/>
-              </a:rPr>
-              <a:t>self.surname</a:t>
-            </a:r>
-            <a:r>
-              <a:rPr lang="en-US" sz="2000" b="1" i="1" dirty="0">
-                <a:solidFill>
-                  <a:srgbClr val="0070C0"/>
-                </a:solidFill>
-                <a:latin typeface="Consolas" panose="020B0609020204030204" pitchFamily="49" charset="0"/>
-                <a:cs typeface="Consolas" panose="020B0609020204030204" pitchFamily="49" charset="0"/>
-              </a:rPr>
-              <a:t> </a:t>
+            <a:r>
+              <a:rPr lang="en-US" sz="2000" dirty="0"/>
+              <a:t>By default, all new classes that you create are subclasses of </a:t>
+            </a:r>
+            <a:r>
+              <a:rPr lang="en-US" sz="2400" b="1" i="1" dirty="0">
+                <a:solidFill>
+                  <a:srgbClr val="0070C0"/>
+                </a:solidFill>
+                <a:latin typeface="Consolas" panose="020B0609020204030204" pitchFamily="49" charset="0"/>
+                <a:cs typeface="Consolas" panose="020B0609020204030204" pitchFamily="49" charset="0"/>
+              </a:rPr>
+              <a:t>object</a:t>
+            </a:r>
+            <a:r>
+              <a:rPr lang="en-US" sz="2000" dirty="0"/>
+              <a:t>. You can change this by specifying the class you want to use as a superclass in parentheses after the class name in a class definition. The following example defines a class (</a:t>
+            </a:r>
+            <a:r>
+              <a:rPr lang="en-US" sz="2400" b="1" i="1" dirty="0">
+                <a:solidFill>
+                  <a:srgbClr val="0070C0"/>
+                </a:solidFill>
+                <a:latin typeface="Consolas" panose="020B0609020204030204" pitchFamily="49" charset="0"/>
+                <a:cs typeface="Consolas" panose="020B0609020204030204" pitchFamily="49" charset="0"/>
+              </a:rPr>
+              <a:t>Employee</a:t>
+            </a:r>
+            <a:r>
+              <a:rPr lang="en-US" sz="2000" dirty="0"/>
+              <a:t>) as a subclass (</a:t>
+            </a:r>
+            <a:r>
+              <a:rPr lang="en-US" sz="2400" b="1" i="1" dirty="0">
+                <a:solidFill>
+                  <a:srgbClr val="0070C0"/>
+                </a:solidFill>
+                <a:latin typeface="Consolas" panose="020B0609020204030204" pitchFamily="49" charset="0"/>
+                <a:cs typeface="Consolas" panose="020B0609020204030204" pitchFamily="49" charset="0"/>
+              </a:rPr>
+              <a:t>Person</a:t>
+            </a:r>
+            <a:r>
+              <a:rPr lang="en-US" sz="2000" dirty="0"/>
+              <a:t>) and adds a new member variable (</a:t>
+            </a:r>
+            <a:r>
+              <a:rPr lang="en-US" sz="2400" b="1" i="1" dirty="0">
+                <a:solidFill>
+                  <a:srgbClr val="0070C0"/>
+                </a:solidFill>
+                <a:latin typeface="Consolas" panose="020B0609020204030204" pitchFamily="49" charset="0"/>
+                <a:cs typeface="Consolas" panose="020B0609020204030204" pitchFamily="49" charset="0"/>
+              </a:rPr>
+              <a:t>salary</a:t>
+            </a:r>
+            <a:r>
+              <a:rPr lang="en-US" sz="2000" dirty="0"/>
+              <a:t>) and an extra method (</a:t>
+            </a:r>
+            <a:r>
+              <a:rPr lang="en-US" sz="2400" b="1" i="1" dirty="0" err="1">
+                <a:solidFill>
+                  <a:srgbClr val="0070C0"/>
+                </a:solidFill>
+                <a:latin typeface="Consolas" panose="020B0609020204030204" pitchFamily="49" charset="0"/>
+                <a:cs typeface="Consolas" panose="020B0609020204030204" pitchFamily="49" charset="0"/>
+              </a:rPr>
+              <a:t>give_raise</a:t>
+            </a:r>
+            <a:r>
+              <a:rPr lang="en-US" sz="2000" dirty="0"/>
+              <a:t>):</a:t>
             </a:r>
           </a:p>
           <a:p>
@@ -14834,39 +13846,324 @@
               <a:buFont typeface="Arial" panose="020B0604020202020204" pitchFamily="34" charset="0"/>
               <a:buChar char="•"/>
             </a:pPr>
-            <a:endParaRPr lang="en-US" sz="2000" b="1" i="1" dirty="0">
-              <a:solidFill>
-                <a:srgbClr val="0070C0"/>
-              </a:solidFill>
-              <a:latin typeface="Consolas" panose="020B0609020204030204" pitchFamily="49" charset="0"/>
-              <a:cs typeface="Consolas" panose="020B0609020204030204" pitchFamily="49" charset="0"/>
-            </a:endParaRPr>
-          </a:p>
-          <a:p>
-            <a:pPr marL="342900" indent="-342900">
-              <a:buFont typeface="Arial" panose="020B0604020202020204" pitchFamily="34" charset="0"/>
-              <a:buChar char="•"/>
-            </a:pPr>
             <a:endParaRPr lang="en-US" sz="2000" dirty="0"/>
           </a:p>
           <a:p>
-            <a:pPr marL="342900" indent="-342900">
-              <a:buFont typeface="Arial" panose="020B0604020202020204" pitchFamily="34" charset="0"/>
-              <a:buChar char="•"/>
-            </a:pPr>
-            <a:r>
-              <a:rPr lang="en-US" sz="2000" dirty="0"/>
-              <a:t>If one method calls another within the same class, the call to the method has to be prefixed with </a:t>
-            </a:r>
-            <a:r>
-              <a:rPr lang="en-US" sz="2000" b="1" i="1" dirty="0">
-                <a:solidFill>
-                  <a:srgbClr val="0070C0"/>
-                </a:solidFill>
-                <a:latin typeface="Consolas" panose="020B0609020204030204" pitchFamily="49" charset="0"/>
-                <a:cs typeface="Consolas" panose="020B0609020204030204" pitchFamily="49" charset="0"/>
-              </a:rPr>
-              <a:t>self</a:t>
+            <a:pPr lvl="1"/>
+            <a:r>
+              <a:rPr lang="en-US" sz="2000" b="1" i="1" dirty="0">
+                <a:solidFill>
+                  <a:srgbClr val="0070C0"/>
+                </a:solidFill>
+                <a:latin typeface="Consolas" panose="020B0609020204030204" pitchFamily="49" charset="0"/>
+                <a:cs typeface="Consolas" panose="020B0609020204030204" pitchFamily="49" charset="0"/>
+              </a:rPr>
+              <a:t>class Employee(Person):</a:t>
+            </a:r>
+          </a:p>
+          <a:p>
+            <a:pPr lvl="1"/>
+            <a:r>
+              <a:rPr lang="en-US" sz="2000" b="1" i="1" dirty="0">
+                <a:solidFill>
+                  <a:srgbClr val="0070C0"/>
+                </a:solidFill>
+                <a:latin typeface="Consolas" panose="020B0609020204030204" pitchFamily="49" charset="0"/>
+                <a:cs typeface="Consolas" panose="020B0609020204030204" pitchFamily="49" charset="0"/>
+              </a:rPr>
+              <a:t>    </a:t>
+            </a:r>
+            <a:r>
+              <a:rPr lang="en-US" sz="2000" b="1" i="1" dirty="0" err="1">
+                <a:solidFill>
+                  <a:srgbClr val="0070C0"/>
+                </a:solidFill>
+                <a:latin typeface="Consolas" panose="020B0609020204030204" pitchFamily="49" charset="0"/>
+                <a:cs typeface="Consolas" panose="020B0609020204030204" pitchFamily="49" charset="0"/>
+              </a:rPr>
+              <a:t>def</a:t>
+            </a:r>
+            <a:r>
+              <a:rPr lang="en-US" sz="2000" b="1" i="1" dirty="0">
+                <a:solidFill>
+                  <a:srgbClr val="0070C0"/>
+                </a:solidFill>
+                <a:latin typeface="Consolas" panose="020B0609020204030204" pitchFamily="49" charset="0"/>
+                <a:cs typeface="Consolas" panose="020B0609020204030204" pitchFamily="49" charset="0"/>
+              </a:rPr>
+              <a:t> __</a:t>
+            </a:r>
+            <a:r>
+              <a:rPr lang="en-US" sz="2000" b="1" i="1" dirty="0" err="1">
+                <a:solidFill>
+                  <a:srgbClr val="0070C0"/>
+                </a:solidFill>
+                <a:latin typeface="Consolas" panose="020B0609020204030204" pitchFamily="49" charset="0"/>
+                <a:cs typeface="Consolas" panose="020B0609020204030204" pitchFamily="49" charset="0"/>
+              </a:rPr>
+              <a:t>init</a:t>
+            </a:r>
+            <a:r>
+              <a:rPr lang="en-US" sz="2000" b="1" i="1" dirty="0">
+                <a:solidFill>
+                  <a:srgbClr val="0070C0"/>
+                </a:solidFill>
+                <a:latin typeface="Consolas" panose="020B0609020204030204" pitchFamily="49" charset="0"/>
+                <a:cs typeface="Consolas" panose="020B0609020204030204" pitchFamily="49" charset="0"/>
+              </a:rPr>
+              <a:t>__(self, </a:t>
+            </a:r>
+            <a:r>
+              <a:rPr lang="en-US" sz="2000" b="1" i="1" dirty="0" err="1">
+                <a:solidFill>
+                  <a:srgbClr val="0070C0"/>
+                </a:solidFill>
+                <a:latin typeface="Consolas" panose="020B0609020204030204" pitchFamily="49" charset="0"/>
+                <a:cs typeface="Consolas" panose="020B0609020204030204" pitchFamily="49" charset="0"/>
+              </a:rPr>
+              <a:t>first_name</a:t>
+            </a:r>
+            <a:r>
+              <a:rPr lang="en-US" sz="2000" b="1" i="1" dirty="0">
+                <a:solidFill>
+                  <a:srgbClr val="0070C0"/>
+                </a:solidFill>
+                <a:latin typeface="Consolas" panose="020B0609020204030204" pitchFamily="49" charset="0"/>
+                <a:cs typeface="Consolas" panose="020B0609020204030204" pitchFamily="49" charset="0"/>
+              </a:rPr>
+              <a:t>, surname, </a:t>
+            </a:r>
+            <a:r>
+              <a:rPr lang="en-US" sz="2000" b="1" i="1" dirty="0" err="1">
+                <a:solidFill>
+                  <a:srgbClr val="0070C0"/>
+                </a:solidFill>
+                <a:latin typeface="Consolas" panose="020B0609020204030204" pitchFamily="49" charset="0"/>
+                <a:cs typeface="Consolas" panose="020B0609020204030204" pitchFamily="49" charset="0"/>
+              </a:rPr>
+              <a:t>tel</a:t>
+            </a:r>
+            <a:r>
+              <a:rPr lang="en-US" sz="2000" b="1" i="1" dirty="0">
+                <a:solidFill>
+                  <a:srgbClr val="0070C0"/>
+                </a:solidFill>
+                <a:latin typeface="Consolas" panose="020B0609020204030204" pitchFamily="49" charset="0"/>
+                <a:cs typeface="Consolas" panose="020B0609020204030204" pitchFamily="49" charset="0"/>
+              </a:rPr>
+              <a:t>, salary):        				super().__</a:t>
+            </a:r>
+            <a:r>
+              <a:rPr lang="en-US" sz="2000" b="1" i="1" dirty="0" err="1">
+                <a:solidFill>
+                  <a:srgbClr val="0070C0"/>
+                </a:solidFill>
+                <a:latin typeface="Consolas" panose="020B0609020204030204" pitchFamily="49" charset="0"/>
+                <a:cs typeface="Consolas" panose="020B0609020204030204" pitchFamily="49" charset="0"/>
+              </a:rPr>
+              <a:t>init</a:t>
+            </a:r>
+            <a:r>
+              <a:rPr lang="en-US" sz="2000" b="1" i="1" dirty="0">
+                <a:solidFill>
+                  <a:srgbClr val="0070C0"/>
+                </a:solidFill>
+                <a:latin typeface="Consolas" panose="020B0609020204030204" pitchFamily="49" charset="0"/>
+                <a:cs typeface="Consolas" panose="020B0609020204030204" pitchFamily="49" charset="0"/>
+              </a:rPr>
+              <a:t>__(</a:t>
+            </a:r>
+            <a:r>
+              <a:rPr lang="en-US" sz="2000" b="1" i="1" dirty="0" err="1">
+                <a:solidFill>
+                  <a:srgbClr val="0070C0"/>
+                </a:solidFill>
+                <a:latin typeface="Consolas" panose="020B0609020204030204" pitchFamily="49" charset="0"/>
+                <a:cs typeface="Consolas" panose="020B0609020204030204" pitchFamily="49" charset="0"/>
+              </a:rPr>
+              <a:t>first_name</a:t>
+            </a:r>
+            <a:r>
+              <a:rPr lang="en-US" sz="2000" b="1" i="1" dirty="0">
+                <a:solidFill>
+                  <a:srgbClr val="0070C0"/>
+                </a:solidFill>
+                <a:latin typeface="Consolas" panose="020B0609020204030204" pitchFamily="49" charset="0"/>
+                <a:cs typeface="Consolas" panose="020B0609020204030204" pitchFamily="49" charset="0"/>
+              </a:rPr>
+              <a:t>, surname, </a:t>
+            </a:r>
+            <a:r>
+              <a:rPr lang="en-US" sz="2000" b="1" i="1" dirty="0" err="1">
+                <a:solidFill>
+                  <a:srgbClr val="0070C0"/>
+                </a:solidFill>
+                <a:latin typeface="Consolas" panose="020B0609020204030204" pitchFamily="49" charset="0"/>
+                <a:cs typeface="Consolas" panose="020B0609020204030204" pitchFamily="49" charset="0"/>
+              </a:rPr>
+              <a:t>tel</a:t>
+            </a:r>
+            <a:r>
+              <a:rPr lang="en-US" sz="2000" b="1" i="1" dirty="0">
+                <a:solidFill>
+                  <a:srgbClr val="0070C0"/>
+                </a:solidFill>
+                <a:latin typeface="Consolas" panose="020B0609020204030204" pitchFamily="49" charset="0"/>
+                <a:cs typeface="Consolas" panose="020B0609020204030204" pitchFamily="49" charset="0"/>
+              </a:rPr>
+              <a:t>)        </a:t>
+            </a:r>
+          </a:p>
+          <a:p>
+            <a:pPr lvl="1"/>
+            <a:r>
+              <a:rPr lang="en-US" sz="2000" b="1" i="1" dirty="0">
+                <a:solidFill>
+                  <a:srgbClr val="0070C0"/>
+                </a:solidFill>
+                <a:latin typeface="Consolas" panose="020B0609020204030204" pitchFamily="49" charset="0"/>
+                <a:cs typeface="Consolas" panose="020B0609020204030204" pitchFamily="49" charset="0"/>
+              </a:rPr>
+              <a:t>		</a:t>
+            </a:r>
+            <a:r>
+              <a:rPr lang="en-US" sz="2000" b="1" i="1" dirty="0" err="1">
+                <a:solidFill>
+                  <a:srgbClr val="0070C0"/>
+                </a:solidFill>
+                <a:latin typeface="Consolas" panose="020B0609020204030204" pitchFamily="49" charset="0"/>
+                <a:cs typeface="Consolas" panose="020B0609020204030204" pitchFamily="49" charset="0"/>
+              </a:rPr>
+              <a:t>self.salary</a:t>
+            </a:r>
+            <a:r>
+              <a:rPr lang="en-US" sz="2000" b="1" i="1" dirty="0">
+                <a:solidFill>
+                  <a:srgbClr val="0070C0"/>
+                </a:solidFill>
+                <a:latin typeface="Consolas" panose="020B0609020204030204" pitchFamily="49" charset="0"/>
+                <a:cs typeface="Consolas" panose="020B0609020204030204" pitchFamily="49" charset="0"/>
+              </a:rPr>
+              <a:t> = salary</a:t>
+            </a:r>
+          </a:p>
+          <a:p>
+            <a:pPr lvl="1"/>
+            <a:r>
+              <a:rPr lang="en-US" sz="2000" b="1" i="1" dirty="0">
+                <a:solidFill>
+                  <a:srgbClr val="0070C0"/>
+                </a:solidFill>
+                <a:latin typeface="Consolas" panose="020B0609020204030204" pitchFamily="49" charset="0"/>
+                <a:cs typeface="Consolas" panose="020B0609020204030204" pitchFamily="49" charset="0"/>
+              </a:rPr>
+              <a:t>   </a:t>
+            </a:r>
+          </a:p>
+          <a:p>
+            <a:pPr lvl="1"/>
+            <a:r>
+              <a:rPr lang="en-US" sz="2000" b="1" i="1" dirty="0">
+                <a:solidFill>
+                  <a:srgbClr val="0070C0"/>
+                </a:solidFill>
+                <a:latin typeface="Consolas" panose="020B0609020204030204" pitchFamily="49" charset="0"/>
+                <a:cs typeface="Consolas" panose="020B0609020204030204" pitchFamily="49" charset="0"/>
+              </a:rPr>
+              <a:t>	 </a:t>
+            </a:r>
+            <a:r>
+              <a:rPr lang="en-US" sz="2000" b="1" i="1" dirty="0" err="1">
+                <a:solidFill>
+                  <a:srgbClr val="0070C0"/>
+                </a:solidFill>
+                <a:latin typeface="Consolas" panose="020B0609020204030204" pitchFamily="49" charset="0"/>
+                <a:cs typeface="Consolas" panose="020B0609020204030204" pitchFamily="49" charset="0"/>
+              </a:rPr>
+              <a:t>def</a:t>
+            </a:r>
+            <a:r>
+              <a:rPr lang="en-US" sz="2000" b="1" i="1" dirty="0">
+                <a:solidFill>
+                  <a:srgbClr val="0070C0"/>
+                </a:solidFill>
+                <a:latin typeface="Consolas" panose="020B0609020204030204" pitchFamily="49" charset="0"/>
+                <a:cs typeface="Consolas" panose="020B0609020204030204" pitchFamily="49" charset="0"/>
+              </a:rPr>
+              <a:t> </a:t>
+            </a:r>
+            <a:r>
+              <a:rPr lang="en-US" sz="2000" b="1" i="1" dirty="0" err="1">
+                <a:solidFill>
+                  <a:srgbClr val="0070C0"/>
+                </a:solidFill>
+                <a:latin typeface="Consolas" panose="020B0609020204030204" pitchFamily="49" charset="0"/>
+                <a:cs typeface="Consolas" panose="020B0609020204030204" pitchFamily="49" charset="0"/>
+              </a:rPr>
+              <a:t>give_raise</a:t>
+            </a:r>
+            <a:r>
+              <a:rPr lang="en-US" sz="2000" b="1" i="1" dirty="0">
+                <a:solidFill>
+                  <a:srgbClr val="0070C0"/>
+                </a:solidFill>
+                <a:latin typeface="Consolas" panose="020B0609020204030204" pitchFamily="49" charset="0"/>
+                <a:cs typeface="Consolas" panose="020B0609020204030204" pitchFamily="49" charset="0"/>
+              </a:rPr>
+              <a:t>(self, amount):        </a:t>
+            </a:r>
+          </a:p>
+          <a:p>
+            <a:pPr lvl="1"/>
+            <a:r>
+              <a:rPr lang="en-US" sz="2000" b="1" i="1" dirty="0">
+                <a:solidFill>
+                  <a:srgbClr val="0070C0"/>
+                </a:solidFill>
+                <a:latin typeface="Consolas" panose="020B0609020204030204" pitchFamily="49" charset="0"/>
+                <a:cs typeface="Consolas" panose="020B0609020204030204" pitchFamily="49" charset="0"/>
+              </a:rPr>
+              <a:t>		</a:t>
+            </a:r>
+            <a:r>
+              <a:rPr lang="en-US" sz="2000" b="1" i="1" dirty="0" err="1">
+                <a:solidFill>
+                  <a:srgbClr val="0070C0"/>
+                </a:solidFill>
+                <a:latin typeface="Consolas" panose="020B0609020204030204" pitchFamily="49" charset="0"/>
+                <a:cs typeface="Consolas" panose="020B0609020204030204" pitchFamily="49" charset="0"/>
+              </a:rPr>
+              <a:t>self.salary</a:t>
+            </a:r>
+            <a:r>
+              <a:rPr lang="en-US" sz="2000" b="1" i="1" dirty="0">
+                <a:solidFill>
+                  <a:srgbClr val="0070C0"/>
+                </a:solidFill>
+                <a:latin typeface="Consolas" panose="020B0609020204030204" pitchFamily="49" charset="0"/>
+                <a:cs typeface="Consolas" panose="020B0609020204030204" pitchFamily="49" charset="0"/>
+              </a:rPr>
+              <a:t> = </a:t>
+            </a:r>
+            <a:r>
+              <a:rPr lang="en-US" sz="2000" b="1" i="1" dirty="0" err="1">
+                <a:solidFill>
+                  <a:srgbClr val="0070C0"/>
+                </a:solidFill>
+                <a:latin typeface="Consolas" panose="020B0609020204030204" pitchFamily="49" charset="0"/>
+                <a:cs typeface="Consolas" panose="020B0609020204030204" pitchFamily="49" charset="0"/>
+              </a:rPr>
+              <a:t>self.salary</a:t>
+            </a:r>
+            <a:r>
+              <a:rPr lang="en-US" sz="2000" b="1" i="1" dirty="0">
+                <a:solidFill>
+                  <a:srgbClr val="0070C0"/>
+                </a:solidFill>
+                <a:latin typeface="Consolas" panose="020B0609020204030204" pitchFamily="49" charset="0"/>
+                <a:cs typeface="Consolas" panose="020B0609020204030204" pitchFamily="49" charset="0"/>
+              </a:rPr>
+              <a:t> + amount </a:t>
             </a:r>
           </a:p>
         </p:txBody>
@@ -14913,7 +14210,7 @@
     </p:spTree>
     <p:extLst>
       <p:ext uri="{BB962C8B-B14F-4D97-AF65-F5344CB8AC3E}">
-        <p14:creationId xmlns:p14="http://schemas.microsoft.com/office/powerpoint/2010/main" val="4279834591"/>
+        <p14:creationId xmlns:p14="http://schemas.microsoft.com/office/powerpoint/2010/main" val="3968070404"/>
       </p:ext>
     </p:extLst>
   </p:cSld>
@@ -15198,14 +14495,14 @@
 </file>
 
 <file path=customXml/item10.xml><?xml version="1.0" encoding="utf-8"?>
-<Control xmlns="http://schemas.microsoft.com/VisualStudio/2011/storyboarding/control/v1.0">
-  <Id Name="System.Storyboarding.Common.DropdownBox" RevisionId="68ea164d-c1de-47a5-804f-d4d1290fa524" Stencil="System.Storyboarding.Common" StencilRevisionId="68ea164d-c1de-47a5-804f-d4d1290fa524" StencilVersion="0.1"/>
+<Control xmlns="http://schemas.microsoft.com/VisualStudio/2011/storyboarding/control">
+  <Id Name="System.Storyboarding.Backgrounds.DesktopTaskbar" Revision="1" Stencil="System.Storyboarding.Backgrounds" StencilVersion="0.1"/>
 </Control>
 </file>
 
 <file path=customXml/item11.xml><?xml version="1.0" encoding="utf-8"?>
-<Control xmlns="http://schemas.microsoft.com/VisualStudio/2011/storyboarding/control/v1.0">
-  <Id Name="System.Storyboarding.Common.SearchBox" RevisionId="68ea164d-c1de-47a5-804f-d4d1290fa524" Stencil="System.Storyboarding.Common" StencilRevisionId="68ea164d-c1de-47a5-804f-d4d1290fa524" StencilVersion="0.1"/>
+<Control xmlns="http://schemas.microsoft.com/VisualStudio/2011/storyboarding/control">
+  <Id Name="System.Storyboarding.WindowsDesktop.Group" Revision="1" Stencil="System.Storyboarding.WindowsDesktop" StencilVersion="0.1"/>
 </Control>
 </file>
 
@@ -15217,19 +14514,19 @@
 
 <file path=customXml/item13.xml><?xml version="1.0" encoding="utf-8"?>
 <Control xmlns="http://schemas.microsoft.com/VisualStudio/2011/storyboarding/control/v1.0">
-  <Id Name="System.Storyboarding.Common.Text" RevisionId="68ea164d-c1de-47a5-804f-d4d1290fa524" Stencil="System.Storyboarding.Common" StencilRevisionId="68ea164d-c1de-47a5-804f-d4d1290fa524" StencilVersion="0.1"/>
+  <Id Name="System.Storyboarding.Common.Breadcrumb" RevisionId="68ea164d-c1de-47a5-804f-d4d1290fa524" Stencil="System.Storyboarding.Common" StencilRevisionId="68ea164d-c1de-47a5-804f-d4d1290fa524" StencilVersion="0.1"/>
 </Control>
 </file>
 
 <file path=customXml/item14.xml><?xml version="1.0" encoding="utf-8"?>
-<Control xmlns="http://schemas.microsoft.com/VisualStudio/2011/storyboarding/control">
-  <Id Name="System.Storyboarding.Media.MapMarker" Revision="1" Stencil="System.Storyboarding.Media" StencilVersion="0.1"/>
+<Control xmlns="http://schemas.microsoft.com/VisualStudio/2011/storyboarding/control/v1.0">
+  <Id Name="System.Storyboarding.Common.Text" RevisionId="68ea164d-c1de-47a5-804f-d4d1290fa524" Stencil="System.Storyboarding.Common" StencilRevisionId="68ea164d-c1de-47a5-804f-d4d1290fa524" StencilVersion="0.1"/>
 </Control>
 </file>
 
 <file path=customXml/item15.xml><?xml version="1.0" encoding="utf-8"?>
 <Control xmlns="http://schemas.microsoft.com/VisualStudio/2011/storyboarding/control/v1.0">
-  <Id Name="System.Storyboarding.Media.Image" RevisionId="658c0869-8ded-44f2-a68a-f8e8fcb7d3bd" Stencil="System.Storyboarding.Media" StencilRevisionId="658c0869-8ded-44f2-a68a-f8e8fcb7d3bd" StencilVersion="0.1"/>
+  <Id Name="System.Storyboarding.Common.Text" RevisionId="68ea164d-c1de-47a5-804f-d4d1290fa524" Stencil="System.Storyboarding.Common" StencilRevisionId="68ea164d-c1de-47a5-804f-d4d1290fa524" StencilVersion="0.1"/>
 </Control>
 </file>
 
@@ -15240,8 +14537,8 @@
 </file>
 
 <file path=customXml/item17.xml><?xml version="1.0" encoding="utf-8"?>
-<Control xmlns="http://schemas.microsoft.com/VisualStudio/2011/storyboarding/control/v1.0">
-  <Id Name="System.Storyboarding.Common.Breadcrumb" RevisionId="68ea164d-c1de-47a5-804f-d4d1290fa524" Stencil="System.Storyboarding.Common" StencilRevisionId="68ea164d-c1de-47a5-804f-d4d1290fa524" StencilVersion="0.1"/>
+<Control xmlns="http://schemas.microsoft.com/VisualStudio/2011/storyboarding/control">
+  <Id Name="System.Storyboarding.WindowsDesktop.Keyboard" Revision="1" Stencil="System.Storyboarding.WindowsDesktop" StencilVersion="0.1"/>
 </Control>
 </file>
 
@@ -15252,50 +14549,50 @@
 </file>
 
 <file path=customXml/item2.xml><?xml version="1.0" encoding="utf-8"?>
-<Control xmlns="http://schemas.microsoft.com/VisualStudio/2011/storyboarding/control">
-  <Id Name="System.Storyboarding.WindowsDesktop.Keyboard" Revision="1" Stencil="System.Storyboarding.WindowsDesktop" StencilVersion="0.1"/>
+<Control xmlns="http://schemas.microsoft.com/VisualStudio/2011/storyboarding/control/v1.0">
+  <Id Name="System.Storyboarding.Common.Text" RevisionId="68ea164d-c1de-47a5-804f-d4d1290fa524" Stencil="System.Storyboarding.Common" StencilRevisionId="68ea164d-c1de-47a5-804f-d4d1290fa524" StencilVersion="0.1"/>
 </Control>
 </file>
 
 <file path=customXml/item3.xml><?xml version="1.0" encoding="utf-8"?>
-<Control xmlns="http://schemas.microsoft.com/VisualStudio/2011/storyboarding/control">
-  <Id Name="System.Storyboarding.WindowsDesktop.Group" Revision="1" Stencil="System.Storyboarding.WindowsDesktop" StencilVersion="0.1"/>
+<Control xmlns="http://schemas.microsoft.com/VisualStudio/2011/storyboarding/control/v1.0">
+  <Id Name="System.Storyboarding.Common.SearchBox" RevisionId="68ea164d-c1de-47a5-804f-d4d1290fa524" Stencil="System.Storyboarding.Common" StencilRevisionId="68ea164d-c1de-47a5-804f-d4d1290fa524" StencilVersion="0.1"/>
 </Control>
 </file>
 
 <file path=customXml/item4.xml><?xml version="1.0" encoding="utf-8"?>
 <Control xmlns="http://schemas.microsoft.com/VisualStudio/2011/storyboarding/control/v1.0">
-  <Id Name="System.Storyboarding.Icons.FolderOpen" RevisionId="05cd6d03-c0b2-488e-98a7-d68de69a2cfc" Stencil="System.Storyboarding.Icons" StencilRevisionId="05cd6d03-c0b2-488e-98a7-d68de69a2cfc" StencilVersion="0.1"/>
+  <Id Name="System.Storyboarding.Common.Text" RevisionId="68ea164d-c1de-47a5-804f-d4d1290fa524" Stencil="System.Storyboarding.Common" StencilRevisionId="68ea164d-c1de-47a5-804f-d4d1290fa524" StencilVersion="0.1"/>
 </Control>
 </file>
 
 <file path=customXml/item5.xml><?xml version="1.0" encoding="utf-8"?>
 <Control xmlns="http://schemas.microsoft.com/VisualStudio/2011/storyboarding/control/v1.0">
-  <Id Name="System.Storyboarding.Common.Text" RevisionId="68ea164d-c1de-47a5-804f-d4d1290fa524" Stencil="System.Storyboarding.Common" StencilRevisionId="68ea164d-c1de-47a5-804f-d4d1290fa524" StencilVersion="0.1"/>
+  <Id Name="System.Storyboarding.Media.Image" RevisionId="658c0869-8ded-44f2-a68a-f8e8fcb7d3bd" Stencil="System.Storyboarding.Media" StencilRevisionId="658c0869-8ded-44f2-a68a-f8e8fcb7d3bd" StencilVersion="0.1"/>
 </Control>
 </file>
 
 <file path=customXml/item6.xml><?xml version="1.0" encoding="utf-8"?>
 <Control xmlns="http://schemas.microsoft.com/VisualStudio/2011/storyboarding/control/v1.0">
-  <Id Name="System.Storyboarding.Common.Text" RevisionId="68ea164d-c1de-47a5-804f-d4d1290fa524" Stencil="System.Storyboarding.Common" StencilRevisionId="68ea164d-c1de-47a5-804f-d4d1290fa524" StencilVersion="0.1"/>
+  <Id Name="System.Storyboarding.Common.DropdownBox" RevisionId="68ea164d-c1de-47a5-804f-d4d1290fa524" Stencil="System.Storyboarding.Common" StencilRevisionId="68ea164d-c1de-47a5-804f-d4d1290fa524" StencilVersion="0.1"/>
 </Control>
 </file>
 
 <file path=customXml/item7.xml><?xml version="1.0" encoding="utf-8"?>
 <Control xmlns="http://schemas.microsoft.com/VisualStudio/2011/storyboarding/control/v1.0">
-  <Id Name="System.Storyboarding.Common.Text" RevisionId="68ea164d-c1de-47a5-804f-d4d1290fa524" Stencil="System.Storyboarding.Common" StencilRevisionId="68ea164d-c1de-47a5-804f-d4d1290fa524" StencilVersion="0.1"/>
+  <Id Name="System.Storyboarding.Icons.FolderOpen" RevisionId="05cd6d03-c0b2-488e-98a7-d68de69a2cfc" Stencil="System.Storyboarding.Icons" StencilRevisionId="05cd6d03-c0b2-488e-98a7-d68de69a2cfc" StencilVersion="0.1"/>
 </Control>
 </file>
 
 <file path=customXml/item8.xml><?xml version="1.0" encoding="utf-8"?>
 <Control xmlns="http://schemas.microsoft.com/VisualStudio/2011/storyboarding/control">
-  <Id Name="System.Storyboarding.Backgrounds.DesktopTaskbar" Revision="1" Stencil="System.Storyboarding.Backgrounds" StencilVersion="0.1"/>
+  <Id Name="System.Storyboarding.Backgrounds.SharePoint" Revision="1" Stencil="System.Storyboarding.Backgrounds" StencilVersion="0.1"/>
 </Control>
 </file>
 
 <file path=customXml/item9.xml><?xml version="1.0" encoding="utf-8"?>
 <Control xmlns="http://schemas.microsoft.com/VisualStudio/2011/storyboarding/control">
-  <Id Name="System.Storyboarding.Backgrounds.SharePoint" Revision="1" Stencil="System.Storyboarding.Backgrounds" StencilVersion="0.1"/>
+  <Id Name="System.Storyboarding.Media.MapMarker" Revision="1" Stencil="System.Storyboarding.Media" StencilVersion="0.1"/>
 </Control>
 </file>
 
@@ -15308,17 +14605,17 @@
 </file>
 
 <file path=customXml/itemProps10.xml><?xml version="1.0" encoding="utf-8"?>
-<ds:datastoreItem xmlns:ds="http://schemas.openxmlformats.org/officeDocument/2006/customXml" ds:itemID="{5A6F5145-09F5-421E-ABA8-035D9DF59D73}">
+<ds:datastoreItem xmlns:ds="http://schemas.openxmlformats.org/officeDocument/2006/customXml" ds:itemID="{DF982C70-0E37-4640-A74E-5E2011D6C363}">
   <ds:schemaRefs>
-    <ds:schemaRef ds:uri="http://schemas.microsoft.com/VisualStudio/2011/storyboarding/control/v1.0"/>
+    <ds:schemaRef ds:uri="http://schemas.microsoft.com/VisualStudio/2011/storyboarding/control"/>
   </ds:schemaRefs>
 </ds:datastoreItem>
 </file>
 
 <file path=customXml/itemProps11.xml><?xml version="1.0" encoding="utf-8"?>
-<ds:datastoreItem xmlns:ds="http://schemas.openxmlformats.org/officeDocument/2006/customXml" ds:itemID="{AB8AF5A6-FA45-4246-A67D-74215671FBEF}">
+<ds:datastoreItem xmlns:ds="http://schemas.openxmlformats.org/officeDocument/2006/customXml" ds:itemID="{44E3BD45-5547-4AFD-BDD3-73A50DAA374F}">
   <ds:schemaRefs>
-    <ds:schemaRef ds:uri="http://schemas.microsoft.com/VisualStudio/2011/storyboarding/control/v1.0"/>
+    <ds:schemaRef ds:uri="http://schemas.microsoft.com/VisualStudio/2011/storyboarding/control"/>
   </ds:schemaRefs>
 </ds:datastoreItem>
 </file>
@@ -15332,6 +14629,14 @@
 </file>
 
 <file path=customXml/itemProps13.xml><?xml version="1.0" encoding="utf-8"?>
+<ds:datastoreItem xmlns:ds="http://schemas.openxmlformats.org/officeDocument/2006/customXml" ds:itemID="{2ED57B16-65F0-4D88-8FC8-86653DF414F3}">
+  <ds:schemaRefs>
+    <ds:schemaRef ds:uri="http://schemas.microsoft.com/VisualStudio/2011/storyboarding/control/v1.0"/>
+  </ds:schemaRefs>
+</ds:datastoreItem>
+</file>
+
+<file path=customXml/itemProps14.xml><?xml version="1.0" encoding="utf-8"?>
 <ds:datastoreItem xmlns:ds="http://schemas.openxmlformats.org/officeDocument/2006/customXml" ds:itemID="{BCFDDF06-4D2E-4D6D-9A1B-C447B3F4EA67}">
   <ds:schemaRefs>
     <ds:schemaRef ds:uri="http://schemas.microsoft.com/VisualStudio/2011/storyboarding/control/v1.0"/>
@@ -15339,15 +14644,63 @@
 </ds:datastoreItem>
 </file>
 
-<file path=customXml/itemProps14.xml><?xml version="1.0" encoding="utf-8"?>
-<ds:datastoreItem xmlns:ds="http://schemas.openxmlformats.org/officeDocument/2006/customXml" ds:itemID="{0D2A93C0-7A13-4CB3-A9A9-D2DE1D34C261}">
+<file path=customXml/itemProps15.xml><?xml version="1.0" encoding="utf-8"?>
+<ds:datastoreItem xmlns:ds="http://schemas.openxmlformats.org/officeDocument/2006/customXml" ds:itemID="{6089AD14-2AFF-487A-A99A-106B05215CC5}">
+  <ds:schemaRefs>
+    <ds:schemaRef ds:uri="http://schemas.microsoft.com/VisualStudio/2011/storyboarding/control/v1.0"/>
+  </ds:schemaRefs>
+</ds:datastoreItem>
+</file>
+
+<file path=customXml/itemProps16.xml><?xml version="1.0" encoding="utf-8"?>
+<ds:datastoreItem xmlns:ds="http://schemas.openxmlformats.org/officeDocument/2006/customXml" ds:itemID="{E83CE332-ECC5-4BAC-A734-C260BE747A0D}">
+  <ds:schemaRefs>
+    <ds:schemaRef ds:uri="http://schemas.microsoft.com/VisualStudio/2011/storyboarding/control/v1.0"/>
+  </ds:schemaRefs>
+</ds:datastoreItem>
+</file>
+
+<file path=customXml/itemProps17.xml><?xml version="1.0" encoding="utf-8"?>
+<ds:datastoreItem xmlns:ds="http://schemas.openxmlformats.org/officeDocument/2006/customXml" ds:itemID="{753E4477-1AB6-4434-8575-0463957DE5A7}">
   <ds:schemaRefs>
     <ds:schemaRef ds:uri="http://schemas.microsoft.com/VisualStudio/2011/storyboarding/control"/>
   </ds:schemaRefs>
 </ds:datastoreItem>
 </file>
 
-<file path=customXml/itemProps15.xml><?xml version="1.0" encoding="utf-8"?>
+<file path=customXml/itemProps18.xml><?xml version="1.0" encoding="utf-8"?>
+<ds:datastoreItem xmlns:ds="http://schemas.openxmlformats.org/officeDocument/2006/customXml" ds:itemID="{4475BC4D-1BB3-42EE-94C9-1B162D8BAFED}">
+  <ds:schemaRefs>
+    <ds:schemaRef ds:uri="http://schemas.microsoft.com/VisualStudio/2011/storyboarding/control/v1.0"/>
+  </ds:schemaRefs>
+</ds:datastoreItem>
+</file>
+
+<file path=customXml/itemProps2.xml><?xml version="1.0" encoding="utf-8"?>
+<ds:datastoreItem xmlns:ds="http://schemas.openxmlformats.org/officeDocument/2006/customXml" ds:itemID="{D876FCC0-9E7A-48B1-8E50-1A0759F74E0A}">
+  <ds:schemaRefs>
+    <ds:schemaRef ds:uri="http://schemas.microsoft.com/VisualStudio/2011/storyboarding/control/v1.0"/>
+  </ds:schemaRefs>
+</ds:datastoreItem>
+</file>
+
+<file path=customXml/itemProps3.xml><?xml version="1.0" encoding="utf-8"?>
+<ds:datastoreItem xmlns:ds="http://schemas.openxmlformats.org/officeDocument/2006/customXml" ds:itemID="{AB8AF5A6-FA45-4246-A67D-74215671FBEF}">
+  <ds:schemaRefs>
+    <ds:schemaRef ds:uri="http://schemas.microsoft.com/VisualStudio/2011/storyboarding/control/v1.0"/>
+  </ds:schemaRefs>
+</ds:datastoreItem>
+</file>
+
+<file path=customXml/itemProps4.xml><?xml version="1.0" encoding="utf-8"?>
+<ds:datastoreItem xmlns:ds="http://schemas.openxmlformats.org/officeDocument/2006/customXml" ds:itemID="{05C8BB45-782C-4141-A21F-408D72D18D5D}">
+  <ds:schemaRefs>
+    <ds:schemaRef ds:uri="http://schemas.microsoft.com/VisualStudio/2011/storyboarding/control/v1.0"/>
+  </ds:schemaRefs>
+</ds:datastoreItem>
+</file>
+
+<file path=customXml/itemProps5.xml><?xml version="1.0" encoding="utf-8"?>
 <ds:datastoreItem xmlns:ds="http://schemas.openxmlformats.org/officeDocument/2006/customXml" ds:itemID="{366DA436-CE30-453F-9CC1-28AD3B50F144}">
   <ds:schemaRefs>
     <ds:schemaRef ds:uri="http://schemas.microsoft.com/VisualStudio/2011/storyboarding/control/v1.0"/>
@@ -15355,47 +14708,15 @@
 </ds:datastoreItem>
 </file>
 
-<file path=customXml/itemProps16.xml><?xml version="1.0" encoding="utf-8"?>
-<ds:datastoreItem xmlns:ds="http://schemas.openxmlformats.org/officeDocument/2006/customXml" ds:itemID="{4475BC4D-1BB3-42EE-94C9-1B162D8BAFED}">
+<file path=customXml/itemProps6.xml><?xml version="1.0" encoding="utf-8"?>
+<ds:datastoreItem xmlns:ds="http://schemas.openxmlformats.org/officeDocument/2006/customXml" ds:itemID="{5A6F5145-09F5-421E-ABA8-035D9DF59D73}">
   <ds:schemaRefs>
     <ds:schemaRef ds:uri="http://schemas.microsoft.com/VisualStudio/2011/storyboarding/control/v1.0"/>
   </ds:schemaRefs>
 </ds:datastoreItem>
 </file>
 
-<file path=customXml/itemProps17.xml><?xml version="1.0" encoding="utf-8"?>
-<ds:datastoreItem xmlns:ds="http://schemas.openxmlformats.org/officeDocument/2006/customXml" ds:itemID="{2ED57B16-65F0-4D88-8FC8-86653DF414F3}">
-  <ds:schemaRefs>
-    <ds:schemaRef ds:uri="http://schemas.microsoft.com/VisualStudio/2011/storyboarding/control/v1.0"/>
-  </ds:schemaRefs>
-</ds:datastoreItem>
-</file>
-
-<file path=customXml/itemProps18.xml><?xml version="1.0" encoding="utf-8"?>
-<ds:datastoreItem xmlns:ds="http://schemas.openxmlformats.org/officeDocument/2006/customXml" ds:itemID="{6089AD14-2AFF-487A-A99A-106B05215CC5}">
-  <ds:schemaRefs>
-    <ds:schemaRef ds:uri="http://schemas.microsoft.com/VisualStudio/2011/storyboarding/control/v1.0"/>
-  </ds:schemaRefs>
-</ds:datastoreItem>
-</file>
-
-<file path=customXml/itemProps2.xml><?xml version="1.0" encoding="utf-8"?>
-<ds:datastoreItem xmlns:ds="http://schemas.openxmlformats.org/officeDocument/2006/customXml" ds:itemID="{753E4477-1AB6-4434-8575-0463957DE5A7}">
-  <ds:schemaRefs>
-    <ds:schemaRef ds:uri="http://schemas.microsoft.com/VisualStudio/2011/storyboarding/control"/>
-  </ds:schemaRefs>
-</ds:datastoreItem>
-</file>
-
-<file path=customXml/itemProps3.xml><?xml version="1.0" encoding="utf-8"?>
-<ds:datastoreItem xmlns:ds="http://schemas.openxmlformats.org/officeDocument/2006/customXml" ds:itemID="{44E3BD45-5547-4AFD-BDD3-73A50DAA374F}">
-  <ds:schemaRefs>
-    <ds:schemaRef ds:uri="http://schemas.microsoft.com/VisualStudio/2011/storyboarding/control"/>
-  </ds:schemaRefs>
-</ds:datastoreItem>
-</file>
-
-<file path=customXml/itemProps4.xml><?xml version="1.0" encoding="utf-8"?>
+<file path=customXml/itemProps7.xml><?xml version="1.0" encoding="utf-8"?>
 <ds:datastoreItem xmlns:ds="http://schemas.openxmlformats.org/officeDocument/2006/customXml" ds:itemID="{6CA1E503-3BE5-48F9-8903-1F5A0E5B53FA}">
   <ds:schemaRefs>
     <ds:schemaRef ds:uri="http://schemas.microsoft.com/VisualStudio/2011/storyboarding/control/v1.0"/>
@@ -15403,32 +14724,8 @@
 </ds:datastoreItem>
 </file>
 
-<file path=customXml/itemProps5.xml><?xml version="1.0" encoding="utf-8"?>
-<ds:datastoreItem xmlns:ds="http://schemas.openxmlformats.org/officeDocument/2006/customXml" ds:itemID="{05C8BB45-782C-4141-A21F-408D72D18D5D}">
-  <ds:schemaRefs>
-    <ds:schemaRef ds:uri="http://schemas.microsoft.com/VisualStudio/2011/storyboarding/control/v1.0"/>
-  </ds:schemaRefs>
-</ds:datastoreItem>
-</file>
-
-<file path=customXml/itemProps6.xml><?xml version="1.0" encoding="utf-8"?>
-<ds:datastoreItem xmlns:ds="http://schemas.openxmlformats.org/officeDocument/2006/customXml" ds:itemID="{D876FCC0-9E7A-48B1-8E50-1A0759F74E0A}">
-  <ds:schemaRefs>
-    <ds:schemaRef ds:uri="http://schemas.microsoft.com/VisualStudio/2011/storyboarding/control/v1.0"/>
-  </ds:schemaRefs>
-</ds:datastoreItem>
-</file>
-
-<file path=customXml/itemProps7.xml><?xml version="1.0" encoding="utf-8"?>
-<ds:datastoreItem xmlns:ds="http://schemas.openxmlformats.org/officeDocument/2006/customXml" ds:itemID="{E83CE332-ECC5-4BAC-A734-C260BE747A0D}">
-  <ds:schemaRefs>
-    <ds:schemaRef ds:uri="http://schemas.microsoft.com/VisualStudio/2011/storyboarding/control/v1.0"/>
-  </ds:schemaRefs>
-</ds:datastoreItem>
-</file>
-
 <file path=customXml/itemProps8.xml><?xml version="1.0" encoding="utf-8"?>
-<ds:datastoreItem xmlns:ds="http://schemas.openxmlformats.org/officeDocument/2006/customXml" ds:itemID="{DF982C70-0E37-4640-A74E-5E2011D6C363}">
+<ds:datastoreItem xmlns:ds="http://schemas.openxmlformats.org/officeDocument/2006/customXml" ds:itemID="{781159F0-3D6C-446D-8619-60490F13F705}">
   <ds:schemaRefs>
     <ds:schemaRef ds:uri="http://schemas.microsoft.com/VisualStudio/2011/storyboarding/control"/>
   </ds:schemaRefs>
@@ -15436,7 +14733,7 @@
 </file>
 
 <file path=customXml/itemProps9.xml><?xml version="1.0" encoding="utf-8"?>
-<ds:datastoreItem xmlns:ds="http://schemas.openxmlformats.org/officeDocument/2006/customXml" ds:itemID="{781159F0-3D6C-446D-8619-60490F13F705}">
+<ds:datastoreItem xmlns:ds="http://schemas.openxmlformats.org/officeDocument/2006/customXml" ds:itemID="{0D2A93C0-7A13-4CB3-A9A9-D2DE1D34C261}">
   <ds:schemaRefs>
     <ds:schemaRef ds:uri="http://schemas.microsoft.com/VisualStudio/2011/storyboarding/control"/>
   </ds:schemaRefs>
